--- a/第2章.pptx
+++ b/第2章.pptx
@@ -4,6 +4,9 @@
   <p:sldMasterIdLst>
     <p:sldMasterId id="2147483648" r:id="rId1"/>
   </p:sldMasterIdLst>
+  <p:notesMasterIdLst>
+    <p:notesMasterId r:id="rId22"/>
+  </p:notesMasterIdLst>
   <p:sldIdLst>
     <p:sldId id="256" r:id="rId2"/>
     <p:sldId id="257" r:id="rId3"/>
@@ -15,6 +18,16 @@
     <p:sldId id="274" r:id="rId9"/>
     <p:sldId id="275" r:id="rId10"/>
     <p:sldId id="276" r:id="rId11"/>
+    <p:sldId id="277" r:id="rId12"/>
+    <p:sldId id="278" r:id="rId13"/>
+    <p:sldId id="279" r:id="rId14"/>
+    <p:sldId id="280" r:id="rId15"/>
+    <p:sldId id="281" r:id="rId16"/>
+    <p:sldId id="282" r:id="rId17"/>
+    <p:sldId id="283" r:id="rId18"/>
+    <p:sldId id="284" r:id="rId19"/>
+    <p:sldId id="285" r:id="rId20"/>
+    <p:sldId id="286" r:id="rId21"/>
   </p:sldIdLst>
   <p:sldSz cx="12192000" cy="6858000"/>
   <p:notesSz cx="6858000" cy="9144000"/>
@@ -121,6 +134,387 @@
 </p:presentation>
 </file>
 
+<file path=ppt/notesMasters/notesMaster1.xml><?xml version="1.0" encoding="utf-8"?>
+<p:notesMaster xmlns:a="http://schemas.openxmlformats.org/drawingml/2006/main" xmlns:r="http://schemas.openxmlformats.org/officeDocument/2006/relationships" xmlns:p="http://schemas.openxmlformats.org/presentationml/2006/main">
+  <p:cSld>
+    <p:bg>
+      <p:bgRef idx="1001">
+        <a:schemeClr val="bg1"/>
+      </p:bgRef>
+    </p:bg>
+    <p:spTree>
+      <p:nvGrpSpPr>
+        <p:cNvPr id="1" name=""/>
+        <p:cNvGrpSpPr/>
+        <p:nvPr/>
+      </p:nvGrpSpPr>
+      <p:grpSpPr>
+        <a:xfrm>
+          <a:off x="0" y="0"/>
+          <a:ext cx="0" cy="0"/>
+          <a:chOff x="0" y="0"/>
+          <a:chExt cx="0" cy="0"/>
+        </a:xfrm>
+      </p:grpSpPr>
+      <p:sp>
+        <p:nvSpPr>
+          <p:cNvPr id="2" name="ヘッダー プレースホルダー 1"/>
+          <p:cNvSpPr>
+            <a:spLocks noGrp="1"/>
+          </p:cNvSpPr>
+          <p:nvPr>
+            <p:ph type="hdr" sz="quarter"/>
+          </p:nvPr>
+        </p:nvSpPr>
+        <p:spPr>
+          <a:xfrm>
+            <a:off x="0" y="0"/>
+            <a:ext cx="2971800" cy="458788"/>
+          </a:xfrm>
+          <a:prstGeom prst="rect">
+            <a:avLst/>
+          </a:prstGeom>
+        </p:spPr>
+        <p:txBody>
+          <a:bodyPr vert="horz" lIns="91440" tIns="45720" rIns="91440" bIns="45720" rtlCol="0"/>
+          <a:lstStyle>
+            <a:lvl1pPr algn="l">
+              <a:defRPr sz="1200"/>
+            </a:lvl1pPr>
+          </a:lstStyle>
+          <a:p>
+            <a:endParaRPr kumimoji="1" lang="ja-JP" altLang="en-US"/>
+          </a:p>
+        </p:txBody>
+      </p:sp>
+      <p:sp>
+        <p:nvSpPr>
+          <p:cNvPr id="3" name="日付プレースホルダー 2"/>
+          <p:cNvSpPr>
+            <a:spLocks noGrp="1"/>
+          </p:cNvSpPr>
+          <p:nvPr>
+            <p:ph type="dt" idx="1"/>
+          </p:nvPr>
+        </p:nvSpPr>
+        <p:spPr>
+          <a:xfrm>
+            <a:off x="3884613" y="0"/>
+            <a:ext cx="2971800" cy="458788"/>
+          </a:xfrm>
+          <a:prstGeom prst="rect">
+            <a:avLst/>
+          </a:prstGeom>
+        </p:spPr>
+        <p:txBody>
+          <a:bodyPr vert="horz" lIns="91440" tIns="45720" rIns="91440" bIns="45720" rtlCol="0"/>
+          <a:lstStyle>
+            <a:lvl1pPr algn="r">
+              <a:defRPr sz="1200"/>
+            </a:lvl1pPr>
+          </a:lstStyle>
+          <a:p>
+            <a:fld id="{C06B2F65-64AE-4678-96EC-3A836C386FBA}" type="datetimeFigureOut">
+              <a:rPr kumimoji="1" lang="ja-JP" altLang="en-US" smtClean="0"/>
+              <a:t>2025/11/6</a:t>
+            </a:fld>
+            <a:endParaRPr kumimoji="1" lang="ja-JP" altLang="en-US"/>
+          </a:p>
+        </p:txBody>
+      </p:sp>
+      <p:sp>
+        <p:nvSpPr>
+          <p:cNvPr id="4" name="スライド イメージ プレースホルダー 3"/>
+          <p:cNvSpPr>
+            <a:spLocks noGrp="1" noRot="1" noChangeAspect="1"/>
+          </p:cNvSpPr>
+          <p:nvPr>
+            <p:ph type="sldImg" idx="2"/>
+          </p:nvPr>
+        </p:nvSpPr>
+        <p:spPr>
+          <a:xfrm>
+            <a:off x="685800" y="1143000"/>
+            <a:ext cx="5486400" cy="3086100"/>
+          </a:xfrm>
+          <a:prstGeom prst="rect">
+            <a:avLst/>
+          </a:prstGeom>
+          <a:noFill/>
+          <a:ln w="12700">
+            <a:solidFill>
+              <a:prstClr val="black"/>
+            </a:solidFill>
+          </a:ln>
+        </p:spPr>
+        <p:txBody>
+          <a:bodyPr vert="horz" lIns="91440" tIns="45720" rIns="91440" bIns="45720" rtlCol="0" anchor="ctr"/>
+          <a:lstStyle/>
+          <a:p>
+            <a:endParaRPr lang="ja-JP" altLang="en-US"/>
+          </a:p>
+        </p:txBody>
+      </p:sp>
+      <p:sp>
+        <p:nvSpPr>
+          <p:cNvPr id="5" name="ノート プレースホルダー 4"/>
+          <p:cNvSpPr>
+            <a:spLocks noGrp="1"/>
+          </p:cNvSpPr>
+          <p:nvPr>
+            <p:ph type="body" sz="quarter" idx="3"/>
+          </p:nvPr>
+        </p:nvSpPr>
+        <p:spPr>
+          <a:xfrm>
+            <a:off x="685800" y="4400550"/>
+            <a:ext cx="5486400" cy="3600450"/>
+          </a:xfrm>
+          <a:prstGeom prst="rect">
+            <a:avLst/>
+          </a:prstGeom>
+        </p:spPr>
+        <p:txBody>
+          <a:bodyPr vert="horz" lIns="91440" tIns="45720" rIns="91440" bIns="45720" rtlCol="0"/>
+          <a:lstStyle/>
+          <a:p>
+            <a:pPr lvl="0"/>
+            <a:r>
+              <a:rPr kumimoji="1" lang="ja-JP" altLang="en-US"/>
+              <a:t>マスター テキストの書式設定</a:t>
+            </a:r>
+          </a:p>
+          <a:p>
+            <a:pPr lvl="1"/>
+            <a:r>
+              <a:rPr kumimoji="1" lang="ja-JP" altLang="en-US"/>
+              <a:t>第 </a:t>
+            </a:r>
+            <a:r>
+              <a:rPr kumimoji="1" lang="en-US" altLang="ja-JP"/>
+              <a:t>2 </a:t>
+            </a:r>
+            <a:r>
+              <a:rPr kumimoji="1" lang="ja-JP" altLang="en-US"/>
+              <a:t>レベル</a:t>
+            </a:r>
+          </a:p>
+          <a:p>
+            <a:pPr lvl="2"/>
+            <a:r>
+              <a:rPr kumimoji="1" lang="ja-JP" altLang="en-US"/>
+              <a:t>第 </a:t>
+            </a:r>
+            <a:r>
+              <a:rPr kumimoji="1" lang="en-US" altLang="ja-JP"/>
+              <a:t>3 </a:t>
+            </a:r>
+            <a:r>
+              <a:rPr kumimoji="1" lang="ja-JP" altLang="en-US"/>
+              <a:t>レベル</a:t>
+            </a:r>
+          </a:p>
+          <a:p>
+            <a:pPr lvl="3"/>
+            <a:r>
+              <a:rPr kumimoji="1" lang="ja-JP" altLang="en-US"/>
+              <a:t>第 </a:t>
+            </a:r>
+            <a:r>
+              <a:rPr kumimoji="1" lang="en-US" altLang="ja-JP"/>
+              <a:t>4 </a:t>
+            </a:r>
+            <a:r>
+              <a:rPr kumimoji="1" lang="ja-JP" altLang="en-US"/>
+              <a:t>レベル</a:t>
+            </a:r>
+          </a:p>
+          <a:p>
+            <a:pPr lvl="4"/>
+            <a:r>
+              <a:rPr kumimoji="1" lang="ja-JP" altLang="en-US"/>
+              <a:t>第 </a:t>
+            </a:r>
+            <a:r>
+              <a:rPr kumimoji="1" lang="en-US" altLang="ja-JP"/>
+              <a:t>5 </a:t>
+            </a:r>
+            <a:r>
+              <a:rPr kumimoji="1" lang="ja-JP" altLang="en-US"/>
+              <a:t>レベル</a:t>
+            </a:r>
+          </a:p>
+        </p:txBody>
+      </p:sp>
+      <p:sp>
+        <p:nvSpPr>
+          <p:cNvPr id="6" name="フッター プレースホルダー 5"/>
+          <p:cNvSpPr>
+            <a:spLocks noGrp="1"/>
+          </p:cNvSpPr>
+          <p:nvPr>
+            <p:ph type="ftr" sz="quarter" idx="4"/>
+          </p:nvPr>
+        </p:nvSpPr>
+        <p:spPr>
+          <a:xfrm>
+            <a:off x="0" y="8685213"/>
+            <a:ext cx="2971800" cy="458787"/>
+          </a:xfrm>
+          <a:prstGeom prst="rect">
+            <a:avLst/>
+          </a:prstGeom>
+        </p:spPr>
+        <p:txBody>
+          <a:bodyPr vert="horz" lIns="91440" tIns="45720" rIns="91440" bIns="45720" rtlCol="0" anchor="b"/>
+          <a:lstStyle>
+            <a:lvl1pPr algn="l">
+              <a:defRPr sz="1200"/>
+            </a:lvl1pPr>
+          </a:lstStyle>
+          <a:p>
+            <a:endParaRPr kumimoji="1" lang="ja-JP" altLang="en-US"/>
+          </a:p>
+        </p:txBody>
+      </p:sp>
+      <p:sp>
+        <p:nvSpPr>
+          <p:cNvPr id="7" name="スライド番号プレースホルダー 6"/>
+          <p:cNvSpPr>
+            <a:spLocks noGrp="1"/>
+          </p:cNvSpPr>
+          <p:nvPr>
+            <p:ph type="sldNum" sz="quarter" idx="5"/>
+          </p:nvPr>
+        </p:nvSpPr>
+        <p:spPr>
+          <a:xfrm>
+            <a:off x="3884613" y="8685213"/>
+            <a:ext cx="2971800" cy="458787"/>
+          </a:xfrm>
+          <a:prstGeom prst="rect">
+            <a:avLst/>
+          </a:prstGeom>
+        </p:spPr>
+        <p:txBody>
+          <a:bodyPr vert="horz" lIns="91440" tIns="45720" rIns="91440" bIns="45720" rtlCol="0" anchor="b"/>
+          <a:lstStyle>
+            <a:lvl1pPr algn="r">
+              <a:defRPr sz="1200"/>
+            </a:lvl1pPr>
+          </a:lstStyle>
+          <a:p>
+            <a:fld id="{F56B8FC9-444B-41A9-9464-846F11FF1CBF}" type="slidenum">
+              <a:rPr kumimoji="1" lang="ja-JP" altLang="en-US" smtClean="0"/>
+              <a:t>‹#›</a:t>
+            </a:fld>
+            <a:endParaRPr kumimoji="1" lang="ja-JP" altLang="en-US"/>
+          </a:p>
+        </p:txBody>
+      </p:sp>
+    </p:spTree>
+    <p:extLst>
+      <p:ext uri="{BB962C8B-B14F-4D97-AF65-F5344CB8AC3E}">
+        <p14:creationId xmlns:p14="http://schemas.microsoft.com/office/powerpoint/2010/main" val="279649024"/>
+      </p:ext>
+    </p:extLst>
+  </p:cSld>
+  <p:clrMap bg1="lt1" tx1="dk1" bg2="lt2" tx2="dk2" accent1="accent1" accent2="accent2" accent3="accent3" accent4="accent4" accent5="accent5" accent6="accent6" hlink="hlink" folHlink="folHlink"/>
+  <p:notesStyle>
+    <a:lvl1pPr marL="0" algn="l" defTabSz="914400" rtl="0" eaLnBrk="1" latinLnBrk="0" hangingPunct="1">
+      <a:defRPr kumimoji="1" sz="1200" kern="1200">
+        <a:solidFill>
+          <a:schemeClr val="tx1"/>
+        </a:solidFill>
+        <a:latin typeface="+mn-lt"/>
+        <a:ea typeface="+mn-ea"/>
+        <a:cs typeface="+mn-cs"/>
+      </a:defRPr>
+    </a:lvl1pPr>
+    <a:lvl2pPr marL="457200" algn="l" defTabSz="914400" rtl="0" eaLnBrk="1" latinLnBrk="0" hangingPunct="1">
+      <a:defRPr kumimoji="1" sz="1200" kern="1200">
+        <a:solidFill>
+          <a:schemeClr val="tx1"/>
+        </a:solidFill>
+        <a:latin typeface="+mn-lt"/>
+        <a:ea typeface="+mn-ea"/>
+        <a:cs typeface="+mn-cs"/>
+      </a:defRPr>
+    </a:lvl2pPr>
+    <a:lvl3pPr marL="914400" algn="l" defTabSz="914400" rtl="0" eaLnBrk="1" latinLnBrk="0" hangingPunct="1">
+      <a:defRPr kumimoji="1" sz="1200" kern="1200">
+        <a:solidFill>
+          <a:schemeClr val="tx1"/>
+        </a:solidFill>
+        <a:latin typeface="+mn-lt"/>
+        <a:ea typeface="+mn-ea"/>
+        <a:cs typeface="+mn-cs"/>
+      </a:defRPr>
+    </a:lvl3pPr>
+    <a:lvl4pPr marL="1371600" algn="l" defTabSz="914400" rtl="0" eaLnBrk="1" latinLnBrk="0" hangingPunct="1">
+      <a:defRPr kumimoji="1" sz="1200" kern="1200">
+        <a:solidFill>
+          <a:schemeClr val="tx1"/>
+        </a:solidFill>
+        <a:latin typeface="+mn-lt"/>
+        <a:ea typeface="+mn-ea"/>
+        <a:cs typeface="+mn-cs"/>
+      </a:defRPr>
+    </a:lvl4pPr>
+    <a:lvl5pPr marL="1828800" algn="l" defTabSz="914400" rtl="0" eaLnBrk="1" latinLnBrk="0" hangingPunct="1">
+      <a:defRPr kumimoji="1" sz="1200" kern="1200">
+        <a:solidFill>
+          <a:schemeClr val="tx1"/>
+        </a:solidFill>
+        <a:latin typeface="+mn-lt"/>
+        <a:ea typeface="+mn-ea"/>
+        <a:cs typeface="+mn-cs"/>
+      </a:defRPr>
+    </a:lvl5pPr>
+    <a:lvl6pPr marL="2286000" algn="l" defTabSz="914400" rtl="0" eaLnBrk="1" latinLnBrk="0" hangingPunct="1">
+      <a:defRPr kumimoji="1" sz="1200" kern="1200">
+        <a:solidFill>
+          <a:schemeClr val="tx1"/>
+        </a:solidFill>
+        <a:latin typeface="+mn-lt"/>
+        <a:ea typeface="+mn-ea"/>
+        <a:cs typeface="+mn-cs"/>
+      </a:defRPr>
+    </a:lvl6pPr>
+    <a:lvl7pPr marL="2743200" algn="l" defTabSz="914400" rtl="0" eaLnBrk="1" latinLnBrk="0" hangingPunct="1">
+      <a:defRPr kumimoji="1" sz="1200" kern="1200">
+        <a:solidFill>
+          <a:schemeClr val="tx1"/>
+        </a:solidFill>
+        <a:latin typeface="+mn-lt"/>
+        <a:ea typeface="+mn-ea"/>
+        <a:cs typeface="+mn-cs"/>
+      </a:defRPr>
+    </a:lvl7pPr>
+    <a:lvl8pPr marL="3200400" algn="l" defTabSz="914400" rtl="0" eaLnBrk="1" latinLnBrk="0" hangingPunct="1">
+      <a:defRPr kumimoji="1" sz="1200" kern="1200">
+        <a:solidFill>
+          <a:schemeClr val="tx1"/>
+        </a:solidFill>
+        <a:latin typeface="+mn-lt"/>
+        <a:ea typeface="+mn-ea"/>
+        <a:cs typeface="+mn-cs"/>
+      </a:defRPr>
+    </a:lvl8pPr>
+    <a:lvl9pPr marL="3657600" algn="l" defTabSz="914400" rtl="0" eaLnBrk="1" latinLnBrk="0" hangingPunct="1">
+      <a:defRPr kumimoji="1" sz="1200" kern="1200">
+        <a:solidFill>
+          <a:schemeClr val="tx1"/>
+        </a:solidFill>
+        <a:latin typeface="+mn-lt"/>
+        <a:ea typeface="+mn-ea"/>
+        <a:cs typeface="+mn-cs"/>
+      </a:defRPr>
+    </a:lvl9pPr>
+  </p:notesStyle>
+</p:notesMaster>
+</file>
+
 <file path=ppt/slideLayouts/slideLayout1.xml><?xml version="1.0" encoding="utf-8"?>
 <p:sldLayout xmlns:a="http://schemas.openxmlformats.org/drawingml/2006/main" xmlns:r="http://schemas.openxmlformats.org/officeDocument/2006/relationships" xmlns:p="http://schemas.openxmlformats.org/presentationml/2006/main" type="title" preserve="1">
   <p:cSld name="タイトル スライド">
@@ -163,10 +557,9 @@
           </a:lstStyle>
           <a:p>
             <a:r>
-              <a:rPr kumimoji="1" lang="ja-JP" altLang="en-US" smtClean="0"/>
+              <a:rPr kumimoji="1" lang="ja-JP" altLang="en-US"/>
               <a:t>マスター タイトルの書式設定</a:t>
             </a:r>
-            <a:endParaRPr kumimoji="1" lang="ja-JP" altLang="en-US"/>
           </a:p>
         </p:txBody>
       </p:sp>
@@ -228,10 +621,9 @@
           </a:lstStyle>
           <a:p>
             <a:r>
-              <a:rPr kumimoji="1" lang="ja-JP" altLang="en-US" smtClean="0"/>
+              <a:rPr kumimoji="1" lang="ja-JP" altLang="en-US"/>
               <a:t>マスター サブタイトルの書式設定</a:t>
             </a:r>
-            <a:endParaRPr kumimoji="1" lang="ja-JP" altLang="en-US"/>
           </a:p>
         </p:txBody>
       </p:sp>
@@ -252,7 +644,7 @@
           <a:p>
             <a:fld id="{4862ADAC-14D0-4FE5-975F-B23D4C382902}" type="datetimeFigureOut">
               <a:rPr kumimoji="1" lang="ja-JP" altLang="en-US" smtClean="0"/>
-              <a:t>2025/10/23</a:t>
+              <a:t>2025/11/5</a:t>
             </a:fld>
             <a:endParaRPr kumimoji="1" lang="ja-JP" altLang="en-US"/>
           </a:p>
@@ -346,10 +738,9 @@
           <a:lstStyle/>
           <a:p>
             <a:r>
-              <a:rPr kumimoji="1" lang="ja-JP" altLang="en-US" smtClean="0"/>
+              <a:rPr kumimoji="1" lang="ja-JP" altLang="en-US"/>
               <a:t>マスター タイトルの書式設定</a:t>
             </a:r>
-            <a:endParaRPr kumimoji="1" lang="ja-JP" altLang="en-US"/>
           </a:p>
         </p:txBody>
       </p:sp>
@@ -370,70 +761,69 @@
           <a:p>
             <a:pPr lvl="0"/>
             <a:r>
-              <a:rPr kumimoji="1" lang="ja-JP" altLang="en-US" smtClean="0"/>
+              <a:rPr kumimoji="1" lang="ja-JP" altLang="en-US"/>
               <a:t>マスター テキストの書式設定</a:t>
             </a:r>
           </a:p>
           <a:p>
             <a:pPr lvl="1"/>
             <a:r>
-              <a:rPr kumimoji="1" lang="ja-JP" altLang="en-US" smtClean="0"/>
+              <a:rPr kumimoji="1" lang="ja-JP" altLang="en-US"/>
               <a:t>第 </a:t>
             </a:r>
             <a:r>
-              <a:rPr kumimoji="1" lang="en-US" altLang="ja-JP" smtClean="0"/>
+              <a:rPr kumimoji="1" lang="en-US" altLang="ja-JP"/>
               <a:t>2 </a:t>
             </a:r>
             <a:r>
-              <a:rPr kumimoji="1" lang="ja-JP" altLang="en-US" smtClean="0"/>
+              <a:rPr kumimoji="1" lang="ja-JP" altLang="en-US"/>
               <a:t>レベル</a:t>
             </a:r>
           </a:p>
           <a:p>
             <a:pPr lvl="2"/>
             <a:r>
-              <a:rPr kumimoji="1" lang="ja-JP" altLang="en-US" smtClean="0"/>
+              <a:rPr kumimoji="1" lang="ja-JP" altLang="en-US"/>
               <a:t>第 </a:t>
             </a:r>
             <a:r>
-              <a:rPr kumimoji="1" lang="en-US" altLang="ja-JP" smtClean="0"/>
+              <a:rPr kumimoji="1" lang="en-US" altLang="ja-JP"/>
               <a:t>3 </a:t>
             </a:r>
             <a:r>
-              <a:rPr kumimoji="1" lang="ja-JP" altLang="en-US" smtClean="0"/>
+              <a:rPr kumimoji="1" lang="ja-JP" altLang="en-US"/>
               <a:t>レベル</a:t>
             </a:r>
           </a:p>
           <a:p>
             <a:pPr lvl="3"/>
             <a:r>
-              <a:rPr kumimoji="1" lang="ja-JP" altLang="en-US" smtClean="0"/>
+              <a:rPr kumimoji="1" lang="ja-JP" altLang="en-US"/>
               <a:t>第 </a:t>
             </a:r>
             <a:r>
-              <a:rPr kumimoji="1" lang="en-US" altLang="ja-JP" smtClean="0"/>
+              <a:rPr kumimoji="1" lang="en-US" altLang="ja-JP"/>
               <a:t>4 </a:t>
             </a:r>
             <a:r>
-              <a:rPr kumimoji="1" lang="ja-JP" altLang="en-US" smtClean="0"/>
+              <a:rPr kumimoji="1" lang="ja-JP" altLang="en-US"/>
               <a:t>レベル</a:t>
             </a:r>
           </a:p>
           <a:p>
             <a:pPr lvl="4"/>
             <a:r>
-              <a:rPr kumimoji="1" lang="ja-JP" altLang="en-US" smtClean="0"/>
+              <a:rPr kumimoji="1" lang="ja-JP" altLang="en-US"/>
               <a:t>第 </a:t>
             </a:r>
             <a:r>
-              <a:rPr kumimoji="1" lang="en-US" altLang="ja-JP" smtClean="0"/>
+              <a:rPr kumimoji="1" lang="en-US" altLang="ja-JP"/>
               <a:t>5 </a:t>
             </a:r>
             <a:r>
-              <a:rPr kumimoji="1" lang="ja-JP" altLang="en-US" smtClean="0"/>
+              <a:rPr kumimoji="1" lang="ja-JP" altLang="en-US"/>
               <a:t>レベル</a:t>
             </a:r>
-            <a:endParaRPr kumimoji="1" lang="ja-JP" altLang="en-US"/>
           </a:p>
         </p:txBody>
       </p:sp>
@@ -454,7 +844,7 @@
           <a:p>
             <a:fld id="{4862ADAC-14D0-4FE5-975F-B23D4C382902}" type="datetimeFigureOut">
               <a:rPr kumimoji="1" lang="ja-JP" altLang="en-US" smtClean="0"/>
-              <a:t>2025/10/23</a:t>
+              <a:t>2025/11/5</a:t>
             </a:fld>
             <a:endParaRPr kumimoji="1" lang="ja-JP" altLang="en-US"/>
           </a:p>
@@ -553,10 +943,9 @@
           <a:lstStyle/>
           <a:p>
             <a:r>
-              <a:rPr kumimoji="1" lang="ja-JP" altLang="en-US" smtClean="0"/>
+              <a:rPr kumimoji="1" lang="ja-JP" altLang="en-US"/>
               <a:t>マスター タイトルの書式設定</a:t>
             </a:r>
-            <a:endParaRPr kumimoji="1" lang="ja-JP" altLang="en-US"/>
           </a:p>
         </p:txBody>
       </p:sp>
@@ -582,70 +971,69 @@
           <a:p>
             <a:pPr lvl="0"/>
             <a:r>
-              <a:rPr kumimoji="1" lang="ja-JP" altLang="en-US" smtClean="0"/>
+              <a:rPr kumimoji="1" lang="ja-JP" altLang="en-US"/>
               <a:t>マスター テキストの書式設定</a:t>
             </a:r>
           </a:p>
           <a:p>
             <a:pPr lvl="1"/>
             <a:r>
-              <a:rPr kumimoji="1" lang="ja-JP" altLang="en-US" smtClean="0"/>
+              <a:rPr kumimoji="1" lang="ja-JP" altLang="en-US"/>
               <a:t>第 </a:t>
             </a:r>
             <a:r>
-              <a:rPr kumimoji="1" lang="en-US" altLang="ja-JP" smtClean="0"/>
+              <a:rPr kumimoji="1" lang="en-US" altLang="ja-JP"/>
               <a:t>2 </a:t>
             </a:r>
             <a:r>
-              <a:rPr kumimoji="1" lang="ja-JP" altLang="en-US" smtClean="0"/>
+              <a:rPr kumimoji="1" lang="ja-JP" altLang="en-US"/>
               <a:t>レベル</a:t>
             </a:r>
           </a:p>
           <a:p>
             <a:pPr lvl="2"/>
             <a:r>
-              <a:rPr kumimoji="1" lang="ja-JP" altLang="en-US" smtClean="0"/>
+              <a:rPr kumimoji="1" lang="ja-JP" altLang="en-US"/>
               <a:t>第 </a:t>
             </a:r>
             <a:r>
-              <a:rPr kumimoji="1" lang="en-US" altLang="ja-JP" smtClean="0"/>
+              <a:rPr kumimoji="1" lang="en-US" altLang="ja-JP"/>
               <a:t>3 </a:t>
             </a:r>
             <a:r>
-              <a:rPr kumimoji="1" lang="ja-JP" altLang="en-US" smtClean="0"/>
+              <a:rPr kumimoji="1" lang="ja-JP" altLang="en-US"/>
               <a:t>レベル</a:t>
             </a:r>
           </a:p>
           <a:p>
             <a:pPr lvl="3"/>
             <a:r>
-              <a:rPr kumimoji="1" lang="ja-JP" altLang="en-US" smtClean="0"/>
+              <a:rPr kumimoji="1" lang="ja-JP" altLang="en-US"/>
               <a:t>第 </a:t>
             </a:r>
             <a:r>
-              <a:rPr kumimoji="1" lang="en-US" altLang="ja-JP" smtClean="0"/>
+              <a:rPr kumimoji="1" lang="en-US" altLang="ja-JP"/>
               <a:t>4 </a:t>
             </a:r>
             <a:r>
-              <a:rPr kumimoji="1" lang="ja-JP" altLang="en-US" smtClean="0"/>
+              <a:rPr kumimoji="1" lang="ja-JP" altLang="en-US"/>
               <a:t>レベル</a:t>
             </a:r>
           </a:p>
           <a:p>
             <a:pPr lvl="4"/>
             <a:r>
-              <a:rPr kumimoji="1" lang="ja-JP" altLang="en-US" smtClean="0"/>
+              <a:rPr kumimoji="1" lang="ja-JP" altLang="en-US"/>
               <a:t>第 </a:t>
             </a:r>
             <a:r>
-              <a:rPr kumimoji="1" lang="en-US" altLang="ja-JP" smtClean="0"/>
+              <a:rPr kumimoji="1" lang="en-US" altLang="ja-JP"/>
               <a:t>5 </a:t>
             </a:r>
             <a:r>
-              <a:rPr kumimoji="1" lang="ja-JP" altLang="en-US" smtClean="0"/>
+              <a:rPr kumimoji="1" lang="ja-JP" altLang="en-US"/>
               <a:t>レベル</a:t>
             </a:r>
-            <a:endParaRPr kumimoji="1" lang="ja-JP" altLang="en-US"/>
           </a:p>
         </p:txBody>
       </p:sp>
@@ -666,7 +1054,7 @@
           <a:p>
             <a:fld id="{4862ADAC-14D0-4FE5-975F-B23D4C382902}" type="datetimeFigureOut">
               <a:rPr kumimoji="1" lang="ja-JP" altLang="en-US" smtClean="0"/>
-              <a:t>2025/10/23</a:t>
+              <a:t>2025/11/5</a:t>
             </a:fld>
             <a:endParaRPr kumimoji="1" lang="ja-JP" altLang="en-US"/>
           </a:p>
@@ -760,10 +1148,9 @@
           <a:lstStyle/>
           <a:p>
             <a:r>
-              <a:rPr kumimoji="1" lang="ja-JP" altLang="en-US" smtClean="0"/>
+              <a:rPr kumimoji="1" lang="ja-JP" altLang="en-US"/>
               <a:t>マスター タイトルの書式設定</a:t>
             </a:r>
-            <a:endParaRPr kumimoji="1" lang="ja-JP" altLang="en-US"/>
           </a:p>
         </p:txBody>
       </p:sp>
@@ -784,70 +1171,69 @@
           <a:p>
             <a:pPr lvl="0"/>
             <a:r>
-              <a:rPr kumimoji="1" lang="ja-JP" altLang="en-US" smtClean="0"/>
+              <a:rPr kumimoji="1" lang="ja-JP" altLang="en-US"/>
               <a:t>マスター テキストの書式設定</a:t>
             </a:r>
           </a:p>
           <a:p>
             <a:pPr lvl="1"/>
             <a:r>
-              <a:rPr kumimoji="1" lang="ja-JP" altLang="en-US" smtClean="0"/>
+              <a:rPr kumimoji="1" lang="ja-JP" altLang="en-US"/>
               <a:t>第 </a:t>
             </a:r>
             <a:r>
-              <a:rPr kumimoji="1" lang="en-US" altLang="ja-JP" smtClean="0"/>
+              <a:rPr kumimoji="1" lang="en-US" altLang="ja-JP"/>
               <a:t>2 </a:t>
             </a:r>
             <a:r>
-              <a:rPr kumimoji="1" lang="ja-JP" altLang="en-US" smtClean="0"/>
+              <a:rPr kumimoji="1" lang="ja-JP" altLang="en-US"/>
               <a:t>レベル</a:t>
             </a:r>
           </a:p>
           <a:p>
             <a:pPr lvl="2"/>
             <a:r>
-              <a:rPr kumimoji="1" lang="ja-JP" altLang="en-US" smtClean="0"/>
+              <a:rPr kumimoji="1" lang="ja-JP" altLang="en-US"/>
               <a:t>第 </a:t>
             </a:r>
             <a:r>
-              <a:rPr kumimoji="1" lang="en-US" altLang="ja-JP" smtClean="0"/>
+              <a:rPr kumimoji="1" lang="en-US" altLang="ja-JP"/>
               <a:t>3 </a:t>
             </a:r>
             <a:r>
-              <a:rPr kumimoji="1" lang="ja-JP" altLang="en-US" smtClean="0"/>
+              <a:rPr kumimoji="1" lang="ja-JP" altLang="en-US"/>
               <a:t>レベル</a:t>
             </a:r>
           </a:p>
           <a:p>
             <a:pPr lvl="3"/>
             <a:r>
-              <a:rPr kumimoji="1" lang="ja-JP" altLang="en-US" smtClean="0"/>
+              <a:rPr kumimoji="1" lang="ja-JP" altLang="en-US"/>
               <a:t>第 </a:t>
             </a:r>
             <a:r>
-              <a:rPr kumimoji="1" lang="en-US" altLang="ja-JP" smtClean="0"/>
+              <a:rPr kumimoji="1" lang="en-US" altLang="ja-JP"/>
               <a:t>4 </a:t>
             </a:r>
             <a:r>
-              <a:rPr kumimoji="1" lang="ja-JP" altLang="en-US" smtClean="0"/>
+              <a:rPr kumimoji="1" lang="ja-JP" altLang="en-US"/>
               <a:t>レベル</a:t>
             </a:r>
           </a:p>
           <a:p>
             <a:pPr lvl="4"/>
             <a:r>
-              <a:rPr kumimoji="1" lang="ja-JP" altLang="en-US" smtClean="0"/>
+              <a:rPr kumimoji="1" lang="ja-JP" altLang="en-US"/>
               <a:t>第 </a:t>
             </a:r>
             <a:r>
-              <a:rPr kumimoji="1" lang="en-US" altLang="ja-JP" smtClean="0"/>
+              <a:rPr kumimoji="1" lang="en-US" altLang="ja-JP"/>
               <a:t>5 </a:t>
             </a:r>
             <a:r>
-              <a:rPr kumimoji="1" lang="ja-JP" altLang="en-US" smtClean="0"/>
+              <a:rPr kumimoji="1" lang="ja-JP" altLang="en-US"/>
               <a:t>レベル</a:t>
             </a:r>
-            <a:endParaRPr kumimoji="1" lang="ja-JP" altLang="en-US"/>
           </a:p>
         </p:txBody>
       </p:sp>
@@ -868,7 +1254,7 @@
           <a:p>
             <a:fld id="{4862ADAC-14D0-4FE5-975F-B23D4C382902}" type="datetimeFigureOut">
               <a:rPr kumimoji="1" lang="ja-JP" altLang="en-US" smtClean="0"/>
-              <a:t>2025/10/23</a:t>
+              <a:t>2025/11/5</a:t>
             </a:fld>
             <a:endParaRPr kumimoji="1" lang="ja-JP" altLang="en-US"/>
           </a:p>
@@ -971,10 +1357,9 @@
           </a:lstStyle>
           <a:p>
             <a:r>
-              <a:rPr kumimoji="1" lang="ja-JP" altLang="en-US" smtClean="0"/>
+              <a:rPr kumimoji="1" lang="ja-JP" altLang="en-US"/>
               <a:t>マスター タイトルの書式設定</a:t>
             </a:r>
-            <a:endParaRPr kumimoji="1" lang="ja-JP" altLang="en-US"/>
           </a:p>
         </p:txBody>
       </p:sp>
@@ -1091,7 +1476,7 @@
           <a:p>
             <a:pPr lvl="0"/>
             <a:r>
-              <a:rPr kumimoji="1" lang="ja-JP" altLang="en-US" smtClean="0"/>
+              <a:rPr kumimoji="1" lang="ja-JP" altLang="en-US"/>
               <a:t>マスター テキストの書式設定</a:t>
             </a:r>
           </a:p>
@@ -1114,7 +1499,7 @@
           <a:p>
             <a:fld id="{4862ADAC-14D0-4FE5-975F-B23D4C382902}" type="datetimeFigureOut">
               <a:rPr kumimoji="1" lang="ja-JP" altLang="en-US" smtClean="0"/>
-              <a:t>2025/10/23</a:t>
+              <a:t>2025/11/5</a:t>
             </a:fld>
             <a:endParaRPr kumimoji="1" lang="ja-JP" altLang="en-US"/>
           </a:p>
@@ -1208,10 +1593,9 @@
           <a:lstStyle/>
           <a:p>
             <a:r>
-              <a:rPr kumimoji="1" lang="ja-JP" altLang="en-US" smtClean="0"/>
+              <a:rPr kumimoji="1" lang="ja-JP" altLang="en-US"/>
               <a:t>マスター タイトルの書式設定</a:t>
             </a:r>
-            <a:endParaRPr kumimoji="1" lang="ja-JP" altLang="en-US"/>
           </a:p>
         </p:txBody>
       </p:sp>
@@ -1237,70 +1621,69 @@
           <a:p>
             <a:pPr lvl="0"/>
             <a:r>
-              <a:rPr kumimoji="1" lang="ja-JP" altLang="en-US" smtClean="0"/>
+              <a:rPr kumimoji="1" lang="ja-JP" altLang="en-US"/>
               <a:t>マスター テキストの書式設定</a:t>
             </a:r>
           </a:p>
           <a:p>
             <a:pPr lvl="1"/>
             <a:r>
-              <a:rPr kumimoji="1" lang="ja-JP" altLang="en-US" smtClean="0"/>
+              <a:rPr kumimoji="1" lang="ja-JP" altLang="en-US"/>
               <a:t>第 </a:t>
             </a:r>
             <a:r>
-              <a:rPr kumimoji="1" lang="en-US" altLang="ja-JP" smtClean="0"/>
+              <a:rPr kumimoji="1" lang="en-US" altLang="ja-JP"/>
               <a:t>2 </a:t>
             </a:r>
             <a:r>
-              <a:rPr kumimoji="1" lang="ja-JP" altLang="en-US" smtClean="0"/>
+              <a:rPr kumimoji="1" lang="ja-JP" altLang="en-US"/>
               <a:t>レベル</a:t>
             </a:r>
           </a:p>
           <a:p>
             <a:pPr lvl="2"/>
             <a:r>
-              <a:rPr kumimoji="1" lang="ja-JP" altLang="en-US" smtClean="0"/>
+              <a:rPr kumimoji="1" lang="ja-JP" altLang="en-US"/>
               <a:t>第 </a:t>
             </a:r>
             <a:r>
-              <a:rPr kumimoji="1" lang="en-US" altLang="ja-JP" smtClean="0"/>
+              <a:rPr kumimoji="1" lang="en-US" altLang="ja-JP"/>
               <a:t>3 </a:t>
             </a:r>
             <a:r>
-              <a:rPr kumimoji="1" lang="ja-JP" altLang="en-US" smtClean="0"/>
+              <a:rPr kumimoji="1" lang="ja-JP" altLang="en-US"/>
               <a:t>レベル</a:t>
             </a:r>
           </a:p>
           <a:p>
             <a:pPr lvl="3"/>
             <a:r>
-              <a:rPr kumimoji="1" lang="ja-JP" altLang="en-US" smtClean="0"/>
+              <a:rPr kumimoji="1" lang="ja-JP" altLang="en-US"/>
               <a:t>第 </a:t>
             </a:r>
             <a:r>
-              <a:rPr kumimoji="1" lang="en-US" altLang="ja-JP" smtClean="0"/>
+              <a:rPr kumimoji="1" lang="en-US" altLang="ja-JP"/>
               <a:t>4 </a:t>
             </a:r>
             <a:r>
-              <a:rPr kumimoji="1" lang="ja-JP" altLang="en-US" smtClean="0"/>
+              <a:rPr kumimoji="1" lang="ja-JP" altLang="en-US"/>
               <a:t>レベル</a:t>
             </a:r>
           </a:p>
           <a:p>
             <a:pPr lvl="4"/>
             <a:r>
-              <a:rPr kumimoji="1" lang="ja-JP" altLang="en-US" smtClean="0"/>
+              <a:rPr kumimoji="1" lang="ja-JP" altLang="en-US"/>
               <a:t>第 </a:t>
             </a:r>
             <a:r>
-              <a:rPr kumimoji="1" lang="en-US" altLang="ja-JP" smtClean="0"/>
+              <a:rPr kumimoji="1" lang="en-US" altLang="ja-JP"/>
               <a:t>5 </a:t>
             </a:r>
             <a:r>
-              <a:rPr kumimoji="1" lang="ja-JP" altLang="en-US" smtClean="0"/>
+              <a:rPr kumimoji="1" lang="ja-JP" altLang="en-US"/>
               <a:t>レベル</a:t>
             </a:r>
-            <a:endParaRPr kumimoji="1" lang="ja-JP" altLang="en-US"/>
           </a:p>
         </p:txBody>
       </p:sp>
@@ -1326,70 +1709,69 @@
           <a:p>
             <a:pPr lvl="0"/>
             <a:r>
-              <a:rPr kumimoji="1" lang="ja-JP" altLang="en-US" smtClean="0"/>
+              <a:rPr kumimoji="1" lang="ja-JP" altLang="en-US"/>
               <a:t>マスター テキストの書式設定</a:t>
             </a:r>
           </a:p>
           <a:p>
             <a:pPr lvl="1"/>
             <a:r>
-              <a:rPr kumimoji="1" lang="ja-JP" altLang="en-US" smtClean="0"/>
+              <a:rPr kumimoji="1" lang="ja-JP" altLang="en-US"/>
               <a:t>第 </a:t>
             </a:r>
             <a:r>
-              <a:rPr kumimoji="1" lang="en-US" altLang="ja-JP" smtClean="0"/>
+              <a:rPr kumimoji="1" lang="en-US" altLang="ja-JP"/>
               <a:t>2 </a:t>
             </a:r>
             <a:r>
-              <a:rPr kumimoji="1" lang="ja-JP" altLang="en-US" smtClean="0"/>
+              <a:rPr kumimoji="1" lang="ja-JP" altLang="en-US"/>
               <a:t>レベル</a:t>
             </a:r>
           </a:p>
           <a:p>
             <a:pPr lvl="2"/>
             <a:r>
-              <a:rPr kumimoji="1" lang="ja-JP" altLang="en-US" smtClean="0"/>
+              <a:rPr kumimoji="1" lang="ja-JP" altLang="en-US"/>
               <a:t>第 </a:t>
             </a:r>
             <a:r>
-              <a:rPr kumimoji="1" lang="en-US" altLang="ja-JP" smtClean="0"/>
+              <a:rPr kumimoji="1" lang="en-US" altLang="ja-JP"/>
               <a:t>3 </a:t>
             </a:r>
             <a:r>
-              <a:rPr kumimoji="1" lang="ja-JP" altLang="en-US" smtClean="0"/>
+              <a:rPr kumimoji="1" lang="ja-JP" altLang="en-US"/>
               <a:t>レベル</a:t>
             </a:r>
           </a:p>
           <a:p>
             <a:pPr lvl="3"/>
             <a:r>
-              <a:rPr kumimoji="1" lang="ja-JP" altLang="en-US" smtClean="0"/>
+              <a:rPr kumimoji="1" lang="ja-JP" altLang="en-US"/>
               <a:t>第 </a:t>
             </a:r>
             <a:r>
-              <a:rPr kumimoji="1" lang="en-US" altLang="ja-JP" smtClean="0"/>
+              <a:rPr kumimoji="1" lang="en-US" altLang="ja-JP"/>
               <a:t>4 </a:t>
             </a:r>
             <a:r>
-              <a:rPr kumimoji="1" lang="ja-JP" altLang="en-US" smtClean="0"/>
+              <a:rPr kumimoji="1" lang="ja-JP" altLang="en-US"/>
               <a:t>レベル</a:t>
             </a:r>
           </a:p>
           <a:p>
             <a:pPr lvl="4"/>
             <a:r>
-              <a:rPr kumimoji="1" lang="ja-JP" altLang="en-US" smtClean="0"/>
+              <a:rPr kumimoji="1" lang="ja-JP" altLang="en-US"/>
               <a:t>第 </a:t>
             </a:r>
             <a:r>
-              <a:rPr kumimoji="1" lang="en-US" altLang="ja-JP" smtClean="0"/>
+              <a:rPr kumimoji="1" lang="en-US" altLang="ja-JP"/>
               <a:t>5 </a:t>
             </a:r>
             <a:r>
-              <a:rPr kumimoji="1" lang="ja-JP" altLang="en-US" smtClean="0"/>
+              <a:rPr kumimoji="1" lang="ja-JP" altLang="en-US"/>
               <a:t>レベル</a:t>
             </a:r>
-            <a:endParaRPr kumimoji="1" lang="ja-JP" altLang="en-US"/>
           </a:p>
         </p:txBody>
       </p:sp>
@@ -1410,7 +1792,7 @@
           <a:p>
             <a:fld id="{4862ADAC-14D0-4FE5-975F-B23D4C382902}" type="datetimeFigureOut">
               <a:rPr kumimoji="1" lang="ja-JP" altLang="en-US" smtClean="0"/>
-              <a:t>2025/10/23</a:t>
+              <a:t>2025/11/5</a:t>
             </a:fld>
             <a:endParaRPr kumimoji="1" lang="ja-JP" altLang="en-US"/>
           </a:p>
@@ -1509,10 +1891,9 @@
           <a:lstStyle/>
           <a:p>
             <a:r>
-              <a:rPr kumimoji="1" lang="ja-JP" altLang="en-US" smtClean="0"/>
+              <a:rPr kumimoji="1" lang="ja-JP" altLang="en-US"/>
               <a:t>マスター タイトルの書式設定</a:t>
             </a:r>
-            <a:endParaRPr kumimoji="1" lang="ja-JP" altLang="en-US"/>
           </a:p>
         </p:txBody>
       </p:sp>
@@ -1575,7 +1956,7 @@
           <a:p>
             <a:pPr lvl="0"/>
             <a:r>
-              <a:rPr kumimoji="1" lang="ja-JP" altLang="en-US" smtClean="0"/>
+              <a:rPr kumimoji="1" lang="ja-JP" altLang="en-US"/>
               <a:t>マスター テキストの書式設定</a:t>
             </a:r>
           </a:p>
@@ -1603,70 +1984,69 @@
           <a:p>
             <a:pPr lvl="0"/>
             <a:r>
-              <a:rPr kumimoji="1" lang="ja-JP" altLang="en-US" smtClean="0"/>
+              <a:rPr kumimoji="1" lang="ja-JP" altLang="en-US"/>
               <a:t>マスター テキストの書式設定</a:t>
             </a:r>
           </a:p>
           <a:p>
             <a:pPr lvl="1"/>
             <a:r>
-              <a:rPr kumimoji="1" lang="ja-JP" altLang="en-US" smtClean="0"/>
+              <a:rPr kumimoji="1" lang="ja-JP" altLang="en-US"/>
               <a:t>第 </a:t>
             </a:r>
             <a:r>
-              <a:rPr kumimoji="1" lang="en-US" altLang="ja-JP" smtClean="0"/>
+              <a:rPr kumimoji="1" lang="en-US" altLang="ja-JP"/>
               <a:t>2 </a:t>
             </a:r>
             <a:r>
-              <a:rPr kumimoji="1" lang="ja-JP" altLang="en-US" smtClean="0"/>
+              <a:rPr kumimoji="1" lang="ja-JP" altLang="en-US"/>
               <a:t>レベル</a:t>
             </a:r>
           </a:p>
           <a:p>
             <a:pPr lvl="2"/>
             <a:r>
-              <a:rPr kumimoji="1" lang="ja-JP" altLang="en-US" smtClean="0"/>
+              <a:rPr kumimoji="1" lang="ja-JP" altLang="en-US"/>
               <a:t>第 </a:t>
             </a:r>
             <a:r>
-              <a:rPr kumimoji="1" lang="en-US" altLang="ja-JP" smtClean="0"/>
+              <a:rPr kumimoji="1" lang="en-US" altLang="ja-JP"/>
               <a:t>3 </a:t>
             </a:r>
             <a:r>
-              <a:rPr kumimoji="1" lang="ja-JP" altLang="en-US" smtClean="0"/>
+              <a:rPr kumimoji="1" lang="ja-JP" altLang="en-US"/>
               <a:t>レベル</a:t>
             </a:r>
           </a:p>
           <a:p>
             <a:pPr lvl="3"/>
             <a:r>
-              <a:rPr kumimoji="1" lang="ja-JP" altLang="en-US" smtClean="0"/>
+              <a:rPr kumimoji="1" lang="ja-JP" altLang="en-US"/>
               <a:t>第 </a:t>
             </a:r>
             <a:r>
-              <a:rPr kumimoji="1" lang="en-US" altLang="ja-JP" smtClean="0"/>
+              <a:rPr kumimoji="1" lang="en-US" altLang="ja-JP"/>
               <a:t>4 </a:t>
             </a:r>
             <a:r>
-              <a:rPr kumimoji="1" lang="ja-JP" altLang="en-US" smtClean="0"/>
+              <a:rPr kumimoji="1" lang="ja-JP" altLang="en-US"/>
               <a:t>レベル</a:t>
             </a:r>
           </a:p>
           <a:p>
             <a:pPr lvl="4"/>
             <a:r>
-              <a:rPr kumimoji="1" lang="ja-JP" altLang="en-US" smtClean="0"/>
+              <a:rPr kumimoji="1" lang="ja-JP" altLang="en-US"/>
               <a:t>第 </a:t>
             </a:r>
             <a:r>
-              <a:rPr kumimoji="1" lang="en-US" altLang="ja-JP" smtClean="0"/>
+              <a:rPr kumimoji="1" lang="en-US" altLang="ja-JP"/>
               <a:t>5 </a:t>
             </a:r>
             <a:r>
-              <a:rPr kumimoji="1" lang="ja-JP" altLang="en-US" smtClean="0"/>
+              <a:rPr kumimoji="1" lang="ja-JP" altLang="en-US"/>
               <a:t>レベル</a:t>
             </a:r>
-            <a:endParaRPr kumimoji="1" lang="ja-JP" altLang="en-US"/>
           </a:p>
         </p:txBody>
       </p:sp>
@@ -1729,7 +2109,7 @@
           <a:p>
             <a:pPr lvl="0"/>
             <a:r>
-              <a:rPr kumimoji="1" lang="ja-JP" altLang="en-US" smtClean="0"/>
+              <a:rPr kumimoji="1" lang="ja-JP" altLang="en-US"/>
               <a:t>マスター テキストの書式設定</a:t>
             </a:r>
           </a:p>
@@ -1757,70 +2137,69 @@
           <a:p>
             <a:pPr lvl="0"/>
             <a:r>
-              <a:rPr kumimoji="1" lang="ja-JP" altLang="en-US" smtClean="0"/>
+              <a:rPr kumimoji="1" lang="ja-JP" altLang="en-US"/>
               <a:t>マスター テキストの書式設定</a:t>
             </a:r>
           </a:p>
           <a:p>
             <a:pPr lvl="1"/>
             <a:r>
-              <a:rPr kumimoji="1" lang="ja-JP" altLang="en-US" smtClean="0"/>
+              <a:rPr kumimoji="1" lang="ja-JP" altLang="en-US"/>
               <a:t>第 </a:t>
             </a:r>
             <a:r>
-              <a:rPr kumimoji="1" lang="en-US" altLang="ja-JP" smtClean="0"/>
+              <a:rPr kumimoji="1" lang="en-US" altLang="ja-JP"/>
               <a:t>2 </a:t>
             </a:r>
             <a:r>
-              <a:rPr kumimoji="1" lang="ja-JP" altLang="en-US" smtClean="0"/>
+              <a:rPr kumimoji="1" lang="ja-JP" altLang="en-US"/>
               <a:t>レベル</a:t>
             </a:r>
           </a:p>
           <a:p>
             <a:pPr lvl="2"/>
             <a:r>
-              <a:rPr kumimoji="1" lang="ja-JP" altLang="en-US" smtClean="0"/>
+              <a:rPr kumimoji="1" lang="ja-JP" altLang="en-US"/>
               <a:t>第 </a:t>
             </a:r>
             <a:r>
-              <a:rPr kumimoji="1" lang="en-US" altLang="ja-JP" smtClean="0"/>
+              <a:rPr kumimoji="1" lang="en-US" altLang="ja-JP"/>
               <a:t>3 </a:t>
             </a:r>
             <a:r>
-              <a:rPr kumimoji="1" lang="ja-JP" altLang="en-US" smtClean="0"/>
+              <a:rPr kumimoji="1" lang="ja-JP" altLang="en-US"/>
               <a:t>レベル</a:t>
             </a:r>
           </a:p>
           <a:p>
             <a:pPr lvl="3"/>
             <a:r>
-              <a:rPr kumimoji="1" lang="ja-JP" altLang="en-US" smtClean="0"/>
+              <a:rPr kumimoji="1" lang="ja-JP" altLang="en-US"/>
               <a:t>第 </a:t>
             </a:r>
             <a:r>
-              <a:rPr kumimoji="1" lang="en-US" altLang="ja-JP" smtClean="0"/>
+              <a:rPr kumimoji="1" lang="en-US" altLang="ja-JP"/>
               <a:t>4 </a:t>
             </a:r>
             <a:r>
-              <a:rPr kumimoji="1" lang="ja-JP" altLang="en-US" smtClean="0"/>
+              <a:rPr kumimoji="1" lang="ja-JP" altLang="en-US"/>
               <a:t>レベル</a:t>
             </a:r>
           </a:p>
           <a:p>
             <a:pPr lvl="4"/>
             <a:r>
-              <a:rPr kumimoji="1" lang="ja-JP" altLang="en-US" smtClean="0"/>
+              <a:rPr kumimoji="1" lang="ja-JP" altLang="en-US"/>
               <a:t>第 </a:t>
             </a:r>
             <a:r>
-              <a:rPr kumimoji="1" lang="en-US" altLang="ja-JP" smtClean="0"/>
+              <a:rPr kumimoji="1" lang="en-US" altLang="ja-JP"/>
               <a:t>5 </a:t>
             </a:r>
             <a:r>
-              <a:rPr kumimoji="1" lang="ja-JP" altLang="en-US" smtClean="0"/>
+              <a:rPr kumimoji="1" lang="ja-JP" altLang="en-US"/>
               <a:t>レベル</a:t>
             </a:r>
-            <a:endParaRPr kumimoji="1" lang="ja-JP" altLang="en-US"/>
           </a:p>
         </p:txBody>
       </p:sp>
@@ -1841,7 +2220,7 @@
           <a:p>
             <a:fld id="{4862ADAC-14D0-4FE5-975F-B23D4C382902}" type="datetimeFigureOut">
               <a:rPr kumimoji="1" lang="ja-JP" altLang="en-US" smtClean="0"/>
-              <a:t>2025/10/23</a:t>
+              <a:t>2025/11/5</a:t>
             </a:fld>
             <a:endParaRPr kumimoji="1" lang="ja-JP" altLang="en-US"/>
           </a:p>
@@ -1935,10 +2314,9 @@
           <a:lstStyle/>
           <a:p>
             <a:r>
-              <a:rPr kumimoji="1" lang="ja-JP" altLang="en-US" smtClean="0"/>
+              <a:rPr kumimoji="1" lang="ja-JP" altLang="en-US"/>
               <a:t>マスター タイトルの書式設定</a:t>
             </a:r>
-            <a:endParaRPr kumimoji="1" lang="ja-JP" altLang="en-US"/>
           </a:p>
         </p:txBody>
       </p:sp>
@@ -1959,7 +2337,7 @@
           <a:p>
             <a:fld id="{4862ADAC-14D0-4FE5-975F-B23D4C382902}" type="datetimeFigureOut">
               <a:rPr kumimoji="1" lang="ja-JP" altLang="en-US" smtClean="0"/>
-              <a:t>2025/10/23</a:t>
+              <a:t>2025/11/5</a:t>
             </a:fld>
             <a:endParaRPr kumimoji="1" lang="ja-JP" altLang="en-US"/>
           </a:p>
@@ -2054,7 +2432,7 @@
           <a:p>
             <a:fld id="{4862ADAC-14D0-4FE5-975F-B23D4C382902}" type="datetimeFigureOut">
               <a:rPr kumimoji="1" lang="ja-JP" altLang="en-US" smtClean="0"/>
-              <a:t>2025/10/23</a:t>
+              <a:t>2025/11/5</a:t>
             </a:fld>
             <a:endParaRPr kumimoji="1" lang="ja-JP" altLang="en-US"/>
           </a:p>
@@ -2157,10 +2535,9 @@
           </a:lstStyle>
           <a:p>
             <a:r>
-              <a:rPr kumimoji="1" lang="ja-JP" altLang="en-US" smtClean="0"/>
+              <a:rPr kumimoji="1" lang="ja-JP" altLang="en-US"/>
               <a:t>マスター タイトルの書式設定</a:t>
             </a:r>
-            <a:endParaRPr kumimoji="1" lang="ja-JP" altLang="en-US"/>
           </a:p>
         </p:txBody>
       </p:sp>
@@ -2214,70 +2591,69 @@
           <a:p>
             <a:pPr lvl="0"/>
             <a:r>
-              <a:rPr kumimoji="1" lang="ja-JP" altLang="en-US" smtClean="0"/>
+              <a:rPr kumimoji="1" lang="ja-JP" altLang="en-US"/>
               <a:t>マスター テキストの書式設定</a:t>
             </a:r>
           </a:p>
           <a:p>
             <a:pPr lvl="1"/>
             <a:r>
-              <a:rPr kumimoji="1" lang="ja-JP" altLang="en-US" smtClean="0"/>
+              <a:rPr kumimoji="1" lang="ja-JP" altLang="en-US"/>
               <a:t>第 </a:t>
             </a:r>
             <a:r>
-              <a:rPr kumimoji="1" lang="en-US" altLang="ja-JP" smtClean="0"/>
+              <a:rPr kumimoji="1" lang="en-US" altLang="ja-JP"/>
               <a:t>2 </a:t>
             </a:r>
             <a:r>
-              <a:rPr kumimoji="1" lang="ja-JP" altLang="en-US" smtClean="0"/>
+              <a:rPr kumimoji="1" lang="ja-JP" altLang="en-US"/>
               <a:t>レベル</a:t>
             </a:r>
           </a:p>
           <a:p>
             <a:pPr lvl="2"/>
             <a:r>
-              <a:rPr kumimoji="1" lang="ja-JP" altLang="en-US" smtClean="0"/>
+              <a:rPr kumimoji="1" lang="ja-JP" altLang="en-US"/>
               <a:t>第 </a:t>
             </a:r>
             <a:r>
-              <a:rPr kumimoji="1" lang="en-US" altLang="ja-JP" smtClean="0"/>
+              <a:rPr kumimoji="1" lang="en-US" altLang="ja-JP"/>
               <a:t>3 </a:t>
             </a:r>
             <a:r>
-              <a:rPr kumimoji="1" lang="ja-JP" altLang="en-US" smtClean="0"/>
+              <a:rPr kumimoji="1" lang="ja-JP" altLang="en-US"/>
               <a:t>レベル</a:t>
             </a:r>
           </a:p>
           <a:p>
             <a:pPr lvl="3"/>
             <a:r>
-              <a:rPr kumimoji="1" lang="ja-JP" altLang="en-US" smtClean="0"/>
+              <a:rPr kumimoji="1" lang="ja-JP" altLang="en-US"/>
               <a:t>第 </a:t>
             </a:r>
             <a:r>
-              <a:rPr kumimoji="1" lang="en-US" altLang="ja-JP" smtClean="0"/>
+              <a:rPr kumimoji="1" lang="en-US" altLang="ja-JP"/>
               <a:t>4 </a:t>
             </a:r>
             <a:r>
-              <a:rPr kumimoji="1" lang="ja-JP" altLang="en-US" smtClean="0"/>
+              <a:rPr kumimoji="1" lang="ja-JP" altLang="en-US"/>
               <a:t>レベル</a:t>
             </a:r>
           </a:p>
           <a:p>
             <a:pPr lvl="4"/>
             <a:r>
-              <a:rPr kumimoji="1" lang="ja-JP" altLang="en-US" smtClean="0"/>
+              <a:rPr kumimoji="1" lang="ja-JP" altLang="en-US"/>
               <a:t>第 </a:t>
             </a:r>
             <a:r>
-              <a:rPr kumimoji="1" lang="en-US" altLang="ja-JP" smtClean="0"/>
+              <a:rPr kumimoji="1" lang="en-US" altLang="ja-JP"/>
               <a:t>5 </a:t>
             </a:r>
             <a:r>
-              <a:rPr kumimoji="1" lang="ja-JP" altLang="en-US" smtClean="0"/>
+              <a:rPr kumimoji="1" lang="ja-JP" altLang="en-US"/>
               <a:t>レベル</a:t>
             </a:r>
-            <a:endParaRPr kumimoji="1" lang="ja-JP" altLang="en-US"/>
           </a:p>
         </p:txBody>
       </p:sp>
@@ -2340,7 +2716,7 @@
           <a:p>
             <a:pPr lvl="0"/>
             <a:r>
-              <a:rPr kumimoji="1" lang="ja-JP" altLang="en-US" smtClean="0"/>
+              <a:rPr kumimoji="1" lang="ja-JP" altLang="en-US"/>
               <a:t>マスター テキストの書式設定</a:t>
             </a:r>
           </a:p>
@@ -2363,7 +2739,7 @@
           <a:p>
             <a:fld id="{4862ADAC-14D0-4FE5-975F-B23D4C382902}" type="datetimeFigureOut">
               <a:rPr kumimoji="1" lang="ja-JP" altLang="en-US" smtClean="0"/>
-              <a:t>2025/10/23</a:t>
+              <a:t>2025/11/5</a:t>
             </a:fld>
             <a:endParaRPr kumimoji="1" lang="ja-JP" altLang="en-US"/>
           </a:p>
@@ -2466,10 +2842,9 @@
           </a:lstStyle>
           <a:p>
             <a:r>
-              <a:rPr kumimoji="1" lang="ja-JP" altLang="en-US" smtClean="0"/>
+              <a:rPr kumimoji="1" lang="ja-JP" altLang="en-US"/>
               <a:t>マスター タイトルの書式設定</a:t>
             </a:r>
-            <a:endParaRPr kumimoji="1" lang="ja-JP" altLang="en-US"/>
           </a:p>
         </p:txBody>
       </p:sp>
@@ -2593,7 +2968,7 @@
           <a:p>
             <a:pPr lvl="0"/>
             <a:r>
-              <a:rPr kumimoji="1" lang="ja-JP" altLang="en-US" smtClean="0"/>
+              <a:rPr kumimoji="1" lang="ja-JP" altLang="en-US"/>
               <a:t>マスター テキストの書式設定</a:t>
             </a:r>
           </a:p>
@@ -2616,7 +2991,7 @@
           <a:p>
             <a:fld id="{4862ADAC-14D0-4FE5-975F-B23D4C382902}" type="datetimeFigureOut">
               <a:rPr kumimoji="1" lang="ja-JP" altLang="en-US" smtClean="0"/>
-              <a:t>2025/10/23</a:t>
+              <a:t>2025/11/5</a:t>
             </a:fld>
             <a:endParaRPr kumimoji="1" lang="ja-JP" altLang="en-US"/>
           </a:p>
@@ -2725,10 +3100,9 @@
           <a:lstStyle/>
           <a:p>
             <a:r>
-              <a:rPr kumimoji="1" lang="ja-JP" altLang="en-US" smtClean="0"/>
+              <a:rPr kumimoji="1" lang="ja-JP" altLang="en-US"/>
               <a:t>マスター タイトルの書式設定</a:t>
             </a:r>
-            <a:endParaRPr kumimoji="1" lang="ja-JP" altLang="en-US"/>
           </a:p>
         </p:txBody>
       </p:sp>
@@ -2759,70 +3133,69 @@
           <a:p>
             <a:pPr lvl="0"/>
             <a:r>
-              <a:rPr kumimoji="1" lang="ja-JP" altLang="en-US" smtClean="0"/>
+              <a:rPr kumimoji="1" lang="ja-JP" altLang="en-US"/>
               <a:t>マスター テキストの書式設定</a:t>
             </a:r>
           </a:p>
           <a:p>
             <a:pPr lvl="1"/>
             <a:r>
-              <a:rPr kumimoji="1" lang="ja-JP" altLang="en-US" smtClean="0"/>
+              <a:rPr kumimoji="1" lang="ja-JP" altLang="en-US"/>
               <a:t>第 </a:t>
             </a:r>
             <a:r>
-              <a:rPr kumimoji="1" lang="en-US" altLang="ja-JP" smtClean="0"/>
+              <a:rPr kumimoji="1" lang="en-US" altLang="ja-JP"/>
               <a:t>2 </a:t>
             </a:r>
             <a:r>
-              <a:rPr kumimoji="1" lang="ja-JP" altLang="en-US" smtClean="0"/>
+              <a:rPr kumimoji="1" lang="ja-JP" altLang="en-US"/>
               <a:t>レベル</a:t>
             </a:r>
           </a:p>
           <a:p>
             <a:pPr lvl="2"/>
             <a:r>
-              <a:rPr kumimoji="1" lang="ja-JP" altLang="en-US" smtClean="0"/>
+              <a:rPr kumimoji="1" lang="ja-JP" altLang="en-US"/>
               <a:t>第 </a:t>
             </a:r>
             <a:r>
-              <a:rPr kumimoji="1" lang="en-US" altLang="ja-JP" smtClean="0"/>
+              <a:rPr kumimoji="1" lang="en-US" altLang="ja-JP"/>
               <a:t>3 </a:t>
             </a:r>
             <a:r>
-              <a:rPr kumimoji="1" lang="ja-JP" altLang="en-US" smtClean="0"/>
+              <a:rPr kumimoji="1" lang="ja-JP" altLang="en-US"/>
               <a:t>レベル</a:t>
             </a:r>
           </a:p>
           <a:p>
             <a:pPr lvl="3"/>
             <a:r>
-              <a:rPr kumimoji="1" lang="ja-JP" altLang="en-US" smtClean="0"/>
+              <a:rPr kumimoji="1" lang="ja-JP" altLang="en-US"/>
               <a:t>第 </a:t>
             </a:r>
             <a:r>
-              <a:rPr kumimoji="1" lang="en-US" altLang="ja-JP" smtClean="0"/>
+              <a:rPr kumimoji="1" lang="en-US" altLang="ja-JP"/>
               <a:t>4 </a:t>
             </a:r>
             <a:r>
-              <a:rPr kumimoji="1" lang="ja-JP" altLang="en-US" smtClean="0"/>
+              <a:rPr kumimoji="1" lang="ja-JP" altLang="en-US"/>
               <a:t>レベル</a:t>
             </a:r>
           </a:p>
           <a:p>
             <a:pPr lvl="4"/>
             <a:r>
-              <a:rPr kumimoji="1" lang="ja-JP" altLang="en-US" smtClean="0"/>
+              <a:rPr kumimoji="1" lang="ja-JP" altLang="en-US"/>
               <a:t>第 </a:t>
             </a:r>
             <a:r>
-              <a:rPr kumimoji="1" lang="en-US" altLang="ja-JP" smtClean="0"/>
+              <a:rPr kumimoji="1" lang="en-US" altLang="ja-JP"/>
               <a:t>5 </a:t>
             </a:r>
             <a:r>
-              <a:rPr kumimoji="1" lang="ja-JP" altLang="en-US" smtClean="0"/>
+              <a:rPr kumimoji="1" lang="ja-JP" altLang="en-US"/>
               <a:t>レベル</a:t>
             </a:r>
-            <a:endParaRPr kumimoji="1" lang="ja-JP" altLang="en-US"/>
           </a:p>
         </p:txBody>
       </p:sp>
@@ -2861,7 +3234,7 @@
           <a:p>
             <a:fld id="{4862ADAC-14D0-4FE5-975F-B23D4C382902}" type="datetimeFigureOut">
               <a:rPr kumimoji="1" lang="ja-JP" altLang="en-US" smtClean="0"/>
-              <a:t>2025/10/23</a:t>
+              <a:t>2025/11/5</a:t>
             </a:fld>
             <a:endParaRPr kumimoji="1" lang="ja-JP" altLang="en-US"/>
           </a:p>
@@ -3282,10 +3655,9 @@
           <a:lstStyle/>
           <a:p>
             <a:r>
-              <a:rPr kumimoji="1" lang="ja-JP" altLang="en-US" dirty="0" smtClean="0"/>
+              <a:rPr kumimoji="1" lang="ja-JP" altLang="en-US" dirty="0"/>
               <a:t>長期投資の理論と実践</a:t>
             </a:r>
-            <a:endParaRPr kumimoji="1" lang="ja-JP" altLang="en-US" dirty="0"/>
           </a:p>
         </p:txBody>
       </p:sp>
@@ -3305,32 +3677,20 @@
           <a:lstStyle/>
           <a:p>
             <a:r>
-              <a:rPr kumimoji="1" lang="ja-JP" altLang="en-US" dirty="0" smtClean="0"/>
+              <a:rPr kumimoji="1" lang="ja-JP" altLang="en-US" dirty="0"/>
               <a:t>第</a:t>
             </a:r>
             <a:r>
-              <a:rPr kumimoji="1" lang="en-US" altLang="ja-JP" dirty="0" smtClean="0"/>
+              <a:rPr kumimoji="1" lang="en-US" altLang="ja-JP" dirty="0"/>
               <a:t>2</a:t>
             </a:r>
             <a:r>
-              <a:rPr kumimoji="1" lang="ja-JP" altLang="en-US" dirty="0" smtClean="0"/>
+              <a:rPr kumimoji="1" lang="ja-JP" altLang="en-US" dirty="0"/>
               <a:t>章　</a:t>
             </a:r>
             <a:r>
               <a:rPr lang="ja-JP" altLang="en-US" dirty="0"/>
-              <a:t>多</a:t>
-            </a:r>
-            <a:r>
-              <a:rPr lang="ja-JP" altLang="en-US" dirty="0" smtClean="0"/>
-              <a:t>期間</a:t>
-            </a:r>
-            <a:r>
-              <a:rPr lang="ja-JP" altLang="en-US" dirty="0"/>
-              <a:t>モデル</a:t>
-            </a:r>
-            <a:r>
-              <a:rPr lang="ja-JP" altLang="en-US" dirty="0" smtClean="0"/>
-              <a:t>におけるリスクと効用関数</a:t>
+              <a:t>多期間モデルにおけるリスクと効用関数</a:t>
             </a:r>
             <a:endParaRPr kumimoji="1" lang="ja-JP" altLang="en-US" dirty="0"/>
           </a:p>
@@ -3389,16 +3749,12 @@
           <a:lstStyle/>
           <a:p>
             <a:r>
-              <a:rPr lang="en-US" altLang="ja-JP" sz="2800" dirty="0" smtClean="0"/>
+              <a:rPr lang="en-US" altLang="ja-JP" sz="2800" dirty="0"/>
               <a:t>§2.2</a:t>
             </a:r>
             <a:r>
-              <a:rPr lang="ja-JP" altLang="en-US" sz="2800" dirty="0" smtClean="0"/>
-              <a:t>　</a:t>
-            </a:r>
-            <a:r>
-              <a:rPr lang="ja-JP" altLang="en-US" sz="2800" dirty="0" smtClean="0"/>
-              <a:t>リスク概念の多期間化と期待効用関数の拡張</a:t>
+              <a:rPr lang="ja-JP" altLang="en-US" sz="2800" dirty="0"/>
+              <a:t>　リスク概念の多期間化と期待効用関数の拡張</a:t>
             </a:r>
             <a:endParaRPr kumimoji="1" lang="ja-JP" altLang="en-US" sz="2800" dirty="0"/>
           </a:p>
@@ -3430,46 +3786,46 @@
               <a:buNone/>
             </a:pPr>
             <a:r>
-              <a:rPr lang="ja-JP" altLang="en-US" sz="2000" dirty="0" smtClean="0"/>
+              <a:rPr lang="ja-JP" altLang="en-US" sz="2000" dirty="0"/>
               <a:t>多期間において、投資家の負うリスクは以下の</a:t>
             </a:r>
             <a:r>
-              <a:rPr lang="en-US" altLang="ja-JP" sz="2000" dirty="0" smtClean="0"/>
+              <a:rPr lang="en-US" altLang="ja-JP" sz="2000" dirty="0"/>
               <a:t>2</a:t>
             </a:r>
             <a:r>
-              <a:rPr lang="ja-JP" altLang="en-US" sz="2000" dirty="0" smtClean="0"/>
+              <a:rPr lang="ja-JP" altLang="en-US" sz="2000" dirty="0"/>
               <a:t>種類がある。</a:t>
             </a:r>
-            <a:endParaRPr lang="en-US" altLang="ja-JP" sz="2000" dirty="0" smtClean="0"/>
+            <a:endParaRPr lang="en-US" altLang="ja-JP" sz="2000" dirty="0"/>
           </a:p>
           <a:p>
             <a:pPr marL="0" indent="0">
               <a:buNone/>
             </a:pPr>
             <a:r>
-              <a:rPr lang="en-US" altLang="ja-JP" sz="2000" dirty="0" smtClean="0"/>
+              <a:rPr lang="en-US" altLang="ja-JP" sz="2000" dirty="0"/>
               <a:t>(1)</a:t>
             </a:r>
             <a:r>
-              <a:rPr lang="ja-JP" altLang="en-US" sz="2000" dirty="0" smtClean="0"/>
+              <a:rPr lang="ja-JP" altLang="en-US" sz="2000" dirty="0"/>
               <a:t>将来の特定の期間に実現する異なる世の中の状態によって消費水準が変化するリスク</a:t>
             </a:r>
-            <a:endParaRPr lang="en-US" altLang="ja-JP" sz="2000" dirty="0" smtClean="0"/>
+            <a:endParaRPr lang="en-US" altLang="ja-JP" sz="2000" dirty="0"/>
           </a:p>
           <a:p>
             <a:pPr marL="0" indent="0">
               <a:buNone/>
             </a:pPr>
             <a:r>
-              <a:rPr lang="en-US" altLang="ja-JP" sz="2000" dirty="0" smtClean="0"/>
+              <a:rPr lang="en-US" altLang="ja-JP" sz="2000" dirty="0"/>
               <a:t>(2)</a:t>
             </a:r>
             <a:r>
-              <a:rPr lang="ja-JP" altLang="en-US" sz="2000" dirty="0" smtClean="0"/>
+              <a:rPr lang="ja-JP" altLang="en-US" sz="2000" dirty="0"/>
               <a:t>将来の異なる時点の間において消費水準が変動するリスク</a:t>
             </a:r>
-            <a:endParaRPr lang="en-US" altLang="ja-JP" sz="2000" dirty="0" smtClean="0"/>
+            <a:endParaRPr lang="en-US" altLang="ja-JP" sz="2000" dirty="0"/>
           </a:p>
           <a:p>
             <a:pPr marL="0" indent="0">
@@ -3482,30 +3838,30 @@
               <a:buNone/>
             </a:pPr>
             <a:r>
-              <a:rPr lang="en-US" altLang="ja-JP" sz="2000" dirty="0" smtClean="0"/>
+              <a:rPr lang="en-US" altLang="ja-JP" sz="2000" dirty="0"/>
               <a:t>(1)</a:t>
             </a:r>
             <a:r>
-              <a:rPr lang="ja-JP" altLang="en-US" sz="2000" dirty="0" smtClean="0"/>
+              <a:rPr lang="ja-JP" altLang="en-US" sz="2000" dirty="0"/>
               <a:t>のリスクは</a:t>
             </a:r>
             <a:r>
-              <a:rPr lang="en-US" altLang="ja-JP" sz="2000" dirty="0" smtClean="0"/>
+              <a:rPr lang="en-US" altLang="ja-JP" sz="2000" dirty="0"/>
               <a:t>1</a:t>
             </a:r>
             <a:r>
-              <a:rPr lang="ja-JP" altLang="en-US" sz="2000" dirty="0" smtClean="0"/>
+              <a:rPr lang="ja-JP" altLang="en-US" sz="2000" dirty="0"/>
               <a:t>期間と同様だが、</a:t>
             </a:r>
             <a:r>
-              <a:rPr lang="en-US" altLang="ja-JP" sz="2000" dirty="0" smtClean="0"/>
+              <a:rPr lang="en-US" altLang="ja-JP" sz="2000" dirty="0"/>
               <a:t>(2)</a:t>
             </a:r>
             <a:r>
-              <a:rPr lang="ja-JP" altLang="en-US" sz="2000" dirty="0" smtClean="0"/>
+              <a:rPr lang="ja-JP" altLang="en-US" sz="2000" dirty="0"/>
               <a:t>は多期間特有のリスクである。</a:t>
             </a:r>
-            <a:endParaRPr lang="en-US" altLang="ja-JP" sz="2000" dirty="0" smtClean="0"/>
+            <a:endParaRPr lang="en-US" altLang="ja-JP" sz="2000" dirty="0"/>
           </a:p>
           <a:p>
             <a:pPr marL="0" indent="0">
@@ -3513,55 +3869,51 @@
             </a:pPr>
             <a:r>
               <a:rPr lang="ja-JP" altLang="en-US" sz="2000" dirty="0"/>
-              <a:t>通常</a:t>
-            </a:r>
-            <a:r>
-              <a:rPr lang="ja-JP" altLang="en-US" sz="2000" dirty="0" smtClean="0"/>
-              <a:t>の効用関数ではこの</a:t>
-            </a:r>
-            <a:r>
-              <a:rPr lang="en-US" altLang="ja-JP" sz="2000" dirty="0" smtClean="0"/>
+              <a:t>通常の効用関数ではこの</a:t>
+            </a:r>
+            <a:r>
+              <a:rPr lang="en-US" altLang="ja-JP" sz="2000" dirty="0"/>
               <a:t>2</a:t>
             </a:r>
             <a:r>
-              <a:rPr lang="ja-JP" altLang="en-US" sz="2000" dirty="0" err="1" smtClean="0"/>
+              <a:rPr lang="ja-JP" altLang="en-US" sz="2000" dirty="0" err="1"/>
               <a:t>つの</a:t>
             </a:r>
             <a:r>
-              <a:rPr lang="ja-JP" altLang="en-US" sz="2000" dirty="0" smtClean="0"/>
+              <a:rPr lang="ja-JP" altLang="en-US" sz="2000" dirty="0"/>
               <a:t>リスクは分離不可能である。</a:t>
             </a:r>
-            <a:endParaRPr lang="en-US" altLang="ja-JP" sz="2000" dirty="0" smtClean="0"/>
+            <a:endParaRPr lang="en-US" altLang="ja-JP" sz="2000" dirty="0"/>
           </a:p>
           <a:p>
             <a:pPr marL="0" indent="0">
               <a:buNone/>
             </a:pPr>
             <a:r>
-              <a:rPr lang="ja-JP" altLang="en-US" sz="2000" dirty="0" smtClean="0"/>
+              <a:rPr lang="ja-JP" altLang="en-US" sz="2000" dirty="0"/>
               <a:t>そのため、多期間では</a:t>
             </a:r>
             <a:r>
-              <a:rPr lang="en-US" altLang="ja-JP" sz="2000" dirty="0" smtClean="0"/>
+              <a:rPr lang="en-US" altLang="ja-JP" sz="2000" dirty="0"/>
               <a:t>2</a:t>
             </a:r>
             <a:r>
-              <a:rPr lang="ja-JP" altLang="en-US" sz="2000" dirty="0" err="1" smtClean="0"/>
+              <a:rPr lang="ja-JP" altLang="en-US" sz="2000" dirty="0" err="1"/>
               <a:t>つの</a:t>
             </a:r>
             <a:r>
-              <a:rPr lang="ja-JP" altLang="en-US" sz="2000" dirty="0" smtClean="0"/>
+              <a:rPr lang="ja-JP" altLang="en-US" sz="2000" dirty="0"/>
               <a:t>リスクを分離することができる</a:t>
             </a:r>
             <a:r>
-              <a:rPr lang="ja-JP" altLang="en-US" sz="2000" b="1" dirty="0" smtClean="0"/>
+              <a:rPr lang="ja-JP" altLang="en-US" sz="2000" b="1" dirty="0"/>
               <a:t>再帰的効用関数</a:t>
             </a:r>
             <a:r>
-              <a:rPr lang="ja-JP" altLang="en-US" sz="2000" dirty="0" smtClean="0"/>
+              <a:rPr lang="ja-JP" altLang="en-US" sz="2000" dirty="0"/>
               <a:t>を導入する。</a:t>
             </a:r>
-            <a:endParaRPr lang="en-US" altLang="ja-JP" sz="2000" dirty="0" smtClean="0"/>
+            <a:endParaRPr lang="en-US" altLang="ja-JP" sz="2000" dirty="0"/>
           </a:p>
           <a:p>
             <a:pPr marL="0" indent="0">
@@ -3574,33 +3926,33 @@
               <a:buNone/>
             </a:pPr>
             <a:r>
-              <a:rPr lang="ja-JP" altLang="en-US" sz="2000" dirty="0" smtClean="0"/>
+              <a:rPr lang="ja-JP" altLang="en-US" sz="2000" dirty="0"/>
               <a:t>再帰的効用関数の中でも</a:t>
             </a:r>
             <a:r>
-              <a:rPr lang="en-US" altLang="ja-JP" sz="2000" dirty="0" smtClean="0"/>
+              <a:rPr lang="en-US" altLang="ja-JP" sz="2000" dirty="0"/>
               <a:t>Epstein=Zin</a:t>
             </a:r>
             <a:r>
-              <a:rPr lang="ja-JP" altLang="en-US" sz="2000" dirty="0" smtClean="0"/>
+              <a:rPr lang="ja-JP" altLang="en-US" sz="2000" dirty="0"/>
               <a:t>型効用関数が操作性に優れておりよく用いられる。</a:t>
             </a:r>
-            <a:endParaRPr lang="en-US" altLang="ja-JP" sz="2000" dirty="0" smtClean="0"/>
+            <a:endParaRPr lang="en-US" altLang="ja-JP" sz="2000" dirty="0"/>
           </a:p>
           <a:p>
             <a:pPr marL="0" indent="0">
               <a:buNone/>
             </a:pPr>
             <a:r>
-              <a:rPr lang="ja-JP" altLang="en-US" sz="2000" dirty="0" smtClean="0"/>
+              <a:rPr lang="ja-JP" altLang="en-US" sz="2000" dirty="0"/>
               <a:t>詳細は第</a:t>
             </a:r>
             <a:r>
-              <a:rPr lang="en-US" altLang="ja-JP" sz="2000" dirty="0" smtClean="0"/>
+              <a:rPr lang="en-US" altLang="ja-JP" sz="2000" dirty="0"/>
               <a:t>4</a:t>
             </a:r>
             <a:r>
-              <a:rPr lang="ja-JP" altLang="en-US" sz="2000" dirty="0" smtClean="0"/>
+              <a:rPr lang="ja-JP" altLang="en-US" sz="2000" dirty="0"/>
               <a:t>章に譲る。</a:t>
             </a:r>
             <a:endParaRPr lang="en-US" altLang="ja-JP" sz="2000" dirty="0"/>
@@ -3611,6 +3963,4682 @@
     <p:extLst>
       <p:ext uri="{BB962C8B-B14F-4D97-AF65-F5344CB8AC3E}">
         <p14:creationId xmlns:p14="http://schemas.microsoft.com/office/powerpoint/2010/main" val="424664141"/>
+      </p:ext>
+    </p:extLst>
+  </p:cSld>
+  <p:clrMapOvr>
+    <a:masterClrMapping/>
+  </p:clrMapOvr>
+</p:sld>
+</file>
+
+<file path=ppt/slides/slide11.xml><?xml version="1.0" encoding="utf-8"?>
+<p:sld xmlns:a="http://schemas.openxmlformats.org/drawingml/2006/main" xmlns:r="http://schemas.openxmlformats.org/officeDocument/2006/relationships" xmlns:p="http://schemas.openxmlformats.org/presentationml/2006/main">
+  <p:cSld>
+    <p:spTree>
+      <p:nvGrpSpPr>
+        <p:cNvPr id="1" name="">
+          <a:extLst>
+            <a:ext uri="{FF2B5EF4-FFF2-40B4-BE49-F238E27FC236}">
+              <a16:creationId xmlns:a16="http://schemas.microsoft.com/office/drawing/2014/main" id="{08DA382A-1B6E-270D-E173-4AD78B828833}"/>
+            </a:ext>
+          </a:extLst>
+        </p:cNvPr>
+        <p:cNvGrpSpPr/>
+        <p:nvPr/>
+      </p:nvGrpSpPr>
+      <p:grpSpPr>
+        <a:xfrm>
+          <a:off x="0" y="0"/>
+          <a:ext cx="0" cy="0"/>
+          <a:chOff x="0" y="0"/>
+          <a:chExt cx="0" cy="0"/>
+        </a:xfrm>
+      </p:grpSpPr>
+      <p:sp>
+        <p:nvSpPr>
+          <p:cNvPr id="2" name="タイトル 1">
+            <a:extLst>
+              <a:ext uri="{FF2B5EF4-FFF2-40B4-BE49-F238E27FC236}">
+                <a16:creationId xmlns:a16="http://schemas.microsoft.com/office/drawing/2014/main" id="{6A7330CC-4414-1ABF-9DAB-1DF21972F2E1}"/>
+              </a:ext>
+            </a:extLst>
+          </p:cNvPr>
+          <p:cNvSpPr>
+            <a:spLocks noGrp="1"/>
+          </p:cNvSpPr>
+          <p:nvPr>
+            <p:ph type="title"/>
+          </p:nvPr>
+        </p:nvSpPr>
+        <p:spPr>
+          <a:xfrm>
+            <a:off x="838200" y="2480172"/>
+            <a:ext cx="10515600" cy="1325563"/>
+          </a:xfrm>
+        </p:spPr>
+        <p:txBody>
+          <a:bodyPr>
+            <a:normAutofit/>
+          </a:bodyPr>
+          <a:lstStyle/>
+          <a:p>
+            <a:pPr algn="ctr"/>
+            <a:r>
+              <a:rPr kumimoji="1" lang="ja-JP" altLang="en-US" sz="3200" dirty="0"/>
+              <a:t>第</a:t>
+            </a:r>
+            <a:r>
+              <a:rPr lang="en-US" altLang="ja-JP" sz="3200" dirty="0"/>
+              <a:t>3</a:t>
+            </a:r>
+            <a:r>
+              <a:rPr lang="ja-JP" altLang="en-US" sz="3200" dirty="0"/>
+              <a:t>節　</a:t>
+            </a:r>
+            <a:r>
+              <a:rPr lang="en-US" altLang="ja-JP" sz="3200" dirty="0"/>
+              <a:t>1</a:t>
+            </a:r>
+            <a:r>
+              <a:rPr lang="ja-JP" altLang="en-US" sz="3200" dirty="0"/>
+              <a:t>期間モデルの教訓と多期間投資モデルの構築</a:t>
+            </a:r>
+            <a:endParaRPr kumimoji="1" lang="ja-JP" altLang="en-US" sz="3200" dirty="0"/>
+          </a:p>
+        </p:txBody>
+      </p:sp>
+    </p:spTree>
+    <p:extLst>
+      <p:ext uri="{BB962C8B-B14F-4D97-AF65-F5344CB8AC3E}">
+        <p14:creationId xmlns:p14="http://schemas.microsoft.com/office/powerpoint/2010/main" val="3984734239"/>
+      </p:ext>
+    </p:extLst>
+  </p:cSld>
+  <p:clrMapOvr>
+    <a:masterClrMapping/>
+  </p:clrMapOvr>
+</p:sld>
+</file>
+
+<file path=ppt/slides/slide12.xml><?xml version="1.0" encoding="utf-8"?>
+<p:sld xmlns:a="http://schemas.openxmlformats.org/drawingml/2006/main" xmlns:r="http://schemas.openxmlformats.org/officeDocument/2006/relationships" xmlns:p="http://schemas.openxmlformats.org/presentationml/2006/main">
+  <p:cSld>
+    <p:spTree>
+      <p:nvGrpSpPr>
+        <p:cNvPr id="1" name="">
+          <a:extLst>
+            <a:ext uri="{FF2B5EF4-FFF2-40B4-BE49-F238E27FC236}">
+              <a16:creationId xmlns:a16="http://schemas.microsoft.com/office/drawing/2014/main" id="{8FDF976D-377E-013A-1870-F57187B13C66}"/>
+            </a:ext>
+          </a:extLst>
+        </p:cNvPr>
+        <p:cNvGrpSpPr/>
+        <p:nvPr/>
+      </p:nvGrpSpPr>
+      <p:grpSpPr>
+        <a:xfrm>
+          <a:off x="0" y="0"/>
+          <a:ext cx="0" cy="0"/>
+          <a:chOff x="0" y="0"/>
+          <a:chExt cx="0" cy="0"/>
+        </a:xfrm>
+      </p:grpSpPr>
+      <p:sp>
+        <p:nvSpPr>
+          <p:cNvPr id="2" name="タイトル 1">
+            <a:extLst>
+              <a:ext uri="{FF2B5EF4-FFF2-40B4-BE49-F238E27FC236}">
+                <a16:creationId xmlns:a16="http://schemas.microsoft.com/office/drawing/2014/main" id="{1D64CB47-E38B-5BC1-B819-80DCC6F4B09A}"/>
+              </a:ext>
+            </a:extLst>
+          </p:cNvPr>
+          <p:cNvSpPr>
+            <a:spLocks noGrp="1"/>
+          </p:cNvSpPr>
+          <p:nvPr>
+            <p:ph type="title"/>
+          </p:nvPr>
+        </p:nvSpPr>
+        <p:spPr>
+          <a:xfrm>
+            <a:off x="838200" y="365126"/>
+            <a:ext cx="10515600" cy="700350"/>
+          </a:xfrm>
+        </p:spPr>
+        <p:txBody>
+          <a:bodyPr>
+            <a:normAutofit/>
+          </a:bodyPr>
+          <a:lstStyle/>
+          <a:p>
+            <a:r>
+              <a:rPr lang="en-US" altLang="ja-JP" sz="2800" dirty="0"/>
+              <a:t>§3.0</a:t>
+            </a:r>
+            <a:r>
+              <a:rPr lang="ja-JP" altLang="en-US" sz="2800" dirty="0"/>
+              <a:t>　イントロ</a:t>
+            </a:r>
+            <a:endParaRPr kumimoji="1" lang="ja-JP" altLang="en-US" sz="2800" dirty="0"/>
+          </a:p>
+        </p:txBody>
+      </p:sp>
+      <p:sp>
+        <p:nvSpPr>
+          <p:cNvPr id="3" name="コンテンツ プレースホルダー 2">
+            <a:extLst>
+              <a:ext uri="{FF2B5EF4-FFF2-40B4-BE49-F238E27FC236}">
+                <a16:creationId xmlns:a16="http://schemas.microsoft.com/office/drawing/2014/main" id="{D00AF972-1DAC-5019-832A-011C74607ACD}"/>
+              </a:ext>
+            </a:extLst>
+          </p:cNvPr>
+          <p:cNvSpPr>
+            <a:spLocks noGrp="1"/>
+          </p:cNvSpPr>
+          <p:nvPr>
+            <p:ph idx="1"/>
+          </p:nvPr>
+        </p:nvSpPr>
+        <p:spPr>
+          <a:xfrm>
+            <a:off x="838200" y="1065476"/>
+            <a:ext cx="10515600" cy="5111487"/>
+          </a:xfrm>
+        </p:spPr>
+        <p:txBody>
+          <a:bodyPr>
+            <a:normAutofit/>
+          </a:bodyPr>
+          <a:lstStyle/>
+          <a:p>
+            <a:pPr marL="0" indent="0">
+              <a:buNone/>
+            </a:pPr>
+            <a:r>
+              <a:rPr lang="ja-JP" altLang="en-US" sz="2000" dirty="0"/>
+              <a:t>第</a:t>
+            </a:r>
+            <a:r>
+              <a:rPr lang="en-US" altLang="ja-JP" sz="2000" dirty="0"/>
+              <a:t>1</a:t>
+            </a:r>
+            <a:r>
+              <a:rPr lang="ja-JP" altLang="en-US" sz="2000" dirty="0"/>
+              <a:t>章では、</a:t>
+            </a:r>
+            <a:r>
+              <a:rPr lang="en-US" altLang="ja-JP" sz="2000" dirty="0"/>
+              <a:t>1</a:t>
+            </a:r>
+            <a:r>
+              <a:rPr lang="ja-JP" altLang="en-US" sz="2000" dirty="0"/>
+              <a:t>期間モデルの結果を概観したが、</a:t>
+            </a:r>
+            <a:r>
+              <a:rPr lang="en-US" altLang="ja-JP" sz="2000" dirty="0"/>
+              <a:t>1</a:t>
+            </a:r>
+            <a:r>
+              <a:rPr lang="ja-JP" altLang="en-US" sz="2000" dirty="0"/>
+              <a:t>期間についての分析は多期間分析においても成立する示唆に富んだ多くの論点を提示している。</a:t>
+            </a:r>
+            <a:endParaRPr lang="en-US" altLang="ja-JP" sz="2000" dirty="0"/>
+          </a:p>
+          <a:p>
+            <a:pPr marL="0" indent="0">
+              <a:buNone/>
+            </a:pPr>
+            <a:r>
+              <a:rPr lang="ja-JP" altLang="en-US" sz="2000" dirty="0"/>
+              <a:t>特に重要なポイントを挙げておく。</a:t>
+            </a:r>
+            <a:endParaRPr lang="en-US" altLang="ja-JP" sz="2000" dirty="0"/>
+          </a:p>
+          <a:p>
+            <a:r>
+              <a:rPr lang="ja-JP" altLang="en-US" sz="2000" dirty="0"/>
+              <a:t>投資のリスクは、対価としてリターンが期待できる部分（組織的リスク）と期待できないリスク（非組織的リスク）とがある。</a:t>
+            </a:r>
+            <a:endParaRPr lang="en-US" altLang="ja-JP" sz="2000" dirty="0"/>
+          </a:p>
+          <a:p>
+            <a:r>
+              <a:rPr lang="ja-JP" altLang="en-US" sz="2000" dirty="0"/>
+              <a:t>組織的リスクは全体リスクのうち、プライシングカーネルと相関を持つ変動部分であり、非組織的リスクは無相関の変動部分である。</a:t>
+            </a:r>
+            <a:endParaRPr lang="en-US" altLang="ja-JP" sz="2000" dirty="0"/>
+          </a:p>
+          <a:p>
+            <a:r>
+              <a:rPr lang="ja-JP" altLang="en-US" sz="2000" dirty="0"/>
+              <a:t>対価の期待できないリスクを負うことは、投資家がリスク回避的であれば、その効用を低下させる。したがって、非組織的リスクは極力除去すべきである。</a:t>
+            </a:r>
+            <a:endParaRPr lang="en-US" altLang="ja-JP" sz="2000" dirty="0"/>
+          </a:p>
+          <a:p>
+            <a:r>
+              <a:rPr lang="ja-JP" altLang="en-US" sz="2000" dirty="0"/>
+              <a:t>対価の期待できないリスクは、複数の銘柄に分散投資することで減じることができる。</a:t>
+            </a:r>
+            <a:endParaRPr lang="en-US" altLang="ja-JP" sz="2000" dirty="0"/>
+          </a:p>
+          <a:p>
+            <a:pPr marL="0" indent="0">
+              <a:buNone/>
+            </a:pPr>
+            <a:endParaRPr lang="en-US" altLang="ja-JP" sz="2000" dirty="0"/>
+          </a:p>
+          <a:p>
+            <a:pPr marL="0" indent="0">
+              <a:buNone/>
+            </a:pPr>
+            <a:r>
+              <a:rPr lang="ja-JP" altLang="en-US" sz="2000" dirty="0"/>
+              <a:t>これらは多期間の投資においても有効な考え方である。</a:t>
+            </a:r>
+            <a:endParaRPr lang="en-US" altLang="ja-JP" sz="2000" dirty="0"/>
+          </a:p>
+        </p:txBody>
+      </p:sp>
+    </p:spTree>
+    <p:extLst>
+      <p:ext uri="{BB962C8B-B14F-4D97-AF65-F5344CB8AC3E}">
+        <p14:creationId xmlns:p14="http://schemas.microsoft.com/office/powerpoint/2010/main" val="3415719797"/>
+      </p:ext>
+    </p:extLst>
+  </p:cSld>
+  <p:clrMapOvr>
+    <a:masterClrMapping/>
+  </p:clrMapOvr>
+</p:sld>
+</file>
+
+<file path=ppt/slides/slide13.xml><?xml version="1.0" encoding="utf-8"?>
+<p:sld xmlns:a="http://schemas.openxmlformats.org/drawingml/2006/main" xmlns:r="http://schemas.openxmlformats.org/officeDocument/2006/relationships" xmlns:p="http://schemas.openxmlformats.org/presentationml/2006/main">
+  <p:cSld>
+    <p:spTree>
+      <p:nvGrpSpPr>
+        <p:cNvPr id="1" name="">
+          <a:extLst>
+            <a:ext uri="{FF2B5EF4-FFF2-40B4-BE49-F238E27FC236}">
+              <a16:creationId xmlns:a16="http://schemas.microsoft.com/office/drawing/2014/main" id="{3F97E909-E0F9-7BB1-A1A8-71B168CDB2A3}"/>
+            </a:ext>
+          </a:extLst>
+        </p:cNvPr>
+        <p:cNvGrpSpPr/>
+        <p:nvPr/>
+      </p:nvGrpSpPr>
+      <p:grpSpPr>
+        <a:xfrm>
+          <a:off x="0" y="0"/>
+          <a:ext cx="0" cy="0"/>
+          <a:chOff x="0" y="0"/>
+          <a:chExt cx="0" cy="0"/>
+        </a:xfrm>
+      </p:grpSpPr>
+      <p:sp>
+        <p:nvSpPr>
+          <p:cNvPr id="2" name="タイトル 1">
+            <a:extLst>
+              <a:ext uri="{FF2B5EF4-FFF2-40B4-BE49-F238E27FC236}">
+                <a16:creationId xmlns:a16="http://schemas.microsoft.com/office/drawing/2014/main" id="{DBA765D6-D09D-261A-94E5-0E8BBBD8E274}"/>
+              </a:ext>
+            </a:extLst>
+          </p:cNvPr>
+          <p:cNvSpPr>
+            <a:spLocks noGrp="1"/>
+          </p:cNvSpPr>
+          <p:nvPr>
+            <p:ph type="title"/>
+          </p:nvPr>
+        </p:nvSpPr>
+        <p:spPr>
+          <a:xfrm>
+            <a:off x="838200" y="365126"/>
+            <a:ext cx="10515600" cy="700350"/>
+          </a:xfrm>
+        </p:spPr>
+        <p:txBody>
+          <a:bodyPr>
+            <a:normAutofit/>
+          </a:bodyPr>
+          <a:lstStyle/>
+          <a:p>
+            <a:r>
+              <a:rPr lang="en-US" altLang="ja-JP" sz="2800" dirty="0"/>
+              <a:t>§3.1</a:t>
+            </a:r>
+            <a:r>
+              <a:rPr lang="ja-JP" altLang="en-US" sz="2800" dirty="0"/>
+              <a:t>　</a:t>
+            </a:r>
+            <a:r>
+              <a:rPr lang="en-US" altLang="ja-JP" sz="2800" dirty="0"/>
+              <a:t>Samuelson</a:t>
+            </a:r>
+            <a:r>
+              <a:rPr lang="ja-JP" altLang="en-US" sz="2800" dirty="0"/>
+              <a:t>と</a:t>
+            </a:r>
+            <a:r>
+              <a:rPr lang="en-US" altLang="ja-JP" sz="2800" dirty="0"/>
+              <a:t>Merton</a:t>
+            </a:r>
+            <a:r>
+              <a:rPr lang="ja-JP" altLang="en-US" sz="2800" dirty="0"/>
+              <a:t>の先駆的考察</a:t>
+            </a:r>
+            <a:endParaRPr kumimoji="1" lang="ja-JP" altLang="en-US" sz="2800" dirty="0"/>
+          </a:p>
+        </p:txBody>
+      </p:sp>
+      <p:sp>
+        <p:nvSpPr>
+          <p:cNvPr id="3" name="コンテンツ プレースホルダー 2">
+            <a:extLst>
+              <a:ext uri="{FF2B5EF4-FFF2-40B4-BE49-F238E27FC236}">
+                <a16:creationId xmlns:a16="http://schemas.microsoft.com/office/drawing/2014/main" id="{EC749E48-8420-6FA9-D846-2098D99314B9}"/>
+              </a:ext>
+            </a:extLst>
+          </p:cNvPr>
+          <p:cNvSpPr>
+            <a:spLocks noGrp="1"/>
+          </p:cNvSpPr>
+          <p:nvPr>
+            <p:ph idx="1"/>
+          </p:nvPr>
+        </p:nvSpPr>
+        <p:spPr>
+          <a:xfrm>
+            <a:off x="838200" y="1065476"/>
+            <a:ext cx="10515600" cy="5111487"/>
+          </a:xfrm>
+        </p:spPr>
+        <p:txBody>
+          <a:bodyPr>
+            <a:normAutofit/>
+          </a:bodyPr>
+          <a:lstStyle/>
+          <a:p>
+            <a:pPr marL="0" indent="0">
+              <a:buNone/>
+            </a:pPr>
+            <a:r>
+              <a:rPr lang="en-US" altLang="ja-JP" sz="2000" dirty="0"/>
+              <a:t>Samuelson(1969)</a:t>
+            </a:r>
+            <a:r>
+              <a:rPr lang="en-US" altLang="ja-JP" sz="1000" dirty="0"/>
+              <a:t>※1</a:t>
+            </a:r>
+            <a:r>
+              <a:rPr lang="ja-JP" altLang="en-US" sz="2000" dirty="0"/>
+              <a:t>と</a:t>
+            </a:r>
+            <a:r>
+              <a:rPr lang="en-US" altLang="ja-JP" sz="2000" dirty="0"/>
+              <a:t>Merton(1969)</a:t>
+            </a:r>
+            <a:r>
+              <a:rPr lang="en-US" altLang="ja-JP" sz="1000" dirty="0"/>
+              <a:t>※2</a:t>
+            </a:r>
+            <a:r>
+              <a:rPr lang="ja-JP" altLang="en-US" sz="2000" dirty="0"/>
+              <a:t>は、離散時間・連続時間という違いはあるものの、</a:t>
+            </a:r>
+            <a:r>
+              <a:rPr lang="en-US" altLang="ja-JP" sz="2000" dirty="0"/>
+              <a:t>1</a:t>
+            </a:r>
+            <a:r>
+              <a:rPr lang="ja-JP" altLang="en-US" sz="2000" dirty="0"/>
+              <a:t>期間モデルを多期間モデルに本格的に拡張した初めての試みである。</a:t>
+            </a:r>
+            <a:endParaRPr lang="en-US" altLang="ja-JP" sz="2000" dirty="0"/>
+          </a:p>
+          <a:p>
+            <a:pPr marL="0" indent="0">
+              <a:buNone/>
+            </a:pPr>
+            <a:r>
+              <a:rPr lang="ja-JP" altLang="en-US" sz="2000" dirty="0"/>
+              <a:t>彼らは多期間投資においても、</a:t>
+            </a:r>
+            <a:r>
+              <a:rPr lang="en-US" altLang="ja-JP" sz="2000" dirty="0"/>
+              <a:t>1</a:t>
+            </a:r>
+            <a:r>
+              <a:rPr lang="ja-JP" altLang="en-US" sz="2000" dirty="0"/>
+              <a:t>期間と同様、</a:t>
+            </a:r>
+            <a:r>
+              <a:rPr lang="ja-JP" altLang="en-US" sz="2000" b="1" dirty="0"/>
+              <a:t>投資家の効用関数</a:t>
+            </a:r>
+            <a:r>
+              <a:rPr lang="ja-JP" altLang="en-US" sz="2000" dirty="0"/>
+              <a:t>と多期間にわたる</a:t>
+            </a:r>
+            <a:r>
+              <a:rPr lang="ja-JP" altLang="en-US" sz="2000" b="1" dirty="0"/>
+              <a:t>投資収益の確率分布</a:t>
+            </a:r>
+            <a:r>
+              <a:rPr lang="ja-JP" altLang="en-US" sz="2000" dirty="0"/>
+              <a:t>によって最適消費と最適投資の意思決定が特徴づけられることを示している。</a:t>
+            </a:r>
+            <a:endParaRPr lang="en-US" altLang="ja-JP" sz="2000" dirty="0"/>
+          </a:p>
+          <a:p>
+            <a:pPr marL="0" indent="0">
+              <a:buNone/>
+            </a:pPr>
+            <a:endParaRPr lang="en-US" altLang="ja-JP" sz="2000" dirty="0"/>
+          </a:p>
+          <a:p>
+            <a:pPr marL="0" indent="0">
+              <a:buNone/>
+            </a:pPr>
+            <a:r>
+              <a:rPr lang="ja-JP" altLang="en-US" sz="2000" dirty="0"/>
+              <a:t>彼らの分析において、以下の情報が捨象されている。</a:t>
+            </a:r>
+            <a:endParaRPr lang="en-US" altLang="ja-JP" sz="2000" dirty="0"/>
+          </a:p>
+          <a:p>
+            <a:r>
+              <a:rPr lang="ja-JP" altLang="en-US" sz="2000" dirty="0"/>
+              <a:t>投資家の労働所得</a:t>
+            </a:r>
+            <a:endParaRPr lang="en-US" altLang="ja-JP" sz="2000" dirty="0"/>
+          </a:p>
+          <a:p>
+            <a:r>
+              <a:rPr lang="ja-JP" altLang="en-US" sz="2000" dirty="0"/>
+              <a:t>国債利回り等の無リスク資産の多期間にわたる不確実性</a:t>
+            </a:r>
+            <a:endParaRPr lang="en-US" altLang="ja-JP" sz="2000" dirty="0"/>
+          </a:p>
+          <a:p>
+            <a:pPr marL="0" indent="0">
+              <a:buNone/>
+            </a:pPr>
+            <a:endParaRPr lang="en-US" altLang="ja-JP" sz="2000" dirty="0"/>
+          </a:p>
+          <a:p>
+            <a:pPr marL="0" indent="0">
+              <a:buNone/>
+            </a:pPr>
+            <a:r>
+              <a:rPr lang="en-US" altLang="ja-JP" sz="2000" dirty="0"/>
+              <a:t>Samuelson</a:t>
+            </a:r>
+            <a:r>
+              <a:rPr lang="ja-JP" altLang="en-US" sz="2000" dirty="0"/>
+              <a:t>と</a:t>
+            </a:r>
+            <a:r>
+              <a:rPr lang="en-US" altLang="ja-JP" sz="2000" dirty="0"/>
+              <a:t>Merton</a:t>
+            </a:r>
+            <a:r>
+              <a:rPr lang="ja-JP" altLang="en-US" sz="2000" dirty="0"/>
+              <a:t>は上記の前提に加え、投資家の効用関数及び投資収益の確率分布に仮定を置くことで、多期間の最適戦略が、近視眼的投資（</a:t>
+            </a:r>
+            <a:r>
+              <a:rPr lang="en-US" altLang="ja-JP" sz="2000" dirty="0"/>
+              <a:t>1</a:t>
+            </a:r>
+            <a:r>
+              <a:rPr lang="ja-JP" altLang="en-US" sz="2000" dirty="0"/>
+              <a:t>期間の期待効用最大化の繰り返し）となることを導出した。</a:t>
+            </a:r>
+            <a:endParaRPr lang="en-US" altLang="ja-JP" sz="2000" dirty="0"/>
+          </a:p>
+        </p:txBody>
+      </p:sp>
+      <p:sp>
+        <p:nvSpPr>
+          <p:cNvPr id="4" name="テキスト ボックス 3">
+            <a:extLst>
+              <a:ext uri="{FF2B5EF4-FFF2-40B4-BE49-F238E27FC236}">
+                <a16:creationId xmlns:a16="http://schemas.microsoft.com/office/drawing/2014/main" id="{08074AA5-C625-1EC6-7E7D-4E94C26938FA}"/>
+              </a:ext>
+            </a:extLst>
+          </p:cNvPr>
+          <p:cNvSpPr txBox="1"/>
+          <p:nvPr/>
+        </p:nvSpPr>
+        <p:spPr>
+          <a:xfrm>
+            <a:off x="838200" y="6211669"/>
+            <a:ext cx="10515600" cy="646331"/>
+          </a:xfrm>
+          <a:prstGeom prst="rect">
+            <a:avLst/>
+          </a:prstGeom>
+          <a:noFill/>
+        </p:spPr>
+        <p:txBody>
+          <a:bodyPr wrap="square" rtlCol="0">
+            <a:spAutoFit/>
+          </a:bodyPr>
+          <a:lstStyle/>
+          <a:p>
+            <a:r>
+              <a:rPr lang="en-US" altLang="ja-JP" dirty="0"/>
+              <a:t>※1</a:t>
+            </a:r>
+            <a:r>
+              <a:rPr lang="ja-JP" altLang="en-US" dirty="0"/>
+              <a:t> </a:t>
+            </a:r>
+            <a:r>
+              <a:rPr lang="en-US" altLang="ja-JP" dirty="0"/>
+              <a:t>Samuelson(1969) Lifetime Portfolio Selection By Dynamic Stochastic Programming</a:t>
+            </a:r>
+          </a:p>
+          <a:p>
+            <a:r>
+              <a:rPr kumimoji="1" lang="en-US" altLang="ja-JP" dirty="0"/>
+              <a:t>※2</a:t>
+            </a:r>
+            <a:r>
+              <a:rPr lang="ja-JP" altLang="en-US" dirty="0"/>
+              <a:t> </a:t>
+            </a:r>
+            <a:r>
+              <a:rPr lang="en-US" altLang="ja-JP" dirty="0"/>
+              <a:t>Merton(1969) Lifetime Portfolio Selection under Uncertainty :</a:t>
+            </a:r>
+            <a:r>
+              <a:rPr lang="ja-JP" altLang="en-US" dirty="0"/>
+              <a:t> </a:t>
+            </a:r>
+            <a:r>
+              <a:rPr lang="en-US" altLang="ja-JP" dirty="0"/>
+              <a:t>The Continuous-Time Case</a:t>
+            </a:r>
+          </a:p>
+        </p:txBody>
+      </p:sp>
+    </p:spTree>
+    <p:extLst>
+      <p:ext uri="{BB962C8B-B14F-4D97-AF65-F5344CB8AC3E}">
+        <p14:creationId xmlns:p14="http://schemas.microsoft.com/office/powerpoint/2010/main" val="2637456077"/>
+      </p:ext>
+    </p:extLst>
+  </p:cSld>
+  <p:clrMapOvr>
+    <a:masterClrMapping/>
+  </p:clrMapOvr>
+</p:sld>
+</file>
+
+<file path=ppt/slides/slide14.xml><?xml version="1.0" encoding="utf-8"?>
+<p:sld xmlns:a="http://schemas.openxmlformats.org/drawingml/2006/main" xmlns:r="http://schemas.openxmlformats.org/officeDocument/2006/relationships" xmlns:p="http://schemas.openxmlformats.org/presentationml/2006/main">
+  <p:cSld>
+    <p:spTree>
+      <p:nvGrpSpPr>
+        <p:cNvPr id="1" name="">
+          <a:extLst>
+            <a:ext uri="{FF2B5EF4-FFF2-40B4-BE49-F238E27FC236}">
+              <a16:creationId xmlns:a16="http://schemas.microsoft.com/office/drawing/2014/main" id="{7D61D3B0-9C6C-CE9B-D702-0BEBD418ED00}"/>
+            </a:ext>
+          </a:extLst>
+        </p:cNvPr>
+        <p:cNvGrpSpPr/>
+        <p:nvPr/>
+      </p:nvGrpSpPr>
+      <p:grpSpPr>
+        <a:xfrm>
+          <a:off x="0" y="0"/>
+          <a:ext cx="0" cy="0"/>
+          <a:chOff x="0" y="0"/>
+          <a:chExt cx="0" cy="0"/>
+        </a:xfrm>
+      </p:grpSpPr>
+      <p:sp>
+        <p:nvSpPr>
+          <p:cNvPr id="2" name="タイトル 1">
+            <a:extLst>
+              <a:ext uri="{FF2B5EF4-FFF2-40B4-BE49-F238E27FC236}">
+                <a16:creationId xmlns:a16="http://schemas.microsoft.com/office/drawing/2014/main" id="{128C62CB-D2DF-ED1F-9EB7-1C2FE4FA54CA}"/>
+              </a:ext>
+            </a:extLst>
+          </p:cNvPr>
+          <p:cNvSpPr>
+            <a:spLocks noGrp="1"/>
+          </p:cNvSpPr>
+          <p:nvPr>
+            <p:ph type="title"/>
+          </p:nvPr>
+        </p:nvSpPr>
+        <p:spPr>
+          <a:xfrm>
+            <a:off x="838200" y="365126"/>
+            <a:ext cx="10515600" cy="700350"/>
+          </a:xfrm>
+        </p:spPr>
+        <p:txBody>
+          <a:bodyPr>
+            <a:normAutofit/>
+          </a:bodyPr>
+          <a:lstStyle/>
+          <a:p>
+            <a:r>
+              <a:rPr lang="en-US" altLang="ja-JP" sz="2800" dirty="0"/>
+              <a:t>§3.1</a:t>
+            </a:r>
+            <a:r>
+              <a:rPr lang="ja-JP" altLang="en-US" sz="2800" dirty="0"/>
+              <a:t>　</a:t>
+            </a:r>
+            <a:r>
+              <a:rPr lang="en-US" altLang="ja-JP" sz="2800" dirty="0"/>
+              <a:t>Samuelson</a:t>
+            </a:r>
+            <a:r>
+              <a:rPr lang="ja-JP" altLang="en-US" sz="2800" dirty="0"/>
+              <a:t>と</a:t>
+            </a:r>
+            <a:r>
+              <a:rPr lang="en-US" altLang="ja-JP" sz="2800" dirty="0"/>
+              <a:t>Merton</a:t>
+            </a:r>
+            <a:r>
+              <a:rPr lang="ja-JP" altLang="en-US" sz="2800" dirty="0"/>
+              <a:t>の先駆的考察</a:t>
+            </a:r>
+            <a:endParaRPr kumimoji="1" lang="ja-JP" altLang="en-US" sz="2800" dirty="0"/>
+          </a:p>
+        </p:txBody>
+      </p:sp>
+      <p:sp>
+        <p:nvSpPr>
+          <p:cNvPr id="3" name="コンテンツ プレースホルダー 2">
+            <a:extLst>
+              <a:ext uri="{FF2B5EF4-FFF2-40B4-BE49-F238E27FC236}">
+                <a16:creationId xmlns:a16="http://schemas.microsoft.com/office/drawing/2014/main" id="{CA4B3864-26F3-C6D4-38DB-89E86E7FE449}"/>
+              </a:ext>
+            </a:extLst>
+          </p:cNvPr>
+          <p:cNvSpPr>
+            <a:spLocks noGrp="1"/>
+          </p:cNvSpPr>
+          <p:nvPr>
+            <p:ph idx="1"/>
+          </p:nvPr>
+        </p:nvSpPr>
+        <p:spPr>
+          <a:xfrm>
+            <a:off x="838200" y="1065476"/>
+            <a:ext cx="10515600" cy="5111487"/>
+          </a:xfrm>
+        </p:spPr>
+        <p:txBody>
+          <a:bodyPr>
+            <a:normAutofit/>
+          </a:bodyPr>
+          <a:lstStyle/>
+          <a:p>
+            <a:pPr marL="0" indent="0">
+              <a:buNone/>
+            </a:pPr>
+            <a:r>
+              <a:rPr lang="en-US" altLang="ja-JP" sz="2000" dirty="0"/>
+              <a:t>Samuelson</a:t>
+            </a:r>
+            <a:r>
+              <a:rPr lang="ja-JP" altLang="en-US" sz="2000" dirty="0"/>
+              <a:t>と</a:t>
+            </a:r>
+            <a:r>
+              <a:rPr lang="en-US" altLang="ja-JP" sz="2000" dirty="0"/>
+              <a:t>Merton</a:t>
+            </a:r>
+            <a:r>
+              <a:rPr lang="ja-JP" altLang="en-US" sz="2000" dirty="0"/>
+              <a:t>が導いた、多期間の最適戦略が近視眼的投資となるための十分条件は、以下の</a:t>
+            </a:r>
+            <a:r>
+              <a:rPr lang="en-US" altLang="ja-JP" sz="2000" dirty="0"/>
+              <a:t>2</a:t>
+            </a:r>
+            <a:r>
+              <a:rPr lang="ja-JP" altLang="en-US" sz="2000" dirty="0"/>
+              <a:t>種類である。</a:t>
+            </a:r>
+            <a:endParaRPr lang="en-US" altLang="ja-JP" sz="2000" dirty="0"/>
+          </a:p>
+          <a:p>
+            <a:pPr marL="457200" indent="-457200">
+              <a:buFont typeface="+mj-lt"/>
+              <a:buAutoNum type="arabicPeriod"/>
+            </a:pPr>
+            <a:r>
+              <a:rPr lang="ja-JP" altLang="en-US" sz="2000" dirty="0"/>
+              <a:t>投資家の効用がべき型であり、かつ、リスク性資産の投資収益が独立同分布（</a:t>
+            </a:r>
+            <a:r>
+              <a:rPr lang="en-US" altLang="ja-JP" sz="2000" dirty="0" err="1"/>
+              <a:t>i.i.d.</a:t>
+            </a:r>
+            <a:r>
+              <a:rPr lang="ja-JP" altLang="en-US" sz="2000" dirty="0"/>
+              <a:t>）</a:t>
+            </a:r>
+            <a:endParaRPr lang="en-US" altLang="ja-JP" sz="2000" dirty="0"/>
+          </a:p>
+          <a:p>
+            <a:pPr marL="457200" indent="-457200">
+              <a:buFont typeface="+mj-lt"/>
+              <a:buAutoNum type="arabicPeriod"/>
+            </a:pPr>
+            <a:r>
+              <a:rPr lang="ja-JP" altLang="en-US" sz="2000" dirty="0"/>
+              <a:t>投資家の効用が対数型である。</a:t>
+            </a:r>
+            <a:endParaRPr lang="en-US" altLang="ja-JP" sz="2000" dirty="0"/>
+          </a:p>
+          <a:p>
+            <a:pPr marL="0" indent="0">
+              <a:buNone/>
+            </a:pPr>
+            <a:endParaRPr lang="en-US" altLang="ja-JP" sz="2000" dirty="0"/>
+          </a:p>
+          <a:p>
+            <a:pPr marL="0" indent="0">
+              <a:buNone/>
+            </a:pPr>
+            <a:r>
+              <a:rPr lang="ja-JP" altLang="en-US" sz="2000" dirty="0"/>
+              <a:t>第</a:t>
+            </a:r>
+            <a:r>
+              <a:rPr lang="en-US" altLang="ja-JP" sz="2000" dirty="0"/>
+              <a:t>1</a:t>
+            </a:r>
+            <a:r>
+              <a:rPr lang="ja-JP" altLang="en-US" sz="2000" dirty="0"/>
+              <a:t>の十分条件におけるリスク性資産の投資収益は</a:t>
+            </a:r>
+            <a:r>
+              <a:rPr lang="en-US" altLang="ja-JP" sz="2000" dirty="0" err="1"/>
+              <a:t>i.i.d.</a:t>
+            </a:r>
+            <a:r>
+              <a:rPr lang="ja-JP" altLang="en-US" sz="2000" dirty="0"/>
+              <a:t>であればよく、分布の形状は問わない。（正確には任意ではない。教科書の注釈を参照）</a:t>
+            </a:r>
+            <a:endParaRPr lang="en-US" altLang="ja-JP" sz="2000" dirty="0"/>
+          </a:p>
+          <a:p>
+            <a:pPr marL="0" indent="0">
+              <a:buNone/>
+            </a:pPr>
+            <a:r>
+              <a:rPr lang="ja-JP" altLang="en-US" sz="2000" dirty="0"/>
+              <a:t>第</a:t>
+            </a:r>
+            <a:r>
+              <a:rPr lang="en-US" altLang="ja-JP" sz="2000" dirty="0"/>
+              <a:t>2</a:t>
+            </a:r>
+            <a:r>
+              <a:rPr lang="ja-JP" altLang="en-US" sz="2000" dirty="0"/>
+              <a:t>の十分条件においては、効用関数に対し第</a:t>
+            </a:r>
+            <a:r>
+              <a:rPr lang="en-US" altLang="ja-JP" sz="2000" dirty="0"/>
+              <a:t>1</a:t>
+            </a:r>
+            <a:r>
+              <a:rPr lang="ja-JP" altLang="en-US" sz="2000" dirty="0"/>
+              <a:t>の十分条件よりも強い条件を課す代わりに、投資収益が</a:t>
+            </a:r>
+            <a:r>
+              <a:rPr lang="en-US" altLang="ja-JP" sz="2000" dirty="0" err="1"/>
+              <a:t>i.i.d.</a:t>
+            </a:r>
+            <a:r>
+              <a:rPr lang="ja-JP" altLang="en-US" sz="2000" dirty="0"/>
+              <a:t>である必要がなくなっている。</a:t>
+            </a:r>
+            <a:endParaRPr lang="en-US" altLang="ja-JP" sz="2000" dirty="0"/>
+          </a:p>
+          <a:p>
+            <a:pPr marL="0" indent="0">
+              <a:buNone/>
+            </a:pPr>
+            <a:endParaRPr lang="en-US" altLang="ja-JP" sz="2000" dirty="0"/>
+          </a:p>
+        </p:txBody>
+      </p:sp>
+    </p:spTree>
+    <p:extLst>
+      <p:ext uri="{BB962C8B-B14F-4D97-AF65-F5344CB8AC3E}">
+        <p14:creationId xmlns:p14="http://schemas.microsoft.com/office/powerpoint/2010/main" val="867700360"/>
+      </p:ext>
+    </p:extLst>
+  </p:cSld>
+  <p:clrMapOvr>
+    <a:masterClrMapping/>
+  </p:clrMapOvr>
+</p:sld>
+</file>
+
+<file path=ppt/slides/slide15.xml><?xml version="1.0" encoding="utf-8"?>
+<p:sld xmlns:a="http://schemas.openxmlformats.org/drawingml/2006/main" xmlns:r="http://schemas.openxmlformats.org/officeDocument/2006/relationships" xmlns:p="http://schemas.openxmlformats.org/presentationml/2006/main">
+  <p:cSld>
+    <p:spTree>
+      <p:nvGrpSpPr>
+        <p:cNvPr id="1" name="">
+          <a:extLst>
+            <a:ext uri="{FF2B5EF4-FFF2-40B4-BE49-F238E27FC236}">
+              <a16:creationId xmlns:a16="http://schemas.microsoft.com/office/drawing/2014/main" id="{B4B2AD28-F56C-7486-3CAB-5FAB3496B084}"/>
+            </a:ext>
+          </a:extLst>
+        </p:cNvPr>
+        <p:cNvGrpSpPr/>
+        <p:nvPr/>
+      </p:nvGrpSpPr>
+      <p:grpSpPr>
+        <a:xfrm>
+          <a:off x="0" y="0"/>
+          <a:ext cx="0" cy="0"/>
+          <a:chOff x="0" y="0"/>
+          <a:chExt cx="0" cy="0"/>
+        </a:xfrm>
+      </p:grpSpPr>
+      <p:sp>
+        <p:nvSpPr>
+          <p:cNvPr id="2" name="タイトル 1">
+            <a:extLst>
+              <a:ext uri="{FF2B5EF4-FFF2-40B4-BE49-F238E27FC236}">
+                <a16:creationId xmlns:a16="http://schemas.microsoft.com/office/drawing/2014/main" id="{E8AAB571-EE46-18F9-D8CE-C118B62AAFC1}"/>
+              </a:ext>
+            </a:extLst>
+          </p:cNvPr>
+          <p:cNvSpPr>
+            <a:spLocks noGrp="1"/>
+          </p:cNvSpPr>
+          <p:nvPr>
+            <p:ph type="title"/>
+          </p:nvPr>
+        </p:nvSpPr>
+        <p:spPr>
+          <a:xfrm>
+            <a:off x="838200" y="365126"/>
+            <a:ext cx="10515600" cy="700350"/>
+          </a:xfrm>
+        </p:spPr>
+        <p:txBody>
+          <a:bodyPr>
+            <a:normAutofit/>
+          </a:bodyPr>
+          <a:lstStyle/>
+          <a:p>
+            <a:r>
+              <a:rPr lang="en-US" altLang="ja-JP" sz="2800" dirty="0"/>
+              <a:t>§3.1</a:t>
+            </a:r>
+            <a:r>
+              <a:rPr lang="ja-JP" altLang="en-US" sz="2800" dirty="0"/>
+              <a:t>　</a:t>
+            </a:r>
+            <a:r>
+              <a:rPr lang="en-US" altLang="ja-JP" sz="2800" dirty="0"/>
+              <a:t>Samuelson</a:t>
+            </a:r>
+            <a:r>
+              <a:rPr lang="ja-JP" altLang="en-US" sz="2800" dirty="0"/>
+              <a:t>と</a:t>
+            </a:r>
+            <a:r>
+              <a:rPr lang="en-US" altLang="ja-JP" sz="2800" dirty="0"/>
+              <a:t>Merton</a:t>
+            </a:r>
+            <a:r>
+              <a:rPr lang="ja-JP" altLang="en-US" sz="2800" dirty="0"/>
+              <a:t>の先駆的考察</a:t>
+            </a:r>
+            <a:endParaRPr kumimoji="1" lang="ja-JP" altLang="en-US" sz="2800" dirty="0"/>
+          </a:p>
+        </p:txBody>
+      </p:sp>
+      <mc:AlternateContent xmlns:mc="http://schemas.openxmlformats.org/markup-compatibility/2006">
+        <mc:Choice xmlns:a14="http://schemas.microsoft.com/office/drawing/2010/main" Requires="a14">
+          <p:sp>
+            <p:nvSpPr>
+              <p:cNvPr id="3" name="コンテンツ プレースホルダー 2">
+                <a:extLst>
+                  <a:ext uri="{FF2B5EF4-FFF2-40B4-BE49-F238E27FC236}">
+                    <a16:creationId xmlns:a16="http://schemas.microsoft.com/office/drawing/2014/main" id="{78F348FA-3B13-1789-1CB8-C5232343E64E}"/>
+                  </a:ext>
+                </a:extLst>
+              </p:cNvPr>
+              <p:cNvSpPr>
+                <a:spLocks noGrp="1"/>
+              </p:cNvSpPr>
+              <p:nvPr>
+                <p:ph idx="1"/>
+              </p:nvPr>
+            </p:nvSpPr>
+            <p:spPr>
+              <a:xfrm>
+                <a:off x="838200" y="1065476"/>
+                <a:ext cx="10515600" cy="5111487"/>
+              </a:xfrm>
+            </p:spPr>
+            <p:txBody>
+              <a:bodyPr>
+                <a:normAutofit/>
+              </a:bodyPr>
+              <a:lstStyle/>
+              <a:p>
+                <a:pPr marL="0" indent="0">
+                  <a:buNone/>
+                </a:pPr>
+                <a:r>
+                  <a:rPr lang="en-US" altLang="ja-JP" sz="2000" dirty="0"/>
+                  <a:t>【</a:t>
+                </a:r>
+                <a:r>
+                  <a:rPr lang="ja-JP" altLang="en-US" sz="2000" dirty="0"/>
+                  <a:t>対数型投資家の成長ポートフォリオ投資</a:t>
+                </a:r>
+                <a:r>
+                  <a:rPr lang="en-US" altLang="ja-JP" sz="2000" dirty="0"/>
+                  <a:t>】</a:t>
+                </a:r>
+              </a:p>
+              <a:p>
+                <a:pPr marL="0" indent="0">
+                  <a:buNone/>
+                </a:pPr>
+                <a:r>
+                  <a:rPr lang="ja-JP" altLang="en-US" sz="2000" dirty="0"/>
+                  <a:t>時点</a:t>
+                </a:r>
+                <a14:m>
+                  <m:oMath xmlns:m="http://schemas.openxmlformats.org/officeDocument/2006/math">
+                    <m:r>
+                      <a:rPr lang="en-US" altLang="ja-JP" sz="2000" b="0" i="1" smtClean="0">
+                        <a:latin typeface="Cambria Math" panose="02040503050406030204" pitchFamily="18" charset="0"/>
+                      </a:rPr>
+                      <m:t>𝑡</m:t>
+                    </m:r>
+                  </m:oMath>
+                </a14:m>
+                <a:r>
+                  <a:rPr lang="ja-JP" altLang="en-US" sz="2000" dirty="0"/>
+                  <a:t>から時点</a:t>
+                </a:r>
+                <a14:m>
+                  <m:oMath xmlns:m="http://schemas.openxmlformats.org/officeDocument/2006/math">
+                    <m:r>
+                      <m:rPr>
+                        <m:sty m:val="p"/>
+                      </m:rPr>
+                      <a:rPr lang="en-US" altLang="ja-JP" sz="2000" b="0" i="0" smtClean="0">
+                        <a:latin typeface="Cambria Math" panose="02040503050406030204" pitchFamily="18" charset="0"/>
+                      </a:rPr>
+                      <m:t>t</m:t>
+                    </m:r>
+                    <m:r>
+                      <a:rPr lang="en-US" altLang="ja-JP" sz="2000" b="0" i="0" smtClean="0">
+                        <a:latin typeface="Cambria Math" panose="02040503050406030204" pitchFamily="18" charset="0"/>
+                      </a:rPr>
+                      <m:t>+</m:t>
+                    </m:r>
+                    <m:r>
+                      <a:rPr lang="en-US" altLang="ja-JP" sz="2000" b="0" i="1" smtClean="0">
+                        <a:latin typeface="Cambria Math" panose="02040503050406030204" pitchFamily="18" charset="0"/>
+                      </a:rPr>
+                      <m:t>𝑇</m:t>
+                    </m:r>
+                  </m:oMath>
+                </a14:m>
+                <a:r>
+                  <a:rPr lang="ja-JP" altLang="en-US" sz="2000" dirty="0"/>
+                  <a:t>まで運用を行い、時点</a:t>
+                </a:r>
+                <a14:m>
+                  <m:oMath xmlns:m="http://schemas.openxmlformats.org/officeDocument/2006/math">
+                    <m:r>
+                      <a:rPr lang="en-US" altLang="ja-JP" sz="2000" b="0" i="1" smtClean="0">
+                        <a:latin typeface="Cambria Math" panose="02040503050406030204" pitchFamily="18" charset="0"/>
+                      </a:rPr>
+                      <m:t>𝑡</m:t>
+                    </m:r>
+                    <m:r>
+                      <a:rPr lang="en-US" altLang="ja-JP" sz="2000" b="0" i="1" smtClean="0">
+                        <a:latin typeface="Cambria Math" panose="02040503050406030204" pitchFamily="18" charset="0"/>
+                      </a:rPr>
+                      <m:t>+</m:t>
+                    </m:r>
+                    <m:r>
+                      <a:rPr lang="en-US" altLang="ja-JP" sz="2000" b="0" i="1" smtClean="0">
+                        <a:latin typeface="Cambria Math" panose="02040503050406030204" pitchFamily="18" charset="0"/>
+                      </a:rPr>
+                      <m:t>𝑇</m:t>
+                    </m:r>
+                  </m:oMath>
+                </a14:m>
+                <a:r>
+                  <a:rPr lang="ja-JP" altLang="en-US" sz="2000" dirty="0"/>
+                  <a:t>にのみ消費する場合、得られる効用は</a:t>
+                </a:r>
+                <a:endParaRPr lang="en-US" altLang="ja-JP" sz="2000" dirty="0"/>
+              </a:p>
+              <a:p>
+                <a:pPr marL="0" indent="0">
+                  <a:buNone/>
+                </a:pPr>
+                <a14:m>
+                  <m:oMathPara xmlns:m="http://schemas.openxmlformats.org/officeDocument/2006/math">
+                    <m:oMathParaPr>
+                      <m:jc m:val="centerGroup"/>
+                    </m:oMathParaPr>
+                    <m:oMath xmlns:m="http://schemas.openxmlformats.org/officeDocument/2006/math">
+                      <m:sSub>
+                        <m:sSubPr>
+                          <m:ctrlPr>
+                            <a:rPr lang="en-US" altLang="ja-JP" sz="2000" b="0" i="1" smtClean="0">
+                              <a:latin typeface="Cambria Math" panose="02040503050406030204" pitchFamily="18" charset="0"/>
+                            </a:rPr>
+                          </m:ctrlPr>
+                        </m:sSubPr>
+                        <m:e>
+                          <m:r>
+                            <a:rPr lang="en-US" altLang="ja-JP" sz="2000" b="0" i="1" smtClean="0">
+                              <a:latin typeface="Cambria Math" panose="02040503050406030204" pitchFamily="18" charset="0"/>
+                            </a:rPr>
+                            <m:t>𝐸</m:t>
+                          </m:r>
+                        </m:e>
+                        <m:sub>
+                          <m:r>
+                            <a:rPr lang="en-US" altLang="ja-JP" sz="2000" b="0" i="1" smtClean="0">
+                              <a:latin typeface="Cambria Math" panose="02040503050406030204" pitchFamily="18" charset="0"/>
+                            </a:rPr>
+                            <m:t>𝑡</m:t>
+                          </m:r>
+                        </m:sub>
+                      </m:sSub>
+                      <m:d>
+                        <m:dPr>
+                          <m:begChr m:val="["/>
+                          <m:endChr m:val="]"/>
+                          <m:ctrlPr>
+                            <a:rPr lang="en-US" altLang="ja-JP" sz="2000" b="0" i="1" smtClean="0">
+                              <a:latin typeface="Cambria Math" panose="02040503050406030204" pitchFamily="18" charset="0"/>
+                            </a:rPr>
+                          </m:ctrlPr>
+                        </m:dPr>
+                        <m:e>
+                          <m:r>
+                            <a:rPr lang="en-US" altLang="ja-JP" sz="2000" b="0" i="1" smtClean="0">
+                              <a:latin typeface="Cambria Math" panose="02040503050406030204" pitchFamily="18" charset="0"/>
+                            </a:rPr>
+                            <m:t>𝑈</m:t>
+                          </m:r>
+                          <m:d>
+                            <m:dPr>
+                              <m:ctrlPr>
+                                <a:rPr lang="en-US" altLang="ja-JP" sz="2000" b="0" i="1" smtClean="0">
+                                  <a:latin typeface="Cambria Math" panose="02040503050406030204" pitchFamily="18" charset="0"/>
+                                </a:rPr>
+                              </m:ctrlPr>
+                            </m:dPr>
+                            <m:e>
+                              <m:sSub>
+                                <m:sSubPr>
+                                  <m:ctrlPr>
+                                    <a:rPr lang="en-US" altLang="ja-JP" sz="2000" b="0" i="1" smtClean="0">
+                                      <a:latin typeface="Cambria Math" panose="02040503050406030204" pitchFamily="18" charset="0"/>
+                                    </a:rPr>
+                                  </m:ctrlPr>
+                                </m:sSubPr>
+                                <m:e>
+                                  <m:acc>
+                                    <m:accPr>
+                                      <m:chr m:val="̃"/>
+                                      <m:ctrlPr>
+                                        <a:rPr lang="en-US" altLang="ja-JP" sz="2000" b="0" i="1" smtClean="0">
+                                          <a:latin typeface="Cambria Math" panose="02040503050406030204" pitchFamily="18" charset="0"/>
+                                        </a:rPr>
+                                      </m:ctrlPr>
+                                    </m:accPr>
+                                    <m:e>
+                                      <m:r>
+                                        <a:rPr lang="en-US" altLang="ja-JP" sz="2000" b="0" i="1" smtClean="0">
+                                          <a:latin typeface="Cambria Math" panose="02040503050406030204" pitchFamily="18" charset="0"/>
+                                        </a:rPr>
+                                        <m:t>𝑊</m:t>
+                                      </m:r>
+                                    </m:e>
+                                  </m:acc>
+                                </m:e>
+                                <m:sub>
+                                  <m:r>
+                                    <a:rPr lang="en-US" altLang="ja-JP" sz="2000" b="0" i="1" smtClean="0">
+                                      <a:latin typeface="Cambria Math" panose="02040503050406030204" pitchFamily="18" charset="0"/>
+                                    </a:rPr>
+                                    <m:t>𝑡</m:t>
+                                  </m:r>
+                                  <m:r>
+                                    <a:rPr lang="en-US" altLang="ja-JP" sz="2000" b="0" i="1" smtClean="0">
+                                      <a:latin typeface="Cambria Math" panose="02040503050406030204" pitchFamily="18" charset="0"/>
+                                    </a:rPr>
+                                    <m:t>+</m:t>
+                                  </m:r>
+                                  <m:r>
+                                    <a:rPr lang="en-US" altLang="ja-JP" sz="2000" b="0" i="1" smtClean="0">
+                                      <a:latin typeface="Cambria Math" panose="02040503050406030204" pitchFamily="18" charset="0"/>
+                                    </a:rPr>
+                                    <m:t>𝑇</m:t>
+                                  </m:r>
+                                </m:sub>
+                              </m:sSub>
+                            </m:e>
+                          </m:d>
+                        </m:e>
+                      </m:d>
+                    </m:oMath>
+                    <m:oMath xmlns:m="http://schemas.openxmlformats.org/officeDocument/2006/math">
+                      <m:r>
+                        <a:rPr lang="en-US" altLang="ja-JP" sz="2000" b="0" i="1" smtClean="0">
+                          <a:latin typeface="Cambria Math" panose="02040503050406030204" pitchFamily="18" charset="0"/>
+                        </a:rPr>
+                        <m:t>=</m:t>
+                      </m:r>
+                      <m:sSub>
+                        <m:sSubPr>
+                          <m:ctrlPr>
+                            <a:rPr lang="en-US" altLang="ja-JP" sz="2000" b="0" i="1" smtClean="0">
+                              <a:latin typeface="Cambria Math" panose="02040503050406030204" pitchFamily="18" charset="0"/>
+                            </a:rPr>
+                          </m:ctrlPr>
+                        </m:sSubPr>
+                        <m:e>
+                          <m:r>
+                            <a:rPr lang="en-US" altLang="ja-JP" sz="2000" b="0" i="1" smtClean="0">
+                              <a:latin typeface="Cambria Math" panose="02040503050406030204" pitchFamily="18" charset="0"/>
+                            </a:rPr>
+                            <m:t>𝐸</m:t>
+                          </m:r>
+                        </m:e>
+                        <m:sub>
+                          <m:r>
+                            <a:rPr lang="en-US" altLang="ja-JP" sz="2000" b="0" i="1" smtClean="0">
+                              <a:latin typeface="Cambria Math" panose="02040503050406030204" pitchFamily="18" charset="0"/>
+                            </a:rPr>
+                            <m:t>𝑡</m:t>
+                          </m:r>
+                        </m:sub>
+                      </m:sSub>
+                      <m:d>
+                        <m:dPr>
+                          <m:begChr m:val="["/>
+                          <m:endChr m:val="]"/>
+                          <m:ctrlPr>
+                            <a:rPr lang="en-US" altLang="ja-JP" sz="2000" b="0" i="1" smtClean="0">
+                              <a:latin typeface="Cambria Math" panose="02040503050406030204" pitchFamily="18" charset="0"/>
+                            </a:rPr>
+                          </m:ctrlPr>
+                        </m:dPr>
+                        <m:e>
+                          <m:r>
+                            <a:rPr lang="en-US" altLang="ja-JP" sz="2000" b="0" i="1" smtClean="0">
+                              <a:latin typeface="Cambria Math" panose="02040503050406030204" pitchFamily="18" charset="0"/>
+                            </a:rPr>
+                            <m:t>𝑈</m:t>
+                          </m:r>
+                          <m:d>
+                            <m:dPr>
+                              <m:ctrlPr>
+                                <a:rPr lang="en-US" altLang="ja-JP" sz="2000" b="0" i="1" smtClean="0">
+                                  <a:latin typeface="Cambria Math" panose="02040503050406030204" pitchFamily="18" charset="0"/>
+                                </a:rPr>
+                              </m:ctrlPr>
+                            </m:dPr>
+                            <m:e>
+                              <m:sSub>
+                                <m:sSubPr>
+                                  <m:ctrlPr>
+                                    <a:rPr lang="en-US" altLang="ja-JP" sz="2000" b="0" i="1" smtClean="0">
+                                      <a:latin typeface="Cambria Math" panose="02040503050406030204" pitchFamily="18" charset="0"/>
+                                    </a:rPr>
+                                  </m:ctrlPr>
+                                </m:sSubPr>
+                                <m:e>
+                                  <m:r>
+                                    <a:rPr lang="en-US" altLang="ja-JP" sz="2000" b="0" i="1" smtClean="0">
+                                      <a:latin typeface="Cambria Math" panose="02040503050406030204" pitchFamily="18" charset="0"/>
+                                    </a:rPr>
+                                    <m:t>𝑊</m:t>
+                                  </m:r>
+                                </m:e>
+                                <m:sub>
+                                  <m:r>
+                                    <a:rPr lang="en-US" altLang="ja-JP" sz="2000" b="0" i="1" smtClean="0">
+                                      <a:latin typeface="Cambria Math" panose="02040503050406030204" pitchFamily="18" charset="0"/>
+                                    </a:rPr>
+                                    <m:t>𝑡</m:t>
+                                  </m:r>
+                                </m:sub>
+                              </m:sSub>
+                              <m:d>
+                                <m:dPr>
+                                  <m:ctrlPr>
+                                    <a:rPr lang="en-US" altLang="ja-JP" sz="2000" b="0" i="1" smtClean="0">
+                                      <a:latin typeface="Cambria Math" panose="02040503050406030204" pitchFamily="18" charset="0"/>
+                                    </a:rPr>
+                                  </m:ctrlPr>
+                                </m:dPr>
+                                <m:e>
+                                  <m:r>
+                                    <a:rPr lang="en-US" altLang="ja-JP" sz="2000" b="0" i="1" smtClean="0">
+                                      <a:latin typeface="Cambria Math" panose="02040503050406030204" pitchFamily="18" charset="0"/>
+                                    </a:rPr>
+                                    <m:t>1+</m:t>
+                                  </m:r>
+                                  <m:sSub>
+                                    <m:sSubPr>
+                                      <m:ctrlPr>
+                                        <a:rPr lang="en-US" altLang="ja-JP" sz="2000" b="0" i="1" smtClean="0">
+                                          <a:latin typeface="Cambria Math" panose="02040503050406030204" pitchFamily="18" charset="0"/>
+                                        </a:rPr>
+                                      </m:ctrlPr>
+                                    </m:sSubPr>
+                                    <m:e>
+                                      <m:acc>
+                                        <m:accPr>
+                                          <m:chr m:val="̃"/>
+                                          <m:ctrlPr>
+                                            <a:rPr lang="en-US" altLang="ja-JP" sz="2000" b="0" i="1" smtClean="0">
+                                              <a:latin typeface="Cambria Math" panose="02040503050406030204" pitchFamily="18" charset="0"/>
+                                            </a:rPr>
+                                          </m:ctrlPr>
+                                        </m:accPr>
+                                        <m:e>
+                                          <m:r>
+                                            <a:rPr lang="en-US" altLang="ja-JP" sz="2000" b="0" i="1" smtClean="0">
+                                              <a:latin typeface="Cambria Math" panose="02040503050406030204" pitchFamily="18" charset="0"/>
+                                            </a:rPr>
+                                            <m:t>𝑅</m:t>
+                                          </m:r>
+                                        </m:e>
+                                      </m:acc>
+                                    </m:e>
+                                    <m:sub>
+                                      <m:r>
+                                        <a:rPr lang="en-US" altLang="ja-JP" sz="2000" b="0" i="1" smtClean="0">
+                                          <a:latin typeface="Cambria Math" panose="02040503050406030204" pitchFamily="18" charset="0"/>
+                                        </a:rPr>
+                                        <m:t>𝑝</m:t>
+                                      </m:r>
+                                      <m:r>
+                                        <a:rPr lang="en-US" altLang="ja-JP" sz="2000" b="0" i="1" smtClean="0">
+                                          <a:latin typeface="Cambria Math" panose="02040503050406030204" pitchFamily="18" charset="0"/>
+                                        </a:rPr>
+                                        <m:t>,</m:t>
+                                      </m:r>
+                                      <m:r>
+                                        <a:rPr lang="en-US" altLang="ja-JP" sz="2000" b="0" i="1" smtClean="0">
+                                          <a:latin typeface="Cambria Math" panose="02040503050406030204" pitchFamily="18" charset="0"/>
+                                        </a:rPr>
+                                        <m:t>𝑡</m:t>
+                                      </m:r>
+                                      <m:r>
+                                        <a:rPr lang="en-US" altLang="ja-JP" sz="2000" b="0" i="1" smtClean="0">
+                                          <a:latin typeface="Cambria Math" panose="02040503050406030204" pitchFamily="18" charset="0"/>
+                                        </a:rPr>
+                                        <m:t>+1</m:t>
+                                      </m:r>
+                                    </m:sub>
+                                  </m:sSub>
+                                </m:e>
+                              </m:d>
+                              <m:d>
+                                <m:dPr>
+                                  <m:ctrlPr>
+                                    <a:rPr lang="en-US" altLang="ja-JP" sz="2000" b="0" i="1" smtClean="0">
+                                      <a:latin typeface="Cambria Math" panose="02040503050406030204" pitchFamily="18" charset="0"/>
+                                    </a:rPr>
+                                  </m:ctrlPr>
+                                </m:dPr>
+                                <m:e>
+                                  <m:r>
+                                    <a:rPr lang="en-US" altLang="ja-JP" sz="2000" i="1">
+                                      <a:latin typeface="Cambria Math" panose="02040503050406030204" pitchFamily="18" charset="0"/>
+                                    </a:rPr>
+                                    <m:t>1+</m:t>
+                                  </m:r>
+                                  <m:sSub>
+                                    <m:sSubPr>
+                                      <m:ctrlPr>
+                                        <a:rPr lang="en-US" altLang="ja-JP" sz="2000" i="1">
+                                          <a:latin typeface="Cambria Math" panose="02040503050406030204" pitchFamily="18" charset="0"/>
+                                        </a:rPr>
+                                      </m:ctrlPr>
+                                    </m:sSubPr>
+                                    <m:e>
+                                      <m:acc>
+                                        <m:accPr>
+                                          <m:chr m:val="̃"/>
+                                          <m:ctrlPr>
+                                            <a:rPr lang="en-US" altLang="ja-JP" sz="2000" i="1">
+                                              <a:latin typeface="Cambria Math" panose="02040503050406030204" pitchFamily="18" charset="0"/>
+                                            </a:rPr>
+                                          </m:ctrlPr>
+                                        </m:accPr>
+                                        <m:e>
+                                          <m:r>
+                                            <a:rPr lang="en-US" altLang="ja-JP" sz="2000" i="1">
+                                              <a:latin typeface="Cambria Math" panose="02040503050406030204" pitchFamily="18" charset="0"/>
+                                            </a:rPr>
+                                            <m:t>𝑅</m:t>
+                                          </m:r>
+                                        </m:e>
+                                      </m:acc>
+                                    </m:e>
+                                    <m:sub>
+                                      <m:r>
+                                        <a:rPr lang="en-US" altLang="ja-JP" sz="2000" i="1">
+                                          <a:latin typeface="Cambria Math" panose="02040503050406030204" pitchFamily="18" charset="0"/>
+                                        </a:rPr>
+                                        <m:t>𝑝</m:t>
+                                      </m:r>
+                                      <m:r>
+                                        <a:rPr lang="en-US" altLang="ja-JP" sz="2000" i="1">
+                                          <a:latin typeface="Cambria Math" panose="02040503050406030204" pitchFamily="18" charset="0"/>
+                                        </a:rPr>
+                                        <m:t>,</m:t>
+                                      </m:r>
+                                      <m:r>
+                                        <a:rPr lang="en-US" altLang="ja-JP" sz="2000" i="1">
+                                          <a:latin typeface="Cambria Math" panose="02040503050406030204" pitchFamily="18" charset="0"/>
+                                        </a:rPr>
+                                        <m:t>𝑡</m:t>
+                                      </m:r>
+                                      <m:r>
+                                        <a:rPr lang="en-US" altLang="ja-JP" sz="2000" i="1">
+                                          <a:latin typeface="Cambria Math" panose="02040503050406030204" pitchFamily="18" charset="0"/>
+                                        </a:rPr>
+                                        <m:t>+2</m:t>
+                                      </m:r>
+                                    </m:sub>
+                                  </m:sSub>
+                                </m:e>
+                              </m:d>
+                              <m:r>
+                                <a:rPr lang="en-US" altLang="ja-JP" sz="2000" b="0" i="1" smtClean="0">
+                                  <a:latin typeface="Cambria Math" panose="02040503050406030204" pitchFamily="18" charset="0"/>
+                                </a:rPr>
+                                <m:t>⋯</m:t>
+                              </m:r>
+                              <m:d>
+                                <m:dPr>
+                                  <m:ctrlPr>
+                                    <a:rPr lang="en-US" altLang="ja-JP" sz="2000" i="1">
+                                      <a:latin typeface="Cambria Math" panose="02040503050406030204" pitchFamily="18" charset="0"/>
+                                    </a:rPr>
+                                  </m:ctrlPr>
+                                </m:dPr>
+                                <m:e>
+                                  <m:r>
+                                    <a:rPr lang="en-US" altLang="ja-JP" sz="2000" i="1">
+                                      <a:latin typeface="Cambria Math" panose="02040503050406030204" pitchFamily="18" charset="0"/>
+                                    </a:rPr>
+                                    <m:t>1+</m:t>
+                                  </m:r>
+                                  <m:sSub>
+                                    <m:sSubPr>
+                                      <m:ctrlPr>
+                                        <a:rPr lang="en-US" altLang="ja-JP" sz="2000" i="1">
+                                          <a:latin typeface="Cambria Math" panose="02040503050406030204" pitchFamily="18" charset="0"/>
+                                        </a:rPr>
+                                      </m:ctrlPr>
+                                    </m:sSubPr>
+                                    <m:e>
+                                      <m:acc>
+                                        <m:accPr>
+                                          <m:chr m:val="̃"/>
+                                          <m:ctrlPr>
+                                            <a:rPr lang="en-US" altLang="ja-JP" sz="2000" i="1">
+                                              <a:latin typeface="Cambria Math" panose="02040503050406030204" pitchFamily="18" charset="0"/>
+                                            </a:rPr>
+                                          </m:ctrlPr>
+                                        </m:accPr>
+                                        <m:e>
+                                          <m:r>
+                                            <a:rPr lang="en-US" altLang="ja-JP" sz="2000" i="1">
+                                              <a:latin typeface="Cambria Math" panose="02040503050406030204" pitchFamily="18" charset="0"/>
+                                            </a:rPr>
+                                            <m:t>𝑅</m:t>
+                                          </m:r>
+                                        </m:e>
+                                      </m:acc>
+                                    </m:e>
+                                    <m:sub>
+                                      <m:r>
+                                        <a:rPr lang="en-US" altLang="ja-JP" sz="2000" i="1">
+                                          <a:latin typeface="Cambria Math" panose="02040503050406030204" pitchFamily="18" charset="0"/>
+                                        </a:rPr>
+                                        <m:t>𝑝</m:t>
+                                      </m:r>
+                                      <m:r>
+                                        <a:rPr lang="en-US" altLang="ja-JP" sz="2000" i="1">
+                                          <a:latin typeface="Cambria Math" panose="02040503050406030204" pitchFamily="18" charset="0"/>
+                                        </a:rPr>
+                                        <m:t>,</m:t>
+                                      </m:r>
+                                      <m:r>
+                                        <a:rPr lang="en-US" altLang="ja-JP" sz="2000" i="1">
+                                          <a:latin typeface="Cambria Math" panose="02040503050406030204" pitchFamily="18" charset="0"/>
+                                        </a:rPr>
+                                        <m:t>𝑡</m:t>
+                                      </m:r>
+                                      <m:r>
+                                        <a:rPr lang="en-US" altLang="ja-JP" sz="2000" i="1">
+                                          <a:latin typeface="Cambria Math" panose="02040503050406030204" pitchFamily="18" charset="0"/>
+                                        </a:rPr>
+                                        <m:t>+</m:t>
+                                      </m:r>
+                                      <m:r>
+                                        <a:rPr lang="en-US" altLang="ja-JP" sz="2000" b="0" i="1" smtClean="0">
+                                          <a:latin typeface="Cambria Math" panose="02040503050406030204" pitchFamily="18" charset="0"/>
+                                        </a:rPr>
+                                        <m:t>𝑇</m:t>
+                                      </m:r>
+                                    </m:sub>
+                                  </m:sSub>
+                                </m:e>
+                              </m:d>
+                            </m:e>
+                          </m:d>
+                        </m:e>
+                      </m:d>
+                    </m:oMath>
+                    <m:oMath xmlns:m="http://schemas.openxmlformats.org/officeDocument/2006/math">
+                      <m:r>
+                        <a:rPr lang="en-US" altLang="ja-JP" sz="2000" b="0" i="1" smtClean="0">
+                          <a:latin typeface="Cambria Math" panose="02040503050406030204" pitchFamily="18" charset="0"/>
+                        </a:rPr>
+                        <m:t>=</m:t>
+                      </m:r>
+                      <m:func>
+                        <m:funcPr>
+                          <m:ctrlPr>
+                            <a:rPr lang="en-US" altLang="ja-JP" sz="2000" b="0" i="1" smtClean="0">
+                              <a:latin typeface="Cambria Math" panose="02040503050406030204" pitchFamily="18" charset="0"/>
+                            </a:rPr>
+                          </m:ctrlPr>
+                        </m:funcPr>
+                        <m:fName>
+                          <m:r>
+                            <m:rPr>
+                              <m:sty m:val="p"/>
+                            </m:rPr>
+                            <a:rPr lang="en-US" altLang="ja-JP" sz="2000" b="0" i="0" smtClean="0">
+                              <a:latin typeface="Cambria Math" panose="02040503050406030204" pitchFamily="18" charset="0"/>
+                            </a:rPr>
+                            <m:t>ln</m:t>
+                          </m:r>
+                        </m:fName>
+                        <m:e>
+                          <m:sSub>
+                            <m:sSubPr>
+                              <m:ctrlPr>
+                                <a:rPr lang="en-US" altLang="ja-JP" sz="2000" b="0" i="1" smtClean="0">
+                                  <a:latin typeface="Cambria Math" panose="02040503050406030204" pitchFamily="18" charset="0"/>
+                                </a:rPr>
+                              </m:ctrlPr>
+                            </m:sSubPr>
+                            <m:e>
+                              <m:r>
+                                <a:rPr lang="en-US" altLang="ja-JP" sz="2000" b="0" i="1" smtClean="0">
+                                  <a:latin typeface="Cambria Math" panose="02040503050406030204" pitchFamily="18" charset="0"/>
+                                </a:rPr>
+                                <m:t>𝑊</m:t>
+                              </m:r>
+                            </m:e>
+                            <m:sub>
+                              <m:r>
+                                <a:rPr lang="en-US" altLang="ja-JP" sz="2000" b="0" i="1" smtClean="0">
+                                  <a:latin typeface="Cambria Math" panose="02040503050406030204" pitchFamily="18" charset="0"/>
+                                </a:rPr>
+                                <m:t>𝑡</m:t>
+                              </m:r>
+                            </m:sub>
+                          </m:sSub>
+                        </m:e>
+                      </m:func>
+                      <m:r>
+                        <a:rPr lang="en-US" altLang="ja-JP" sz="2000" b="0" i="1" smtClean="0">
+                          <a:latin typeface="Cambria Math" panose="02040503050406030204" pitchFamily="18" charset="0"/>
+                        </a:rPr>
+                        <m:t>+</m:t>
+                      </m:r>
+                      <m:sSub>
+                        <m:sSubPr>
+                          <m:ctrlPr>
+                            <a:rPr lang="en-US" altLang="ja-JP" sz="2000" b="0" i="1" smtClean="0">
+                              <a:latin typeface="Cambria Math" panose="02040503050406030204" pitchFamily="18" charset="0"/>
+                            </a:rPr>
+                          </m:ctrlPr>
+                        </m:sSubPr>
+                        <m:e>
+                          <m:r>
+                            <a:rPr lang="en-US" altLang="ja-JP" sz="2000" b="0" i="1" smtClean="0">
+                              <a:latin typeface="Cambria Math" panose="02040503050406030204" pitchFamily="18" charset="0"/>
+                            </a:rPr>
+                            <m:t>𝐸</m:t>
+                          </m:r>
+                        </m:e>
+                        <m:sub>
+                          <m:r>
+                            <a:rPr lang="en-US" altLang="ja-JP" sz="2000" b="0" i="1" smtClean="0">
+                              <a:latin typeface="Cambria Math" panose="02040503050406030204" pitchFamily="18" charset="0"/>
+                            </a:rPr>
+                            <m:t>𝑡</m:t>
+                          </m:r>
+                        </m:sub>
+                      </m:sSub>
+                      <m:d>
+                        <m:dPr>
+                          <m:begChr m:val="["/>
+                          <m:endChr m:val="]"/>
+                          <m:ctrlPr>
+                            <a:rPr lang="en-US" altLang="ja-JP" sz="2000" b="0" i="1" smtClean="0">
+                              <a:latin typeface="Cambria Math" panose="02040503050406030204" pitchFamily="18" charset="0"/>
+                            </a:rPr>
+                          </m:ctrlPr>
+                        </m:dPr>
+                        <m:e>
+                          <m:func>
+                            <m:funcPr>
+                              <m:ctrlPr>
+                                <a:rPr lang="en-US" altLang="ja-JP" sz="2000" b="0" i="1" smtClean="0">
+                                  <a:latin typeface="Cambria Math" panose="02040503050406030204" pitchFamily="18" charset="0"/>
+                                </a:rPr>
+                              </m:ctrlPr>
+                            </m:funcPr>
+                            <m:fName>
+                              <m:r>
+                                <m:rPr>
+                                  <m:sty m:val="p"/>
+                                </m:rPr>
+                                <a:rPr lang="en-US" altLang="ja-JP" sz="2000" b="0" i="0" smtClean="0">
+                                  <a:latin typeface="Cambria Math" panose="02040503050406030204" pitchFamily="18" charset="0"/>
+                                </a:rPr>
+                                <m:t>ln</m:t>
+                              </m:r>
+                            </m:fName>
+                            <m:e>
+                              <m:d>
+                                <m:dPr>
+                                  <m:ctrlPr>
+                                    <a:rPr lang="en-US" altLang="ja-JP" sz="2000" i="1">
+                                      <a:latin typeface="Cambria Math" panose="02040503050406030204" pitchFamily="18" charset="0"/>
+                                    </a:rPr>
+                                  </m:ctrlPr>
+                                </m:dPr>
+                                <m:e>
+                                  <m:r>
+                                    <a:rPr lang="en-US" altLang="ja-JP" sz="2000" i="1">
+                                      <a:latin typeface="Cambria Math" panose="02040503050406030204" pitchFamily="18" charset="0"/>
+                                    </a:rPr>
+                                    <m:t>1+</m:t>
+                                  </m:r>
+                                  <m:sSub>
+                                    <m:sSubPr>
+                                      <m:ctrlPr>
+                                        <a:rPr lang="en-US" altLang="ja-JP" sz="2000" i="1">
+                                          <a:latin typeface="Cambria Math" panose="02040503050406030204" pitchFamily="18" charset="0"/>
+                                        </a:rPr>
+                                      </m:ctrlPr>
+                                    </m:sSubPr>
+                                    <m:e>
+                                      <m:acc>
+                                        <m:accPr>
+                                          <m:chr m:val="̃"/>
+                                          <m:ctrlPr>
+                                            <a:rPr lang="en-US" altLang="ja-JP" sz="2000" i="1">
+                                              <a:latin typeface="Cambria Math" panose="02040503050406030204" pitchFamily="18" charset="0"/>
+                                            </a:rPr>
+                                          </m:ctrlPr>
+                                        </m:accPr>
+                                        <m:e>
+                                          <m:r>
+                                            <a:rPr lang="en-US" altLang="ja-JP" sz="2000" i="1">
+                                              <a:latin typeface="Cambria Math" panose="02040503050406030204" pitchFamily="18" charset="0"/>
+                                            </a:rPr>
+                                            <m:t>𝑅</m:t>
+                                          </m:r>
+                                        </m:e>
+                                      </m:acc>
+                                    </m:e>
+                                    <m:sub>
+                                      <m:r>
+                                        <a:rPr lang="en-US" altLang="ja-JP" sz="2000" i="1">
+                                          <a:latin typeface="Cambria Math" panose="02040503050406030204" pitchFamily="18" charset="0"/>
+                                        </a:rPr>
+                                        <m:t>𝑝</m:t>
+                                      </m:r>
+                                      <m:r>
+                                        <a:rPr lang="en-US" altLang="ja-JP" sz="2000" i="1">
+                                          <a:latin typeface="Cambria Math" panose="02040503050406030204" pitchFamily="18" charset="0"/>
+                                        </a:rPr>
+                                        <m:t>,</m:t>
+                                      </m:r>
+                                      <m:r>
+                                        <a:rPr lang="en-US" altLang="ja-JP" sz="2000" i="1">
+                                          <a:latin typeface="Cambria Math" panose="02040503050406030204" pitchFamily="18" charset="0"/>
+                                        </a:rPr>
+                                        <m:t>𝑡</m:t>
+                                      </m:r>
+                                      <m:r>
+                                        <a:rPr lang="en-US" altLang="ja-JP" sz="2000" i="1">
+                                          <a:latin typeface="Cambria Math" panose="02040503050406030204" pitchFamily="18" charset="0"/>
+                                        </a:rPr>
+                                        <m:t>+1</m:t>
+                                      </m:r>
+                                    </m:sub>
+                                  </m:sSub>
+                                </m:e>
+                              </m:d>
+                            </m:e>
+                          </m:func>
+                        </m:e>
+                      </m:d>
+                      <m:r>
+                        <a:rPr lang="en-US" altLang="ja-JP" sz="2000" b="0" i="1" smtClean="0">
+                          <a:latin typeface="Cambria Math" panose="02040503050406030204" pitchFamily="18" charset="0"/>
+                        </a:rPr>
+                        <m:t>+</m:t>
+                      </m:r>
+                      <m:sSub>
+                        <m:sSubPr>
+                          <m:ctrlPr>
+                            <a:rPr lang="en-US" altLang="ja-JP" sz="2000" i="1">
+                              <a:latin typeface="Cambria Math" panose="02040503050406030204" pitchFamily="18" charset="0"/>
+                            </a:rPr>
+                          </m:ctrlPr>
+                        </m:sSubPr>
+                        <m:e>
+                          <m:r>
+                            <a:rPr lang="en-US" altLang="ja-JP" sz="2000" i="1">
+                              <a:latin typeface="Cambria Math" panose="02040503050406030204" pitchFamily="18" charset="0"/>
+                            </a:rPr>
+                            <m:t>𝐸</m:t>
+                          </m:r>
+                        </m:e>
+                        <m:sub>
+                          <m:r>
+                            <a:rPr lang="en-US" altLang="ja-JP" sz="2000" i="1">
+                              <a:latin typeface="Cambria Math" panose="02040503050406030204" pitchFamily="18" charset="0"/>
+                            </a:rPr>
+                            <m:t>𝑡</m:t>
+                          </m:r>
+                        </m:sub>
+                      </m:sSub>
+                      <m:d>
+                        <m:dPr>
+                          <m:begChr m:val="["/>
+                          <m:endChr m:val="]"/>
+                          <m:ctrlPr>
+                            <a:rPr lang="en-US" altLang="ja-JP" sz="2000" i="1">
+                              <a:latin typeface="Cambria Math" panose="02040503050406030204" pitchFamily="18" charset="0"/>
+                            </a:rPr>
+                          </m:ctrlPr>
+                        </m:dPr>
+                        <m:e>
+                          <m:func>
+                            <m:funcPr>
+                              <m:ctrlPr>
+                                <a:rPr lang="en-US" altLang="ja-JP" sz="2000" i="1">
+                                  <a:latin typeface="Cambria Math" panose="02040503050406030204" pitchFamily="18" charset="0"/>
+                                </a:rPr>
+                              </m:ctrlPr>
+                            </m:funcPr>
+                            <m:fName>
+                              <m:r>
+                                <m:rPr>
+                                  <m:sty m:val="p"/>
+                                </m:rPr>
+                                <a:rPr lang="en-US" altLang="ja-JP" sz="2000">
+                                  <a:latin typeface="Cambria Math" panose="02040503050406030204" pitchFamily="18" charset="0"/>
+                                </a:rPr>
+                                <m:t>ln</m:t>
+                              </m:r>
+                            </m:fName>
+                            <m:e>
+                              <m:d>
+                                <m:dPr>
+                                  <m:ctrlPr>
+                                    <a:rPr lang="en-US" altLang="ja-JP" sz="2000" i="1">
+                                      <a:latin typeface="Cambria Math" panose="02040503050406030204" pitchFamily="18" charset="0"/>
+                                    </a:rPr>
+                                  </m:ctrlPr>
+                                </m:dPr>
+                                <m:e>
+                                  <m:r>
+                                    <a:rPr lang="en-US" altLang="ja-JP" sz="2000" i="1">
+                                      <a:latin typeface="Cambria Math" panose="02040503050406030204" pitchFamily="18" charset="0"/>
+                                    </a:rPr>
+                                    <m:t>1+</m:t>
+                                  </m:r>
+                                  <m:sSub>
+                                    <m:sSubPr>
+                                      <m:ctrlPr>
+                                        <a:rPr lang="en-US" altLang="ja-JP" sz="2000" i="1">
+                                          <a:latin typeface="Cambria Math" panose="02040503050406030204" pitchFamily="18" charset="0"/>
+                                        </a:rPr>
+                                      </m:ctrlPr>
+                                    </m:sSubPr>
+                                    <m:e>
+                                      <m:acc>
+                                        <m:accPr>
+                                          <m:chr m:val="̃"/>
+                                          <m:ctrlPr>
+                                            <a:rPr lang="en-US" altLang="ja-JP" sz="2000" i="1">
+                                              <a:latin typeface="Cambria Math" panose="02040503050406030204" pitchFamily="18" charset="0"/>
+                                            </a:rPr>
+                                          </m:ctrlPr>
+                                        </m:accPr>
+                                        <m:e>
+                                          <m:r>
+                                            <a:rPr lang="en-US" altLang="ja-JP" sz="2000" i="1">
+                                              <a:latin typeface="Cambria Math" panose="02040503050406030204" pitchFamily="18" charset="0"/>
+                                            </a:rPr>
+                                            <m:t>𝑅</m:t>
+                                          </m:r>
+                                        </m:e>
+                                      </m:acc>
+                                    </m:e>
+                                    <m:sub>
+                                      <m:r>
+                                        <a:rPr lang="en-US" altLang="ja-JP" sz="2000" i="1">
+                                          <a:latin typeface="Cambria Math" panose="02040503050406030204" pitchFamily="18" charset="0"/>
+                                        </a:rPr>
+                                        <m:t>𝑝</m:t>
+                                      </m:r>
+                                      <m:r>
+                                        <a:rPr lang="en-US" altLang="ja-JP" sz="2000" i="1">
+                                          <a:latin typeface="Cambria Math" panose="02040503050406030204" pitchFamily="18" charset="0"/>
+                                        </a:rPr>
+                                        <m:t>,</m:t>
+                                      </m:r>
+                                      <m:r>
+                                        <a:rPr lang="en-US" altLang="ja-JP" sz="2000" i="1">
+                                          <a:latin typeface="Cambria Math" panose="02040503050406030204" pitchFamily="18" charset="0"/>
+                                        </a:rPr>
+                                        <m:t>𝑡</m:t>
+                                      </m:r>
+                                      <m:r>
+                                        <a:rPr lang="en-US" altLang="ja-JP" sz="2000" i="1">
+                                          <a:latin typeface="Cambria Math" panose="02040503050406030204" pitchFamily="18" charset="0"/>
+                                        </a:rPr>
+                                        <m:t>+2</m:t>
+                                      </m:r>
+                                    </m:sub>
+                                  </m:sSub>
+                                </m:e>
+                              </m:d>
+                            </m:e>
+                          </m:func>
+                        </m:e>
+                      </m:d>
+                      <m:r>
+                        <a:rPr lang="en-US" altLang="ja-JP" sz="2000" b="0" i="1" smtClean="0">
+                          <a:latin typeface="Cambria Math" panose="02040503050406030204" pitchFamily="18" charset="0"/>
+                        </a:rPr>
+                        <m:t>+⋯+</m:t>
+                      </m:r>
+                      <m:sSub>
+                        <m:sSubPr>
+                          <m:ctrlPr>
+                            <a:rPr lang="en-US" altLang="ja-JP" sz="2000" i="1">
+                              <a:latin typeface="Cambria Math" panose="02040503050406030204" pitchFamily="18" charset="0"/>
+                            </a:rPr>
+                          </m:ctrlPr>
+                        </m:sSubPr>
+                        <m:e>
+                          <m:r>
+                            <a:rPr lang="en-US" altLang="ja-JP" sz="2000" i="1">
+                              <a:latin typeface="Cambria Math" panose="02040503050406030204" pitchFamily="18" charset="0"/>
+                            </a:rPr>
+                            <m:t>𝐸</m:t>
+                          </m:r>
+                        </m:e>
+                        <m:sub>
+                          <m:r>
+                            <a:rPr lang="en-US" altLang="ja-JP" sz="2000" i="1">
+                              <a:latin typeface="Cambria Math" panose="02040503050406030204" pitchFamily="18" charset="0"/>
+                            </a:rPr>
+                            <m:t>𝑡</m:t>
+                          </m:r>
+                        </m:sub>
+                      </m:sSub>
+                      <m:d>
+                        <m:dPr>
+                          <m:begChr m:val="["/>
+                          <m:endChr m:val="]"/>
+                          <m:ctrlPr>
+                            <a:rPr lang="en-US" altLang="ja-JP" sz="2000" i="1">
+                              <a:latin typeface="Cambria Math" panose="02040503050406030204" pitchFamily="18" charset="0"/>
+                            </a:rPr>
+                          </m:ctrlPr>
+                        </m:dPr>
+                        <m:e>
+                          <m:func>
+                            <m:funcPr>
+                              <m:ctrlPr>
+                                <a:rPr lang="en-US" altLang="ja-JP" sz="2000" i="1">
+                                  <a:latin typeface="Cambria Math" panose="02040503050406030204" pitchFamily="18" charset="0"/>
+                                </a:rPr>
+                              </m:ctrlPr>
+                            </m:funcPr>
+                            <m:fName>
+                              <m:r>
+                                <m:rPr>
+                                  <m:sty m:val="p"/>
+                                </m:rPr>
+                                <a:rPr lang="en-US" altLang="ja-JP" sz="2000">
+                                  <a:latin typeface="Cambria Math" panose="02040503050406030204" pitchFamily="18" charset="0"/>
+                                </a:rPr>
+                                <m:t>ln</m:t>
+                              </m:r>
+                            </m:fName>
+                            <m:e>
+                              <m:d>
+                                <m:dPr>
+                                  <m:ctrlPr>
+                                    <a:rPr lang="en-US" altLang="ja-JP" sz="2000" i="1">
+                                      <a:latin typeface="Cambria Math" panose="02040503050406030204" pitchFamily="18" charset="0"/>
+                                    </a:rPr>
+                                  </m:ctrlPr>
+                                </m:dPr>
+                                <m:e>
+                                  <m:r>
+                                    <a:rPr lang="en-US" altLang="ja-JP" sz="2000" i="1">
+                                      <a:latin typeface="Cambria Math" panose="02040503050406030204" pitchFamily="18" charset="0"/>
+                                    </a:rPr>
+                                    <m:t>1+</m:t>
+                                  </m:r>
+                                  <m:sSub>
+                                    <m:sSubPr>
+                                      <m:ctrlPr>
+                                        <a:rPr lang="en-US" altLang="ja-JP" sz="2000" i="1">
+                                          <a:latin typeface="Cambria Math" panose="02040503050406030204" pitchFamily="18" charset="0"/>
+                                        </a:rPr>
+                                      </m:ctrlPr>
+                                    </m:sSubPr>
+                                    <m:e>
+                                      <m:acc>
+                                        <m:accPr>
+                                          <m:chr m:val="̃"/>
+                                          <m:ctrlPr>
+                                            <a:rPr lang="en-US" altLang="ja-JP" sz="2000" i="1">
+                                              <a:latin typeface="Cambria Math" panose="02040503050406030204" pitchFamily="18" charset="0"/>
+                                            </a:rPr>
+                                          </m:ctrlPr>
+                                        </m:accPr>
+                                        <m:e>
+                                          <m:r>
+                                            <a:rPr lang="en-US" altLang="ja-JP" sz="2000" i="1">
+                                              <a:latin typeface="Cambria Math" panose="02040503050406030204" pitchFamily="18" charset="0"/>
+                                            </a:rPr>
+                                            <m:t>𝑅</m:t>
+                                          </m:r>
+                                        </m:e>
+                                      </m:acc>
+                                    </m:e>
+                                    <m:sub>
+                                      <m:r>
+                                        <a:rPr lang="en-US" altLang="ja-JP" sz="2000" i="1">
+                                          <a:latin typeface="Cambria Math" panose="02040503050406030204" pitchFamily="18" charset="0"/>
+                                        </a:rPr>
+                                        <m:t>𝑝</m:t>
+                                      </m:r>
+                                      <m:r>
+                                        <a:rPr lang="en-US" altLang="ja-JP" sz="2000" i="1">
+                                          <a:latin typeface="Cambria Math" panose="02040503050406030204" pitchFamily="18" charset="0"/>
+                                        </a:rPr>
+                                        <m:t>,</m:t>
+                                      </m:r>
+                                      <m:r>
+                                        <a:rPr lang="en-US" altLang="ja-JP" sz="2000" i="1">
+                                          <a:latin typeface="Cambria Math" panose="02040503050406030204" pitchFamily="18" charset="0"/>
+                                        </a:rPr>
+                                        <m:t>𝑡</m:t>
+                                      </m:r>
+                                      <m:r>
+                                        <a:rPr lang="en-US" altLang="ja-JP" sz="2000" i="1">
+                                          <a:latin typeface="Cambria Math" panose="02040503050406030204" pitchFamily="18" charset="0"/>
+                                        </a:rPr>
+                                        <m:t>+</m:t>
+                                      </m:r>
+                                      <m:r>
+                                        <a:rPr lang="en-US" altLang="ja-JP" sz="2000" b="0" i="1" smtClean="0">
+                                          <a:latin typeface="Cambria Math" panose="02040503050406030204" pitchFamily="18" charset="0"/>
+                                        </a:rPr>
+                                        <m:t>𝑇</m:t>
+                                      </m:r>
+                                    </m:sub>
+                                  </m:sSub>
+                                </m:e>
+                              </m:d>
+                            </m:e>
+                          </m:func>
+                        </m:e>
+                      </m:d>
+                    </m:oMath>
+                    <m:oMath xmlns:m="http://schemas.openxmlformats.org/officeDocument/2006/math">
+                      <m:r>
+                        <a:rPr lang="en-US" altLang="ja-JP" sz="2000" b="0" i="1" smtClean="0">
+                          <a:latin typeface="Cambria Math" panose="02040503050406030204" pitchFamily="18" charset="0"/>
+                        </a:rPr>
+                        <m:t>=</m:t>
+                      </m:r>
+                      <m:func>
+                        <m:funcPr>
+                          <m:ctrlPr>
+                            <a:rPr lang="en-US" altLang="ja-JP" sz="2000" b="0" i="1" smtClean="0">
+                              <a:latin typeface="Cambria Math" panose="02040503050406030204" pitchFamily="18" charset="0"/>
+                            </a:rPr>
+                          </m:ctrlPr>
+                        </m:funcPr>
+                        <m:fName>
+                          <m:r>
+                            <m:rPr>
+                              <m:sty m:val="p"/>
+                            </m:rPr>
+                            <a:rPr lang="en-US" altLang="ja-JP" sz="2000" b="0" i="0" smtClean="0">
+                              <a:latin typeface="Cambria Math" panose="02040503050406030204" pitchFamily="18" charset="0"/>
+                            </a:rPr>
+                            <m:t>ln</m:t>
+                          </m:r>
+                        </m:fName>
+                        <m:e>
+                          <m:sSub>
+                            <m:sSubPr>
+                              <m:ctrlPr>
+                                <a:rPr lang="en-US" altLang="ja-JP" sz="2000" b="0" i="1" smtClean="0">
+                                  <a:latin typeface="Cambria Math" panose="02040503050406030204" pitchFamily="18" charset="0"/>
+                                </a:rPr>
+                              </m:ctrlPr>
+                            </m:sSubPr>
+                            <m:e>
+                              <m:r>
+                                <a:rPr lang="en-US" altLang="ja-JP" sz="2000" b="0" i="1" smtClean="0">
+                                  <a:latin typeface="Cambria Math" panose="02040503050406030204" pitchFamily="18" charset="0"/>
+                                </a:rPr>
+                                <m:t>𝑊</m:t>
+                              </m:r>
+                            </m:e>
+                            <m:sub>
+                              <m:r>
+                                <a:rPr lang="en-US" altLang="ja-JP" sz="2000" b="0" i="1" smtClean="0">
+                                  <a:latin typeface="Cambria Math" panose="02040503050406030204" pitchFamily="18" charset="0"/>
+                                </a:rPr>
+                                <m:t>𝑡</m:t>
+                              </m:r>
+                            </m:sub>
+                          </m:sSub>
+                        </m:e>
+                      </m:func>
+                      <m:r>
+                        <a:rPr lang="en-US" altLang="ja-JP" sz="2000" b="0" i="1" smtClean="0">
+                          <a:latin typeface="Cambria Math" panose="02040503050406030204" pitchFamily="18" charset="0"/>
+                        </a:rPr>
+                        <m:t>+</m:t>
+                      </m:r>
+                      <m:sSub>
+                        <m:sSubPr>
+                          <m:ctrlPr>
+                            <a:rPr lang="en-US" altLang="ja-JP" sz="2000" b="0" i="1" smtClean="0">
+                              <a:latin typeface="Cambria Math" panose="02040503050406030204" pitchFamily="18" charset="0"/>
+                            </a:rPr>
+                          </m:ctrlPr>
+                        </m:sSubPr>
+                        <m:e>
+                          <m:r>
+                            <a:rPr lang="en-US" altLang="ja-JP" sz="2000" b="0" i="1" smtClean="0">
+                              <a:latin typeface="Cambria Math" panose="02040503050406030204" pitchFamily="18" charset="0"/>
+                            </a:rPr>
+                            <m:t>𝐸</m:t>
+                          </m:r>
+                        </m:e>
+                        <m:sub>
+                          <m:r>
+                            <a:rPr lang="en-US" altLang="ja-JP" sz="2000" b="0" i="1" smtClean="0">
+                              <a:latin typeface="Cambria Math" panose="02040503050406030204" pitchFamily="18" charset="0"/>
+                            </a:rPr>
+                            <m:t>𝑡</m:t>
+                          </m:r>
+                        </m:sub>
+                      </m:sSub>
+                      <m:d>
+                        <m:dPr>
+                          <m:begChr m:val="["/>
+                          <m:endChr m:val="]"/>
+                          <m:ctrlPr>
+                            <a:rPr lang="en-US" altLang="ja-JP" sz="2000" b="0" i="1" smtClean="0">
+                              <a:latin typeface="Cambria Math" panose="02040503050406030204" pitchFamily="18" charset="0"/>
+                            </a:rPr>
+                          </m:ctrlPr>
+                        </m:dPr>
+                        <m:e>
+                          <m:sSub>
+                            <m:sSubPr>
+                              <m:ctrlPr>
+                                <a:rPr lang="en-US" altLang="ja-JP" sz="2000" b="0" i="1" smtClean="0">
+                                  <a:latin typeface="Cambria Math" panose="02040503050406030204" pitchFamily="18" charset="0"/>
+                                </a:rPr>
+                              </m:ctrlPr>
+                            </m:sSubPr>
+                            <m:e>
+                              <m:acc>
+                                <m:accPr>
+                                  <m:chr m:val="̃"/>
+                                  <m:ctrlPr>
+                                    <a:rPr lang="en-US" altLang="ja-JP" sz="2000" b="0" i="1" smtClean="0">
+                                      <a:latin typeface="Cambria Math" panose="02040503050406030204" pitchFamily="18" charset="0"/>
+                                    </a:rPr>
+                                  </m:ctrlPr>
+                                </m:accPr>
+                                <m:e>
+                                  <m:r>
+                                    <a:rPr lang="en-US" altLang="ja-JP" sz="2000" b="0" i="1" smtClean="0">
+                                      <a:latin typeface="Cambria Math" panose="02040503050406030204" pitchFamily="18" charset="0"/>
+                                    </a:rPr>
+                                    <m:t>𝑟</m:t>
+                                  </m:r>
+                                </m:e>
+                              </m:acc>
+                            </m:e>
+                            <m:sub>
+                              <m:r>
+                                <a:rPr lang="en-US" altLang="ja-JP" sz="2000" b="0" i="1" smtClean="0">
+                                  <a:latin typeface="Cambria Math" panose="02040503050406030204" pitchFamily="18" charset="0"/>
+                                </a:rPr>
+                                <m:t>𝑝</m:t>
+                              </m:r>
+                              <m:r>
+                                <a:rPr lang="en-US" altLang="ja-JP" sz="2000" b="0" i="1" smtClean="0">
+                                  <a:latin typeface="Cambria Math" panose="02040503050406030204" pitchFamily="18" charset="0"/>
+                                </a:rPr>
+                                <m:t>,</m:t>
+                              </m:r>
+                              <m:r>
+                                <a:rPr lang="en-US" altLang="ja-JP" sz="2000" b="0" i="1" smtClean="0">
+                                  <a:latin typeface="Cambria Math" panose="02040503050406030204" pitchFamily="18" charset="0"/>
+                                </a:rPr>
+                                <m:t>𝑡</m:t>
+                              </m:r>
+                              <m:r>
+                                <a:rPr lang="en-US" altLang="ja-JP" sz="2000" b="0" i="1" smtClean="0">
+                                  <a:latin typeface="Cambria Math" panose="02040503050406030204" pitchFamily="18" charset="0"/>
+                                </a:rPr>
+                                <m:t>+1</m:t>
+                              </m:r>
+                            </m:sub>
+                          </m:sSub>
+                        </m:e>
+                      </m:d>
+                      <m:r>
+                        <a:rPr lang="en-US" altLang="ja-JP" sz="2000" b="0" i="1" smtClean="0">
+                          <a:latin typeface="Cambria Math" panose="02040503050406030204" pitchFamily="18" charset="0"/>
+                        </a:rPr>
+                        <m:t>+</m:t>
+                      </m:r>
+                      <m:sSub>
+                        <m:sSubPr>
+                          <m:ctrlPr>
+                            <a:rPr lang="en-US" altLang="ja-JP" sz="2000" i="1">
+                              <a:latin typeface="Cambria Math" panose="02040503050406030204" pitchFamily="18" charset="0"/>
+                            </a:rPr>
+                          </m:ctrlPr>
+                        </m:sSubPr>
+                        <m:e>
+                          <m:r>
+                            <a:rPr lang="en-US" altLang="ja-JP" sz="2000" i="1">
+                              <a:latin typeface="Cambria Math" panose="02040503050406030204" pitchFamily="18" charset="0"/>
+                            </a:rPr>
+                            <m:t>𝐸</m:t>
+                          </m:r>
+                        </m:e>
+                        <m:sub>
+                          <m:r>
+                            <a:rPr lang="en-US" altLang="ja-JP" sz="2000" i="1">
+                              <a:latin typeface="Cambria Math" panose="02040503050406030204" pitchFamily="18" charset="0"/>
+                            </a:rPr>
+                            <m:t>𝑡</m:t>
+                          </m:r>
+                        </m:sub>
+                      </m:sSub>
+                      <m:d>
+                        <m:dPr>
+                          <m:begChr m:val="["/>
+                          <m:endChr m:val="]"/>
+                          <m:ctrlPr>
+                            <a:rPr lang="en-US" altLang="ja-JP" sz="2000" i="1">
+                              <a:latin typeface="Cambria Math" panose="02040503050406030204" pitchFamily="18" charset="0"/>
+                            </a:rPr>
+                          </m:ctrlPr>
+                        </m:dPr>
+                        <m:e>
+                          <m:sSub>
+                            <m:sSubPr>
+                              <m:ctrlPr>
+                                <a:rPr lang="en-US" altLang="ja-JP" sz="2000" i="1">
+                                  <a:latin typeface="Cambria Math" panose="02040503050406030204" pitchFamily="18" charset="0"/>
+                                </a:rPr>
+                              </m:ctrlPr>
+                            </m:sSubPr>
+                            <m:e>
+                              <m:acc>
+                                <m:accPr>
+                                  <m:chr m:val="̃"/>
+                                  <m:ctrlPr>
+                                    <a:rPr lang="en-US" altLang="ja-JP" sz="2000" i="1">
+                                      <a:latin typeface="Cambria Math" panose="02040503050406030204" pitchFamily="18" charset="0"/>
+                                    </a:rPr>
+                                  </m:ctrlPr>
+                                </m:accPr>
+                                <m:e>
+                                  <m:r>
+                                    <a:rPr lang="en-US" altLang="ja-JP" sz="2000" i="1">
+                                      <a:latin typeface="Cambria Math" panose="02040503050406030204" pitchFamily="18" charset="0"/>
+                                    </a:rPr>
+                                    <m:t>𝑟</m:t>
+                                  </m:r>
+                                </m:e>
+                              </m:acc>
+                            </m:e>
+                            <m:sub>
+                              <m:r>
+                                <a:rPr lang="en-US" altLang="ja-JP" sz="2000" i="1">
+                                  <a:latin typeface="Cambria Math" panose="02040503050406030204" pitchFamily="18" charset="0"/>
+                                </a:rPr>
+                                <m:t>𝑝</m:t>
+                              </m:r>
+                              <m:r>
+                                <a:rPr lang="en-US" altLang="ja-JP" sz="2000" i="1">
+                                  <a:latin typeface="Cambria Math" panose="02040503050406030204" pitchFamily="18" charset="0"/>
+                                </a:rPr>
+                                <m:t>,</m:t>
+                              </m:r>
+                              <m:r>
+                                <a:rPr lang="en-US" altLang="ja-JP" sz="2000" i="1">
+                                  <a:latin typeface="Cambria Math" panose="02040503050406030204" pitchFamily="18" charset="0"/>
+                                </a:rPr>
+                                <m:t>𝑡</m:t>
+                              </m:r>
+                              <m:r>
+                                <a:rPr lang="en-US" altLang="ja-JP" sz="2000" i="1">
+                                  <a:latin typeface="Cambria Math" panose="02040503050406030204" pitchFamily="18" charset="0"/>
+                                </a:rPr>
+                                <m:t>+2</m:t>
+                              </m:r>
+                            </m:sub>
+                          </m:sSub>
+                        </m:e>
+                      </m:d>
+                      <m:r>
+                        <a:rPr lang="en-US" altLang="ja-JP" sz="2000" b="0" i="1" smtClean="0">
+                          <a:latin typeface="Cambria Math" panose="02040503050406030204" pitchFamily="18" charset="0"/>
+                        </a:rPr>
+                        <m:t>+⋯+</m:t>
+                      </m:r>
+                      <m:sSub>
+                        <m:sSubPr>
+                          <m:ctrlPr>
+                            <a:rPr lang="en-US" altLang="ja-JP" sz="2000" i="1">
+                              <a:latin typeface="Cambria Math" panose="02040503050406030204" pitchFamily="18" charset="0"/>
+                            </a:rPr>
+                          </m:ctrlPr>
+                        </m:sSubPr>
+                        <m:e>
+                          <m:r>
+                            <a:rPr lang="en-US" altLang="ja-JP" sz="2000" i="1">
+                              <a:latin typeface="Cambria Math" panose="02040503050406030204" pitchFamily="18" charset="0"/>
+                            </a:rPr>
+                            <m:t>𝐸</m:t>
+                          </m:r>
+                        </m:e>
+                        <m:sub>
+                          <m:r>
+                            <a:rPr lang="en-US" altLang="ja-JP" sz="2000" i="1">
+                              <a:latin typeface="Cambria Math" panose="02040503050406030204" pitchFamily="18" charset="0"/>
+                            </a:rPr>
+                            <m:t>𝑡</m:t>
+                          </m:r>
+                        </m:sub>
+                      </m:sSub>
+                      <m:r>
+                        <a:rPr lang="en-US" altLang="ja-JP" sz="2000" i="1">
+                          <a:latin typeface="Cambria Math" panose="02040503050406030204" pitchFamily="18" charset="0"/>
+                        </a:rPr>
+                        <m:t>[</m:t>
+                      </m:r>
+                      <m:sSub>
+                        <m:sSubPr>
+                          <m:ctrlPr>
+                            <a:rPr lang="en-US" altLang="ja-JP" sz="2000" i="1">
+                              <a:latin typeface="Cambria Math" panose="02040503050406030204" pitchFamily="18" charset="0"/>
+                            </a:rPr>
+                          </m:ctrlPr>
+                        </m:sSubPr>
+                        <m:e>
+                          <m:acc>
+                            <m:accPr>
+                              <m:chr m:val="̃"/>
+                              <m:ctrlPr>
+                                <a:rPr lang="en-US" altLang="ja-JP" sz="2000" i="1">
+                                  <a:latin typeface="Cambria Math" panose="02040503050406030204" pitchFamily="18" charset="0"/>
+                                </a:rPr>
+                              </m:ctrlPr>
+                            </m:accPr>
+                            <m:e>
+                              <m:r>
+                                <a:rPr lang="en-US" altLang="ja-JP" sz="2000" i="1">
+                                  <a:latin typeface="Cambria Math" panose="02040503050406030204" pitchFamily="18" charset="0"/>
+                                </a:rPr>
+                                <m:t>𝑟</m:t>
+                              </m:r>
+                            </m:e>
+                          </m:acc>
+                        </m:e>
+                        <m:sub>
+                          <m:r>
+                            <a:rPr lang="en-US" altLang="ja-JP" sz="2000" i="1">
+                              <a:latin typeface="Cambria Math" panose="02040503050406030204" pitchFamily="18" charset="0"/>
+                            </a:rPr>
+                            <m:t>𝑝</m:t>
+                          </m:r>
+                          <m:r>
+                            <a:rPr lang="en-US" altLang="ja-JP" sz="2000" i="1">
+                              <a:latin typeface="Cambria Math" panose="02040503050406030204" pitchFamily="18" charset="0"/>
+                            </a:rPr>
+                            <m:t>,</m:t>
+                          </m:r>
+                          <m:r>
+                            <a:rPr lang="en-US" altLang="ja-JP" sz="2000" i="1">
+                              <a:latin typeface="Cambria Math" panose="02040503050406030204" pitchFamily="18" charset="0"/>
+                            </a:rPr>
+                            <m:t>𝑡</m:t>
+                          </m:r>
+                          <m:r>
+                            <a:rPr lang="en-US" altLang="ja-JP" sz="2000" i="1">
+                              <a:latin typeface="Cambria Math" panose="02040503050406030204" pitchFamily="18" charset="0"/>
+                            </a:rPr>
+                            <m:t>+</m:t>
+                          </m:r>
+                          <m:r>
+                            <a:rPr lang="en-US" altLang="ja-JP" sz="2000" b="0" i="1" smtClean="0">
+                              <a:latin typeface="Cambria Math" panose="02040503050406030204" pitchFamily="18" charset="0"/>
+                            </a:rPr>
+                            <m:t>𝑇</m:t>
+                          </m:r>
+                        </m:sub>
+                      </m:sSub>
+                      <m:r>
+                        <a:rPr lang="en-US" altLang="ja-JP" sz="2000" i="1">
+                          <a:latin typeface="Cambria Math" panose="02040503050406030204" pitchFamily="18" charset="0"/>
+                        </a:rPr>
+                        <m:t>]</m:t>
+                      </m:r>
+                    </m:oMath>
+                  </m:oMathPara>
+                </a14:m>
+                <a:endParaRPr lang="en-US" altLang="ja-JP" sz="2000" dirty="0"/>
+              </a:p>
+              <a:p>
+                <a:pPr marL="0" indent="0">
+                  <a:buNone/>
+                </a:pPr>
+                <a:r>
+                  <a:rPr lang="ja-JP" altLang="en-US" sz="2000" dirty="0"/>
+                  <a:t>で表せる。ただし、</a:t>
+                </a:r>
+                <a14:m>
+                  <m:oMath xmlns:m="http://schemas.openxmlformats.org/officeDocument/2006/math">
+                    <m:sSub>
+                      <m:sSubPr>
+                        <m:ctrlPr>
+                          <a:rPr lang="en-US" altLang="ja-JP" sz="2000" b="0" i="1" dirty="0" smtClean="0">
+                            <a:latin typeface="Cambria Math" panose="02040503050406030204" pitchFamily="18" charset="0"/>
+                          </a:rPr>
+                        </m:ctrlPr>
+                      </m:sSubPr>
+                      <m:e>
+                        <m:acc>
+                          <m:accPr>
+                            <m:chr m:val="̃"/>
+                            <m:ctrlPr>
+                              <a:rPr lang="en-US" altLang="ja-JP" sz="2000" b="0" i="1" smtClean="0">
+                                <a:latin typeface="Cambria Math" panose="02040503050406030204" pitchFamily="18" charset="0"/>
+                              </a:rPr>
+                            </m:ctrlPr>
+                          </m:accPr>
+                          <m:e>
+                            <m:r>
+                              <a:rPr lang="en-US" altLang="ja-JP" sz="2000" b="0" i="1" smtClean="0">
+                                <a:latin typeface="Cambria Math" panose="02040503050406030204" pitchFamily="18" charset="0"/>
+                              </a:rPr>
+                              <m:t>𝑟</m:t>
+                            </m:r>
+                          </m:e>
+                        </m:acc>
+                      </m:e>
+                      <m:sub>
+                        <m:r>
+                          <a:rPr lang="en-US" altLang="ja-JP" sz="2000" b="0" i="1" dirty="0" smtClean="0">
+                            <a:latin typeface="Cambria Math" panose="02040503050406030204" pitchFamily="18" charset="0"/>
+                          </a:rPr>
+                          <m:t>𝑝</m:t>
+                        </m:r>
+                        <m:r>
+                          <a:rPr lang="en-US" altLang="ja-JP" sz="2000" b="0" i="1" dirty="0" smtClean="0">
+                            <a:latin typeface="Cambria Math" panose="02040503050406030204" pitchFamily="18" charset="0"/>
+                          </a:rPr>
+                          <m:t>,</m:t>
+                        </m:r>
+                        <m:r>
+                          <a:rPr lang="en-US" altLang="ja-JP" sz="2000" b="0" i="1" dirty="0" smtClean="0">
+                            <a:latin typeface="Cambria Math" panose="02040503050406030204" pitchFamily="18" charset="0"/>
+                          </a:rPr>
+                          <m:t>𝑡</m:t>
+                        </m:r>
+                        <m:r>
+                          <a:rPr lang="en-US" altLang="ja-JP" sz="2000" b="0" i="1" dirty="0" smtClean="0">
+                            <a:latin typeface="Cambria Math" panose="02040503050406030204" pitchFamily="18" charset="0"/>
+                          </a:rPr>
+                          <m:t>+</m:t>
+                        </m:r>
+                        <m:r>
+                          <a:rPr lang="en-US" altLang="ja-JP" sz="2000" b="0" i="1" dirty="0" smtClean="0">
+                            <a:latin typeface="Cambria Math" panose="02040503050406030204" pitchFamily="18" charset="0"/>
+                          </a:rPr>
+                          <m:t>𝑖</m:t>
+                        </m:r>
+                      </m:sub>
+                    </m:sSub>
+                    <m:r>
+                      <a:rPr lang="en-US" altLang="ja-JP" sz="2000" b="0" i="1" dirty="0" smtClean="0">
+                        <a:latin typeface="Cambria Math" panose="02040503050406030204" pitchFamily="18" charset="0"/>
+                      </a:rPr>
+                      <m:t>=</m:t>
+                    </m:r>
+                    <m:func>
+                      <m:funcPr>
+                        <m:ctrlPr>
+                          <a:rPr lang="en-US" altLang="ja-JP" sz="2000" b="0" i="1" dirty="0" smtClean="0">
+                            <a:latin typeface="Cambria Math" panose="02040503050406030204" pitchFamily="18" charset="0"/>
+                          </a:rPr>
+                        </m:ctrlPr>
+                      </m:funcPr>
+                      <m:fName>
+                        <m:r>
+                          <m:rPr>
+                            <m:sty m:val="p"/>
+                          </m:rPr>
+                          <a:rPr lang="en-US" altLang="ja-JP" sz="2000" b="0" i="0" dirty="0" smtClean="0">
+                            <a:latin typeface="Cambria Math" panose="02040503050406030204" pitchFamily="18" charset="0"/>
+                          </a:rPr>
+                          <m:t>ln</m:t>
+                        </m:r>
+                      </m:fName>
+                      <m:e>
+                        <m:r>
+                          <a:rPr lang="en-US" altLang="ja-JP" sz="2000" b="0" i="1" dirty="0" smtClean="0">
+                            <a:latin typeface="Cambria Math" panose="02040503050406030204" pitchFamily="18" charset="0"/>
+                          </a:rPr>
+                          <m:t>(1+</m:t>
+                        </m:r>
+                        <m:sSub>
+                          <m:sSubPr>
+                            <m:ctrlPr>
+                              <a:rPr lang="en-US" altLang="ja-JP" sz="2000" b="0" i="1" dirty="0" smtClean="0">
+                                <a:latin typeface="Cambria Math" panose="02040503050406030204" pitchFamily="18" charset="0"/>
+                              </a:rPr>
+                            </m:ctrlPr>
+                          </m:sSubPr>
+                          <m:e>
+                            <m:acc>
+                              <m:accPr>
+                                <m:chr m:val="̃"/>
+                                <m:ctrlPr>
+                                  <a:rPr lang="en-US" altLang="ja-JP" sz="2000" b="0" i="1" dirty="0" smtClean="0">
+                                    <a:latin typeface="Cambria Math" panose="02040503050406030204" pitchFamily="18" charset="0"/>
+                                  </a:rPr>
+                                </m:ctrlPr>
+                              </m:accPr>
+                              <m:e>
+                                <m:r>
+                                  <a:rPr lang="en-US" altLang="ja-JP" sz="2000" b="0" i="1" dirty="0" smtClean="0">
+                                    <a:latin typeface="Cambria Math" panose="02040503050406030204" pitchFamily="18" charset="0"/>
+                                  </a:rPr>
+                                  <m:t>𝑅</m:t>
+                                </m:r>
+                              </m:e>
+                            </m:acc>
+                          </m:e>
+                          <m:sub>
+                            <m:r>
+                              <a:rPr lang="en-US" altLang="ja-JP" sz="2000" b="0" i="1" dirty="0" smtClean="0">
+                                <a:latin typeface="Cambria Math" panose="02040503050406030204" pitchFamily="18" charset="0"/>
+                              </a:rPr>
+                              <m:t>𝑝</m:t>
+                            </m:r>
+                            <m:r>
+                              <a:rPr lang="en-US" altLang="ja-JP" sz="2000" b="0" i="1" dirty="0" smtClean="0">
+                                <a:latin typeface="Cambria Math" panose="02040503050406030204" pitchFamily="18" charset="0"/>
+                              </a:rPr>
+                              <m:t>,</m:t>
+                            </m:r>
+                            <m:r>
+                              <a:rPr lang="en-US" altLang="ja-JP" sz="2000" b="0" i="1" dirty="0" smtClean="0">
+                                <a:latin typeface="Cambria Math" panose="02040503050406030204" pitchFamily="18" charset="0"/>
+                              </a:rPr>
+                              <m:t>𝑡</m:t>
+                            </m:r>
+                            <m:r>
+                              <a:rPr lang="en-US" altLang="ja-JP" sz="2000" b="0" i="1" dirty="0" smtClean="0">
+                                <a:latin typeface="Cambria Math" panose="02040503050406030204" pitchFamily="18" charset="0"/>
+                              </a:rPr>
+                              <m:t>+</m:t>
+                            </m:r>
+                            <m:r>
+                              <a:rPr lang="en-US" altLang="ja-JP" sz="2000" b="0" i="1" dirty="0" smtClean="0">
+                                <a:latin typeface="Cambria Math" panose="02040503050406030204" pitchFamily="18" charset="0"/>
+                              </a:rPr>
+                              <m:t>𝑖</m:t>
+                            </m:r>
+                          </m:sub>
+                        </m:sSub>
+                        <m:r>
+                          <a:rPr lang="en-US" altLang="ja-JP" sz="2000" b="0" i="1" dirty="0" smtClean="0">
+                            <a:latin typeface="Cambria Math" panose="02040503050406030204" pitchFamily="18" charset="0"/>
+                          </a:rPr>
+                          <m:t>)</m:t>
+                        </m:r>
+                      </m:e>
+                    </m:func>
+                  </m:oMath>
+                </a14:m>
+                <a:r>
+                  <a:rPr lang="ja-JP" altLang="en-US" sz="2000" dirty="0"/>
+                  <a:t>とする。</a:t>
+                </a:r>
+                <a:endParaRPr lang="en-US" altLang="ja-JP" sz="2000" dirty="0"/>
+              </a:p>
+              <a:p>
+                <a:pPr marL="0" indent="0">
+                  <a:buNone/>
+                </a:pPr>
+                <a:r>
+                  <a:rPr lang="ja-JP" altLang="en-US" sz="2000" dirty="0"/>
+                  <a:t>上式より、対数型効用を持つ投資家であれば、各期の連続複利収益率が最大になるようにポートフォリオを組めばよく、リスクを明示的に扱わなくてよいことがわかる。</a:t>
+                </a:r>
+                <a:br>
+                  <a:rPr lang="en-US" altLang="ja-JP" sz="2000" dirty="0"/>
+                </a:br>
+                <a:r>
+                  <a:rPr lang="ja-JP" altLang="en-US" sz="2000" dirty="0"/>
+                  <a:t>このような投資戦略を、投資理論では、</a:t>
+                </a:r>
+                <a:r>
+                  <a:rPr lang="ja-JP" altLang="en-US" sz="2000" b="1" dirty="0"/>
+                  <a:t>成長ポートフォリオ投資（</a:t>
+                </a:r>
+                <a:r>
+                  <a:rPr lang="en-US" altLang="ja-JP" sz="2000" b="1" dirty="0"/>
+                  <a:t>Growth Portfolio Investment</a:t>
+                </a:r>
+                <a:r>
+                  <a:rPr lang="ja-JP" altLang="en-US" sz="2000" b="1" dirty="0"/>
+                  <a:t>）</a:t>
+                </a:r>
+                <a:r>
+                  <a:rPr lang="ja-JP" altLang="en-US" sz="2000" dirty="0"/>
+                  <a:t>と呼ぶらしい。</a:t>
+                </a:r>
+                <a:br>
+                  <a:rPr lang="en-US" altLang="ja-JP" sz="2000" dirty="0"/>
+                </a:br>
+                <a:r>
+                  <a:rPr lang="en-US" altLang="ja-JP" sz="1600" dirty="0"/>
+                  <a:t>※</a:t>
+                </a:r>
+                <a:r>
+                  <a:rPr lang="ja-JP" altLang="en-US" sz="1600" dirty="0"/>
+                  <a:t>本には上記の名前で載ってるけど、調べた感じ</a:t>
+                </a:r>
+                <a:r>
+                  <a:rPr lang="en-US" altLang="ja-JP" sz="1600" dirty="0"/>
+                  <a:t>Growth-optimal Portfolio</a:t>
+                </a:r>
+                <a:r>
+                  <a:rPr lang="ja-JP" altLang="en-US" sz="1600" dirty="0"/>
+                  <a:t>と呼ばれるほうが多いみたい</a:t>
+                </a:r>
+                <a:br>
+                  <a:rPr lang="en-US" altLang="ja-JP" sz="1600" dirty="0"/>
+                </a:br>
+                <a:r>
+                  <a:rPr lang="ja-JP" altLang="en-US" sz="1600" dirty="0"/>
+                  <a:t>　</a:t>
+                </a:r>
+                <a:r>
+                  <a:rPr lang="en-US" altLang="ja-JP" sz="2000" dirty="0">
+                    <a:hlinkClick r:id="rId2"/>
+                  </a:rPr>
+                  <a:t> </a:t>
+                </a:r>
+                <a:r>
+                  <a:rPr lang="en-US" altLang="ja-JP" sz="1600" dirty="0">
+                    <a:hlinkClick r:id="rId2"/>
+                  </a:rPr>
+                  <a:t>Robust Growth-Optimal Portfolios on JSTOR</a:t>
+                </a:r>
+                <a:endParaRPr lang="en-US" altLang="ja-JP" sz="2000" dirty="0"/>
+              </a:p>
+            </p:txBody>
+          </p:sp>
+        </mc:Choice>
+        <mc:Fallback>
+          <p:sp>
+            <p:nvSpPr>
+              <p:cNvPr id="3" name="コンテンツ プレースホルダー 2">
+                <a:extLst>
+                  <a:ext uri="{FF2B5EF4-FFF2-40B4-BE49-F238E27FC236}">
+                    <a16:creationId xmlns:a16="http://schemas.microsoft.com/office/drawing/2014/main" id="{78F348FA-3B13-1789-1CB8-C5232343E64E}"/>
+                  </a:ext>
+                </a:extLst>
+              </p:cNvPr>
+              <p:cNvSpPr>
+                <a:spLocks noGrp="1" noRot="1" noChangeAspect="1" noMove="1" noResize="1" noEditPoints="1" noAdjustHandles="1" noChangeArrowheads="1" noChangeShapeType="1" noTextEdit="1"/>
+              </p:cNvSpPr>
+              <p:nvPr>
+                <p:ph idx="1"/>
+              </p:nvPr>
+            </p:nvSpPr>
+            <p:spPr>
+              <a:xfrm>
+                <a:off x="838200" y="1065476"/>
+                <a:ext cx="10515600" cy="5111487"/>
+              </a:xfrm>
+              <a:blipFill>
+                <a:blip r:embed="rId3"/>
+                <a:stretch>
+                  <a:fillRect l="-638" t="-1193"/>
+                </a:stretch>
+              </a:blipFill>
+            </p:spPr>
+            <p:txBody>
+              <a:bodyPr/>
+              <a:lstStyle/>
+              <a:p>
+                <a:r>
+                  <a:rPr lang="ja-JP" altLang="en-US">
+                    <a:noFill/>
+                  </a:rPr>
+                  <a:t> </a:t>
+                </a:r>
+              </a:p>
+            </p:txBody>
+          </p:sp>
+        </mc:Fallback>
+      </mc:AlternateContent>
+    </p:spTree>
+    <p:extLst>
+      <p:ext uri="{BB962C8B-B14F-4D97-AF65-F5344CB8AC3E}">
+        <p14:creationId xmlns:p14="http://schemas.microsoft.com/office/powerpoint/2010/main" val="1763061984"/>
+      </p:ext>
+    </p:extLst>
+  </p:cSld>
+  <p:clrMapOvr>
+    <a:masterClrMapping/>
+  </p:clrMapOvr>
+</p:sld>
+</file>
+
+<file path=ppt/slides/slide16.xml><?xml version="1.0" encoding="utf-8"?>
+<p:sld xmlns:a="http://schemas.openxmlformats.org/drawingml/2006/main" xmlns:r="http://schemas.openxmlformats.org/officeDocument/2006/relationships" xmlns:p="http://schemas.openxmlformats.org/presentationml/2006/main">
+  <p:cSld>
+    <p:spTree>
+      <p:nvGrpSpPr>
+        <p:cNvPr id="1" name="">
+          <a:extLst>
+            <a:ext uri="{FF2B5EF4-FFF2-40B4-BE49-F238E27FC236}">
+              <a16:creationId xmlns:a16="http://schemas.microsoft.com/office/drawing/2014/main" id="{803F3E8B-9E33-E9C2-1565-115CBF9FD740}"/>
+            </a:ext>
+          </a:extLst>
+        </p:cNvPr>
+        <p:cNvGrpSpPr/>
+        <p:nvPr/>
+      </p:nvGrpSpPr>
+      <p:grpSpPr>
+        <a:xfrm>
+          <a:off x="0" y="0"/>
+          <a:ext cx="0" cy="0"/>
+          <a:chOff x="0" y="0"/>
+          <a:chExt cx="0" cy="0"/>
+        </a:xfrm>
+      </p:grpSpPr>
+      <p:sp>
+        <p:nvSpPr>
+          <p:cNvPr id="2" name="タイトル 1">
+            <a:extLst>
+              <a:ext uri="{FF2B5EF4-FFF2-40B4-BE49-F238E27FC236}">
+                <a16:creationId xmlns:a16="http://schemas.microsoft.com/office/drawing/2014/main" id="{68FA0A5D-66D9-44CD-25EB-3FE64B1D67F9}"/>
+              </a:ext>
+            </a:extLst>
+          </p:cNvPr>
+          <p:cNvSpPr>
+            <a:spLocks noGrp="1"/>
+          </p:cNvSpPr>
+          <p:nvPr>
+            <p:ph type="title"/>
+          </p:nvPr>
+        </p:nvSpPr>
+        <p:spPr>
+          <a:xfrm>
+            <a:off x="838200" y="365126"/>
+            <a:ext cx="10515600" cy="700350"/>
+          </a:xfrm>
+        </p:spPr>
+        <p:txBody>
+          <a:bodyPr>
+            <a:normAutofit/>
+          </a:bodyPr>
+          <a:lstStyle/>
+          <a:p>
+            <a:r>
+              <a:rPr lang="en-US" altLang="ja-JP" sz="2800" dirty="0"/>
+              <a:t>§3.1</a:t>
+            </a:r>
+            <a:r>
+              <a:rPr lang="ja-JP" altLang="en-US" sz="2800" dirty="0"/>
+              <a:t>　</a:t>
+            </a:r>
+            <a:r>
+              <a:rPr lang="en-US" altLang="ja-JP" sz="2800" dirty="0"/>
+              <a:t>Samuelson</a:t>
+            </a:r>
+            <a:r>
+              <a:rPr lang="ja-JP" altLang="en-US" sz="2800" dirty="0"/>
+              <a:t>と</a:t>
+            </a:r>
+            <a:r>
+              <a:rPr lang="en-US" altLang="ja-JP" sz="2800" dirty="0"/>
+              <a:t>Merton</a:t>
+            </a:r>
+            <a:r>
+              <a:rPr lang="ja-JP" altLang="en-US" sz="2800" dirty="0"/>
+              <a:t>の先駆的考察</a:t>
+            </a:r>
+            <a:endParaRPr kumimoji="1" lang="ja-JP" altLang="en-US" sz="2800" dirty="0"/>
+          </a:p>
+        </p:txBody>
+      </p:sp>
+      <p:sp>
+        <p:nvSpPr>
+          <p:cNvPr id="3" name="コンテンツ プレースホルダー 2">
+            <a:extLst>
+              <a:ext uri="{FF2B5EF4-FFF2-40B4-BE49-F238E27FC236}">
+                <a16:creationId xmlns:a16="http://schemas.microsoft.com/office/drawing/2014/main" id="{E95B9FE3-BEA6-A748-B0AA-07799D18D314}"/>
+              </a:ext>
+            </a:extLst>
+          </p:cNvPr>
+          <p:cNvSpPr>
+            <a:spLocks noGrp="1"/>
+          </p:cNvSpPr>
+          <p:nvPr>
+            <p:ph idx="1"/>
+          </p:nvPr>
+        </p:nvSpPr>
+        <p:spPr>
+          <a:xfrm>
+            <a:off x="838200" y="1065476"/>
+            <a:ext cx="10515600" cy="5111487"/>
+          </a:xfrm>
+        </p:spPr>
+        <p:txBody>
+          <a:bodyPr>
+            <a:normAutofit/>
+          </a:bodyPr>
+          <a:lstStyle/>
+          <a:p>
+            <a:pPr marL="0" indent="0">
+              <a:buNone/>
+            </a:pPr>
+            <a:r>
+              <a:rPr lang="en-US" altLang="ja-JP" sz="2000" dirty="0"/>
+              <a:t>【Samuelson</a:t>
+            </a:r>
+            <a:r>
+              <a:rPr lang="ja-JP" altLang="en-US" sz="2000" dirty="0"/>
+              <a:t>と</a:t>
+            </a:r>
+            <a:r>
+              <a:rPr lang="en-US" altLang="ja-JP" sz="2000" dirty="0"/>
+              <a:t>Merton</a:t>
+            </a:r>
+            <a:r>
+              <a:rPr lang="ja-JP" altLang="en-US" sz="2000" dirty="0"/>
+              <a:t>の分析が持つ含意</a:t>
+            </a:r>
+            <a:r>
+              <a:rPr lang="en-US" altLang="ja-JP" sz="2000" dirty="0"/>
+              <a:t>】</a:t>
+            </a:r>
+          </a:p>
+          <a:p>
+            <a:pPr marL="0" indent="0">
+              <a:buNone/>
+            </a:pPr>
+            <a:r>
+              <a:rPr lang="en-US" altLang="ja-JP" sz="2000" dirty="0"/>
+              <a:t>Samuelson</a:t>
+            </a:r>
+            <a:r>
+              <a:rPr lang="ja-JP" altLang="en-US" sz="2000" dirty="0"/>
+              <a:t>と</a:t>
+            </a:r>
+            <a:r>
+              <a:rPr lang="en-US" altLang="ja-JP" sz="2000" dirty="0"/>
+              <a:t>Merton</a:t>
+            </a:r>
+            <a:r>
+              <a:rPr lang="ja-JP" altLang="en-US" sz="2000" dirty="0"/>
+              <a:t>はある十分条件の下では多期間の最適戦略が近視眼的投資となるとした。</a:t>
+            </a:r>
+            <a:endParaRPr lang="en-US" altLang="ja-JP" sz="2000" dirty="0"/>
+          </a:p>
+          <a:p>
+            <a:pPr marL="0" indent="0">
+              <a:buNone/>
+            </a:pPr>
+            <a:r>
+              <a:rPr lang="ja-JP" altLang="en-US" sz="2000" dirty="0"/>
+              <a:t>この十分条件においては、両者とも効用関数が</a:t>
+            </a:r>
+            <a:r>
+              <a:rPr lang="en-US" altLang="ja-JP" sz="2000" dirty="0"/>
+              <a:t>CRRA</a:t>
+            </a:r>
+            <a:r>
+              <a:rPr lang="ja-JP" altLang="en-US" sz="2000" dirty="0"/>
+              <a:t>型である。</a:t>
+            </a:r>
+            <a:endParaRPr lang="en-US" altLang="ja-JP" sz="2000" dirty="0"/>
+          </a:p>
+          <a:p>
+            <a:pPr marL="0" indent="0">
+              <a:buNone/>
+            </a:pPr>
+            <a:r>
+              <a:rPr lang="ja-JP" altLang="en-US" sz="2000" dirty="0"/>
+              <a:t>そのため、すべての期間において同一の投資比率に保つことが期待効用を最大化する最適な投資行動となる。</a:t>
+            </a:r>
+            <a:endParaRPr lang="en-US" altLang="ja-JP" sz="2000" dirty="0"/>
+          </a:p>
+          <a:p>
+            <a:pPr marL="0" indent="0">
+              <a:buNone/>
+            </a:pPr>
+            <a:r>
+              <a:rPr lang="ja-JP" altLang="en-US" sz="2000" dirty="0"/>
+              <a:t>これは現実を単純化した結果であるものの、いくつか示唆に富んだ含意を有する。</a:t>
+            </a:r>
+            <a:endParaRPr lang="en-US" altLang="ja-JP" sz="2000" dirty="0"/>
+          </a:p>
+          <a:p>
+            <a:pPr marL="0" indent="0">
+              <a:buNone/>
+            </a:pPr>
+            <a:r>
+              <a:rPr lang="ja-JP" altLang="en-US" sz="2000" dirty="0"/>
+              <a:t>・人的資本</a:t>
+            </a:r>
+            <a:endParaRPr lang="en-US" altLang="ja-JP" sz="2000" dirty="0"/>
+          </a:p>
+          <a:p>
+            <a:pPr marL="0" indent="0">
+              <a:buNone/>
+            </a:pPr>
+            <a:r>
+              <a:rPr lang="ja-JP" altLang="en-US" sz="2000" dirty="0"/>
+              <a:t>・支出（富の減少）</a:t>
+            </a:r>
+            <a:endParaRPr lang="en-US" altLang="ja-JP" sz="2000" dirty="0"/>
+          </a:p>
+          <a:p>
+            <a:pPr marL="0" indent="0">
+              <a:buNone/>
+            </a:pPr>
+            <a:endParaRPr lang="en-US" altLang="ja-JP" sz="2000" dirty="0"/>
+          </a:p>
+          <a:p>
+            <a:pPr marL="0" indent="0">
+              <a:buNone/>
+            </a:pPr>
+            <a:endParaRPr lang="en-US" altLang="ja-JP" sz="2000" dirty="0"/>
+          </a:p>
+          <a:p>
+            <a:pPr marL="0" indent="0">
+              <a:buNone/>
+            </a:pPr>
+            <a:endParaRPr lang="en-US" altLang="ja-JP" sz="2000" dirty="0"/>
+          </a:p>
+          <a:p>
+            <a:pPr marL="0" indent="0">
+              <a:buNone/>
+            </a:pPr>
+            <a:r>
+              <a:rPr lang="ja-JP" altLang="en-US" sz="2000" dirty="0"/>
+              <a:t>詳しくは第</a:t>
+            </a:r>
+            <a:r>
+              <a:rPr lang="en-US" altLang="ja-JP" sz="2000" dirty="0"/>
+              <a:t>4</a:t>
+            </a:r>
+            <a:r>
+              <a:rPr lang="ja-JP" altLang="en-US" sz="2000" dirty="0"/>
+              <a:t>章に譲る</a:t>
+            </a:r>
+            <a:endParaRPr lang="en-US" altLang="ja-JP" sz="2000" dirty="0"/>
+          </a:p>
+        </p:txBody>
+      </p:sp>
+    </p:spTree>
+    <p:extLst>
+      <p:ext uri="{BB962C8B-B14F-4D97-AF65-F5344CB8AC3E}">
+        <p14:creationId xmlns:p14="http://schemas.microsoft.com/office/powerpoint/2010/main" val="3243535642"/>
+      </p:ext>
+    </p:extLst>
+  </p:cSld>
+  <p:clrMapOvr>
+    <a:masterClrMapping/>
+  </p:clrMapOvr>
+</p:sld>
+</file>
+
+<file path=ppt/slides/slide17.xml><?xml version="1.0" encoding="utf-8"?>
+<p:sld xmlns:a="http://schemas.openxmlformats.org/drawingml/2006/main" xmlns:r="http://schemas.openxmlformats.org/officeDocument/2006/relationships" xmlns:p="http://schemas.openxmlformats.org/presentationml/2006/main">
+  <p:cSld>
+    <p:spTree>
+      <p:nvGrpSpPr>
+        <p:cNvPr id="1" name="">
+          <a:extLst>
+            <a:ext uri="{FF2B5EF4-FFF2-40B4-BE49-F238E27FC236}">
+              <a16:creationId xmlns:a16="http://schemas.microsoft.com/office/drawing/2014/main" id="{7E4DB188-7040-D076-5DDD-2E5F04C10742}"/>
+            </a:ext>
+          </a:extLst>
+        </p:cNvPr>
+        <p:cNvGrpSpPr/>
+        <p:nvPr/>
+      </p:nvGrpSpPr>
+      <p:grpSpPr>
+        <a:xfrm>
+          <a:off x="0" y="0"/>
+          <a:ext cx="0" cy="0"/>
+          <a:chOff x="0" y="0"/>
+          <a:chExt cx="0" cy="0"/>
+        </a:xfrm>
+      </p:grpSpPr>
+      <p:sp>
+        <p:nvSpPr>
+          <p:cNvPr id="2" name="タイトル 1">
+            <a:extLst>
+              <a:ext uri="{FF2B5EF4-FFF2-40B4-BE49-F238E27FC236}">
+                <a16:creationId xmlns:a16="http://schemas.microsoft.com/office/drawing/2014/main" id="{98D30E5D-81FA-CD36-7DA3-617615916DCB}"/>
+              </a:ext>
+            </a:extLst>
+          </p:cNvPr>
+          <p:cNvSpPr>
+            <a:spLocks noGrp="1"/>
+          </p:cNvSpPr>
+          <p:nvPr>
+            <p:ph type="title"/>
+          </p:nvPr>
+        </p:nvSpPr>
+        <p:spPr>
+          <a:xfrm>
+            <a:off x="838200" y="365126"/>
+            <a:ext cx="10515600" cy="700350"/>
+          </a:xfrm>
+        </p:spPr>
+        <p:txBody>
+          <a:bodyPr>
+            <a:normAutofit/>
+          </a:bodyPr>
+          <a:lstStyle/>
+          <a:p>
+            <a:r>
+              <a:rPr lang="en-US" altLang="ja-JP" sz="2800" dirty="0"/>
+              <a:t>§3.2</a:t>
+            </a:r>
+            <a:r>
+              <a:rPr lang="ja-JP" altLang="en-US" sz="2800" dirty="0"/>
+              <a:t>　多期間モデルで新たに考察すべき２つの問題</a:t>
+            </a:r>
+            <a:endParaRPr kumimoji="1" lang="ja-JP" altLang="en-US" sz="2800" dirty="0"/>
+          </a:p>
+        </p:txBody>
+      </p:sp>
+      <p:sp>
+        <p:nvSpPr>
+          <p:cNvPr id="3" name="コンテンツ プレースホルダー 2">
+            <a:extLst>
+              <a:ext uri="{FF2B5EF4-FFF2-40B4-BE49-F238E27FC236}">
+                <a16:creationId xmlns:a16="http://schemas.microsoft.com/office/drawing/2014/main" id="{54BD7DBB-6E5B-EFEE-490F-384A4B1314A1}"/>
+              </a:ext>
+            </a:extLst>
+          </p:cNvPr>
+          <p:cNvSpPr>
+            <a:spLocks noGrp="1"/>
+          </p:cNvSpPr>
+          <p:nvPr>
+            <p:ph idx="1"/>
+          </p:nvPr>
+        </p:nvSpPr>
+        <p:spPr>
+          <a:xfrm>
+            <a:off x="838200" y="1065476"/>
+            <a:ext cx="10515600" cy="5111487"/>
+          </a:xfrm>
+        </p:spPr>
+        <p:txBody>
+          <a:bodyPr>
+            <a:normAutofit/>
+          </a:bodyPr>
+          <a:lstStyle/>
+          <a:p>
+            <a:pPr marL="0" indent="0">
+              <a:buNone/>
+            </a:pPr>
+            <a:r>
+              <a:rPr lang="en-US" altLang="ja-JP" sz="2000" dirty="0"/>
+              <a:t>【</a:t>
+            </a:r>
+            <a:r>
+              <a:rPr lang="ja-JP" altLang="en-US" sz="2000" dirty="0"/>
+              <a:t>第１の問題：２種類のリスク</a:t>
+            </a:r>
+            <a:r>
+              <a:rPr lang="en-US" altLang="ja-JP" sz="2000" dirty="0"/>
+              <a:t>】</a:t>
+            </a:r>
+            <a:r>
+              <a:rPr lang="ja-JP" altLang="en-US" sz="2000" dirty="0"/>
+              <a:t>⇒４節・５節</a:t>
+            </a:r>
+            <a:endParaRPr lang="en-US" altLang="ja-JP" sz="2000" dirty="0"/>
+          </a:p>
+          <a:p>
+            <a:pPr marL="0" indent="0">
+              <a:buNone/>
+            </a:pPr>
+            <a:r>
+              <a:rPr lang="ja-JP" altLang="en-US" sz="2000" dirty="0"/>
+              <a:t>（</a:t>
+            </a:r>
+            <a:r>
+              <a:rPr lang="en-US" altLang="ja-JP" sz="2000" dirty="0"/>
+              <a:t>1</a:t>
+            </a:r>
+            <a:r>
+              <a:rPr lang="ja-JP" altLang="en-US" sz="2000" dirty="0"/>
+              <a:t>）同一の期間における、異なる状態間での消費水準の変動リスク</a:t>
+            </a:r>
+            <a:endParaRPr lang="en-US" altLang="ja-JP" sz="2000" dirty="0"/>
+          </a:p>
+          <a:p>
+            <a:pPr marL="0" indent="0">
+              <a:buNone/>
+            </a:pPr>
+            <a:r>
+              <a:rPr lang="ja-JP" altLang="en-US" sz="2000" dirty="0"/>
+              <a:t>（</a:t>
+            </a:r>
+            <a:r>
+              <a:rPr lang="en-US" altLang="ja-JP" sz="2000" dirty="0"/>
+              <a:t>2</a:t>
+            </a:r>
+            <a:r>
+              <a:rPr lang="ja-JP" altLang="en-US" sz="2000" dirty="0"/>
+              <a:t>）将来の異なる時点において、消費水準が変動するリスク</a:t>
+            </a:r>
+            <a:endParaRPr lang="en-US" altLang="ja-JP" sz="2000" dirty="0"/>
+          </a:p>
+          <a:p>
+            <a:pPr marL="0" indent="0">
+              <a:buNone/>
+            </a:pPr>
+            <a:r>
+              <a:rPr lang="ja-JP" altLang="en-US" sz="2000" dirty="0"/>
+              <a:t>無リスク資産のみの運用を考えた場合、（</a:t>
+            </a:r>
+            <a:r>
+              <a:rPr lang="en-US" altLang="ja-JP" sz="2000" dirty="0"/>
+              <a:t>1</a:t>
+            </a:r>
+            <a:r>
+              <a:rPr lang="ja-JP" altLang="en-US" sz="2000" dirty="0"/>
+              <a:t>）のリスクはなくなるが、将来の無リスク利子率が変動するので、（</a:t>
+            </a:r>
+            <a:r>
+              <a:rPr lang="en-US" altLang="ja-JP" sz="2000" dirty="0"/>
+              <a:t>2</a:t>
+            </a:r>
+            <a:r>
+              <a:rPr lang="ja-JP" altLang="en-US" sz="2000" dirty="0"/>
+              <a:t>）のリスクは残る。</a:t>
+            </a:r>
+            <a:endParaRPr lang="en-US" altLang="ja-JP" sz="2000" dirty="0"/>
+          </a:p>
+          <a:p>
+            <a:pPr marL="0" indent="0">
+              <a:buNone/>
+            </a:pPr>
+            <a:endParaRPr lang="en-US" altLang="ja-JP" sz="2000" dirty="0"/>
+          </a:p>
+          <a:p>
+            <a:pPr marL="0" indent="0">
+              <a:buNone/>
+            </a:pPr>
+            <a:r>
+              <a:rPr lang="en-US" altLang="ja-JP" sz="2000" dirty="0"/>
+              <a:t>【</a:t>
+            </a:r>
+            <a:r>
+              <a:rPr lang="ja-JP" altLang="en-US" sz="2000" dirty="0"/>
+              <a:t>第２の問題：変化する投資機会集合</a:t>
+            </a:r>
+            <a:r>
+              <a:rPr lang="en-US" altLang="ja-JP" sz="2000" dirty="0"/>
+              <a:t>】</a:t>
+            </a:r>
+            <a:r>
+              <a:rPr lang="ja-JP" altLang="en-US" sz="2000" dirty="0"/>
+              <a:t>⇒６節</a:t>
+            </a:r>
+            <a:endParaRPr lang="en-US" altLang="ja-JP" sz="2000" dirty="0"/>
+          </a:p>
+          <a:p>
+            <a:pPr marL="0" indent="0">
+              <a:buNone/>
+            </a:pPr>
+            <a:r>
+              <a:rPr lang="ja-JP" altLang="en-US" sz="2000" dirty="0"/>
+              <a:t>（</a:t>
+            </a:r>
+            <a:r>
+              <a:rPr lang="en-US" altLang="ja-JP" sz="2000" dirty="0"/>
+              <a:t>a</a:t>
+            </a:r>
+            <a:r>
+              <a:rPr lang="ja-JP" altLang="en-US" sz="2000" dirty="0"/>
+              <a:t>）無リスク利子率と期間構造が長期において変化してしまう</a:t>
+            </a:r>
+            <a:endParaRPr lang="en-US" altLang="ja-JP" sz="2000" dirty="0"/>
+          </a:p>
+          <a:p>
+            <a:pPr marL="0" indent="0">
+              <a:buNone/>
+            </a:pPr>
+            <a:r>
+              <a:rPr lang="ja-JP" altLang="en-US" sz="2000" dirty="0"/>
+              <a:t>（</a:t>
+            </a:r>
+            <a:r>
+              <a:rPr lang="en-US" altLang="ja-JP" sz="2000" dirty="0"/>
+              <a:t>b</a:t>
+            </a:r>
+            <a:r>
+              <a:rPr lang="ja-JP" altLang="en-US" sz="2000" dirty="0"/>
+              <a:t>）リスク性資産の期待収益率を定めるリスク・プレミアムが変化する</a:t>
+            </a:r>
+            <a:endParaRPr lang="en-US" altLang="ja-JP" sz="2000" dirty="0"/>
+          </a:p>
+          <a:p>
+            <a:pPr marL="0" indent="0">
+              <a:buNone/>
+            </a:pPr>
+            <a:r>
+              <a:rPr lang="ja-JP" altLang="en-US" sz="2000" dirty="0"/>
+              <a:t>（</a:t>
+            </a:r>
+            <a:r>
+              <a:rPr lang="en-US" altLang="ja-JP" sz="2000" dirty="0"/>
+              <a:t>c</a:t>
+            </a:r>
+            <a:r>
+              <a:rPr lang="ja-JP" altLang="en-US" sz="2000" dirty="0"/>
+              <a:t>）リスク資産の価格が長期の計画運用期間において平均回帰的ないしは平均乖離的傾向を持つこと</a:t>
+            </a:r>
+            <a:endParaRPr lang="en-US" altLang="ja-JP" sz="2000" dirty="0"/>
+          </a:p>
+          <a:p>
+            <a:pPr marL="0" indent="0">
+              <a:buNone/>
+            </a:pPr>
+            <a:r>
+              <a:rPr lang="ja-JP" altLang="en-US" sz="2000" dirty="0"/>
+              <a:t>（</a:t>
+            </a:r>
+            <a:r>
+              <a:rPr lang="en-US" altLang="ja-JP" sz="2000" dirty="0"/>
+              <a:t>d</a:t>
+            </a:r>
+            <a:r>
+              <a:rPr lang="ja-JP" altLang="en-US" sz="2000" dirty="0"/>
+              <a:t>）インフレ</a:t>
+            </a:r>
+            <a:endParaRPr lang="en-US" altLang="ja-JP" sz="2000" dirty="0"/>
+          </a:p>
+        </p:txBody>
+      </p:sp>
+    </p:spTree>
+    <p:extLst>
+      <p:ext uri="{BB962C8B-B14F-4D97-AF65-F5344CB8AC3E}">
+        <p14:creationId xmlns:p14="http://schemas.microsoft.com/office/powerpoint/2010/main" val="1748696557"/>
+      </p:ext>
+    </p:extLst>
+  </p:cSld>
+  <p:clrMapOvr>
+    <a:masterClrMapping/>
+  </p:clrMapOvr>
+</p:sld>
+</file>
+
+<file path=ppt/slides/slide18.xml><?xml version="1.0" encoding="utf-8"?>
+<p:sld xmlns:a="http://schemas.openxmlformats.org/drawingml/2006/main" xmlns:r="http://schemas.openxmlformats.org/officeDocument/2006/relationships" xmlns:p="http://schemas.openxmlformats.org/presentationml/2006/main">
+  <p:cSld>
+    <p:spTree>
+      <p:nvGrpSpPr>
+        <p:cNvPr id="1" name="">
+          <a:extLst>
+            <a:ext uri="{FF2B5EF4-FFF2-40B4-BE49-F238E27FC236}">
+              <a16:creationId xmlns:a16="http://schemas.microsoft.com/office/drawing/2014/main" id="{620B6E23-F93B-055E-4DC2-CB255EAC7C9F}"/>
+            </a:ext>
+          </a:extLst>
+        </p:cNvPr>
+        <p:cNvGrpSpPr/>
+        <p:nvPr/>
+      </p:nvGrpSpPr>
+      <p:grpSpPr>
+        <a:xfrm>
+          <a:off x="0" y="0"/>
+          <a:ext cx="0" cy="0"/>
+          <a:chOff x="0" y="0"/>
+          <a:chExt cx="0" cy="0"/>
+        </a:xfrm>
+      </p:grpSpPr>
+      <p:sp>
+        <p:nvSpPr>
+          <p:cNvPr id="2" name="タイトル 1">
+            <a:extLst>
+              <a:ext uri="{FF2B5EF4-FFF2-40B4-BE49-F238E27FC236}">
+                <a16:creationId xmlns:a16="http://schemas.microsoft.com/office/drawing/2014/main" id="{8B63A819-018B-C281-5A90-BA79CA5A0402}"/>
+              </a:ext>
+            </a:extLst>
+          </p:cNvPr>
+          <p:cNvSpPr>
+            <a:spLocks noGrp="1"/>
+          </p:cNvSpPr>
+          <p:nvPr>
+            <p:ph type="title"/>
+          </p:nvPr>
+        </p:nvSpPr>
+        <p:spPr>
+          <a:xfrm>
+            <a:off x="838200" y="2480172"/>
+            <a:ext cx="10515600" cy="1325563"/>
+          </a:xfrm>
+        </p:spPr>
+        <p:txBody>
+          <a:bodyPr>
+            <a:normAutofit/>
+          </a:bodyPr>
+          <a:lstStyle/>
+          <a:p>
+            <a:pPr algn="ctr"/>
+            <a:r>
+              <a:rPr kumimoji="1" lang="ja-JP" altLang="en-US" sz="2400" dirty="0"/>
+              <a:t>第</a:t>
+            </a:r>
+            <a:r>
+              <a:rPr kumimoji="1" lang="en-US" altLang="ja-JP" sz="2400" dirty="0"/>
+              <a:t>4</a:t>
+            </a:r>
+            <a:r>
+              <a:rPr lang="ja-JP" altLang="en-US" sz="2400" dirty="0"/>
+              <a:t>節　２種類のリスク回避度を分断して表現できる効用関数の導入</a:t>
+            </a:r>
+            <a:endParaRPr kumimoji="1" lang="ja-JP" altLang="en-US" sz="2400" dirty="0"/>
+          </a:p>
+        </p:txBody>
+      </p:sp>
+    </p:spTree>
+    <p:extLst>
+      <p:ext uri="{BB962C8B-B14F-4D97-AF65-F5344CB8AC3E}">
+        <p14:creationId xmlns:p14="http://schemas.microsoft.com/office/powerpoint/2010/main" val="3479849253"/>
+      </p:ext>
+    </p:extLst>
+  </p:cSld>
+  <p:clrMapOvr>
+    <a:masterClrMapping/>
+  </p:clrMapOvr>
+</p:sld>
+</file>
+
+<file path=ppt/slides/slide19.xml><?xml version="1.0" encoding="utf-8"?>
+<p:sld xmlns:a="http://schemas.openxmlformats.org/drawingml/2006/main" xmlns:r="http://schemas.openxmlformats.org/officeDocument/2006/relationships" xmlns:p="http://schemas.openxmlformats.org/presentationml/2006/main">
+  <p:cSld>
+    <p:spTree>
+      <p:nvGrpSpPr>
+        <p:cNvPr id="1" name="">
+          <a:extLst>
+            <a:ext uri="{FF2B5EF4-FFF2-40B4-BE49-F238E27FC236}">
+              <a16:creationId xmlns:a16="http://schemas.microsoft.com/office/drawing/2014/main" id="{9C2B1DBD-BF53-D36D-AF15-56D28549992D}"/>
+            </a:ext>
+          </a:extLst>
+        </p:cNvPr>
+        <p:cNvGrpSpPr/>
+        <p:nvPr/>
+      </p:nvGrpSpPr>
+      <p:grpSpPr>
+        <a:xfrm>
+          <a:off x="0" y="0"/>
+          <a:ext cx="0" cy="0"/>
+          <a:chOff x="0" y="0"/>
+          <a:chExt cx="0" cy="0"/>
+        </a:xfrm>
+      </p:grpSpPr>
+      <p:sp>
+        <p:nvSpPr>
+          <p:cNvPr id="2" name="タイトル 1">
+            <a:extLst>
+              <a:ext uri="{FF2B5EF4-FFF2-40B4-BE49-F238E27FC236}">
+                <a16:creationId xmlns:a16="http://schemas.microsoft.com/office/drawing/2014/main" id="{12685C8C-7DAF-54DB-6324-49081A58CD55}"/>
+              </a:ext>
+            </a:extLst>
+          </p:cNvPr>
+          <p:cNvSpPr>
+            <a:spLocks noGrp="1"/>
+          </p:cNvSpPr>
+          <p:nvPr>
+            <p:ph type="title"/>
+          </p:nvPr>
+        </p:nvSpPr>
+        <p:spPr>
+          <a:xfrm>
+            <a:off x="838200" y="365126"/>
+            <a:ext cx="10515600" cy="700350"/>
+          </a:xfrm>
+        </p:spPr>
+        <p:txBody>
+          <a:bodyPr>
+            <a:normAutofit/>
+          </a:bodyPr>
+          <a:lstStyle/>
+          <a:p>
+            <a:r>
+              <a:rPr lang="en-US" altLang="ja-JP" sz="2800" dirty="0"/>
+              <a:t>§4.1</a:t>
+            </a:r>
+            <a:r>
+              <a:rPr lang="ja-JP" altLang="en-US" sz="2800" dirty="0"/>
+              <a:t>　期待効用関数の問題点をどう克服するか</a:t>
+            </a:r>
+            <a:endParaRPr kumimoji="1" lang="ja-JP" altLang="en-US" sz="2800" dirty="0"/>
+          </a:p>
+        </p:txBody>
+      </p:sp>
+      <mc:AlternateContent xmlns:mc="http://schemas.openxmlformats.org/markup-compatibility/2006">
+        <mc:Choice xmlns:a14="http://schemas.microsoft.com/office/drawing/2010/main" Requires="a14">
+          <p:sp>
+            <p:nvSpPr>
+              <p:cNvPr id="3" name="コンテンツ プレースホルダー 2">
+                <a:extLst>
+                  <a:ext uri="{FF2B5EF4-FFF2-40B4-BE49-F238E27FC236}">
+                    <a16:creationId xmlns:a16="http://schemas.microsoft.com/office/drawing/2014/main" id="{4B5B1BDF-9965-363A-AFE4-0400C6853CE0}"/>
+                  </a:ext>
+                </a:extLst>
+              </p:cNvPr>
+              <p:cNvSpPr>
+                <a:spLocks noGrp="1"/>
+              </p:cNvSpPr>
+              <p:nvPr>
+                <p:ph idx="1"/>
+              </p:nvPr>
+            </p:nvSpPr>
+            <p:spPr>
+              <a:xfrm>
+                <a:off x="838199" y="1065476"/>
+                <a:ext cx="10673443" cy="5111487"/>
+              </a:xfrm>
+            </p:spPr>
+            <p:txBody>
+              <a:bodyPr>
+                <a:normAutofit/>
+              </a:bodyPr>
+              <a:lstStyle/>
+              <a:p>
+                <a:pPr marL="0" indent="0">
+                  <a:buNone/>
+                </a:pPr>
+                <a:r>
+                  <a:rPr lang="ja-JP" altLang="en-US" sz="2000" dirty="0"/>
+                  <a:t>いま、ある投資家の生涯が２期間からなり、第</a:t>
+                </a:r>
+                <a:r>
+                  <a:rPr lang="en-US" altLang="ja-JP" sz="2000" dirty="0"/>
+                  <a:t>0</a:t>
+                </a:r>
+                <a:r>
+                  <a:rPr lang="ja-JP" altLang="en-US" sz="2000" dirty="0"/>
+                  <a:t>期の期初（時点</a:t>
+                </a:r>
+                <a:r>
+                  <a:rPr lang="en-US" altLang="ja-JP" sz="2000" dirty="0"/>
+                  <a:t>0</a:t>
+                </a:r>
+                <a:r>
+                  <a:rPr lang="ja-JP" altLang="en-US" sz="2000" dirty="0"/>
+                  <a:t>）と第</a:t>
+                </a:r>
+                <a:r>
+                  <a:rPr lang="en-US" altLang="ja-JP" sz="2000" dirty="0"/>
+                  <a:t>1</a:t>
+                </a:r>
+                <a:r>
+                  <a:rPr lang="ja-JP" altLang="en-US" sz="2000" dirty="0"/>
+                  <a:t>期の期初（時点</a:t>
+                </a:r>
+                <a:r>
+                  <a:rPr lang="en-US" altLang="ja-JP" sz="2000" dirty="0"/>
+                  <a:t>1</a:t>
+                </a:r>
+                <a:r>
+                  <a:rPr lang="ja-JP" altLang="en-US" sz="2000" dirty="0"/>
+                  <a:t>）の</a:t>
+                </a:r>
+                <a:r>
+                  <a:rPr lang="en-US" altLang="ja-JP" sz="2000" dirty="0"/>
+                  <a:t>2</a:t>
+                </a:r>
+                <a:r>
+                  <a:rPr lang="ja-JP" altLang="en-US" sz="2000" dirty="0"/>
+                  <a:t>時点で消費を行うとする。</a:t>
+                </a:r>
+                <a:r>
+                  <a:rPr lang="ja-JP" altLang="en-US" sz="2000" dirty="0">
+                    <a:solidFill>
+                      <a:srgbClr val="00B0F0"/>
+                    </a:solidFill>
+                  </a:rPr>
+                  <a:t>第</a:t>
+                </a:r>
+                <a:r>
+                  <a:rPr lang="en-US" altLang="ja-JP" sz="2000" dirty="0">
+                    <a:solidFill>
+                      <a:srgbClr val="00B0F0"/>
+                    </a:solidFill>
+                  </a:rPr>
+                  <a:t>0</a:t>
+                </a:r>
+                <a:r>
+                  <a:rPr lang="ja-JP" altLang="en-US" sz="2000" dirty="0">
+                    <a:solidFill>
+                      <a:srgbClr val="00B0F0"/>
+                    </a:solidFill>
+                  </a:rPr>
+                  <a:t>期での消費を確定値</a:t>
+                </a:r>
+                <a14:m>
+                  <m:oMath xmlns:m="http://schemas.openxmlformats.org/officeDocument/2006/math">
+                    <m:sSub>
+                      <m:sSubPr>
+                        <m:ctrlPr>
+                          <a:rPr lang="en-US" altLang="ja-JP" sz="2000" i="1" smtClean="0">
+                            <a:solidFill>
+                              <a:srgbClr val="00B0F0"/>
+                            </a:solidFill>
+                            <a:latin typeface="Cambria Math" panose="02040503050406030204" pitchFamily="18" charset="0"/>
+                          </a:rPr>
+                        </m:ctrlPr>
+                      </m:sSubPr>
+                      <m:e>
+                        <m:r>
+                          <a:rPr lang="en-US" altLang="ja-JP" sz="2000" b="0" i="1" smtClean="0">
+                            <a:solidFill>
+                              <a:srgbClr val="00B0F0"/>
+                            </a:solidFill>
+                            <a:latin typeface="Cambria Math" panose="02040503050406030204" pitchFamily="18" charset="0"/>
+                          </a:rPr>
+                          <m:t>𝐶</m:t>
+                        </m:r>
+                      </m:e>
+                      <m:sub>
+                        <m:r>
+                          <a:rPr lang="en-US" altLang="ja-JP" sz="2000" b="0" i="1" smtClean="0">
+                            <a:solidFill>
+                              <a:srgbClr val="00B0F0"/>
+                            </a:solidFill>
+                            <a:latin typeface="Cambria Math" panose="02040503050406030204" pitchFamily="18" charset="0"/>
+                          </a:rPr>
+                          <m:t>0</m:t>
+                        </m:r>
+                      </m:sub>
+                    </m:sSub>
+                  </m:oMath>
+                </a14:m>
+                <a:r>
+                  <a:rPr lang="ja-JP" altLang="en-US" sz="2000" dirty="0">
+                    <a:solidFill>
+                      <a:srgbClr val="00B0F0"/>
+                    </a:solidFill>
+                  </a:rPr>
+                  <a:t>、第</a:t>
+                </a:r>
+                <a:r>
+                  <a:rPr lang="en-US" altLang="ja-JP" sz="2000" dirty="0">
+                    <a:solidFill>
+                      <a:srgbClr val="00B0F0"/>
+                    </a:solidFill>
+                  </a:rPr>
+                  <a:t>1</a:t>
+                </a:r>
+                <a:r>
+                  <a:rPr lang="ja-JP" altLang="en-US" sz="2000" dirty="0">
+                    <a:solidFill>
+                      <a:srgbClr val="00B0F0"/>
+                    </a:solidFill>
+                  </a:rPr>
+                  <a:t>期での消費を確率変数</a:t>
+                </a:r>
+                <a14:m>
+                  <m:oMath xmlns:m="http://schemas.openxmlformats.org/officeDocument/2006/math">
+                    <m:sSub>
+                      <m:sSubPr>
+                        <m:ctrlPr>
+                          <a:rPr lang="en-US" altLang="ja-JP" sz="2000" i="1" dirty="0" smtClean="0">
+                            <a:solidFill>
+                              <a:srgbClr val="00B0F0"/>
+                            </a:solidFill>
+                            <a:latin typeface="Cambria Math" panose="02040503050406030204" pitchFamily="18" charset="0"/>
+                          </a:rPr>
+                        </m:ctrlPr>
+                      </m:sSubPr>
+                      <m:e>
+                        <m:acc>
+                          <m:accPr>
+                            <m:chr m:val="̃"/>
+                            <m:ctrlPr>
+                              <a:rPr lang="en-US" altLang="ja-JP" sz="2000" i="1" smtClean="0">
+                                <a:solidFill>
+                                  <a:srgbClr val="00B0F0"/>
+                                </a:solidFill>
+                                <a:latin typeface="Cambria Math" panose="02040503050406030204" pitchFamily="18" charset="0"/>
+                              </a:rPr>
+                            </m:ctrlPr>
+                          </m:accPr>
+                          <m:e>
+                            <m:r>
+                              <a:rPr lang="en-US" altLang="ja-JP" sz="2000" b="0" i="1" smtClean="0">
+                                <a:solidFill>
+                                  <a:srgbClr val="00B0F0"/>
+                                </a:solidFill>
+                                <a:latin typeface="Cambria Math" panose="02040503050406030204" pitchFamily="18" charset="0"/>
+                              </a:rPr>
+                              <m:t>𝐶</m:t>
+                            </m:r>
+                          </m:e>
+                        </m:acc>
+                      </m:e>
+                      <m:sub>
+                        <m:r>
+                          <a:rPr lang="en-US" altLang="ja-JP" sz="2000" b="0" i="1" dirty="0" smtClean="0">
+                            <a:solidFill>
+                              <a:srgbClr val="00B0F0"/>
+                            </a:solidFill>
+                            <a:latin typeface="Cambria Math" panose="02040503050406030204" pitchFamily="18" charset="0"/>
+                          </a:rPr>
+                          <m:t>1</m:t>
+                        </m:r>
+                      </m:sub>
+                    </m:sSub>
+                  </m:oMath>
+                </a14:m>
+                <a:r>
+                  <a:rPr lang="ja-JP" altLang="en-US" sz="2000" dirty="0"/>
+                  <a:t>とするとき、この投資家の</a:t>
+                </a:r>
+                <a:r>
+                  <a:rPr lang="en-US" altLang="ja-JP" sz="2000" dirty="0"/>
+                  <a:t>2</a:t>
+                </a:r>
+                <a:r>
+                  <a:rPr lang="ja-JP" altLang="en-US" sz="2000" dirty="0"/>
+                  <a:t>期通期での時点</a:t>
+                </a:r>
+                <a:r>
+                  <a:rPr lang="en-US" altLang="ja-JP" sz="2000" dirty="0"/>
+                  <a:t>0</a:t>
+                </a:r>
+                <a:r>
+                  <a:rPr lang="ja-JP" altLang="en-US" sz="2000" dirty="0"/>
+                  <a:t>における効用を、</a:t>
+                </a:r>
+                <a14:m>
+                  <m:oMath xmlns:m="http://schemas.openxmlformats.org/officeDocument/2006/math">
+                    <m:sSub>
+                      <m:sSubPr>
+                        <m:ctrlPr>
+                          <a:rPr lang="en-US" altLang="ja-JP" sz="2000" b="0" i="1" smtClean="0">
+                            <a:solidFill>
+                              <a:srgbClr val="00B0F0"/>
+                            </a:solidFill>
+                            <a:latin typeface="Cambria Math" panose="02040503050406030204" pitchFamily="18" charset="0"/>
+                          </a:rPr>
+                        </m:ctrlPr>
+                      </m:sSubPr>
+                      <m:e>
+                        <m:r>
+                          <a:rPr lang="en-US" altLang="ja-JP" sz="2000" b="0" i="1" smtClean="0">
+                            <a:solidFill>
+                              <a:srgbClr val="00B0F0"/>
+                            </a:solidFill>
+                            <a:latin typeface="Cambria Math" panose="02040503050406030204" pitchFamily="18" charset="0"/>
+                          </a:rPr>
+                          <m:t>𝐸</m:t>
+                        </m:r>
+                      </m:e>
+                      <m:sub>
+                        <m:r>
+                          <a:rPr lang="en-US" altLang="ja-JP" sz="2000" b="0" i="1" smtClean="0">
+                            <a:solidFill>
+                              <a:srgbClr val="00B0F0"/>
+                            </a:solidFill>
+                            <a:latin typeface="Cambria Math" panose="02040503050406030204" pitchFamily="18" charset="0"/>
+                          </a:rPr>
+                          <m:t>0</m:t>
+                        </m:r>
+                      </m:sub>
+                    </m:sSub>
+                    <m:d>
+                      <m:dPr>
+                        <m:begChr m:val="["/>
+                        <m:endChr m:val="]"/>
+                        <m:ctrlPr>
+                          <a:rPr lang="en-US" altLang="ja-JP" sz="2000" b="0" i="1" smtClean="0">
+                            <a:solidFill>
+                              <a:srgbClr val="00B0F0"/>
+                            </a:solidFill>
+                            <a:latin typeface="Cambria Math" panose="02040503050406030204" pitchFamily="18" charset="0"/>
+                          </a:rPr>
+                        </m:ctrlPr>
+                      </m:dPr>
+                      <m:e>
+                        <m:r>
+                          <a:rPr lang="en-US" altLang="ja-JP" sz="2000" b="0" i="1" smtClean="0">
+                            <a:solidFill>
+                              <a:srgbClr val="00B0F0"/>
+                            </a:solidFill>
+                            <a:latin typeface="Cambria Math" panose="02040503050406030204" pitchFamily="18" charset="0"/>
+                          </a:rPr>
+                          <m:t>𝑈</m:t>
+                        </m:r>
+                        <m:d>
+                          <m:dPr>
+                            <m:ctrlPr>
+                              <a:rPr lang="en-US" altLang="ja-JP" sz="2000" b="0" i="1" smtClean="0">
+                                <a:solidFill>
+                                  <a:srgbClr val="00B0F0"/>
+                                </a:solidFill>
+                                <a:latin typeface="Cambria Math" panose="02040503050406030204" pitchFamily="18" charset="0"/>
+                              </a:rPr>
+                            </m:ctrlPr>
+                          </m:dPr>
+                          <m:e>
+                            <m:sSub>
+                              <m:sSubPr>
+                                <m:ctrlPr>
+                                  <a:rPr lang="en-US" altLang="ja-JP" sz="2000" b="0" i="1" smtClean="0">
+                                    <a:solidFill>
+                                      <a:srgbClr val="00B0F0"/>
+                                    </a:solidFill>
+                                    <a:latin typeface="Cambria Math" panose="02040503050406030204" pitchFamily="18" charset="0"/>
+                                  </a:rPr>
+                                </m:ctrlPr>
+                              </m:sSubPr>
+                              <m:e>
+                                <m:r>
+                                  <a:rPr lang="en-US" altLang="ja-JP" sz="2000" b="0" i="1" smtClean="0">
+                                    <a:solidFill>
+                                      <a:srgbClr val="00B0F0"/>
+                                    </a:solidFill>
+                                    <a:latin typeface="Cambria Math" panose="02040503050406030204" pitchFamily="18" charset="0"/>
+                                  </a:rPr>
+                                  <m:t>𝐶</m:t>
+                                </m:r>
+                              </m:e>
+                              <m:sub>
+                                <m:r>
+                                  <a:rPr lang="en-US" altLang="ja-JP" sz="2000" b="0" i="1" smtClean="0">
+                                    <a:solidFill>
+                                      <a:srgbClr val="00B0F0"/>
+                                    </a:solidFill>
+                                    <a:latin typeface="Cambria Math" panose="02040503050406030204" pitchFamily="18" charset="0"/>
+                                  </a:rPr>
+                                  <m:t>0</m:t>
+                                </m:r>
+                              </m:sub>
+                            </m:sSub>
+                            <m:r>
+                              <a:rPr lang="en-US" altLang="ja-JP" sz="2000" b="0" i="1" smtClean="0">
+                                <a:solidFill>
+                                  <a:srgbClr val="00B0F0"/>
+                                </a:solidFill>
+                                <a:latin typeface="Cambria Math" panose="02040503050406030204" pitchFamily="18" charset="0"/>
+                              </a:rPr>
+                              <m:t>,</m:t>
+                            </m:r>
+                            <m:sSub>
+                              <m:sSubPr>
+                                <m:ctrlPr>
+                                  <a:rPr lang="en-US" altLang="ja-JP" sz="2000" b="0" i="1" smtClean="0">
+                                    <a:solidFill>
+                                      <a:srgbClr val="00B0F0"/>
+                                    </a:solidFill>
+                                    <a:latin typeface="Cambria Math" panose="02040503050406030204" pitchFamily="18" charset="0"/>
+                                  </a:rPr>
+                                </m:ctrlPr>
+                              </m:sSubPr>
+                              <m:e>
+                                <m:acc>
+                                  <m:accPr>
+                                    <m:chr m:val="̃"/>
+                                    <m:ctrlPr>
+                                      <a:rPr lang="en-US" altLang="ja-JP" sz="2000" b="0" i="1" smtClean="0">
+                                        <a:solidFill>
+                                          <a:srgbClr val="00B0F0"/>
+                                        </a:solidFill>
+                                        <a:latin typeface="Cambria Math" panose="02040503050406030204" pitchFamily="18" charset="0"/>
+                                      </a:rPr>
+                                    </m:ctrlPr>
+                                  </m:accPr>
+                                  <m:e>
+                                    <m:r>
+                                      <a:rPr lang="en-US" altLang="ja-JP" sz="2000" b="0" i="1" smtClean="0">
+                                        <a:solidFill>
+                                          <a:srgbClr val="00B0F0"/>
+                                        </a:solidFill>
+                                        <a:latin typeface="Cambria Math" panose="02040503050406030204" pitchFamily="18" charset="0"/>
+                                      </a:rPr>
+                                      <m:t>𝐶</m:t>
+                                    </m:r>
+                                  </m:e>
+                                </m:acc>
+                              </m:e>
+                              <m:sub>
+                                <m:r>
+                                  <a:rPr lang="en-US" altLang="ja-JP" sz="2000" b="0" i="1" smtClean="0">
+                                    <a:solidFill>
+                                      <a:srgbClr val="00B0F0"/>
+                                    </a:solidFill>
+                                    <a:latin typeface="Cambria Math" panose="02040503050406030204" pitchFamily="18" charset="0"/>
+                                  </a:rPr>
+                                  <m:t>1</m:t>
+                                </m:r>
+                              </m:sub>
+                            </m:sSub>
+                          </m:e>
+                        </m:d>
+                      </m:e>
+                    </m:d>
+                    <m:r>
+                      <a:rPr lang="ja-JP" altLang="en-US" sz="2000" i="1">
+                        <a:latin typeface="Cambria Math" panose="02040503050406030204" pitchFamily="18" charset="0"/>
+                      </a:rPr>
+                      <m:t>と</m:t>
+                    </m:r>
+                  </m:oMath>
+                </a14:m>
+                <a:r>
+                  <a:rPr lang="ja-JP" altLang="en-US" sz="2000" dirty="0"/>
+                  <a:t>書くことにする。（このような効用は生涯効用（</a:t>
+                </a:r>
+                <a:r>
+                  <a:rPr lang="en-US" altLang="ja-JP" sz="2000" dirty="0"/>
+                  <a:t>Lifetime Utility</a:t>
+                </a:r>
+                <a:r>
+                  <a:rPr lang="ja-JP" altLang="en-US" sz="2000" dirty="0"/>
+                  <a:t>）とよぶ）</a:t>
+                </a:r>
+                <a:endParaRPr lang="en-US" altLang="ja-JP" sz="2000" dirty="0"/>
+              </a:p>
+              <a:p>
+                <a:pPr marL="0" indent="0">
+                  <a:buNone/>
+                </a:pPr>
+                <a:r>
+                  <a:rPr lang="ja-JP" altLang="en-US" sz="2000" dirty="0"/>
+                  <a:t>生涯効用関数</a:t>
+                </a:r>
+                <a14:m>
+                  <m:oMath xmlns:m="http://schemas.openxmlformats.org/officeDocument/2006/math">
+                    <m:r>
+                      <a:rPr lang="en-US" altLang="ja-JP" sz="2000" b="0" i="1" smtClean="0">
+                        <a:latin typeface="Cambria Math" panose="02040503050406030204" pitchFamily="18" charset="0"/>
+                      </a:rPr>
+                      <m:t>𝑈</m:t>
+                    </m:r>
+                  </m:oMath>
+                </a14:m>
+                <a:r>
+                  <a:rPr lang="ja-JP" altLang="en-US" sz="2000" dirty="0"/>
+                  <a:t>は各期の消費について増加かつ凹関数であることのみ仮定する。</a:t>
+                </a:r>
+                <a:endParaRPr lang="en-US" altLang="ja-JP" sz="2000" dirty="0"/>
+              </a:p>
+              <a:p>
+                <a:pPr marL="0" indent="0">
+                  <a:buNone/>
+                </a:pPr>
+                <a:r>
+                  <a:rPr lang="ja-JP" altLang="en-US" sz="2000" dirty="0"/>
+                  <a:t>一般に、生涯効用関数では、第</a:t>
+                </a:r>
+                <a:r>
+                  <a:rPr lang="en-US" altLang="ja-JP" sz="2000" dirty="0"/>
+                  <a:t>1</a:t>
+                </a:r>
+                <a:r>
+                  <a:rPr lang="ja-JP" altLang="en-US" sz="2000" dirty="0"/>
+                  <a:t>期の消費が第</a:t>
+                </a:r>
+                <a:r>
+                  <a:rPr lang="en-US" altLang="ja-JP" sz="2000" dirty="0"/>
+                  <a:t>0</a:t>
+                </a:r>
+                <a:r>
+                  <a:rPr lang="ja-JP" altLang="en-US" sz="2000" dirty="0"/>
+                  <a:t>期の効用に影響を及ぼす可能性、あるいは逆に、第</a:t>
+                </a:r>
+                <a:r>
+                  <a:rPr lang="en-US" altLang="ja-JP" sz="2000" dirty="0"/>
+                  <a:t>0</a:t>
+                </a:r>
+                <a:r>
+                  <a:rPr lang="ja-JP" altLang="en-US" sz="2000" dirty="0"/>
+                  <a:t>期の消費が第</a:t>
+                </a:r>
+                <a:r>
+                  <a:rPr lang="en-US" altLang="ja-JP" sz="2000" dirty="0"/>
+                  <a:t>1</a:t>
+                </a:r>
+                <a:r>
+                  <a:rPr lang="ja-JP" altLang="en-US" sz="2000" dirty="0"/>
+                  <a:t>期の効用に影響を及ぼす可能性がある。</a:t>
+                </a:r>
+                <a:endParaRPr lang="en-US" altLang="ja-JP" sz="2000" dirty="0"/>
+              </a:p>
+              <a:p>
+                <a:pPr marL="0" indent="0">
+                  <a:buNone/>
+                </a:pPr>
+                <a:endParaRPr lang="en-US" altLang="ja-JP" sz="2000" dirty="0"/>
+              </a:p>
+              <a:p>
+                <a:pPr marL="0" indent="0">
+                  <a:buNone/>
+                </a:pPr>
+                <a:r>
+                  <a:rPr lang="ja-JP" altLang="en-US" sz="2000" dirty="0"/>
+                  <a:t>生涯効用が</a:t>
+                </a:r>
+                <a:r>
+                  <a:rPr lang="en-US" altLang="ja-JP" sz="2000" dirty="0"/>
+                  <a:t>1</a:t>
+                </a:r>
+                <a:r>
+                  <a:rPr lang="ja-JP" altLang="en-US" sz="2000" dirty="0"/>
+                  <a:t>期間効用の和として表現できると仮定する。</a:t>
+                </a:r>
+                <a:endParaRPr lang="en-US" altLang="ja-JP" sz="2000" dirty="0"/>
+              </a:p>
+              <a:p>
+                <a:pPr marL="0" indent="0">
+                  <a:buNone/>
+                </a:pPr>
+                <a:r>
+                  <a:rPr lang="ja-JP" altLang="en-US" sz="2000" dirty="0"/>
+                  <a:t>すなわち、</a:t>
+                </a:r>
+                <a14:m>
+                  <m:oMath xmlns:m="http://schemas.openxmlformats.org/officeDocument/2006/math">
+                    <m:sSub>
+                      <m:sSubPr>
+                        <m:ctrlPr>
+                          <a:rPr lang="en-US" altLang="ja-JP" sz="2000" b="0" i="1" smtClean="0">
+                            <a:solidFill>
+                              <a:srgbClr val="00B0F0"/>
+                            </a:solidFill>
+                            <a:latin typeface="Cambria Math" panose="02040503050406030204" pitchFamily="18" charset="0"/>
+                          </a:rPr>
+                        </m:ctrlPr>
+                      </m:sSubPr>
+                      <m:e>
+                        <m:r>
+                          <a:rPr lang="en-US" altLang="ja-JP" sz="2000" b="0" i="1" smtClean="0">
+                            <a:solidFill>
+                              <a:srgbClr val="00B0F0"/>
+                            </a:solidFill>
+                            <a:latin typeface="Cambria Math" panose="02040503050406030204" pitchFamily="18" charset="0"/>
+                          </a:rPr>
+                          <m:t>𝐸</m:t>
+                        </m:r>
+                      </m:e>
+                      <m:sub>
+                        <m:r>
+                          <a:rPr lang="en-US" altLang="ja-JP" sz="2000" b="0" i="1" smtClean="0">
+                            <a:solidFill>
+                              <a:srgbClr val="00B0F0"/>
+                            </a:solidFill>
+                            <a:latin typeface="Cambria Math" panose="02040503050406030204" pitchFamily="18" charset="0"/>
+                          </a:rPr>
+                          <m:t>0</m:t>
+                        </m:r>
+                      </m:sub>
+                    </m:sSub>
+                    <m:d>
+                      <m:dPr>
+                        <m:begChr m:val="["/>
+                        <m:endChr m:val="]"/>
+                        <m:ctrlPr>
+                          <a:rPr lang="en-US" altLang="ja-JP" sz="2000" b="0" i="1" smtClean="0">
+                            <a:solidFill>
+                              <a:srgbClr val="00B0F0"/>
+                            </a:solidFill>
+                            <a:latin typeface="Cambria Math" panose="02040503050406030204" pitchFamily="18" charset="0"/>
+                          </a:rPr>
+                        </m:ctrlPr>
+                      </m:dPr>
+                      <m:e>
+                        <m:r>
+                          <a:rPr lang="en-US" altLang="ja-JP" sz="2000" b="0" i="1" smtClean="0">
+                            <a:solidFill>
+                              <a:srgbClr val="00B0F0"/>
+                            </a:solidFill>
+                            <a:latin typeface="Cambria Math" panose="02040503050406030204" pitchFamily="18" charset="0"/>
+                          </a:rPr>
+                          <m:t>𝑈</m:t>
+                        </m:r>
+                        <m:d>
+                          <m:dPr>
+                            <m:ctrlPr>
+                              <a:rPr lang="en-US" altLang="ja-JP" sz="2000" b="0" i="1" smtClean="0">
+                                <a:solidFill>
+                                  <a:srgbClr val="00B0F0"/>
+                                </a:solidFill>
+                                <a:latin typeface="Cambria Math" panose="02040503050406030204" pitchFamily="18" charset="0"/>
+                              </a:rPr>
+                            </m:ctrlPr>
+                          </m:dPr>
+                          <m:e>
+                            <m:sSub>
+                              <m:sSubPr>
+                                <m:ctrlPr>
+                                  <a:rPr lang="en-US" altLang="ja-JP" sz="2000" b="0" i="1" smtClean="0">
+                                    <a:solidFill>
+                                      <a:srgbClr val="00B0F0"/>
+                                    </a:solidFill>
+                                    <a:latin typeface="Cambria Math" panose="02040503050406030204" pitchFamily="18" charset="0"/>
+                                  </a:rPr>
+                                </m:ctrlPr>
+                              </m:sSubPr>
+                              <m:e>
+                                <m:r>
+                                  <a:rPr lang="en-US" altLang="ja-JP" sz="2000" b="0" i="1" smtClean="0">
+                                    <a:solidFill>
+                                      <a:srgbClr val="00B0F0"/>
+                                    </a:solidFill>
+                                    <a:latin typeface="Cambria Math" panose="02040503050406030204" pitchFamily="18" charset="0"/>
+                                  </a:rPr>
+                                  <m:t>𝐶</m:t>
+                                </m:r>
+                              </m:e>
+                              <m:sub>
+                                <m:r>
+                                  <a:rPr lang="en-US" altLang="ja-JP" sz="2000" b="0" i="1" smtClean="0">
+                                    <a:solidFill>
+                                      <a:srgbClr val="00B0F0"/>
+                                    </a:solidFill>
+                                    <a:latin typeface="Cambria Math" panose="02040503050406030204" pitchFamily="18" charset="0"/>
+                                  </a:rPr>
+                                  <m:t>0</m:t>
+                                </m:r>
+                              </m:sub>
+                            </m:sSub>
+                            <m:r>
+                              <a:rPr lang="en-US" altLang="ja-JP" sz="2000" b="0" i="1" smtClean="0">
+                                <a:solidFill>
+                                  <a:srgbClr val="00B0F0"/>
+                                </a:solidFill>
+                                <a:latin typeface="Cambria Math" panose="02040503050406030204" pitchFamily="18" charset="0"/>
+                              </a:rPr>
+                              <m:t>,</m:t>
+                            </m:r>
+                            <m:sSub>
+                              <m:sSubPr>
+                                <m:ctrlPr>
+                                  <a:rPr lang="en-US" altLang="ja-JP" sz="2000" b="0" i="1" smtClean="0">
+                                    <a:solidFill>
+                                      <a:srgbClr val="00B0F0"/>
+                                    </a:solidFill>
+                                    <a:latin typeface="Cambria Math" panose="02040503050406030204" pitchFamily="18" charset="0"/>
+                                  </a:rPr>
+                                </m:ctrlPr>
+                              </m:sSubPr>
+                              <m:e>
+                                <m:acc>
+                                  <m:accPr>
+                                    <m:chr m:val="̃"/>
+                                    <m:ctrlPr>
+                                      <a:rPr lang="en-US" altLang="ja-JP" sz="2000" b="0" i="1" smtClean="0">
+                                        <a:solidFill>
+                                          <a:srgbClr val="00B0F0"/>
+                                        </a:solidFill>
+                                        <a:latin typeface="Cambria Math" panose="02040503050406030204" pitchFamily="18" charset="0"/>
+                                      </a:rPr>
+                                    </m:ctrlPr>
+                                  </m:accPr>
+                                  <m:e>
+                                    <m:r>
+                                      <a:rPr lang="en-US" altLang="ja-JP" sz="2000" b="0" i="1" smtClean="0">
+                                        <a:solidFill>
+                                          <a:srgbClr val="00B0F0"/>
+                                        </a:solidFill>
+                                        <a:latin typeface="Cambria Math" panose="02040503050406030204" pitchFamily="18" charset="0"/>
+                                      </a:rPr>
+                                      <m:t>𝐶</m:t>
+                                    </m:r>
+                                  </m:e>
+                                </m:acc>
+                              </m:e>
+                              <m:sub>
+                                <m:r>
+                                  <a:rPr lang="en-US" altLang="ja-JP" sz="2000" b="0" i="1" smtClean="0">
+                                    <a:solidFill>
+                                      <a:srgbClr val="00B0F0"/>
+                                    </a:solidFill>
+                                    <a:latin typeface="Cambria Math" panose="02040503050406030204" pitchFamily="18" charset="0"/>
+                                  </a:rPr>
+                                  <m:t>1</m:t>
+                                </m:r>
+                              </m:sub>
+                            </m:sSub>
+                          </m:e>
+                        </m:d>
+                      </m:e>
+                    </m:d>
+                    <m:r>
+                      <a:rPr lang="en-US" altLang="ja-JP" sz="2000" b="0" i="1" smtClean="0">
+                        <a:solidFill>
+                          <a:srgbClr val="00B0F0"/>
+                        </a:solidFill>
+                        <a:latin typeface="Cambria Math" panose="02040503050406030204" pitchFamily="18" charset="0"/>
+                      </a:rPr>
+                      <m:t>=</m:t>
+                    </m:r>
+                    <m:sSub>
+                      <m:sSubPr>
+                        <m:ctrlPr>
+                          <a:rPr lang="en-US" altLang="ja-JP" sz="2000" b="0" i="1" smtClean="0">
+                            <a:solidFill>
+                              <a:srgbClr val="00B0F0"/>
+                            </a:solidFill>
+                            <a:latin typeface="Cambria Math" panose="02040503050406030204" pitchFamily="18" charset="0"/>
+                          </a:rPr>
+                        </m:ctrlPr>
+                      </m:sSubPr>
+                      <m:e>
+                        <m:r>
+                          <a:rPr lang="en-US" altLang="ja-JP" sz="2000" b="0" i="1" smtClean="0">
+                            <a:solidFill>
+                              <a:srgbClr val="00B0F0"/>
+                            </a:solidFill>
+                            <a:latin typeface="Cambria Math" panose="02040503050406030204" pitchFamily="18" charset="0"/>
+                          </a:rPr>
+                          <m:t>𝐸</m:t>
+                        </m:r>
+                      </m:e>
+                      <m:sub>
+                        <m:r>
+                          <a:rPr lang="en-US" altLang="ja-JP" sz="2000" b="0" i="1" smtClean="0">
+                            <a:solidFill>
+                              <a:srgbClr val="00B0F0"/>
+                            </a:solidFill>
+                            <a:latin typeface="Cambria Math" panose="02040503050406030204" pitchFamily="18" charset="0"/>
+                          </a:rPr>
+                          <m:t>0</m:t>
+                        </m:r>
+                      </m:sub>
+                    </m:sSub>
+                    <m:d>
+                      <m:dPr>
+                        <m:begChr m:val="["/>
+                        <m:endChr m:val="]"/>
+                        <m:ctrlPr>
+                          <a:rPr lang="en-US" altLang="ja-JP" sz="2000" b="0" i="1" smtClean="0">
+                            <a:solidFill>
+                              <a:srgbClr val="00B0F0"/>
+                            </a:solidFill>
+                            <a:latin typeface="Cambria Math" panose="02040503050406030204" pitchFamily="18" charset="0"/>
+                          </a:rPr>
+                        </m:ctrlPr>
+                      </m:dPr>
+                      <m:e>
+                        <m:sSub>
+                          <m:sSubPr>
+                            <m:ctrlPr>
+                              <a:rPr lang="en-US" altLang="ja-JP" sz="2000" b="0" i="1" smtClean="0">
+                                <a:solidFill>
+                                  <a:srgbClr val="00B0F0"/>
+                                </a:solidFill>
+                                <a:latin typeface="Cambria Math" panose="02040503050406030204" pitchFamily="18" charset="0"/>
+                              </a:rPr>
+                            </m:ctrlPr>
+                          </m:sSubPr>
+                          <m:e>
+                            <m:r>
+                              <a:rPr lang="en-US" altLang="ja-JP" sz="2000" b="0" i="1" smtClean="0">
+                                <a:solidFill>
+                                  <a:srgbClr val="00B0F0"/>
+                                </a:solidFill>
+                                <a:latin typeface="Cambria Math" panose="02040503050406030204" pitchFamily="18" charset="0"/>
+                              </a:rPr>
+                              <m:t>𝑢</m:t>
+                            </m:r>
+                          </m:e>
+                          <m:sub>
+                            <m:r>
+                              <a:rPr lang="en-US" altLang="ja-JP" sz="2000" b="0" i="1" smtClean="0">
+                                <a:solidFill>
+                                  <a:srgbClr val="00B0F0"/>
+                                </a:solidFill>
+                                <a:latin typeface="Cambria Math" panose="02040503050406030204" pitchFamily="18" charset="0"/>
+                              </a:rPr>
+                              <m:t>0</m:t>
+                            </m:r>
+                          </m:sub>
+                        </m:sSub>
+                        <m:d>
+                          <m:dPr>
+                            <m:ctrlPr>
+                              <a:rPr lang="en-US" altLang="ja-JP" sz="2000" b="0" i="1" smtClean="0">
+                                <a:solidFill>
+                                  <a:srgbClr val="00B0F0"/>
+                                </a:solidFill>
+                                <a:latin typeface="Cambria Math" panose="02040503050406030204" pitchFamily="18" charset="0"/>
+                              </a:rPr>
+                            </m:ctrlPr>
+                          </m:dPr>
+                          <m:e>
+                            <m:sSub>
+                              <m:sSubPr>
+                                <m:ctrlPr>
+                                  <a:rPr lang="en-US" altLang="ja-JP" sz="2000" b="0" i="1" smtClean="0">
+                                    <a:solidFill>
+                                      <a:srgbClr val="00B0F0"/>
+                                    </a:solidFill>
+                                    <a:latin typeface="Cambria Math" panose="02040503050406030204" pitchFamily="18" charset="0"/>
+                                  </a:rPr>
+                                </m:ctrlPr>
+                              </m:sSubPr>
+                              <m:e>
+                                <m:r>
+                                  <a:rPr lang="en-US" altLang="ja-JP" sz="2000" b="0" i="1" smtClean="0">
+                                    <a:solidFill>
+                                      <a:srgbClr val="00B0F0"/>
+                                    </a:solidFill>
+                                    <a:latin typeface="Cambria Math" panose="02040503050406030204" pitchFamily="18" charset="0"/>
+                                  </a:rPr>
+                                  <m:t>𝐶</m:t>
+                                </m:r>
+                              </m:e>
+                              <m:sub>
+                                <m:r>
+                                  <a:rPr lang="en-US" altLang="ja-JP" sz="2000" b="0" i="1" smtClean="0">
+                                    <a:solidFill>
+                                      <a:srgbClr val="00B0F0"/>
+                                    </a:solidFill>
+                                    <a:latin typeface="Cambria Math" panose="02040503050406030204" pitchFamily="18" charset="0"/>
+                                  </a:rPr>
+                                  <m:t>0</m:t>
+                                </m:r>
+                              </m:sub>
+                            </m:sSub>
+                          </m:e>
+                        </m:d>
+                        <m:r>
+                          <a:rPr lang="en-US" altLang="ja-JP" sz="2000" b="0" i="1" smtClean="0">
+                            <a:solidFill>
+                              <a:srgbClr val="00B0F0"/>
+                            </a:solidFill>
+                            <a:latin typeface="Cambria Math" panose="02040503050406030204" pitchFamily="18" charset="0"/>
+                          </a:rPr>
+                          <m:t>+</m:t>
+                        </m:r>
+                        <m:r>
+                          <a:rPr lang="en-US" altLang="ja-JP" sz="2000" b="0" i="1" smtClean="0">
+                            <a:solidFill>
+                              <a:srgbClr val="00B0F0"/>
+                            </a:solidFill>
+                            <a:latin typeface="Cambria Math" panose="02040503050406030204" pitchFamily="18" charset="0"/>
+                          </a:rPr>
+                          <m:t>𝛿</m:t>
+                        </m:r>
+                        <m:r>
+                          <a:rPr lang="en-US" altLang="ja-JP" sz="2000" b="0" i="1" smtClean="0">
+                            <a:solidFill>
+                              <a:srgbClr val="00B0F0"/>
+                            </a:solidFill>
+                            <a:latin typeface="Cambria Math" panose="02040503050406030204" pitchFamily="18" charset="0"/>
+                          </a:rPr>
+                          <m:t> ⋅</m:t>
+                        </m:r>
+                        <m:sSub>
+                          <m:sSubPr>
+                            <m:ctrlPr>
+                              <a:rPr lang="en-US" altLang="ja-JP" sz="2000" b="0" i="1" smtClean="0">
+                                <a:solidFill>
+                                  <a:srgbClr val="00B0F0"/>
+                                </a:solidFill>
+                                <a:latin typeface="Cambria Math" panose="02040503050406030204" pitchFamily="18" charset="0"/>
+                              </a:rPr>
+                            </m:ctrlPr>
+                          </m:sSubPr>
+                          <m:e>
+                            <m:r>
+                              <a:rPr lang="en-US" altLang="ja-JP" sz="2000" b="0" i="1" smtClean="0">
+                                <a:solidFill>
+                                  <a:srgbClr val="00B0F0"/>
+                                </a:solidFill>
+                                <a:latin typeface="Cambria Math" panose="02040503050406030204" pitchFamily="18" charset="0"/>
+                              </a:rPr>
+                              <m:t>𝑢</m:t>
+                            </m:r>
+                          </m:e>
+                          <m:sub>
+                            <m:r>
+                              <a:rPr lang="en-US" altLang="ja-JP" sz="2000" b="0" i="1" smtClean="0">
+                                <a:solidFill>
+                                  <a:srgbClr val="00B0F0"/>
+                                </a:solidFill>
+                                <a:latin typeface="Cambria Math" panose="02040503050406030204" pitchFamily="18" charset="0"/>
+                              </a:rPr>
+                              <m:t>1</m:t>
+                            </m:r>
+                          </m:sub>
+                        </m:sSub>
+                        <m:d>
+                          <m:dPr>
+                            <m:ctrlPr>
+                              <a:rPr lang="en-US" altLang="ja-JP" sz="2000" b="0" i="1" smtClean="0">
+                                <a:solidFill>
+                                  <a:srgbClr val="00B0F0"/>
+                                </a:solidFill>
+                                <a:latin typeface="Cambria Math" panose="02040503050406030204" pitchFamily="18" charset="0"/>
+                              </a:rPr>
+                            </m:ctrlPr>
+                          </m:dPr>
+                          <m:e>
+                            <m:sSub>
+                              <m:sSubPr>
+                                <m:ctrlPr>
+                                  <a:rPr lang="en-US" altLang="ja-JP" sz="2000" b="0" i="1" smtClean="0">
+                                    <a:solidFill>
+                                      <a:srgbClr val="00B0F0"/>
+                                    </a:solidFill>
+                                    <a:latin typeface="Cambria Math" panose="02040503050406030204" pitchFamily="18" charset="0"/>
+                                  </a:rPr>
+                                </m:ctrlPr>
+                              </m:sSubPr>
+                              <m:e>
+                                <m:acc>
+                                  <m:accPr>
+                                    <m:chr m:val="̃"/>
+                                    <m:ctrlPr>
+                                      <a:rPr lang="en-US" altLang="ja-JP" sz="2000" b="0" i="1" smtClean="0">
+                                        <a:solidFill>
+                                          <a:srgbClr val="00B0F0"/>
+                                        </a:solidFill>
+                                        <a:latin typeface="Cambria Math" panose="02040503050406030204" pitchFamily="18" charset="0"/>
+                                      </a:rPr>
+                                    </m:ctrlPr>
+                                  </m:accPr>
+                                  <m:e>
+                                    <m:r>
+                                      <a:rPr lang="en-US" altLang="ja-JP" sz="2000" b="0" i="1" smtClean="0">
+                                        <a:solidFill>
+                                          <a:srgbClr val="00B0F0"/>
+                                        </a:solidFill>
+                                        <a:latin typeface="Cambria Math" panose="02040503050406030204" pitchFamily="18" charset="0"/>
+                                      </a:rPr>
+                                      <m:t>𝐶</m:t>
+                                    </m:r>
+                                  </m:e>
+                                </m:acc>
+                              </m:e>
+                              <m:sub>
+                                <m:r>
+                                  <a:rPr lang="en-US" altLang="ja-JP" sz="2000" b="0" i="1" smtClean="0">
+                                    <a:solidFill>
+                                      <a:srgbClr val="00B0F0"/>
+                                    </a:solidFill>
+                                    <a:latin typeface="Cambria Math" panose="02040503050406030204" pitchFamily="18" charset="0"/>
+                                  </a:rPr>
+                                  <m:t>1</m:t>
+                                </m:r>
+                              </m:sub>
+                            </m:sSub>
+                          </m:e>
+                        </m:d>
+                      </m:e>
+                    </m:d>
+                    <m:r>
+                      <a:rPr lang="en-US" altLang="ja-JP" sz="2000" b="0" i="1" smtClean="0">
+                        <a:solidFill>
+                          <a:srgbClr val="00B0F0"/>
+                        </a:solidFill>
+                        <a:latin typeface="Cambria Math" panose="02040503050406030204" pitchFamily="18" charset="0"/>
+                      </a:rPr>
+                      <m:t>=</m:t>
+                    </m:r>
+                    <m:sSub>
+                      <m:sSubPr>
+                        <m:ctrlPr>
+                          <a:rPr lang="en-US" altLang="ja-JP" sz="2000" b="0" i="1" smtClean="0">
+                            <a:solidFill>
+                              <a:srgbClr val="00B0F0"/>
+                            </a:solidFill>
+                            <a:latin typeface="Cambria Math" panose="02040503050406030204" pitchFamily="18" charset="0"/>
+                          </a:rPr>
+                        </m:ctrlPr>
+                      </m:sSubPr>
+                      <m:e>
+                        <m:r>
+                          <a:rPr lang="en-US" altLang="ja-JP" sz="2000" b="0" i="1" smtClean="0">
+                            <a:solidFill>
+                              <a:srgbClr val="00B0F0"/>
+                            </a:solidFill>
+                            <a:latin typeface="Cambria Math" panose="02040503050406030204" pitchFamily="18" charset="0"/>
+                          </a:rPr>
+                          <m:t>𝑢</m:t>
+                        </m:r>
+                      </m:e>
+                      <m:sub>
+                        <m:r>
+                          <a:rPr lang="en-US" altLang="ja-JP" sz="2000" b="0" i="1" smtClean="0">
+                            <a:solidFill>
+                              <a:srgbClr val="00B0F0"/>
+                            </a:solidFill>
+                            <a:latin typeface="Cambria Math" panose="02040503050406030204" pitchFamily="18" charset="0"/>
+                          </a:rPr>
+                          <m:t>0</m:t>
+                        </m:r>
+                      </m:sub>
+                    </m:sSub>
+                    <m:d>
+                      <m:dPr>
+                        <m:ctrlPr>
+                          <a:rPr lang="en-US" altLang="ja-JP" sz="2000" b="0" i="1" smtClean="0">
+                            <a:solidFill>
+                              <a:srgbClr val="00B0F0"/>
+                            </a:solidFill>
+                            <a:latin typeface="Cambria Math" panose="02040503050406030204" pitchFamily="18" charset="0"/>
+                          </a:rPr>
+                        </m:ctrlPr>
+                      </m:dPr>
+                      <m:e>
+                        <m:sSub>
+                          <m:sSubPr>
+                            <m:ctrlPr>
+                              <a:rPr lang="en-US" altLang="ja-JP" sz="2000" b="0" i="1" smtClean="0">
+                                <a:solidFill>
+                                  <a:srgbClr val="00B0F0"/>
+                                </a:solidFill>
+                                <a:latin typeface="Cambria Math" panose="02040503050406030204" pitchFamily="18" charset="0"/>
+                              </a:rPr>
+                            </m:ctrlPr>
+                          </m:sSubPr>
+                          <m:e>
+                            <m:r>
+                              <a:rPr lang="en-US" altLang="ja-JP" sz="2000" b="0" i="1" smtClean="0">
+                                <a:solidFill>
+                                  <a:srgbClr val="00B0F0"/>
+                                </a:solidFill>
+                                <a:latin typeface="Cambria Math" panose="02040503050406030204" pitchFamily="18" charset="0"/>
+                              </a:rPr>
+                              <m:t>𝐶</m:t>
+                            </m:r>
+                          </m:e>
+                          <m:sub>
+                            <m:r>
+                              <a:rPr lang="en-US" altLang="ja-JP" sz="2000" b="0" i="1" smtClean="0">
+                                <a:solidFill>
+                                  <a:srgbClr val="00B0F0"/>
+                                </a:solidFill>
+                                <a:latin typeface="Cambria Math" panose="02040503050406030204" pitchFamily="18" charset="0"/>
+                              </a:rPr>
+                              <m:t>0</m:t>
+                            </m:r>
+                          </m:sub>
+                        </m:sSub>
+                      </m:e>
+                    </m:d>
+                    <m:r>
+                      <a:rPr lang="en-US" altLang="ja-JP" sz="2000" b="0" i="1" smtClean="0">
+                        <a:solidFill>
+                          <a:srgbClr val="00B0F0"/>
+                        </a:solidFill>
+                        <a:latin typeface="Cambria Math" panose="02040503050406030204" pitchFamily="18" charset="0"/>
+                      </a:rPr>
+                      <m:t>+</m:t>
+                    </m:r>
+                    <m:r>
+                      <a:rPr lang="en-US" altLang="ja-JP" sz="2000" b="0" i="1" smtClean="0">
+                        <a:solidFill>
+                          <a:srgbClr val="00B0F0"/>
+                        </a:solidFill>
+                        <a:latin typeface="Cambria Math" panose="02040503050406030204" pitchFamily="18" charset="0"/>
+                      </a:rPr>
+                      <m:t>𝛿</m:t>
+                    </m:r>
+                    <m:r>
+                      <a:rPr lang="en-US" altLang="ja-JP" sz="2000" b="0" i="1" smtClean="0">
+                        <a:solidFill>
+                          <a:srgbClr val="00B0F0"/>
+                        </a:solidFill>
+                        <a:latin typeface="Cambria Math" panose="02040503050406030204" pitchFamily="18" charset="0"/>
+                      </a:rPr>
+                      <m:t>⋅</m:t>
+                    </m:r>
+                    <m:sSub>
+                      <m:sSubPr>
+                        <m:ctrlPr>
+                          <a:rPr lang="en-US" altLang="ja-JP" sz="2000" b="0" i="1" smtClean="0">
+                            <a:solidFill>
+                              <a:srgbClr val="00B0F0"/>
+                            </a:solidFill>
+                            <a:latin typeface="Cambria Math" panose="02040503050406030204" pitchFamily="18" charset="0"/>
+                          </a:rPr>
+                        </m:ctrlPr>
+                      </m:sSubPr>
+                      <m:e>
+                        <m:r>
+                          <a:rPr lang="en-US" altLang="ja-JP" sz="2000" b="0" i="1" smtClean="0">
+                            <a:solidFill>
+                              <a:srgbClr val="00B0F0"/>
+                            </a:solidFill>
+                            <a:latin typeface="Cambria Math" panose="02040503050406030204" pitchFamily="18" charset="0"/>
+                          </a:rPr>
+                          <m:t>𝐸</m:t>
+                        </m:r>
+                      </m:e>
+                      <m:sub>
+                        <m:r>
+                          <a:rPr lang="en-US" altLang="ja-JP" sz="2000" b="0" i="1" smtClean="0">
+                            <a:solidFill>
+                              <a:srgbClr val="00B0F0"/>
+                            </a:solidFill>
+                            <a:latin typeface="Cambria Math" panose="02040503050406030204" pitchFamily="18" charset="0"/>
+                          </a:rPr>
+                          <m:t>0</m:t>
+                        </m:r>
+                      </m:sub>
+                    </m:sSub>
+                    <m:d>
+                      <m:dPr>
+                        <m:begChr m:val="["/>
+                        <m:endChr m:val="]"/>
+                        <m:ctrlPr>
+                          <a:rPr lang="en-US" altLang="ja-JP" sz="2000" b="0" i="1" smtClean="0">
+                            <a:solidFill>
+                              <a:srgbClr val="00B0F0"/>
+                            </a:solidFill>
+                            <a:latin typeface="Cambria Math" panose="02040503050406030204" pitchFamily="18" charset="0"/>
+                          </a:rPr>
+                        </m:ctrlPr>
+                      </m:dPr>
+                      <m:e>
+                        <m:sSub>
+                          <m:sSubPr>
+                            <m:ctrlPr>
+                              <a:rPr lang="en-US" altLang="ja-JP" sz="2000" b="0" i="1" smtClean="0">
+                                <a:solidFill>
+                                  <a:srgbClr val="00B0F0"/>
+                                </a:solidFill>
+                                <a:latin typeface="Cambria Math" panose="02040503050406030204" pitchFamily="18" charset="0"/>
+                              </a:rPr>
+                            </m:ctrlPr>
+                          </m:sSubPr>
+                          <m:e>
+                            <m:r>
+                              <a:rPr lang="en-US" altLang="ja-JP" sz="2000" b="0" i="1" smtClean="0">
+                                <a:solidFill>
+                                  <a:srgbClr val="00B0F0"/>
+                                </a:solidFill>
+                                <a:latin typeface="Cambria Math" panose="02040503050406030204" pitchFamily="18" charset="0"/>
+                              </a:rPr>
+                              <m:t>𝑢</m:t>
+                            </m:r>
+                          </m:e>
+                          <m:sub>
+                            <m:r>
+                              <a:rPr lang="en-US" altLang="ja-JP" sz="2000" b="0" i="1" smtClean="0">
+                                <a:solidFill>
+                                  <a:srgbClr val="00B0F0"/>
+                                </a:solidFill>
+                                <a:latin typeface="Cambria Math" panose="02040503050406030204" pitchFamily="18" charset="0"/>
+                              </a:rPr>
+                              <m:t>1</m:t>
+                            </m:r>
+                          </m:sub>
+                        </m:sSub>
+                        <m:d>
+                          <m:dPr>
+                            <m:ctrlPr>
+                              <a:rPr lang="en-US" altLang="ja-JP" sz="2000" b="0" i="1" smtClean="0">
+                                <a:solidFill>
+                                  <a:srgbClr val="00B0F0"/>
+                                </a:solidFill>
+                                <a:latin typeface="Cambria Math" panose="02040503050406030204" pitchFamily="18" charset="0"/>
+                              </a:rPr>
+                            </m:ctrlPr>
+                          </m:dPr>
+                          <m:e>
+                            <m:sSub>
+                              <m:sSubPr>
+                                <m:ctrlPr>
+                                  <a:rPr lang="en-US" altLang="ja-JP" sz="2000" b="0" i="1" smtClean="0">
+                                    <a:solidFill>
+                                      <a:srgbClr val="00B0F0"/>
+                                    </a:solidFill>
+                                    <a:latin typeface="Cambria Math" panose="02040503050406030204" pitchFamily="18" charset="0"/>
+                                  </a:rPr>
+                                </m:ctrlPr>
+                              </m:sSubPr>
+                              <m:e>
+                                <m:acc>
+                                  <m:accPr>
+                                    <m:chr m:val="̃"/>
+                                    <m:ctrlPr>
+                                      <a:rPr lang="en-US" altLang="ja-JP" sz="2000" b="0" i="1" smtClean="0">
+                                        <a:solidFill>
+                                          <a:srgbClr val="00B0F0"/>
+                                        </a:solidFill>
+                                        <a:latin typeface="Cambria Math" panose="02040503050406030204" pitchFamily="18" charset="0"/>
+                                      </a:rPr>
+                                    </m:ctrlPr>
+                                  </m:accPr>
+                                  <m:e>
+                                    <m:r>
+                                      <a:rPr lang="en-US" altLang="ja-JP" sz="2000" b="0" i="1" smtClean="0">
+                                        <a:solidFill>
+                                          <a:srgbClr val="00B0F0"/>
+                                        </a:solidFill>
+                                        <a:latin typeface="Cambria Math" panose="02040503050406030204" pitchFamily="18" charset="0"/>
+                                      </a:rPr>
+                                      <m:t>𝐶</m:t>
+                                    </m:r>
+                                  </m:e>
+                                </m:acc>
+                              </m:e>
+                              <m:sub>
+                                <m:r>
+                                  <a:rPr lang="en-US" altLang="ja-JP" sz="2000" b="0" i="1" smtClean="0">
+                                    <a:solidFill>
+                                      <a:srgbClr val="00B0F0"/>
+                                    </a:solidFill>
+                                    <a:latin typeface="Cambria Math" panose="02040503050406030204" pitchFamily="18" charset="0"/>
+                                  </a:rPr>
+                                  <m:t>1</m:t>
+                                </m:r>
+                              </m:sub>
+                            </m:sSub>
+                          </m:e>
+                        </m:d>
+                      </m:e>
+                    </m:d>
+                  </m:oMath>
+                </a14:m>
+                <a:r>
+                  <a:rPr lang="ja-JP" altLang="en-US" sz="2000" dirty="0"/>
+                  <a:t>　（</a:t>
+                </a:r>
+                <a14:m>
+                  <m:oMath xmlns:m="http://schemas.openxmlformats.org/officeDocument/2006/math">
+                    <m:r>
+                      <a:rPr lang="en-US" altLang="ja-JP" sz="2000" b="0" i="1" dirty="0" smtClean="0">
+                        <a:latin typeface="Cambria Math" panose="02040503050406030204" pitchFamily="18" charset="0"/>
+                      </a:rPr>
+                      <m:t>0&lt;</m:t>
+                    </m:r>
+                    <m:r>
+                      <a:rPr lang="en-US" altLang="ja-JP" sz="2000" b="0" i="1" dirty="0" smtClean="0">
+                        <a:latin typeface="Cambria Math" panose="02040503050406030204" pitchFamily="18" charset="0"/>
+                      </a:rPr>
+                      <m:t>𝛿</m:t>
+                    </m:r>
+                    <m:r>
+                      <a:rPr lang="en-US" altLang="ja-JP" sz="2000" b="0" i="1" dirty="0" smtClean="0">
+                        <a:latin typeface="Cambria Math" panose="02040503050406030204" pitchFamily="18" charset="0"/>
+                      </a:rPr>
+                      <m:t>&lt;1</m:t>
+                    </m:r>
+                  </m:oMath>
+                </a14:m>
+                <a:r>
+                  <a:rPr lang="ja-JP" altLang="en-US" sz="2000" dirty="0"/>
+                  <a:t>）</a:t>
+                </a:r>
+                <a:endParaRPr lang="en-US" altLang="ja-JP" sz="2000" dirty="0"/>
+              </a:p>
+              <a:p>
+                <a:pPr marL="0" indent="0">
+                  <a:buNone/>
+                </a:pPr>
+                <a:r>
+                  <a:rPr lang="ja-JP" altLang="en-US" sz="2000" dirty="0"/>
+                  <a:t>このような生涯効用を、時間分離可能（</a:t>
+                </a:r>
+                <a:r>
+                  <a:rPr lang="en-US" altLang="ja-JP" sz="2000" dirty="0"/>
+                  <a:t>Time Separable</a:t>
+                </a:r>
+                <a:r>
+                  <a:rPr lang="ja-JP" altLang="en-US" sz="2000" dirty="0"/>
+                  <a:t>）あるいは時間加法的（</a:t>
+                </a:r>
+                <a:r>
+                  <a:rPr lang="en-US" altLang="ja-JP" sz="2000" dirty="0"/>
+                  <a:t>Time Additive</a:t>
+                </a:r>
+                <a:r>
+                  <a:rPr lang="ja-JP" altLang="en-US" sz="2000" dirty="0"/>
+                  <a:t>）な効用関数と呼ぶ。</a:t>
+                </a:r>
+                <a:endParaRPr lang="en-US" altLang="ja-JP" sz="2000" dirty="0"/>
+              </a:p>
+            </p:txBody>
+          </p:sp>
+        </mc:Choice>
+        <mc:Fallback>
+          <p:sp>
+            <p:nvSpPr>
+              <p:cNvPr id="3" name="コンテンツ プレースホルダー 2">
+                <a:extLst>
+                  <a:ext uri="{FF2B5EF4-FFF2-40B4-BE49-F238E27FC236}">
+                    <a16:creationId xmlns:a16="http://schemas.microsoft.com/office/drawing/2014/main" id="{4B5B1BDF-9965-363A-AFE4-0400C6853CE0}"/>
+                  </a:ext>
+                </a:extLst>
+              </p:cNvPr>
+              <p:cNvSpPr>
+                <a:spLocks noGrp="1" noRot="1" noChangeAspect="1" noMove="1" noResize="1" noEditPoints="1" noAdjustHandles="1" noChangeArrowheads="1" noChangeShapeType="1" noTextEdit="1"/>
+              </p:cNvSpPr>
+              <p:nvPr>
+                <p:ph idx="1"/>
+              </p:nvPr>
+            </p:nvSpPr>
+            <p:spPr>
+              <a:xfrm>
+                <a:off x="838199" y="1065476"/>
+                <a:ext cx="10673443" cy="5111487"/>
+              </a:xfrm>
+              <a:blipFill>
+                <a:blip r:embed="rId2"/>
+                <a:stretch>
+                  <a:fillRect l="-571" t="-1193" r="-628"/>
+                </a:stretch>
+              </a:blipFill>
+            </p:spPr>
+            <p:txBody>
+              <a:bodyPr/>
+              <a:lstStyle/>
+              <a:p>
+                <a:r>
+                  <a:rPr lang="ja-JP" altLang="en-US">
+                    <a:noFill/>
+                  </a:rPr>
+                  <a:t> </a:t>
+                </a:r>
+              </a:p>
+            </p:txBody>
+          </p:sp>
+        </mc:Fallback>
+      </mc:AlternateContent>
+    </p:spTree>
+    <p:extLst>
+      <p:ext uri="{BB962C8B-B14F-4D97-AF65-F5344CB8AC3E}">
+        <p14:creationId xmlns:p14="http://schemas.microsoft.com/office/powerpoint/2010/main" val="2721533204"/>
       </p:ext>
     </p:extLst>
   </p:cSld>
@@ -3660,7 +8688,7 @@
           <a:lstStyle/>
           <a:p>
             <a:r>
-              <a:rPr lang="ja-JP" altLang="en-US" sz="2800" dirty="0" smtClean="0"/>
+              <a:rPr lang="ja-JP" altLang="en-US" sz="2800" dirty="0"/>
               <a:t>第</a:t>
             </a:r>
             <a:r>
@@ -3668,7 +8696,7 @@
               <a:t>2</a:t>
             </a:r>
             <a:r>
-              <a:rPr lang="ja-JP" altLang="en-US" sz="2800" dirty="0" smtClean="0"/>
+              <a:rPr lang="ja-JP" altLang="en-US" sz="2800" dirty="0"/>
               <a:t>章　多期間モデルにおけるリスクと効用関数</a:t>
             </a:r>
             <a:endParaRPr kumimoji="1" lang="ja-JP" altLang="en-US" sz="2800" dirty="0"/>
@@ -3701,26 +8729,26 @@
               <a:buNone/>
             </a:pPr>
             <a:r>
-              <a:rPr lang="ja-JP" altLang="en-US" sz="2000" dirty="0" smtClean="0"/>
+              <a:rPr lang="ja-JP" altLang="en-US" sz="2000" dirty="0"/>
               <a:t>第</a:t>
             </a:r>
             <a:r>
-              <a:rPr lang="en-US" altLang="ja-JP" sz="2000" dirty="0" smtClean="0"/>
+              <a:rPr lang="en-US" altLang="ja-JP" sz="2000" dirty="0"/>
               <a:t>2</a:t>
             </a:r>
             <a:r>
-              <a:rPr lang="ja-JP" altLang="en-US" sz="2000" dirty="0" smtClean="0"/>
+              <a:rPr lang="ja-JP" altLang="en-US" sz="2000" dirty="0"/>
               <a:t>章から第</a:t>
             </a:r>
             <a:r>
-              <a:rPr lang="en-US" altLang="ja-JP" sz="2000" dirty="0" smtClean="0"/>
+              <a:rPr lang="en-US" altLang="ja-JP" sz="2000" dirty="0"/>
               <a:t>6</a:t>
             </a:r>
             <a:r>
-              <a:rPr lang="ja-JP" altLang="en-US" sz="2000" dirty="0" smtClean="0"/>
+              <a:rPr lang="ja-JP" altLang="en-US" sz="2000" dirty="0"/>
               <a:t>章まで、多期間モデルによる長期投資の理論と実証分析結果を解説する。</a:t>
             </a:r>
-            <a:endParaRPr lang="en-US" altLang="ja-JP" sz="2000" dirty="0" smtClean="0"/>
+            <a:endParaRPr lang="en-US" altLang="ja-JP" sz="2000" dirty="0"/>
           </a:p>
           <a:p>
             <a:pPr marL="0" indent="0">
@@ -3728,42 +8756,38 @@
             </a:pPr>
             <a:r>
               <a:rPr lang="ja-JP" altLang="en-US" sz="2000" dirty="0"/>
-              <a:t>本章</a:t>
-            </a:r>
-            <a:r>
-              <a:rPr lang="ja-JP" altLang="en-US" sz="2000" dirty="0" smtClean="0"/>
-              <a:t>は、多期間モデルの導入に向けての準備という位置づけで、</a:t>
-            </a:r>
-            <a:r>
-              <a:rPr lang="en-US" altLang="ja-JP" sz="2000" dirty="0" smtClean="0"/>
+              <a:t>本章は、多期間モデルの導入に向けての準備という位置づけで、</a:t>
+            </a:r>
+            <a:r>
+              <a:rPr lang="en-US" altLang="ja-JP" sz="2000" dirty="0"/>
               <a:t>1</a:t>
             </a:r>
             <a:r>
-              <a:rPr lang="ja-JP" altLang="en-US" sz="2000" dirty="0" smtClean="0"/>
+              <a:rPr lang="ja-JP" altLang="en-US" sz="2000" dirty="0"/>
               <a:t>期間モデルを多期間モデルへ拡張する時に生じる問題点を整理した。</a:t>
             </a:r>
-            <a:endParaRPr lang="en-US" altLang="ja-JP" sz="2000" dirty="0" smtClean="0"/>
+            <a:endParaRPr lang="en-US" altLang="ja-JP" sz="2000" dirty="0"/>
           </a:p>
           <a:p>
             <a:pPr marL="0" indent="0">
               <a:buNone/>
             </a:pPr>
-            <a:endParaRPr lang="en-US" altLang="ja-JP" sz="2000" dirty="0" smtClean="0"/>
+            <a:endParaRPr lang="en-US" altLang="ja-JP" sz="2000" dirty="0"/>
           </a:p>
           <a:p>
             <a:pPr marL="0" indent="0">
               <a:buNone/>
             </a:pPr>
             <a:r>
-              <a:rPr lang="en-US" altLang="ja-JP" sz="2000" dirty="0" smtClean="0"/>
+              <a:rPr lang="en-US" altLang="ja-JP" sz="2000" dirty="0"/>
               <a:t>【</a:t>
             </a:r>
             <a:r>
-              <a:rPr lang="ja-JP" altLang="en-US" sz="2000" dirty="0" smtClean="0"/>
+              <a:rPr lang="ja-JP" altLang="en-US" sz="2000" dirty="0"/>
               <a:t>目次</a:t>
             </a:r>
             <a:r>
-              <a:rPr lang="en-US" altLang="ja-JP" sz="2000" dirty="0" smtClean="0"/>
+              <a:rPr lang="en-US" altLang="ja-JP" sz="2000" dirty="0"/>
               <a:t>】</a:t>
             </a:r>
           </a:p>
@@ -3773,18 +8797,10 @@
               <a:buAutoNum type="arabicPeriod"/>
             </a:pPr>
             <a:r>
-              <a:rPr lang="ja-JP" altLang="en-US" sz="2000" dirty="0" smtClean="0"/>
-              <a:t>ライフ</a:t>
-            </a:r>
-            <a:r>
-              <a:rPr lang="ja-JP" altLang="en-US" sz="2000" dirty="0"/>
-              <a:t>サイクル</a:t>
-            </a:r>
-            <a:r>
-              <a:rPr lang="ja-JP" altLang="en-US" sz="2000" dirty="0" smtClean="0"/>
-              <a:t>とパーソナル・ファイナンス</a:t>
-            </a:r>
-            <a:endParaRPr lang="en-US" altLang="ja-JP" sz="2000" dirty="0" smtClean="0"/>
+              <a:rPr lang="ja-JP" altLang="en-US" sz="2000" dirty="0"/>
+              <a:t>ライフサイクルとパーソナル・ファイナンス</a:t>
+            </a:r>
+            <a:endParaRPr lang="en-US" altLang="ja-JP" sz="2000" dirty="0"/>
           </a:p>
           <a:p>
             <a:pPr marL="457200" indent="-457200">
@@ -3792,18 +8808,10 @@
               <a:buAutoNum type="arabicPeriod"/>
             </a:pPr>
             <a:r>
-              <a:rPr lang="ja-JP" altLang="en-US" sz="2000" dirty="0" smtClean="0"/>
-              <a:t>長期</a:t>
-            </a:r>
-            <a:r>
-              <a:rPr lang="ja-JP" altLang="en-US" sz="2000" dirty="0"/>
-              <a:t>投資</a:t>
-            </a:r>
-            <a:r>
-              <a:rPr lang="ja-JP" altLang="en-US" sz="2000" dirty="0" smtClean="0"/>
-              <a:t>の基本的考え方</a:t>
-            </a:r>
-            <a:endParaRPr lang="en-US" altLang="ja-JP" sz="2000" dirty="0" smtClean="0"/>
+              <a:rPr lang="ja-JP" altLang="en-US" sz="2000" dirty="0"/>
+              <a:t>長期投資の基本的考え方</a:t>
+            </a:r>
+            <a:endParaRPr lang="en-US" altLang="ja-JP" sz="2000" dirty="0"/>
           </a:p>
           <a:p>
             <a:pPr marL="457200" indent="-457200">
@@ -3811,14 +8819,14 @@
               <a:buAutoNum type="arabicPeriod"/>
             </a:pPr>
             <a:r>
-              <a:rPr lang="en-US" altLang="ja-JP" sz="2000" dirty="0" smtClean="0"/>
+              <a:rPr lang="en-US" altLang="ja-JP" sz="2000" dirty="0"/>
               <a:t>1</a:t>
             </a:r>
             <a:r>
-              <a:rPr lang="ja-JP" altLang="en-US" sz="2000" dirty="0" smtClean="0"/>
+              <a:rPr lang="ja-JP" altLang="en-US" sz="2000" dirty="0"/>
               <a:t>期間モデルの教訓と多期間投資モデルの構築</a:t>
             </a:r>
-            <a:endParaRPr lang="en-US" altLang="ja-JP" sz="2000" dirty="0" smtClean="0"/>
+            <a:endParaRPr lang="en-US" altLang="ja-JP" sz="2000" dirty="0"/>
           </a:p>
           <a:p>
             <a:pPr marL="457200" indent="-457200">
@@ -3831,13 +8839,9 @@
             </a:r>
             <a:r>
               <a:rPr lang="ja-JP" altLang="en-US" sz="2000" dirty="0"/>
-              <a:t>種類</a:t>
-            </a:r>
-            <a:r>
-              <a:rPr lang="ja-JP" altLang="en-US" sz="2000" dirty="0" smtClean="0"/>
-              <a:t>のリスク回避度を分断して表現できる効用関数の導入</a:t>
-            </a:r>
-            <a:endParaRPr lang="en-US" altLang="ja-JP" sz="2000" dirty="0" smtClean="0"/>
+              <a:t>種類のリスク回避度を分断して表現できる効用関数の導入</a:t>
+            </a:r>
+            <a:endParaRPr lang="en-US" altLang="ja-JP" sz="2000" dirty="0"/>
           </a:p>
           <a:p>
             <a:pPr marL="457200" indent="-457200">
@@ -3845,14 +8849,14 @@
               <a:buAutoNum type="arabicPeriod"/>
             </a:pPr>
             <a:r>
-              <a:rPr lang="en-US" altLang="ja-JP" sz="2000" dirty="0" smtClean="0"/>
+              <a:rPr lang="en-US" altLang="ja-JP" sz="2000" dirty="0"/>
               <a:t>Epstein=Zin</a:t>
             </a:r>
             <a:r>
-              <a:rPr lang="ja-JP" altLang="en-US" sz="2000" dirty="0" smtClean="0"/>
+              <a:rPr lang="ja-JP" altLang="en-US" sz="2000" dirty="0"/>
               <a:t>の効用関数</a:t>
             </a:r>
-            <a:endParaRPr lang="en-US" altLang="ja-JP" sz="2000" dirty="0" smtClean="0"/>
+            <a:endParaRPr lang="en-US" altLang="ja-JP" sz="2000" dirty="0"/>
           </a:p>
           <a:p>
             <a:pPr marL="457200" indent="-457200">
@@ -3860,10 +8864,10 @@
               <a:buAutoNum type="arabicPeriod"/>
             </a:pPr>
             <a:r>
-              <a:rPr lang="ja-JP" altLang="en-US" sz="2000" dirty="0" smtClean="0"/>
+              <a:rPr lang="ja-JP" altLang="en-US" sz="2000" dirty="0"/>
               <a:t>投資機会集合の変容</a:t>
             </a:r>
-            <a:endParaRPr lang="en-US" altLang="ja-JP" sz="2000" dirty="0" smtClean="0"/>
+            <a:endParaRPr lang="en-US" altLang="ja-JP" sz="2000" dirty="0"/>
           </a:p>
         </p:txBody>
       </p:sp>
@@ -3871,6 +8875,1085 @@
     <p:extLst>
       <p:ext uri="{BB962C8B-B14F-4D97-AF65-F5344CB8AC3E}">
         <p14:creationId xmlns:p14="http://schemas.microsoft.com/office/powerpoint/2010/main" val="2219737445"/>
+      </p:ext>
+    </p:extLst>
+  </p:cSld>
+  <p:clrMapOvr>
+    <a:masterClrMapping/>
+  </p:clrMapOvr>
+</p:sld>
+</file>
+
+<file path=ppt/slides/slide20.xml><?xml version="1.0" encoding="utf-8"?>
+<p:sld xmlns:a="http://schemas.openxmlformats.org/drawingml/2006/main" xmlns:r="http://schemas.openxmlformats.org/officeDocument/2006/relationships" xmlns:p="http://schemas.openxmlformats.org/presentationml/2006/main">
+  <p:cSld>
+    <p:spTree>
+      <p:nvGrpSpPr>
+        <p:cNvPr id="1" name="">
+          <a:extLst>
+            <a:ext uri="{FF2B5EF4-FFF2-40B4-BE49-F238E27FC236}">
+              <a16:creationId xmlns:a16="http://schemas.microsoft.com/office/drawing/2014/main" id="{19C5B6D1-9DDC-D864-F91E-CE7A6C7CE601}"/>
+            </a:ext>
+          </a:extLst>
+        </p:cNvPr>
+        <p:cNvGrpSpPr/>
+        <p:nvPr/>
+      </p:nvGrpSpPr>
+      <p:grpSpPr>
+        <a:xfrm>
+          <a:off x="0" y="0"/>
+          <a:ext cx="0" cy="0"/>
+          <a:chOff x="0" y="0"/>
+          <a:chExt cx="0" cy="0"/>
+        </a:xfrm>
+      </p:grpSpPr>
+      <p:sp>
+        <p:nvSpPr>
+          <p:cNvPr id="2" name="タイトル 1">
+            <a:extLst>
+              <a:ext uri="{FF2B5EF4-FFF2-40B4-BE49-F238E27FC236}">
+                <a16:creationId xmlns:a16="http://schemas.microsoft.com/office/drawing/2014/main" id="{C48CB592-35F7-CEF8-AFA4-716F1F519463}"/>
+              </a:ext>
+            </a:extLst>
+          </p:cNvPr>
+          <p:cNvSpPr>
+            <a:spLocks noGrp="1"/>
+          </p:cNvSpPr>
+          <p:nvPr>
+            <p:ph type="title"/>
+          </p:nvPr>
+        </p:nvSpPr>
+        <p:spPr>
+          <a:xfrm>
+            <a:off x="838200" y="365126"/>
+            <a:ext cx="10515600" cy="700350"/>
+          </a:xfrm>
+        </p:spPr>
+        <p:txBody>
+          <a:bodyPr>
+            <a:normAutofit/>
+          </a:bodyPr>
+          <a:lstStyle/>
+          <a:p>
+            <a:r>
+              <a:rPr lang="en-US" altLang="ja-JP" sz="2800" dirty="0"/>
+              <a:t>§4.1</a:t>
+            </a:r>
+            <a:r>
+              <a:rPr lang="ja-JP" altLang="en-US" sz="2800" dirty="0"/>
+              <a:t>　期待効用関数の問題点をどう克服するか</a:t>
+            </a:r>
+            <a:endParaRPr kumimoji="1" lang="ja-JP" altLang="en-US" sz="2800" dirty="0"/>
+          </a:p>
+        </p:txBody>
+      </p:sp>
+      <mc:AlternateContent xmlns:mc="http://schemas.openxmlformats.org/markup-compatibility/2006">
+        <mc:Choice xmlns:a14="http://schemas.microsoft.com/office/drawing/2010/main" Requires="a14">
+          <p:sp>
+            <p:nvSpPr>
+              <p:cNvPr id="3" name="コンテンツ プレースホルダー 2">
+                <a:extLst>
+                  <a:ext uri="{FF2B5EF4-FFF2-40B4-BE49-F238E27FC236}">
+                    <a16:creationId xmlns:a16="http://schemas.microsoft.com/office/drawing/2014/main" id="{FDBAE770-83AD-8E36-6481-3842C4F1EC3F}"/>
+                  </a:ext>
+                </a:extLst>
+              </p:cNvPr>
+              <p:cNvSpPr>
+                <a:spLocks noGrp="1"/>
+              </p:cNvSpPr>
+              <p:nvPr>
+                <p:ph idx="1"/>
+              </p:nvPr>
+            </p:nvSpPr>
+            <p:spPr>
+              <a:xfrm>
+                <a:off x="838199" y="1065476"/>
+                <a:ext cx="10673443" cy="5111487"/>
+              </a:xfrm>
+            </p:spPr>
+            <p:txBody>
+              <a:bodyPr>
+                <a:normAutofit/>
+              </a:bodyPr>
+              <a:lstStyle/>
+              <a:p>
+                <a:pPr marL="0" indent="0">
+                  <a:buNone/>
+                </a:pPr>
+                <a:r>
+                  <a:rPr lang="ja-JP" altLang="en-US" sz="2000" dirty="0"/>
+                  <a:t>さらに、</a:t>
+                </a:r>
+                <a:r>
+                  <a:rPr lang="en-US" altLang="ja-JP" sz="2000" dirty="0"/>
+                  <a:t>1</a:t>
+                </a:r>
+                <a:r>
+                  <a:rPr lang="ja-JP" altLang="en-US" sz="2000" dirty="0"/>
+                  <a:t>期間効用がすべて同じ関数形で与えられる時間分離可能効用関数を仮定する。</a:t>
+                </a:r>
+                <a:endParaRPr lang="en-US" altLang="ja-JP" sz="2000" dirty="0"/>
+              </a:p>
+              <a:p>
+                <a:pPr marL="0" indent="0">
+                  <a:buNone/>
+                </a:pPr>
+                <a:r>
+                  <a:rPr lang="ja-JP" altLang="en-US" sz="2000" dirty="0"/>
+                  <a:t>すなわち、</a:t>
+                </a:r>
+                <a14:m>
+                  <m:oMath xmlns:m="http://schemas.openxmlformats.org/officeDocument/2006/math">
+                    <m:sSub>
+                      <m:sSubPr>
+                        <m:ctrlPr>
+                          <a:rPr lang="en-US" altLang="ja-JP" sz="2000" b="0" i="1" smtClean="0">
+                            <a:latin typeface="Cambria Math" panose="02040503050406030204" pitchFamily="18" charset="0"/>
+                          </a:rPr>
+                        </m:ctrlPr>
+                      </m:sSubPr>
+                      <m:e>
+                        <m:r>
+                          <a:rPr lang="en-US" altLang="ja-JP" sz="2000" b="0" i="1" smtClean="0">
+                            <a:latin typeface="Cambria Math" panose="02040503050406030204" pitchFamily="18" charset="0"/>
+                          </a:rPr>
+                          <m:t>𝐸</m:t>
+                        </m:r>
+                      </m:e>
+                      <m:sub>
+                        <m:r>
+                          <a:rPr lang="en-US" altLang="ja-JP" sz="2000" b="0" i="1" smtClean="0">
+                            <a:latin typeface="Cambria Math" panose="02040503050406030204" pitchFamily="18" charset="0"/>
+                          </a:rPr>
+                          <m:t>0</m:t>
+                        </m:r>
+                      </m:sub>
+                    </m:sSub>
+                    <m:d>
+                      <m:dPr>
+                        <m:begChr m:val="["/>
+                        <m:endChr m:val="]"/>
+                        <m:ctrlPr>
+                          <a:rPr lang="en-US" altLang="ja-JP" sz="2000" b="0" i="1" smtClean="0">
+                            <a:latin typeface="Cambria Math" panose="02040503050406030204" pitchFamily="18" charset="0"/>
+                          </a:rPr>
+                        </m:ctrlPr>
+                      </m:dPr>
+                      <m:e>
+                        <m:r>
+                          <a:rPr lang="en-US" altLang="ja-JP" sz="2000" b="0" i="1" smtClean="0">
+                            <a:latin typeface="Cambria Math" panose="02040503050406030204" pitchFamily="18" charset="0"/>
+                          </a:rPr>
+                          <m:t>𝑈</m:t>
+                        </m:r>
+                        <m:d>
+                          <m:dPr>
+                            <m:ctrlPr>
+                              <a:rPr lang="en-US" altLang="ja-JP" sz="2000" b="0" i="1" smtClean="0">
+                                <a:latin typeface="Cambria Math" panose="02040503050406030204" pitchFamily="18" charset="0"/>
+                              </a:rPr>
+                            </m:ctrlPr>
+                          </m:dPr>
+                          <m:e>
+                            <m:sSub>
+                              <m:sSubPr>
+                                <m:ctrlPr>
+                                  <a:rPr lang="en-US" altLang="ja-JP" sz="2000" b="0" i="1" smtClean="0">
+                                    <a:latin typeface="Cambria Math" panose="02040503050406030204" pitchFamily="18" charset="0"/>
+                                  </a:rPr>
+                                </m:ctrlPr>
+                              </m:sSubPr>
+                              <m:e>
+                                <m:r>
+                                  <a:rPr lang="en-US" altLang="ja-JP" sz="2000" b="0" i="1" smtClean="0">
+                                    <a:latin typeface="Cambria Math" panose="02040503050406030204" pitchFamily="18" charset="0"/>
+                                  </a:rPr>
+                                  <m:t>𝐶</m:t>
+                                </m:r>
+                              </m:e>
+                              <m:sub>
+                                <m:r>
+                                  <a:rPr lang="en-US" altLang="ja-JP" sz="2000" b="0" i="1" smtClean="0">
+                                    <a:latin typeface="Cambria Math" panose="02040503050406030204" pitchFamily="18" charset="0"/>
+                                  </a:rPr>
+                                  <m:t>0</m:t>
+                                </m:r>
+                              </m:sub>
+                            </m:sSub>
+                            <m:r>
+                              <a:rPr lang="en-US" altLang="ja-JP" sz="2000" b="0" i="1" smtClean="0">
+                                <a:latin typeface="Cambria Math" panose="02040503050406030204" pitchFamily="18" charset="0"/>
+                              </a:rPr>
+                              <m:t>,</m:t>
+                            </m:r>
+                            <m:sSub>
+                              <m:sSubPr>
+                                <m:ctrlPr>
+                                  <a:rPr lang="en-US" altLang="ja-JP" sz="2000" b="0" i="1" smtClean="0">
+                                    <a:latin typeface="Cambria Math" panose="02040503050406030204" pitchFamily="18" charset="0"/>
+                                  </a:rPr>
+                                </m:ctrlPr>
+                              </m:sSubPr>
+                              <m:e>
+                                <m:acc>
+                                  <m:accPr>
+                                    <m:chr m:val="̃"/>
+                                    <m:ctrlPr>
+                                      <a:rPr lang="en-US" altLang="ja-JP" sz="2000" b="0" i="1" smtClean="0">
+                                        <a:latin typeface="Cambria Math" panose="02040503050406030204" pitchFamily="18" charset="0"/>
+                                      </a:rPr>
+                                    </m:ctrlPr>
+                                  </m:accPr>
+                                  <m:e>
+                                    <m:r>
+                                      <a:rPr lang="en-US" altLang="ja-JP" sz="2000" b="0" i="1" smtClean="0">
+                                        <a:latin typeface="Cambria Math" panose="02040503050406030204" pitchFamily="18" charset="0"/>
+                                      </a:rPr>
+                                      <m:t>𝐶</m:t>
+                                    </m:r>
+                                  </m:e>
+                                </m:acc>
+                              </m:e>
+                              <m:sub>
+                                <m:r>
+                                  <a:rPr lang="en-US" altLang="ja-JP" sz="2000" b="0" i="1" smtClean="0">
+                                    <a:latin typeface="Cambria Math" panose="02040503050406030204" pitchFamily="18" charset="0"/>
+                                  </a:rPr>
+                                  <m:t>1</m:t>
+                                </m:r>
+                              </m:sub>
+                            </m:sSub>
+                          </m:e>
+                        </m:d>
+                      </m:e>
+                    </m:d>
+                    <m:r>
+                      <a:rPr lang="en-US" altLang="ja-JP" sz="2000" b="0" i="1" smtClean="0">
+                        <a:latin typeface="Cambria Math" panose="02040503050406030204" pitchFamily="18" charset="0"/>
+                      </a:rPr>
+                      <m:t>=</m:t>
+                    </m:r>
+                    <m:r>
+                      <a:rPr lang="en-US" altLang="ja-JP" sz="2000" b="0" i="1" smtClean="0">
+                        <a:latin typeface="Cambria Math" panose="02040503050406030204" pitchFamily="18" charset="0"/>
+                      </a:rPr>
+                      <m:t>𝑢</m:t>
+                    </m:r>
+                    <m:d>
+                      <m:dPr>
+                        <m:ctrlPr>
+                          <a:rPr lang="en-US" altLang="ja-JP" sz="2000" b="0" i="1" smtClean="0">
+                            <a:latin typeface="Cambria Math" panose="02040503050406030204" pitchFamily="18" charset="0"/>
+                          </a:rPr>
+                        </m:ctrlPr>
+                      </m:dPr>
+                      <m:e>
+                        <m:sSub>
+                          <m:sSubPr>
+                            <m:ctrlPr>
+                              <a:rPr lang="en-US" altLang="ja-JP" sz="2000" b="0" i="1" smtClean="0">
+                                <a:latin typeface="Cambria Math" panose="02040503050406030204" pitchFamily="18" charset="0"/>
+                              </a:rPr>
+                            </m:ctrlPr>
+                          </m:sSubPr>
+                          <m:e>
+                            <m:r>
+                              <a:rPr lang="en-US" altLang="ja-JP" sz="2000" b="0" i="1" smtClean="0">
+                                <a:latin typeface="Cambria Math" panose="02040503050406030204" pitchFamily="18" charset="0"/>
+                              </a:rPr>
+                              <m:t>𝐶</m:t>
+                            </m:r>
+                          </m:e>
+                          <m:sub>
+                            <m:r>
+                              <a:rPr lang="en-US" altLang="ja-JP" sz="2000" b="0" i="1" smtClean="0">
+                                <a:latin typeface="Cambria Math" panose="02040503050406030204" pitchFamily="18" charset="0"/>
+                              </a:rPr>
+                              <m:t>0</m:t>
+                            </m:r>
+                          </m:sub>
+                        </m:sSub>
+                      </m:e>
+                    </m:d>
+                    <m:r>
+                      <a:rPr lang="en-US" altLang="ja-JP" sz="2000" b="0" i="1" smtClean="0">
+                        <a:latin typeface="Cambria Math" panose="02040503050406030204" pitchFamily="18" charset="0"/>
+                      </a:rPr>
+                      <m:t>+</m:t>
+                    </m:r>
+                    <m:r>
+                      <a:rPr lang="en-US" altLang="ja-JP" sz="2000" b="0" i="1" smtClean="0">
+                        <a:latin typeface="Cambria Math" panose="02040503050406030204" pitchFamily="18" charset="0"/>
+                      </a:rPr>
+                      <m:t>𝛿</m:t>
+                    </m:r>
+                    <m:r>
+                      <a:rPr lang="en-US" altLang="ja-JP" sz="2000" b="0" i="1" smtClean="0">
+                        <a:latin typeface="Cambria Math" panose="02040503050406030204" pitchFamily="18" charset="0"/>
+                      </a:rPr>
+                      <m:t>⋅</m:t>
+                    </m:r>
+                    <m:r>
+                      <a:rPr lang="en-US" altLang="ja-JP" sz="2000" b="0" i="1" smtClean="0">
+                        <a:latin typeface="Cambria Math" panose="02040503050406030204" pitchFamily="18" charset="0"/>
+                      </a:rPr>
+                      <m:t>𝑢</m:t>
+                    </m:r>
+                    <m:r>
+                      <a:rPr lang="en-US" altLang="ja-JP" sz="2000" b="0" i="1" smtClean="0">
+                        <a:latin typeface="Cambria Math" panose="02040503050406030204" pitchFamily="18" charset="0"/>
+                      </a:rPr>
+                      <m:t>(</m:t>
+                    </m:r>
+                    <m:sSub>
+                      <m:sSubPr>
+                        <m:ctrlPr>
+                          <a:rPr lang="en-US" altLang="ja-JP" sz="2000" b="0" i="1" smtClean="0">
+                            <a:latin typeface="Cambria Math" panose="02040503050406030204" pitchFamily="18" charset="0"/>
+                          </a:rPr>
+                        </m:ctrlPr>
+                      </m:sSubPr>
+                      <m:e>
+                        <m:acc>
+                          <m:accPr>
+                            <m:chr m:val="̃"/>
+                            <m:ctrlPr>
+                              <a:rPr lang="en-US" altLang="ja-JP" sz="2000" b="0" i="1" smtClean="0">
+                                <a:latin typeface="Cambria Math" panose="02040503050406030204" pitchFamily="18" charset="0"/>
+                              </a:rPr>
+                            </m:ctrlPr>
+                          </m:accPr>
+                          <m:e>
+                            <m:r>
+                              <a:rPr lang="en-US" altLang="ja-JP" sz="2000" b="0" i="1" smtClean="0">
+                                <a:latin typeface="Cambria Math" panose="02040503050406030204" pitchFamily="18" charset="0"/>
+                              </a:rPr>
+                              <m:t>𝐶</m:t>
+                            </m:r>
+                          </m:e>
+                        </m:acc>
+                      </m:e>
+                      <m:sub>
+                        <m:r>
+                          <a:rPr lang="en-US" altLang="ja-JP" sz="2000" b="0" i="1" smtClean="0">
+                            <a:latin typeface="Cambria Math" panose="02040503050406030204" pitchFamily="18" charset="0"/>
+                          </a:rPr>
+                          <m:t>1</m:t>
+                        </m:r>
+                      </m:sub>
+                    </m:sSub>
+                    <m:r>
+                      <a:rPr lang="en-US" altLang="ja-JP" sz="2000" b="0" i="1" smtClean="0">
+                        <a:latin typeface="Cambria Math" panose="02040503050406030204" pitchFamily="18" charset="0"/>
+                      </a:rPr>
+                      <m:t>)</m:t>
+                    </m:r>
+                  </m:oMath>
+                </a14:m>
+                <a:r>
+                  <a:rPr lang="ja-JP" altLang="en-US" sz="2000" dirty="0"/>
+                  <a:t>　（</a:t>
+                </a:r>
+                <a14:m>
+                  <m:oMath xmlns:m="http://schemas.openxmlformats.org/officeDocument/2006/math">
+                    <m:r>
+                      <a:rPr lang="en-US" altLang="ja-JP" sz="2000" b="0" i="1" dirty="0" smtClean="0">
+                        <a:latin typeface="Cambria Math" panose="02040503050406030204" pitchFamily="18" charset="0"/>
+                      </a:rPr>
+                      <m:t>0&lt;</m:t>
+                    </m:r>
+                    <m:r>
+                      <a:rPr lang="en-US" altLang="ja-JP" sz="2000" b="0" i="1" dirty="0" smtClean="0">
+                        <a:latin typeface="Cambria Math" panose="02040503050406030204" pitchFamily="18" charset="0"/>
+                      </a:rPr>
+                      <m:t>𝛿</m:t>
+                    </m:r>
+                    <m:r>
+                      <a:rPr lang="en-US" altLang="ja-JP" sz="2000" b="0" i="1" dirty="0" smtClean="0">
+                        <a:latin typeface="Cambria Math" panose="02040503050406030204" pitchFamily="18" charset="0"/>
+                      </a:rPr>
+                      <m:t>&lt;1</m:t>
+                    </m:r>
+                  </m:oMath>
+                </a14:m>
+                <a:r>
+                  <a:rPr lang="ja-JP" altLang="en-US" sz="2000" dirty="0"/>
+                  <a:t>）</a:t>
+                </a:r>
+                <a:endParaRPr lang="en-US" altLang="ja-JP" sz="2000" dirty="0"/>
+              </a:p>
+              <a:p>
+                <a:pPr marL="0" indent="0">
+                  <a:buNone/>
+                </a:pPr>
+                <a:endParaRPr lang="en-US" altLang="ja-JP" sz="2000" dirty="0"/>
+              </a:p>
+              <a:p>
+                <a:pPr marL="0" indent="0">
+                  <a:buNone/>
+                </a:pPr>
+                <a:r>
+                  <a:rPr lang="en-US" altLang="ja-JP" sz="2000" dirty="0"/>
+                  <a:t>1</a:t>
+                </a:r>
+                <a:r>
+                  <a:rPr lang="ja-JP" altLang="en-US" sz="2000" dirty="0"/>
+                  <a:t>期間効用がすべてべき型効用（</a:t>
+                </a:r>
+                <a14:m>
+                  <m:oMath xmlns:m="http://schemas.openxmlformats.org/officeDocument/2006/math">
+                    <m:r>
+                      <a:rPr lang="en-US" altLang="ja-JP" sz="2000" b="0" i="1" smtClean="0">
+                        <a:latin typeface="Cambria Math" panose="02040503050406030204" pitchFamily="18" charset="0"/>
+                      </a:rPr>
+                      <m:t>𝑢</m:t>
+                    </m:r>
+                    <m:d>
+                      <m:dPr>
+                        <m:ctrlPr>
+                          <a:rPr lang="en-US" altLang="ja-JP" sz="2000" b="0" i="1" smtClean="0">
+                            <a:latin typeface="Cambria Math" panose="02040503050406030204" pitchFamily="18" charset="0"/>
+                          </a:rPr>
+                        </m:ctrlPr>
+                      </m:dPr>
+                      <m:e>
+                        <m:r>
+                          <a:rPr lang="en-US" altLang="ja-JP" sz="2000" b="0" i="1" smtClean="0">
+                            <a:latin typeface="Cambria Math" panose="02040503050406030204" pitchFamily="18" charset="0"/>
+                          </a:rPr>
+                          <m:t>𝑥</m:t>
+                        </m:r>
+                      </m:e>
+                    </m:d>
+                    <m:r>
+                      <a:rPr lang="en-US" altLang="ja-JP" sz="2000" b="0" i="1" smtClean="0">
+                        <a:latin typeface="Cambria Math" panose="02040503050406030204" pitchFamily="18" charset="0"/>
+                      </a:rPr>
+                      <m:t>=</m:t>
+                    </m:r>
+                    <m:f>
+                      <m:fPr>
+                        <m:ctrlPr>
+                          <a:rPr lang="en-US" altLang="ja-JP" sz="2000" b="0" i="1" smtClean="0">
+                            <a:latin typeface="Cambria Math" panose="02040503050406030204" pitchFamily="18" charset="0"/>
+                          </a:rPr>
+                        </m:ctrlPr>
+                      </m:fPr>
+                      <m:num>
+                        <m:sSup>
+                          <m:sSupPr>
+                            <m:ctrlPr>
+                              <a:rPr lang="en-US" altLang="ja-JP" sz="2000" b="0" i="1" smtClean="0">
+                                <a:latin typeface="Cambria Math" panose="02040503050406030204" pitchFamily="18" charset="0"/>
+                              </a:rPr>
+                            </m:ctrlPr>
+                          </m:sSupPr>
+                          <m:e>
+                            <m:r>
+                              <a:rPr lang="en-US" altLang="ja-JP" sz="2000" b="0" i="1" smtClean="0">
+                                <a:latin typeface="Cambria Math" panose="02040503050406030204" pitchFamily="18" charset="0"/>
+                              </a:rPr>
+                              <m:t>𝑥</m:t>
+                            </m:r>
+                          </m:e>
+                          <m:sup>
+                            <m:r>
+                              <a:rPr lang="en-US" altLang="ja-JP" sz="2000" b="0" i="1" smtClean="0">
+                                <a:latin typeface="Cambria Math" panose="02040503050406030204" pitchFamily="18" charset="0"/>
+                              </a:rPr>
+                              <m:t>1−</m:t>
+                            </m:r>
+                            <m:r>
+                              <a:rPr lang="en-US" altLang="ja-JP" sz="2000" b="0" i="1" smtClean="0">
+                                <a:latin typeface="Cambria Math" panose="02040503050406030204" pitchFamily="18" charset="0"/>
+                              </a:rPr>
+                              <m:t>𝛾</m:t>
+                            </m:r>
+                          </m:sup>
+                        </m:sSup>
+                      </m:num>
+                      <m:den>
+                        <m:r>
+                          <a:rPr lang="en-US" altLang="ja-JP" sz="2000" b="0" i="1" smtClean="0">
+                            <a:latin typeface="Cambria Math" panose="02040503050406030204" pitchFamily="18" charset="0"/>
+                          </a:rPr>
+                          <m:t>1−</m:t>
+                        </m:r>
+                        <m:r>
+                          <a:rPr lang="en-US" altLang="ja-JP" sz="2000" b="0" i="1" smtClean="0">
+                            <a:latin typeface="Cambria Math" panose="02040503050406030204" pitchFamily="18" charset="0"/>
+                          </a:rPr>
+                          <m:t>𝛾</m:t>
+                        </m:r>
+                      </m:den>
+                    </m:f>
+                  </m:oMath>
+                </a14:m>
+                <a:r>
+                  <a:rPr lang="ja-JP" altLang="en-US" sz="2000" dirty="0"/>
+                  <a:t>）である場合、</a:t>
+                </a:r>
+                <a:endParaRPr lang="en-US" altLang="ja-JP" sz="2000" dirty="0"/>
+              </a:p>
+              <a:p>
+                <a:pPr marL="0" indent="0">
+                  <a:buNone/>
+                </a:pPr>
+                <a14:m>
+                  <m:oMathPara xmlns:m="http://schemas.openxmlformats.org/officeDocument/2006/math">
+                    <m:oMathParaPr>
+                      <m:jc m:val="centerGroup"/>
+                    </m:oMathParaPr>
+                    <m:oMath xmlns:m="http://schemas.openxmlformats.org/officeDocument/2006/math">
+                      <m:sSub>
+                        <m:sSubPr>
+                          <m:ctrlPr>
+                            <a:rPr lang="en-US" altLang="ja-JP" sz="2000" b="0" i="1" smtClean="0">
+                              <a:latin typeface="Cambria Math" panose="02040503050406030204" pitchFamily="18" charset="0"/>
+                            </a:rPr>
+                          </m:ctrlPr>
+                        </m:sSubPr>
+                        <m:e>
+                          <m:r>
+                            <a:rPr lang="en-US" altLang="ja-JP" sz="2000" b="0" i="1" smtClean="0">
+                              <a:latin typeface="Cambria Math" panose="02040503050406030204" pitchFamily="18" charset="0"/>
+                            </a:rPr>
+                            <m:t>𝐸</m:t>
+                          </m:r>
+                        </m:e>
+                        <m:sub>
+                          <m:r>
+                            <a:rPr lang="en-US" altLang="ja-JP" sz="2000" b="0" i="1" smtClean="0">
+                              <a:latin typeface="Cambria Math" panose="02040503050406030204" pitchFamily="18" charset="0"/>
+                            </a:rPr>
+                            <m:t>0</m:t>
+                          </m:r>
+                        </m:sub>
+                      </m:sSub>
+                      <m:d>
+                        <m:dPr>
+                          <m:begChr m:val="["/>
+                          <m:endChr m:val="]"/>
+                          <m:ctrlPr>
+                            <a:rPr lang="en-US" altLang="ja-JP" sz="2000" b="0" i="1" smtClean="0">
+                              <a:latin typeface="Cambria Math" panose="02040503050406030204" pitchFamily="18" charset="0"/>
+                            </a:rPr>
+                          </m:ctrlPr>
+                        </m:dPr>
+                        <m:e>
+                          <m:r>
+                            <a:rPr lang="en-US" altLang="ja-JP" sz="2000" b="0" i="1" smtClean="0">
+                              <a:latin typeface="Cambria Math" panose="02040503050406030204" pitchFamily="18" charset="0"/>
+                            </a:rPr>
+                            <m:t>𝑈</m:t>
+                          </m:r>
+                          <m:d>
+                            <m:dPr>
+                              <m:ctrlPr>
+                                <a:rPr lang="en-US" altLang="ja-JP" sz="2000" b="0" i="1" smtClean="0">
+                                  <a:latin typeface="Cambria Math" panose="02040503050406030204" pitchFamily="18" charset="0"/>
+                                </a:rPr>
+                              </m:ctrlPr>
+                            </m:dPr>
+                            <m:e>
+                              <m:sSub>
+                                <m:sSubPr>
+                                  <m:ctrlPr>
+                                    <a:rPr lang="en-US" altLang="ja-JP" sz="2000" b="0" i="1" smtClean="0">
+                                      <a:latin typeface="Cambria Math" panose="02040503050406030204" pitchFamily="18" charset="0"/>
+                                    </a:rPr>
+                                  </m:ctrlPr>
+                                </m:sSubPr>
+                                <m:e>
+                                  <m:r>
+                                    <a:rPr lang="en-US" altLang="ja-JP" sz="2000" b="0" i="1" smtClean="0">
+                                      <a:latin typeface="Cambria Math" panose="02040503050406030204" pitchFamily="18" charset="0"/>
+                                    </a:rPr>
+                                    <m:t>𝐶</m:t>
+                                  </m:r>
+                                </m:e>
+                                <m:sub>
+                                  <m:r>
+                                    <a:rPr lang="en-US" altLang="ja-JP" sz="2000" b="0" i="1" smtClean="0">
+                                      <a:latin typeface="Cambria Math" panose="02040503050406030204" pitchFamily="18" charset="0"/>
+                                    </a:rPr>
+                                    <m:t>0</m:t>
+                                  </m:r>
+                                </m:sub>
+                              </m:sSub>
+                              <m:r>
+                                <a:rPr lang="en-US" altLang="ja-JP" sz="2000" b="0" i="1" smtClean="0">
+                                  <a:latin typeface="Cambria Math" panose="02040503050406030204" pitchFamily="18" charset="0"/>
+                                </a:rPr>
+                                <m:t>,</m:t>
+                              </m:r>
+                              <m:sSub>
+                                <m:sSubPr>
+                                  <m:ctrlPr>
+                                    <a:rPr lang="en-US" altLang="ja-JP" sz="2000" b="0" i="1" smtClean="0">
+                                      <a:latin typeface="Cambria Math" panose="02040503050406030204" pitchFamily="18" charset="0"/>
+                                    </a:rPr>
+                                  </m:ctrlPr>
+                                </m:sSubPr>
+                                <m:e>
+                                  <m:acc>
+                                    <m:accPr>
+                                      <m:chr m:val="̃"/>
+                                      <m:ctrlPr>
+                                        <a:rPr lang="en-US" altLang="ja-JP" sz="2000" b="0" i="1" smtClean="0">
+                                          <a:latin typeface="Cambria Math" panose="02040503050406030204" pitchFamily="18" charset="0"/>
+                                        </a:rPr>
+                                      </m:ctrlPr>
+                                    </m:accPr>
+                                    <m:e>
+                                      <m:r>
+                                        <a:rPr lang="en-US" altLang="ja-JP" sz="2000" b="0" i="1" smtClean="0">
+                                          <a:latin typeface="Cambria Math" panose="02040503050406030204" pitchFamily="18" charset="0"/>
+                                        </a:rPr>
+                                        <m:t>𝐶</m:t>
+                                      </m:r>
+                                    </m:e>
+                                  </m:acc>
+                                </m:e>
+                                <m:sub>
+                                  <m:r>
+                                    <a:rPr lang="en-US" altLang="ja-JP" sz="2000" b="0" i="1" smtClean="0">
+                                      <a:latin typeface="Cambria Math" panose="02040503050406030204" pitchFamily="18" charset="0"/>
+                                    </a:rPr>
+                                    <m:t>1</m:t>
+                                  </m:r>
+                                </m:sub>
+                              </m:sSub>
+                            </m:e>
+                          </m:d>
+                        </m:e>
+                      </m:d>
+                      <m:r>
+                        <a:rPr lang="en-US" altLang="ja-JP" sz="2000" b="0" i="1" smtClean="0">
+                          <a:latin typeface="Cambria Math" panose="02040503050406030204" pitchFamily="18" charset="0"/>
+                        </a:rPr>
+                        <m:t>=</m:t>
+                      </m:r>
+                      <m:f>
+                        <m:fPr>
+                          <m:ctrlPr>
+                            <a:rPr lang="en-US" altLang="ja-JP" sz="2000" b="0" i="1" smtClean="0">
+                              <a:latin typeface="Cambria Math" panose="02040503050406030204" pitchFamily="18" charset="0"/>
+                            </a:rPr>
+                          </m:ctrlPr>
+                        </m:fPr>
+                        <m:num>
+                          <m:sSubSup>
+                            <m:sSubSupPr>
+                              <m:ctrlPr>
+                                <a:rPr lang="en-US" altLang="ja-JP" sz="2000" b="0" i="1" smtClean="0">
+                                  <a:latin typeface="Cambria Math" panose="02040503050406030204" pitchFamily="18" charset="0"/>
+                                </a:rPr>
+                              </m:ctrlPr>
+                            </m:sSubSupPr>
+                            <m:e>
+                              <m:r>
+                                <a:rPr lang="en-US" altLang="ja-JP" sz="2000" b="0" i="1" smtClean="0">
+                                  <a:latin typeface="Cambria Math" panose="02040503050406030204" pitchFamily="18" charset="0"/>
+                                </a:rPr>
+                                <m:t>𝐶</m:t>
+                              </m:r>
+                            </m:e>
+                            <m:sub>
+                              <m:r>
+                                <a:rPr lang="en-US" altLang="ja-JP" sz="2000" b="0" i="1" smtClean="0">
+                                  <a:latin typeface="Cambria Math" panose="02040503050406030204" pitchFamily="18" charset="0"/>
+                                </a:rPr>
+                                <m:t>0</m:t>
+                              </m:r>
+                            </m:sub>
+                            <m:sup>
+                              <m:r>
+                                <a:rPr lang="en-US" altLang="ja-JP" sz="2000" b="0" i="1" smtClean="0">
+                                  <a:latin typeface="Cambria Math" panose="02040503050406030204" pitchFamily="18" charset="0"/>
+                                </a:rPr>
+                                <m:t>1−</m:t>
+                              </m:r>
+                              <m:r>
+                                <a:rPr lang="en-US" altLang="ja-JP" sz="2000" b="0" i="1" smtClean="0">
+                                  <a:latin typeface="Cambria Math" panose="02040503050406030204" pitchFamily="18" charset="0"/>
+                                </a:rPr>
+                                <m:t>𝛾</m:t>
+                              </m:r>
+                            </m:sup>
+                          </m:sSubSup>
+                        </m:num>
+                        <m:den>
+                          <m:r>
+                            <a:rPr lang="en-US" altLang="ja-JP" sz="2000" b="0" i="1" smtClean="0">
+                              <a:latin typeface="Cambria Math" panose="02040503050406030204" pitchFamily="18" charset="0"/>
+                            </a:rPr>
+                            <m:t>1−</m:t>
+                          </m:r>
+                          <m:r>
+                            <a:rPr lang="en-US" altLang="ja-JP" sz="2000" b="0" i="1" smtClean="0">
+                              <a:latin typeface="Cambria Math" panose="02040503050406030204" pitchFamily="18" charset="0"/>
+                            </a:rPr>
+                            <m:t>𝛾</m:t>
+                          </m:r>
+                        </m:den>
+                      </m:f>
+                      <m:r>
+                        <a:rPr lang="en-US" altLang="ja-JP" sz="2000" b="0" i="1" smtClean="0">
+                          <a:latin typeface="Cambria Math" panose="02040503050406030204" pitchFamily="18" charset="0"/>
+                        </a:rPr>
+                        <m:t>+</m:t>
+                      </m:r>
+                      <m:r>
+                        <a:rPr lang="en-US" altLang="ja-JP" sz="2000" b="0" i="1" smtClean="0">
+                          <a:latin typeface="Cambria Math" panose="02040503050406030204" pitchFamily="18" charset="0"/>
+                        </a:rPr>
+                        <m:t>𝛿</m:t>
+                      </m:r>
+                      <m:r>
+                        <a:rPr lang="en-US" altLang="ja-JP" sz="2000" b="0" i="1" smtClean="0">
+                          <a:latin typeface="Cambria Math" panose="02040503050406030204" pitchFamily="18" charset="0"/>
+                        </a:rPr>
+                        <m:t>⋅</m:t>
+                      </m:r>
+                      <m:sSub>
+                        <m:sSubPr>
+                          <m:ctrlPr>
+                            <a:rPr lang="en-US" altLang="ja-JP" sz="2000" b="0" i="1" smtClean="0">
+                              <a:latin typeface="Cambria Math" panose="02040503050406030204" pitchFamily="18" charset="0"/>
+                            </a:rPr>
+                          </m:ctrlPr>
+                        </m:sSubPr>
+                        <m:e>
+                          <m:r>
+                            <a:rPr lang="en-US" altLang="ja-JP" sz="2000" b="0" i="1" smtClean="0">
+                              <a:latin typeface="Cambria Math" panose="02040503050406030204" pitchFamily="18" charset="0"/>
+                            </a:rPr>
+                            <m:t>𝐸</m:t>
+                          </m:r>
+                        </m:e>
+                        <m:sub>
+                          <m:r>
+                            <a:rPr lang="en-US" altLang="ja-JP" sz="2000" b="0" i="1" smtClean="0">
+                              <a:latin typeface="Cambria Math" panose="02040503050406030204" pitchFamily="18" charset="0"/>
+                            </a:rPr>
+                            <m:t>0</m:t>
+                          </m:r>
+                        </m:sub>
+                      </m:sSub>
+                      <m:d>
+                        <m:dPr>
+                          <m:begChr m:val="["/>
+                          <m:endChr m:val="]"/>
+                          <m:ctrlPr>
+                            <a:rPr lang="en-US" altLang="ja-JP" sz="2000" b="0" i="1" smtClean="0">
+                              <a:latin typeface="Cambria Math" panose="02040503050406030204" pitchFamily="18" charset="0"/>
+                            </a:rPr>
+                          </m:ctrlPr>
+                        </m:dPr>
+                        <m:e>
+                          <m:f>
+                            <m:fPr>
+                              <m:ctrlPr>
+                                <a:rPr lang="en-US" altLang="ja-JP" sz="2000" b="0" i="1" smtClean="0">
+                                  <a:latin typeface="Cambria Math" panose="02040503050406030204" pitchFamily="18" charset="0"/>
+                                </a:rPr>
+                              </m:ctrlPr>
+                            </m:fPr>
+                            <m:num>
+                              <m:sSubSup>
+                                <m:sSubSupPr>
+                                  <m:ctrlPr>
+                                    <a:rPr lang="en-US" altLang="ja-JP" sz="2000" b="0" i="1" smtClean="0">
+                                      <a:latin typeface="Cambria Math" panose="02040503050406030204" pitchFamily="18" charset="0"/>
+                                    </a:rPr>
+                                  </m:ctrlPr>
+                                </m:sSubSupPr>
+                                <m:e>
+                                  <m:acc>
+                                    <m:accPr>
+                                      <m:chr m:val="̃"/>
+                                      <m:ctrlPr>
+                                        <a:rPr lang="en-US" altLang="ja-JP" sz="2000" b="0" i="1" smtClean="0">
+                                          <a:latin typeface="Cambria Math" panose="02040503050406030204" pitchFamily="18" charset="0"/>
+                                        </a:rPr>
+                                      </m:ctrlPr>
+                                    </m:accPr>
+                                    <m:e>
+                                      <m:r>
+                                        <a:rPr lang="en-US" altLang="ja-JP" sz="2000" b="0" i="1" smtClean="0">
+                                          <a:latin typeface="Cambria Math" panose="02040503050406030204" pitchFamily="18" charset="0"/>
+                                        </a:rPr>
+                                        <m:t>𝐶</m:t>
+                                      </m:r>
+                                    </m:e>
+                                  </m:acc>
+                                </m:e>
+                                <m:sub>
+                                  <m:r>
+                                    <a:rPr lang="en-US" altLang="ja-JP" sz="2000" b="0" i="1" smtClean="0">
+                                      <a:latin typeface="Cambria Math" panose="02040503050406030204" pitchFamily="18" charset="0"/>
+                                    </a:rPr>
+                                    <m:t>1</m:t>
+                                  </m:r>
+                                </m:sub>
+                                <m:sup>
+                                  <m:r>
+                                    <a:rPr lang="en-US" altLang="ja-JP" sz="2000" b="0" i="1" smtClean="0">
+                                      <a:latin typeface="Cambria Math" panose="02040503050406030204" pitchFamily="18" charset="0"/>
+                                    </a:rPr>
+                                    <m:t>1−</m:t>
+                                  </m:r>
+                                  <m:r>
+                                    <a:rPr lang="en-US" altLang="ja-JP" sz="2000" b="0" i="1" smtClean="0">
+                                      <a:latin typeface="Cambria Math" panose="02040503050406030204" pitchFamily="18" charset="0"/>
+                                    </a:rPr>
+                                    <m:t>𝛾</m:t>
+                                  </m:r>
+                                </m:sup>
+                              </m:sSubSup>
+                            </m:num>
+                            <m:den>
+                              <m:r>
+                                <a:rPr lang="en-US" altLang="ja-JP" sz="2000" b="0" i="1" smtClean="0">
+                                  <a:latin typeface="Cambria Math" panose="02040503050406030204" pitchFamily="18" charset="0"/>
+                                </a:rPr>
+                                <m:t>1−</m:t>
+                              </m:r>
+                              <m:r>
+                                <a:rPr lang="en-US" altLang="ja-JP" sz="2000" b="0" i="1" smtClean="0">
+                                  <a:latin typeface="Cambria Math" panose="02040503050406030204" pitchFamily="18" charset="0"/>
+                                </a:rPr>
+                                <m:t>𝛾</m:t>
+                              </m:r>
+                            </m:den>
+                          </m:f>
+                        </m:e>
+                      </m:d>
+                      <m:r>
+                        <a:rPr lang="en-US" altLang="ja-JP" sz="2000" b="0" i="1" smtClean="0">
+                          <a:latin typeface="Cambria Math" panose="02040503050406030204" pitchFamily="18" charset="0"/>
+                        </a:rPr>
+                        <m:t>,  0&lt;</m:t>
+                      </m:r>
+                      <m:r>
+                        <a:rPr lang="en-US" altLang="ja-JP" sz="2000" b="0" i="1" smtClean="0">
+                          <a:latin typeface="Cambria Math" panose="02040503050406030204" pitchFamily="18" charset="0"/>
+                        </a:rPr>
+                        <m:t>𝛿</m:t>
+                      </m:r>
+                      <m:r>
+                        <a:rPr lang="en-US" altLang="ja-JP" sz="2000" b="0" i="1" smtClean="0">
+                          <a:latin typeface="Cambria Math" panose="02040503050406030204" pitchFamily="18" charset="0"/>
+                        </a:rPr>
+                        <m:t>&lt;1</m:t>
+                      </m:r>
+                    </m:oMath>
+                  </m:oMathPara>
+                </a14:m>
+                <a:endParaRPr lang="en-US" altLang="ja-JP" sz="2000" dirty="0"/>
+              </a:p>
+              <a:p>
+                <a:pPr marL="0" indent="0">
+                  <a:buNone/>
+                </a:pPr>
+                <a:r>
+                  <a:rPr lang="ja-JP" altLang="en-US" sz="2000" dirty="0"/>
+                  <a:t>で与えられる。</a:t>
+                </a:r>
+                <a:endParaRPr lang="en-US" altLang="ja-JP" sz="2000" dirty="0"/>
+              </a:p>
+              <a:p>
+                <a:pPr marL="0" indent="0">
+                  <a:buNone/>
+                </a:pPr>
+                <a:r>
+                  <a:rPr lang="ja-JP" altLang="en-US" sz="2000" dirty="0"/>
+                  <a:t>投資家は初期富</a:t>
+                </a:r>
+                <a14:m>
+                  <m:oMath xmlns:m="http://schemas.openxmlformats.org/officeDocument/2006/math">
+                    <m:sSub>
+                      <m:sSubPr>
+                        <m:ctrlPr>
+                          <a:rPr lang="en-US" altLang="ja-JP" sz="2000" b="0" i="1" smtClean="0">
+                            <a:latin typeface="Cambria Math" panose="02040503050406030204" pitchFamily="18" charset="0"/>
+                          </a:rPr>
+                        </m:ctrlPr>
+                      </m:sSubPr>
+                      <m:e>
+                        <m:r>
+                          <a:rPr lang="en-US" altLang="ja-JP" sz="2000" b="0" i="1" smtClean="0">
+                            <a:latin typeface="Cambria Math" panose="02040503050406030204" pitchFamily="18" charset="0"/>
+                          </a:rPr>
+                          <m:t>𝑊</m:t>
+                        </m:r>
+                      </m:e>
+                      <m:sub>
+                        <m:r>
+                          <a:rPr lang="en-US" altLang="ja-JP" sz="2000" b="0" i="1" smtClean="0">
+                            <a:latin typeface="Cambria Math" panose="02040503050406030204" pitchFamily="18" charset="0"/>
+                          </a:rPr>
+                          <m:t>0</m:t>
+                        </m:r>
+                      </m:sub>
+                    </m:sSub>
+                  </m:oMath>
+                </a14:m>
+                <a:r>
+                  <a:rPr lang="ja-JP" altLang="en-US" sz="2000" dirty="0"/>
+                  <a:t>に対し、このような生涯効用を最大化するように、期初の消費水準</a:t>
+                </a:r>
+                <a14:m>
+                  <m:oMath xmlns:m="http://schemas.openxmlformats.org/officeDocument/2006/math">
+                    <m:sSub>
+                      <m:sSubPr>
+                        <m:ctrlPr>
+                          <a:rPr lang="en-US" altLang="ja-JP" sz="2000" b="0" i="1" smtClean="0">
+                            <a:latin typeface="Cambria Math" panose="02040503050406030204" pitchFamily="18" charset="0"/>
+                          </a:rPr>
+                        </m:ctrlPr>
+                      </m:sSubPr>
+                      <m:e>
+                        <m:r>
+                          <a:rPr lang="en-US" altLang="ja-JP" sz="2000" b="0" i="1" smtClean="0">
+                            <a:latin typeface="Cambria Math" panose="02040503050406030204" pitchFamily="18" charset="0"/>
+                          </a:rPr>
+                          <m:t>𝐶</m:t>
+                        </m:r>
+                      </m:e>
+                      <m:sub>
+                        <m:r>
+                          <a:rPr lang="en-US" altLang="ja-JP" sz="2000" b="0" i="1" smtClean="0">
+                            <a:latin typeface="Cambria Math" panose="02040503050406030204" pitchFamily="18" charset="0"/>
+                          </a:rPr>
+                          <m:t>0</m:t>
+                        </m:r>
+                      </m:sub>
+                    </m:sSub>
+                  </m:oMath>
+                </a14:m>
+                <a:r>
+                  <a:rPr lang="ja-JP" altLang="en-US" sz="2000" dirty="0"/>
+                  <a:t>と投資額</a:t>
+                </a:r>
+                <a14:m>
+                  <m:oMath xmlns:m="http://schemas.openxmlformats.org/officeDocument/2006/math">
+                    <m:sSub>
+                      <m:sSubPr>
+                        <m:ctrlPr>
+                          <a:rPr lang="en-US" altLang="ja-JP" sz="2000" b="0" i="1" smtClean="0">
+                            <a:latin typeface="Cambria Math" panose="02040503050406030204" pitchFamily="18" charset="0"/>
+                          </a:rPr>
+                        </m:ctrlPr>
+                      </m:sSubPr>
+                      <m:e>
+                        <m:r>
+                          <a:rPr lang="en-US" altLang="ja-JP" sz="2000" b="0" i="1" smtClean="0">
+                            <a:latin typeface="Cambria Math" panose="02040503050406030204" pitchFamily="18" charset="0"/>
+                          </a:rPr>
+                          <m:t>𝑊</m:t>
+                        </m:r>
+                      </m:e>
+                      <m:sub>
+                        <m:r>
+                          <a:rPr lang="en-US" altLang="ja-JP" sz="2000" b="0" i="1" smtClean="0">
+                            <a:latin typeface="Cambria Math" panose="02040503050406030204" pitchFamily="18" charset="0"/>
+                          </a:rPr>
+                          <m:t>0</m:t>
+                        </m:r>
+                      </m:sub>
+                    </m:sSub>
+                    <m:r>
+                      <a:rPr lang="en-US" altLang="ja-JP" sz="2000" b="0" i="1" smtClean="0">
+                        <a:latin typeface="Cambria Math" panose="02040503050406030204" pitchFamily="18" charset="0"/>
+                      </a:rPr>
+                      <m:t>−</m:t>
+                    </m:r>
+                    <m:sSub>
+                      <m:sSubPr>
+                        <m:ctrlPr>
+                          <a:rPr lang="en-US" altLang="ja-JP" sz="2000" b="0" i="1" smtClean="0">
+                            <a:latin typeface="Cambria Math" panose="02040503050406030204" pitchFamily="18" charset="0"/>
+                          </a:rPr>
+                        </m:ctrlPr>
+                      </m:sSubPr>
+                      <m:e>
+                        <m:r>
+                          <a:rPr lang="en-US" altLang="ja-JP" sz="2000" b="0" i="1" smtClean="0">
+                            <a:latin typeface="Cambria Math" panose="02040503050406030204" pitchFamily="18" charset="0"/>
+                          </a:rPr>
+                          <m:t>𝐶</m:t>
+                        </m:r>
+                      </m:e>
+                      <m:sub>
+                        <m:r>
+                          <a:rPr lang="en-US" altLang="ja-JP" sz="2000" b="0" i="1" smtClean="0">
+                            <a:latin typeface="Cambria Math" panose="02040503050406030204" pitchFamily="18" charset="0"/>
+                          </a:rPr>
+                          <m:t>0</m:t>
+                        </m:r>
+                      </m:sub>
+                    </m:sSub>
+                  </m:oMath>
+                </a14:m>
+                <a:r>
+                  <a:rPr lang="ja-JP" altLang="en-US" sz="2000" dirty="0"/>
+                  <a:t>の最適な運用方法を決定する。</a:t>
+                </a:r>
+                <a:endParaRPr lang="en-US" altLang="ja-JP" sz="2000" dirty="0"/>
+              </a:p>
+            </p:txBody>
+          </p:sp>
+        </mc:Choice>
+        <mc:Fallback>
+          <p:sp>
+            <p:nvSpPr>
+              <p:cNvPr id="3" name="コンテンツ プレースホルダー 2">
+                <a:extLst>
+                  <a:ext uri="{FF2B5EF4-FFF2-40B4-BE49-F238E27FC236}">
+                    <a16:creationId xmlns:a16="http://schemas.microsoft.com/office/drawing/2014/main" id="{FDBAE770-83AD-8E36-6481-3842C4F1EC3F}"/>
+                  </a:ext>
+                </a:extLst>
+              </p:cNvPr>
+              <p:cNvSpPr>
+                <a:spLocks noGrp="1" noRot="1" noChangeAspect="1" noMove="1" noResize="1" noEditPoints="1" noAdjustHandles="1" noChangeArrowheads="1" noChangeShapeType="1" noTextEdit="1"/>
+              </p:cNvSpPr>
+              <p:nvPr>
+                <p:ph idx="1"/>
+              </p:nvPr>
+            </p:nvSpPr>
+            <p:spPr>
+              <a:xfrm>
+                <a:off x="838199" y="1065476"/>
+                <a:ext cx="10673443" cy="5111487"/>
+              </a:xfrm>
+              <a:blipFill>
+                <a:blip r:embed="rId2"/>
+                <a:stretch>
+                  <a:fillRect l="-571" t="-1193" r="-628"/>
+                </a:stretch>
+              </a:blipFill>
+            </p:spPr>
+            <p:txBody>
+              <a:bodyPr/>
+              <a:lstStyle/>
+              <a:p>
+                <a:r>
+                  <a:rPr lang="ja-JP" altLang="en-US">
+                    <a:noFill/>
+                  </a:rPr>
+                  <a:t> </a:t>
+                </a:r>
+              </a:p>
+            </p:txBody>
+          </p:sp>
+        </mc:Fallback>
+      </mc:AlternateContent>
+    </p:spTree>
+    <p:extLst>
+      <p:ext uri="{BB962C8B-B14F-4D97-AF65-F5344CB8AC3E}">
+        <p14:creationId xmlns:p14="http://schemas.microsoft.com/office/powerpoint/2010/main" val="1643925772"/>
       </p:ext>
     </p:extLst>
   </p:cSld>
@@ -3920,7 +10003,7 @@
           <a:lstStyle/>
           <a:p>
             <a:r>
-              <a:rPr lang="ja-JP" altLang="en-US" sz="2800" dirty="0" smtClean="0"/>
+              <a:rPr lang="ja-JP" altLang="en-US" sz="2800" dirty="0"/>
               <a:t>第</a:t>
             </a:r>
             <a:r>
@@ -3928,7 +10011,7 @@
               <a:t>2</a:t>
             </a:r>
             <a:r>
-              <a:rPr lang="ja-JP" altLang="en-US" sz="2800" dirty="0" smtClean="0"/>
+              <a:rPr lang="ja-JP" altLang="en-US" sz="2800" dirty="0"/>
               <a:t>章　多期間モデルにおけるリスクと効用関数</a:t>
             </a:r>
             <a:endParaRPr kumimoji="1" lang="ja-JP" altLang="en-US" sz="2800" dirty="0"/>
@@ -3961,23 +10044,23 @@
               <a:buNone/>
             </a:pPr>
             <a:r>
-              <a:rPr lang="en-US" altLang="ja-JP" sz="2000" dirty="0" smtClean="0"/>
+              <a:rPr lang="en-US" altLang="ja-JP" sz="2000" dirty="0"/>
               <a:t>【</a:t>
             </a:r>
             <a:r>
-              <a:rPr lang="ja-JP" altLang="en-US" sz="2000" dirty="0" smtClean="0"/>
+              <a:rPr lang="ja-JP" altLang="en-US" sz="2000" dirty="0"/>
               <a:t>第</a:t>
             </a:r>
             <a:r>
-              <a:rPr lang="en-US" altLang="ja-JP" sz="2000" dirty="0" smtClean="0"/>
+              <a:rPr lang="en-US" altLang="ja-JP" sz="2000" dirty="0"/>
               <a:t>2</a:t>
             </a:r>
             <a:r>
-              <a:rPr lang="ja-JP" altLang="en-US" sz="2000" dirty="0" smtClean="0"/>
+              <a:rPr lang="ja-JP" altLang="en-US" sz="2000" dirty="0"/>
               <a:t>章の概要</a:t>
             </a:r>
             <a:r>
-              <a:rPr lang="en-US" altLang="ja-JP" sz="2000" dirty="0" smtClean="0"/>
+              <a:rPr lang="en-US" altLang="ja-JP" sz="2000" dirty="0"/>
               <a:t>】</a:t>
             </a:r>
           </a:p>
@@ -3986,112 +10069,92 @@
               <a:buNone/>
             </a:pPr>
             <a:r>
-              <a:rPr lang="ja-JP" altLang="en-US" sz="2000" dirty="0" smtClean="0"/>
+              <a:rPr lang="ja-JP" altLang="en-US" sz="2000" dirty="0"/>
               <a:t>投資ホライズンが</a:t>
             </a:r>
             <a:r>
-              <a:rPr lang="en-US" altLang="ja-JP" sz="2000" dirty="0" smtClean="0"/>
+              <a:rPr lang="en-US" altLang="ja-JP" sz="2000" dirty="0"/>
               <a:t>10</a:t>
             </a:r>
             <a:r>
               <a:rPr lang="ja-JP" altLang="en-US" sz="2000" dirty="0"/>
-              <a:t>年</a:t>
-            </a:r>
-            <a:r>
-              <a:rPr lang="ja-JP" altLang="en-US" sz="2000" dirty="0" smtClean="0"/>
-              <a:t>以上における多期間モデルの準備を行う。</a:t>
-            </a:r>
-            <a:endParaRPr lang="en-US" altLang="ja-JP" sz="2000" dirty="0" smtClean="0"/>
+              <a:t>年以上における多期間モデルの準備を行う。</a:t>
+            </a:r>
+            <a:endParaRPr lang="en-US" altLang="ja-JP" sz="2000" dirty="0"/>
           </a:p>
           <a:p>
             <a:pPr marL="0" indent="0">
               <a:buNone/>
             </a:pPr>
             <a:r>
-              <a:rPr lang="ja-JP" altLang="en-US" sz="2000" dirty="0" smtClean="0"/>
+              <a:rPr lang="ja-JP" altLang="en-US" sz="2000" dirty="0"/>
               <a:t>多期間において、消費水準の変化にタイプが</a:t>
             </a:r>
             <a:r>
-              <a:rPr lang="en-US" altLang="ja-JP" sz="2000" dirty="0" smtClean="0"/>
+              <a:rPr lang="en-US" altLang="ja-JP" sz="2000" dirty="0"/>
               <a:t>2</a:t>
             </a:r>
             <a:r>
-              <a:rPr lang="ja-JP" altLang="en-US" sz="2000" dirty="0" smtClean="0"/>
+              <a:rPr lang="ja-JP" altLang="en-US" sz="2000" dirty="0"/>
               <a:t>種類ある。</a:t>
             </a:r>
-            <a:endParaRPr lang="en-US" altLang="ja-JP" sz="2000" dirty="0" smtClean="0"/>
+            <a:endParaRPr lang="en-US" altLang="ja-JP" sz="2000" dirty="0"/>
           </a:p>
           <a:p>
             <a:pPr marL="0" indent="0">
               <a:buNone/>
             </a:pPr>
             <a:r>
-              <a:rPr lang="ja-JP" altLang="en-US" sz="2000" dirty="0" smtClean="0"/>
-              <a:t>①将来の特定</a:t>
-            </a:r>
-            <a:r>
-              <a:rPr lang="ja-JP" altLang="en-US" sz="2000" dirty="0"/>
-              <a:t>期間</a:t>
-            </a:r>
-            <a:r>
-              <a:rPr lang="ja-JP" altLang="en-US" sz="2000" dirty="0" smtClean="0"/>
-              <a:t>に</a:t>
-            </a:r>
-            <a:r>
-              <a:rPr lang="ja-JP" altLang="en-US" sz="2000" dirty="0"/>
-              <a:t>実現</a:t>
-            </a:r>
-            <a:r>
-              <a:rPr lang="ja-JP" altLang="en-US" sz="2000" dirty="0" smtClean="0"/>
-              <a:t>する世の中の状態によって消費水準が変動するリスク</a:t>
-            </a:r>
-            <a:endParaRPr lang="en-US" altLang="ja-JP" sz="2000" dirty="0" smtClean="0"/>
+              <a:rPr lang="ja-JP" altLang="en-US" sz="2000" dirty="0"/>
+              <a:t>①将来の特定期間に実現する世の中の状態によって消費水準が変動するリスク</a:t>
+            </a:r>
+            <a:endParaRPr lang="en-US" altLang="ja-JP" sz="2000" dirty="0"/>
           </a:p>
           <a:p>
             <a:pPr marL="0" indent="0">
               <a:buNone/>
             </a:pPr>
             <a:r>
-              <a:rPr lang="ja-JP" altLang="en-US" sz="2000" dirty="0" smtClean="0"/>
+              <a:rPr lang="ja-JP" altLang="en-US" sz="2000" dirty="0"/>
               <a:t>②将来異なる期間（異なるライフステージ間など）において消費水準が変動するリスク</a:t>
             </a:r>
-            <a:endParaRPr lang="en-US" altLang="ja-JP" sz="2000" dirty="0" smtClean="0"/>
+            <a:endParaRPr lang="en-US" altLang="ja-JP" sz="2000" dirty="0"/>
           </a:p>
           <a:p>
             <a:pPr marL="0" indent="0">
               <a:buNone/>
             </a:pPr>
             <a:r>
-              <a:rPr lang="en-US" altLang="ja-JP" sz="2000" dirty="0" smtClean="0"/>
+              <a:rPr lang="en-US" altLang="ja-JP" sz="2000" dirty="0"/>
               <a:t>1</a:t>
             </a:r>
             <a:r>
-              <a:rPr lang="ja-JP" altLang="en-US" sz="2000" dirty="0" smtClean="0"/>
+              <a:rPr lang="ja-JP" altLang="en-US" sz="2000" dirty="0"/>
               <a:t>期間モデルの期待効用関数では上記</a:t>
             </a:r>
             <a:r>
-              <a:rPr lang="en-US" altLang="ja-JP" sz="2000" dirty="0" smtClean="0"/>
+              <a:rPr lang="en-US" altLang="ja-JP" sz="2000" dirty="0"/>
               <a:t>2</a:t>
             </a:r>
             <a:r>
-              <a:rPr lang="ja-JP" altLang="en-US" sz="2000" dirty="0" err="1" smtClean="0"/>
+              <a:rPr lang="ja-JP" altLang="en-US" sz="2000" dirty="0" err="1"/>
               <a:t>つの</a:t>
             </a:r>
             <a:r>
-              <a:rPr lang="ja-JP" altLang="en-US" sz="2000" dirty="0" smtClean="0"/>
+              <a:rPr lang="ja-JP" altLang="en-US" sz="2000" dirty="0"/>
               <a:t>リスクを分離して表現できない。</a:t>
             </a:r>
-            <a:endParaRPr lang="en-US" altLang="ja-JP" sz="2000" dirty="0" smtClean="0"/>
+            <a:endParaRPr lang="en-US" altLang="ja-JP" sz="2000" dirty="0"/>
           </a:p>
           <a:p>
             <a:pPr marL="0" indent="0">
               <a:buNone/>
             </a:pPr>
             <a:r>
-              <a:rPr lang="ja-JP" altLang="en-US" sz="2000" dirty="0" smtClean="0"/>
+              <a:rPr lang="ja-JP" altLang="en-US" sz="2000" dirty="0"/>
               <a:t>多期間投資の理論では、これらを別々のパラメータとしてとらえることができる効用関数として、再帰的効用関数を導入する。</a:t>
             </a:r>
-            <a:endParaRPr lang="en-US" altLang="ja-JP" sz="2000" dirty="0" smtClean="0"/>
+            <a:endParaRPr lang="en-US" altLang="ja-JP" sz="2000" dirty="0"/>
           </a:p>
           <a:p>
             <a:pPr marL="0" indent="0">
@@ -4099,53 +10162,41 @@
             </a:pPr>
             <a:r>
               <a:rPr lang="ja-JP" altLang="en-US" sz="2000" dirty="0"/>
-              <a:t>本章</a:t>
-            </a:r>
-            <a:r>
-              <a:rPr lang="ja-JP" altLang="en-US" sz="2000" dirty="0" smtClean="0"/>
-              <a:t>では特に操作性の高い</a:t>
-            </a:r>
-            <a:r>
-              <a:rPr lang="en-US" altLang="ja-JP" sz="2000" b="1" dirty="0" smtClean="0"/>
+              <a:t>本章では特に操作性の高い</a:t>
+            </a:r>
+            <a:r>
+              <a:rPr lang="en-US" altLang="ja-JP" sz="2000" b="1" dirty="0"/>
               <a:t>Epstein=Zin</a:t>
             </a:r>
             <a:r>
-              <a:rPr lang="ja-JP" altLang="en-US" sz="2000" b="1" dirty="0" smtClean="0"/>
+              <a:rPr lang="ja-JP" altLang="en-US" sz="2000" b="1" dirty="0"/>
               <a:t>効用</a:t>
             </a:r>
             <a:r>
-              <a:rPr lang="ja-JP" altLang="en-US" sz="2000" dirty="0" smtClean="0"/>
+              <a:rPr lang="ja-JP" altLang="en-US" sz="2000" dirty="0"/>
               <a:t>を仮定し、リスク回避と許容を表す指標として、それぞれ、相対的リスク回避度</a:t>
             </a:r>
             <a:r>
-              <a:rPr lang="en-US" altLang="ja-JP" sz="2000" dirty="0" smtClean="0"/>
+              <a:rPr lang="en-US" altLang="ja-JP" sz="2000" dirty="0"/>
               <a:t>RRA</a:t>
             </a:r>
             <a:r>
-              <a:rPr lang="ja-JP" altLang="en-US" sz="2000" dirty="0" smtClean="0"/>
+              <a:rPr lang="ja-JP" altLang="en-US" sz="2000" dirty="0"/>
               <a:t>と</a:t>
             </a:r>
             <a:r>
-              <a:rPr lang="ja-JP" altLang="en-US" sz="2000" b="1" dirty="0" smtClean="0"/>
+              <a:rPr lang="ja-JP" altLang="en-US" sz="2000" b="1" dirty="0"/>
               <a:t>異時点間代替弾力性</a:t>
             </a:r>
             <a:r>
-              <a:rPr lang="en-US" altLang="ja-JP" sz="2000" b="1" dirty="0" smtClean="0"/>
+              <a:rPr lang="en-US" altLang="ja-JP" sz="2000" b="1" dirty="0"/>
               <a:t>EIS</a:t>
             </a:r>
             <a:r>
-              <a:rPr lang="ja-JP" altLang="en-US" sz="2000" dirty="0" smtClean="0"/>
-              <a:t>を</a:t>
-            </a:r>
-            <a:r>
-              <a:rPr lang="ja-JP" altLang="en-US" sz="2000" dirty="0"/>
-              <a:t>使用</a:t>
-            </a:r>
-            <a:r>
-              <a:rPr lang="ja-JP" altLang="en-US" sz="2000" dirty="0" smtClean="0"/>
-              <a:t>する。</a:t>
-            </a:r>
-            <a:endParaRPr lang="en-US" altLang="ja-JP" sz="2000" dirty="0" smtClean="0"/>
+              <a:rPr lang="ja-JP" altLang="en-US" sz="2000" dirty="0"/>
+              <a:t>を使用する。</a:t>
+            </a:r>
+            <a:endParaRPr lang="en-US" altLang="ja-JP" sz="2000" dirty="0"/>
           </a:p>
         </p:txBody>
       </p:sp>
@@ -4203,15 +10254,15 @@
           <a:p>
             <a:pPr algn="ctr"/>
             <a:r>
-              <a:rPr kumimoji="1" lang="ja-JP" altLang="en-US" sz="3200" dirty="0" smtClean="0"/>
+              <a:rPr kumimoji="1" lang="ja-JP" altLang="en-US" sz="3200" dirty="0"/>
               <a:t>第</a:t>
             </a:r>
             <a:r>
-              <a:rPr kumimoji="1" lang="en-US" altLang="ja-JP" sz="3200" dirty="0" smtClean="0"/>
+              <a:rPr kumimoji="1" lang="en-US" altLang="ja-JP" sz="3200" dirty="0"/>
               <a:t>1</a:t>
             </a:r>
             <a:r>
-              <a:rPr lang="ja-JP" altLang="en-US" sz="3200" dirty="0" smtClean="0"/>
+              <a:rPr lang="ja-JP" altLang="en-US" sz="3200" dirty="0"/>
               <a:t>節　ライフサイクルとパーソナル・ファイナンス</a:t>
             </a:r>
             <a:endParaRPr kumimoji="1" lang="ja-JP" altLang="en-US" sz="3200" dirty="0"/>
@@ -4271,11 +10322,11 @@
           <a:lstStyle/>
           <a:p>
             <a:r>
-              <a:rPr lang="en-US" altLang="ja-JP" sz="2800" dirty="0" smtClean="0"/>
+              <a:rPr lang="en-US" altLang="ja-JP" sz="2800" dirty="0"/>
               <a:t>§1.1</a:t>
             </a:r>
             <a:r>
-              <a:rPr lang="ja-JP" altLang="en-US" sz="2800" dirty="0" smtClean="0"/>
+              <a:rPr lang="ja-JP" altLang="en-US" sz="2800" dirty="0"/>
               <a:t>　ライフサイクルを多期間でとらえる</a:t>
             </a:r>
             <a:endParaRPr kumimoji="1" lang="ja-JP" altLang="en-US" sz="2800" dirty="0"/>
@@ -4308,20 +10359,20 @@
               <a:buNone/>
             </a:pPr>
             <a:r>
-              <a:rPr lang="ja-JP" altLang="en-US" sz="2000" dirty="0" smtClean="0"/>
+              <a:rPr lang="ja-JP" altLang="en-US" sz="2000" dirty="0"/>
               <a:t>人は生まれてから死ぬまでの間に多くのイベントを経験する。</a:t>
             </a:r>
-            <a:endParaRPr lang="en-US" altLang="ja-JP" sz="2000" dirty="0" smtClean="0"/>
+            <a:endParaRPr lang="en-US" altLang="ja-JP" sz="2000" dirty="0"/>
           </a:p>
           <a:p>
             <a:pPr marL="0" indent="0">
               <a:buNone/>
             </a:pPr>
             <a:r>
-              <a:rPr lang="ja-JP" altLang="en-US" sz="2000" dirty="0" smtClean="0"/>
+              <a:rPr lang="ja-JP" altLang="en-US" sz="2000" dirty="0"/>
               <a:t>結婚、出産、育児、自動車や不動産の購入、旅行など。</a:t>
             </a:r>
-            <a:endParaRPr lang="en-US" altLang="ja-JP" sz="2000" dirty="0" smtClean="0"/>
+            <a:endParaRPr lang="en-US" altLang="ja-JP" sz="2000" dirty="0"/>
           </a:p>
           <a:p>
             <a:pPr marL="0" indent="0">
@@ -4329,13 +10380,9 @@
             </a:pPr>
             <a:r>
               <a:rPr lang="ja-JP" altLang="en-US" sz="2000" dirty="0"/>
-              <a:t>上記</a:t>
-            </a:r>
-            <a:r>
-              <a:rPr lang="ja-JP" altLang="en-US" sz="2000" dirty="0" smtClean="0"/>
-              <a:t>のようにある程度予定されたものもあれば、病気や交通事故のように予期せぬ支出も発生しうる。</a:t>
-            </a:r>
-            <a:endParaRPr lang="en-US" altLang="ja-JP" sz="2000" dirty="0" smtClean="0"/>
+              <a:t>上記のようにある程度予定されたものもあれば、病気や交通事故のように予期せぬ支出も発生しうる。</a:t>
+            </a:r>
+            <a:endParaRPr lang="en-US" altLang="ja-JP" sz="2000" dirty="0"/>
           </a:p>
           <a:p>
             <a:pPr marL="0" indent="0">
@@ -4348,18 +10395,18 @@
               <a:buNone/>
             </a:pPr>
             <a:r>
-              <a:rPr lang="ja-JP" altLang="en-US" sz="2000" dirty="0" smtClean="0"/>
+              <a:rPr lang="ja-JP" altLang="en-US" sz="2000" dirty="0"/>
               <a:t>このような個人のライフサイクルに応じた多期間のアセットアロケーションについて分析する領域が</a:t>
             </a:r>
             <a:r>
-              <a:rPr lang="ja-JP" altLang="en-US" sz="2000" b="1" dirty="0" smtClean="0"/>
+              <a:rPr lang="ja-JP" altLang="en-US" sz="2000" b="1" dirty="0"/>
               <a:t>パーソナル・ファイナンス</a:t>
             </a:r>
             <a:r>
-              <a:rPr lang="ja-JP" altLang="en-US" sz="2000" dirty="0" smtClean="0"/>
+              <a:rPr lang="ja-JP" altLang="en-US" sz="2000" dirty="0"/>
               <a:t>と呼ばれている。</a:t>
             </a:r>
-            <a:endParaRPr lang="en-US" altLang="ja-JP" sz="2000" dirty="0" smtClean="0"/>
+            <a:endParaRPr lang="en-US" altLang="ja-JP" sz="2000" dirty="0"/>
           </a:p>
         </p:txBody>
       </p:sp>
@@ -4416,11 +10463,11 @@
           <a:lstStyle/>
           <a:p>
             <a:r>
-              <a:rPr lang="en-US" altLang="ja-JP" sz="2800" dirty="0" smtClean="0"/>
+              <a:rPr lang="en-US" altLang="ja-JP" sz="2800" dirty="0"/>
               <a:t>§1.1</a:t>
             </a:r>
             <a:r>
-              <a:rPr lang="ja-JP" altLang="en-US" sz="2800" dirty="0" smtClean="0"/>
+              <a:rPr lang="ja-JP" altLang="en-US" sz="2800" dirty="0"/>
               <a:t>　ライフサイクルを多期間でとらえる</a:t>
             </a:r>
             <a:endParaRPr kumimoji="1" lang="ja-JP" altLang="en-US" sz="2800" dirty="0"/>
@@ -4453,19 +10500,15 @@
               <a:buNone/>
             </a:pPr>
             <a:r>
-              <a:rPr lang="en-US" altLang="ja-JP" sz="2000" dirty="0" smtClean="0"/>
+              <a:rPr lang="en-US" altLang="ja-JP" sz="2000" dirty="0"/>
               <a:t>【</a:t>
             </a:r>
             <a:r>
               <a:rPr lang="ja-JP" altLang="en-US" sz="2000" dirty="0"/>
-              <a:t>期間</a:t>
-            </a:r>
-            <a:r>
-              <a:rPr lang="ja-JP" altLang="en-US" sz="2000" dirty="0" smtClean="0"/>
-              <a:t>の認識</a:t>
-            </a:r>
-            <a:r>
-              <a:rPr lang="en-US" altLang="ja-JP" sz="2000" dirty="0" smtClean="0"/>
+              <a:t>期間の認識</a:t>
+            </a:r>
+            <a:r>
+              <a:rPr lang="en-US" altLang="ja-JP" sz="2000" dirty="0"/>
               <a:t>】</a:t>
             </a:r>
           </a:p>
@@ -4474,48 +10517,40 @@
               <a:buNone/>
             </a:pPr>
             <a:r>
-              <a:rPr lang="ja-JP" altLang="en-US" sz="2000" dirty="0" smtClean="0"/>
-              <a:t>多期間</a:t>
-            </a:r>
-            <a:r>
-              <a:rPr lang="ja-JP" altLang="en-US" sz="2000" dirty="0"/>
-              <a:t>モデル</a:t>
-            </a:r>
-            <a:r>
-              <a:rPr lang="ja-JP" altLang="en-US" sz="2000" dirty="0" smtClean="0"/>
-              <a:t>においては、毎期の</a:t>
-            </a:r>
-            <a:r>
-              <a:rPr lang="ja-JP" altLang="en-US" sz="2000" b="1" dirty="0" smtClean="0"/>
+              <a:rPr lang="ja-JP" altLang="en-US" sz="2000" dirty="0"/>
+              <a:t>多期間モデルにおいては、毎期の</a:t>
+            </a:r>
+            <a:r>
+              <a:rPr lang="ja-JP" altLang="en-US" sz="2000" b="1" dirty="0"/>
               <a:t>消費の意思決定</a:t>
             </a:r>
             <a:r>
-              <a:rPr lang="ja-JP" altLang="en-US" sz="2000" dirty="0" smtClean="0"/>
+              <a:rPr lang="ja-JP" altLang="en-US" sz="2000" dirty="0"/>
               <a:t>と</a:t>
             </a:r>
             <a:r>
-              <a:rPr lang="ja-JP" altLang="en-US" sz="2000" b="1" dirty="0" smtClean="0"/>
+              <a:rPr lang="ja-JP" altLang="en-US" sz="2000" b="1" dirty="0"/>
               <a:t>投資行動の選択</a:t>
             </a:r>
             <a:r>
-              <a:rPr lang="ja-JP" altLang="en-US" sz="2000" dirty="0" smtClean="0"/>
+              <a:rPr lang="ja-JP" altLang="en-US" sz="2000" dirty="0"/>
               <a:t>を行う必要がある。</a:t>
             </a:r>
-            <a:endParaRPr lang="en-US" altLang="ja-JP" sz="2000" dirty="0" smtClean="0"/>
+            <a:endParaRPr lang="en-US" altLang="ja-JP" sz="2000" dirty="0"/>
           </a:p>
           <a:p>
             <a:pPr marL="0" indent="0">
               <a:buNone/>
             </a:pPr>
             <a:r>
-              <a:rPr lang="en-US" altLang="ja-JP" sz="2000" dirty="0" smtClean="0"/>
+              <a:rPr lang="en-US" altLang="ja-JP" sz="2000" dirty="0"/>
               <a:t>※1</a:t>
             </a:r>
             <a:r>
-              <a:rPr lang="ja-JP" altLang="en-US" sz="2000" dirty="0" smtClean="0"/>
+              <a:rPr lang="ja-JP" altLang="en-US" sz="2000" dirty="0"/>
               <a:t>期間モデルでは、期末の富をすべて消費に回すため消費の意思決定がなかった。</a:t>
             </a:r>
-            <a:endParaRPr lang="en-US" altLang="ja-JP" sz="2000" dirty="0" smtClean="0"/>
+            <a:endParaRPr lang="en-US" altLang="ja-JP" sz="2000" dirty="0"/>
           </a:p>
           <a:p>
             <a:pPr marL="0" indent="0">
@@ -4528,15 +10563,15 @@
               <a:buNone/>
             </a:pPr>
             <a:r>
-              <a:rPr lang="en-US" altLang="ja-JP" sz="2000" dirty="0" smtClean="0"/>
+              <a:rPr lang="en-US" altLang="ja-JP" sz="2000" dirty="0"/>
               <a:t>【</a:t>
             </a:r>
             <a:r>
-              <a:rPr lang="ja-JP" altLang="en-US" sz="2000" dirty="0" smtClean="0"/>
+              <a:rPr lang="ja-JP" altLang="en-US" sz="2000" dirty="0"/>
               <a:t>多期間モデルの可能性と限界</a:t>
             </a:r>
             <a:r>
-              <a:rPr lang="en-US" altLang="ja-JP" sz="2000" dirty="0" smtClean="0"/>
+              <a:rPr lang="en-US" altLang="ja-JP" sz="2000" dirty="0"/>
               <a:t>】</a:t>
             </a:r>
           </a:p>
@@ -4545,10 +10580,10 @@
               <a:buNone/>
             </a:pPr>
             <a:r>
-              <a:rPr lang="ja-JP" altLang="en-US" sz="2000" dirty="0" smtClean="0"/>
+              <a:rPr lang="ja-JP" altLang="en-US" sz="2000" dirty="0"/>
               <a:t>・投資家の選好が年齢によって変わり得る</a:t>
             </a:r>
-            <a:endParaRPr lang="en-US" altLang="ja-JP" sz="2000" dirty="0" smtClean="0"/>
+            <a:endParaRPr lang="en-US" altLang="ja-JP" sz="2000" dirty="0"/>
           </a:p>
           <a:p>
             <a:pPr marL="0" indent="0">
@@ -4556,71 +10591,67 @@
             </a:pPr>
             <a:r>
               <a:rPr lang="ja-JP" altLang="en-US" sz="2000" dirty="0"/>
-              <a:t>　</a:t>
-            </a:r>
-            <a:r>
-              <a:rPr lang="ja-JP" altLang="en-US" sz="2000" dirty="0" smtClean="0"/>
-              <a:t>⇒</a:t>
-            </a:r>
-            <a:r>
-              <a:rPr lang="ja-JP" altLang="en-US" sz="2000" b="1" dirty="0" smtClean="0"/>
+              <a:t>　⇒</a:t>
+            </a:r>
+            <a:r>
+              <a:rPr lang="ja-JP" altLang="en-US" sz="2000" b="1" dirty="0"/>
               <a:t>リスク回避度や効用関数が変化する</a:t>
             </a:r>
-            <a:endParaRPr lang="en-US" altLang="ja-JP" sz="2000" b="1" dirty="0" smtClean="0"/>
+            <a:endParaRPr lang="en-US" altLang="ja-JP" sz="2000" b="1" dirty="0"/>
           </a:p>
           <a:p>
             <a:pPr marL="0" indent="0">
               <a:buNone/>
             </a:pPr>
             <a:r>
-              <a:rPr lang="ja-JP" altLang="en-US" sz="2000" dirty="0" smtClean="0"/>
+              <a:rPr lang="ja-JP" altLang="en-US" sz="2000" dirty="0"/>
               <a:t>・投資対象の性質も変化する</a:t>
             </a:r>
-            <a:endParaRPr lang="en-US" altLang="ja-JP" sz="2000" dirty="0" smtClean="0"/>
+            <a:endParaRPr lang="en-US" altLang="ja-JP" sz="2000" dirty="0"/>
           </a:p>
           <a:p>
             <a:pPr marL="0" indent="0">
               <a:buNone/>
             </a:pPr>
             <a:r>
-              <a:rPr lang="ja-JP" altLang="en-US" sz="2000" dirty="0" smtClean="0"/>
+              <a:rPr lang="ja-JP" altLang="en-US" sz="2000" dirty="0"/>
               <a:t>　⇒</a:t>
             </a:r>
             <a:r>
-              <a:rPr lang="ja-JP" altLang="en-US" sz="2000" b="1" dirty="0" smtClean="0"/>
+              <a:rPr lang="ja-JP" altLang="en-US" sz="2000" b="1" dirty="0"/>
               <a:t>投資機会集合が変化する</a:t>
             </a:r>
-            <a:endParaRPr lang="en-US" altLang="ja-JP" sz="2000" b="1" dirty="0" smtClean="0"/>
+            <a:endParaRPr lang="en-US" altLang="ja-JP" sz="2000" b="1" dirty="0"/>
           </a:p>
           <a:p>
             <a:pPr marL="0" indent="0">
               <a:buNone/>
             </a:pPr>
             <a:r>
-              <a:rPr lang="ja-JP" altLang="en-US" sz="2000" dirty="0" smtClean="0"/>
+              <a:rPr lang="ja-JP" altLang="en-US" sz="2000" dirty="0"/>
               <a:t>・</a:t>
             </a:r>
             <a:r>
-              <a:rPr lang="ja-JP" altLang="en-US" sz="2000" b="1" dirty="0" smtClean="0"/>
+              <a:rPr lang="ja-JP" altLang="en-US" sz="2000" b="1" dirty="0"/>
               <a:t>インフレの存在</a:t>
             </a:r>
-            <a:endParaRPr lang="en-US" altLang="ja-JP" sz="2000" dirty="0" smtClean="0"/>
+            <a:endParaRPr lang="en-US" altLang="ja-JP" sz="2000" dirty="0"/>
           </a:p>
           <a:p>
             <a:pPr marL="0" indent="0">
               <a:buNone/>
             </a:pPr>
-            <a:endParaRPr lang="en-US" altLang="ja-JP" sz="2000" dirty="0" smtClean="0"/>
+            <a:endParaRPr lang="en-US" altLang="ja-JP" sz="2000" dirty="0"/>
           </a:p>
           <a:p>
             <a:pPr marL="0" indent="0">
               <a:buNone/>
             </a:pPr>
             <a:r>
-              <a:rPr lang="ja-JP" altLang="en-US" sz="2000" dirty="0" smtClean="0"/>
+              <a:rPr lang="ja-JP" altLang="en-US" sz="2000" dirty="0"/>
               <a:t>これらの影響をすべて考慮して、長期投資の最適投資比率を決定するのは至難の業である。</a:t>
             </a:r>
-            <a:endParaRPr lang="en-US" altLang="ja-JP" sz="2000" dirty="0" smtClean="0"/>
+            <a:endParaRPr lang="en-US" altLang="ja-JP" sz="2000" dirty="0"/>
           </a:p>
         </p:txBody>
       </p:sp>
@@ -4677,11 +10708,11 @@
           <a:lstStyle/>
           <a:p>
             <a:r>
-              <a:rPr lang="en-US" altLang="ja-JP" sz="2800" dirty="0" smtClean="0"/>
+              <a:rPr lang="en-US" altLang="ja-JP" sz="2800" dirty="0"/>
               <a:t>§1.1</a:t>
             </a:r>
             <a:r>
-              <a:rPr lang="ja-JP" altLang="en-US" sz="2800" dirty="0" smtClean="0"/>
+              <a:rPr lang="ja-JP" altLang="en-US" sz="2800" dirty="0"/>
               <a:t>　ライフサイクルを多期間でとらえる</a:t>
             </a:r>
             <a:endParaRPr kumimoji="1" lang="ja-JP" altLang="en-US" sz="2800" dirty="0"/>
@@ -4714,23 +10745,23 @@
               <a:buNone/>
             </a:pPr>
             <a:r>
-              <a:rPr lang="en-US" altLang="ja-JP" sz="2000" dirty="0" smtClean="0"/>
+              <a:rPr lang="en-US" altLang="ja-JP" sz="2000" dirty="0"/>
               <a:t>【</a:t>
             </a:r>
             <a:r>
-              <a:rPr lang="ja-JP" altLang="en-US" sz="2000" dirty="0" smtClean="0"/>
+              <a:rPr lang="ja-JP" altLang="en-US" sz="2000" dirty="0"/>
               <a:t>近視眼的投資（</a:t>
             </a:r>
             <a:r>
-              <a:rPr lang="en-US" altLang="ja-JP" sz="2000" dirty="0" smtClean="0"/>
+              <a:rPr lang="en-US" altLang="ja-JP" sz="2000" dirty="0"/>
               <a:t>Myopic Investment</a:t>
             </a:r>
             <a:r>
-              <a:rPr lang="ja-JP" altLang="en-US" sz="2000" dirty="0" smtClean="0"/>
+              <a:rPr lang="ja-JP" altLang="en-US" sz="2000" dirty="0"/>
               <a:t>）</a:t>
             </a:r>
             <a:r>
-              <a:rPr lang="en-US" altLang="ja-JP" sz="2000" dirty="0" smtClean="0"/>
+              <a:rPr lang="en-US" altLang="ja-JP" sz="2000" dirty="0"/>
               <a:t>】</a:t>
             </a:r>
           </a:p>
@@ -4739,58 +10770,46 @@
               <a:buNone/>
             </a:pPr>
             <a:r>
-              <a:rPr lang="en-US" altLang="ja-JP" sz="2000" dirty="0" smtClean="0"/>
+              <a:rPr lang="en-US" altLang="ja-JP" sz="2000" dirty="0"/>
               <a:t>1</a:t>
             </a:r>
             <a:r>
-              <a:rPr lang="ja-JP" altLang="en-US" sz="2000" dirty="0" smtClean="0"/>
-              <a:t>期間</a:t>
-            </a:r>
-            <a:r>
-              <a:rPr lang="ja-JP" altLang="en-US" sz="2000" dirty="0"/>
-              <a:t>モデル</a:t>
-            </a:r>
-            <a:r>
-              <a:rPr lang="ja-JP" altLang="en-US" sz="2000" dirty="0" smtClean="0"/>
-              <a:t>から多期間モデルへの拡張において、効用関数にある仮定を置いてみる。</a:t>
-            </a:r>
-            <a:endParaRPr lang="en-US" altLang="ja-JP" sz="2000" dirty="0" smtClean="0"/>
+              <a:rPr lang="ja-JP" altLang="en-US" sz="2000" dirty="0"/>
+              <a:t>期間モデルから多期間モデルへの拡張において、効用関数にある仮定を置いてみる。</a:t>
+            </a:r>
+            <a:endParaRPr lang="en-US" altLang="ja-JP" sz="2000" dirty="0"/>
           </a:p>
           <a:p>
             <a:pPr marL="0" indent="0">
               <a:buNone/>
             </a:pPr>
             <a:r>
-              <a:rPr lang="ja-JP" altLang="en-US" sz="2000" dirty="0" smtClean="0"/>
-              <a:t>効用関数</a:t>
-            </a:r>
-            <a:r>
-              <a:rPr lang="ja-JP" altLang="en-US" sz="2000" dirty="0" smtClean="0"/>
-              <a:t>が時間に依存せず同一であるとする。</a:t>
-            </a:r>
-            <a:endParaRPr lang="en-US" altLang="ja-JP" sz="2000" dirty="0" smtClean="0"/>
+              <a:rPr lang="ja-JP" altLang="en-US" sz="2000" dirty="0"/>
+              <a:t>効用関数が時間に依存せず同一であるとする。</a:t>
+            </a:r>
+            <a:endParaRPr lang="en-US" altLang="ja-JP" sz="2000" dirty="0"/>
           </a:p>
           <a:p>
             <a:pPr marL="0" indent="0">
               <a:buNone/>
             </a:pPr>
             <a:r>
-              <a:rPr lang="en-US" altLang="ja-JP" sz="2000" dirty="0" smtClean="0"/>
+              <a:rPr lang="en-US" altLang="ja-JP" sz="2000" dirty="0"/>
               <a:t>Samuelson(1969)</a:t>
             </a:r>
             <a:r>
-              <a:rPr lang="ja-JP" altLang="en-US" sz="2000" dirty="0" smtClean="0"/>
+              <a:rPr lang="ja-JP" altLang="en-US" sz="2000" dirty="0"/>
               <a:t>と</a:t>
             </a:r>
             <a:r>
-              <a:rPr lang="en-US" altLang="ja-JP" sz="2000" dirty="0" smtClean="0"/>
+              <a:rPr lang="en-US" altLang="ja-JP" sz="2000" dirty="0"/>
               <a:t>Merton(1969)</a:t>
             </a:r>
             <a:r>
-              <a:rPr lang="ja-JP" altLang="en-US" sz="2000" dirty="0" smtClean="0"/>
+              <a:rPr lang="ja-JP" altLang="en-US" sz="2000" dirty="0"/>
               <a:t>は上記の仮定の下、多期間投資の期待効用最大化問題に取り組んだ。</a:t>
             </a:r>
-            <a:endParaRPr lang="en-US" altLang="ja-JP" sz="2000" dirty="0" smtClean="0"/>
+            <a:endParaRPr lang="en-US" altLang="ja-JP" sz="2000" dirty="0"/>
           </a:p>
           <a:p>
             <a:pPr marL="0" indent="0">
@@ -4803,26 +10822,26 @@
               <a:buNone/>
             </a:pPr>
             <a:r>
-              <a:rPr lang="ja-JP" altLang="en-US" sz="2000" dirty="0" smtClean="0"/>
+              <a:rPr lang="ja-JP" altLang="en-US" sz="2000" dirty="0"/>
               <a:t>結果として、投資家の持つ効用関数や資本の従う確率分布にある仮定を置くことで、</a:t>
             </a:r>
             <a:r>
-              <a:rPr lang="ja-JP" altLang="en-US" sz="2000" u="sng" dirty="0" smtClean="0"/>
+              <a:rPr lang="ja-JP" altLang="en-US" sz="2000" u="sng" dirty="0"/>
               <a:t>多期間の効用最大化問題が</a:t>
             </a:r>
             <a:r>
-              <a:rPr lang="en-US" altLang="ja-JP" sz="2000" u="sng" dirty="0" smtClean="0"/>
+              <a:rPr lang="en-US" altLang="ja-JP" sz="2000" u="sng" dirty="0"/>
               <a:t>1</a:t>
             </a:r>
             <a:r>
-              <a:rPr lang="ja-JP" altLang="en-US" sz="2000" u="sng" dirty="0" smtClean="0"/>
+              <a:rPr lang="ja-JP" altLang="en-US" sz="2000" u="sng" dirty="0"/>
               <a:t>期間モデルの繰り返しに一致する</a:t>
             </a:r>
             <a:r>
-              <a:rPr lang="ja-JP" altLang="en-US" sz="2000" dirty="0" smtClean="0"/>
+              <a:rPr lang="ja-JP" altLang="en-US" sz="2000" dirty="0"/>
               <a:t>ことを示した。</a:t>
             </a:r>
-            <a:endParaRPr lang="en-US" altLang="ja-JP" sz="2000" dirty="0" smtClean="0"/>
+            <a:endParaRPr lang="en-US" altLang="ja-JP" sz="2000" dirty="0"/>
           </a:p>
           <a:p>
             <a:pPr marL="0" indent="0">
@@ -4835,26 +10854,26 @@
               <a:buNone/>
             </a:pPr>
             <a:r>
-              <a:rPr lang="ja-JP" altLang="en-US" sz="2000" dirty="0" smtClean="0"/>
+              <a:rPr lang="ja-JP" altLang="en-US" sz="2000" dirty="0"/>
               <a:t>このような、</a:t>
             </a:r>
             <a:r>
-              <a:rPr lang="en-US" altLang="ja-JP" sz="2000" dirty="0" smtClean="0"/>
+              <a:rPr lang="en-US" altLang="ja-JP" sz="2000" dirty="0"/>
               <a:t>1</a:t>
             </a:r>
             <a:r>
-              <a:rPr lang="ja-JP" altLang="en-US" sz="2000" dirty="0" smtClean="0"/>
+              <a:rPr lang="ja-JP" altLang="en-US" sz="2000" dirty="0"/>
               <a:t>期間モデルの繰り返しを</a:t>
             </a:r>
             <a:r>
-              <a:rPr lang="ja-JP" altLang="en-US" sz="2000" b="1" dirty="0" smtClean="0"/>
+              <a:rPr lang="ja-JP" altLang="en-US" sz="2000" b="1" dirty="0"/>
               <a:t>近視眼的投資</a:t>
             </a:r>
             <a:r>
-              <a:rPr lang="ja-JP" altLang="en-US" sz="2000" dirty="0" smtClean="0"/>
+              <a:rPr lang="ja-JP" altLang="en-US" sz="2000" dirty="0"/>
               <a:t>と呼ぶ。</a:t>
             </a:r>
-            <a:endParaRPr lang="en-US" altLang="ja-JP" sz="2000" dirty="0" smtClean="0"/>
+            <a:endParaRPr lang="en-US" altLang="ja-JP" sz="2000" dirty="0"/>
           </a:p>
           <a:p>
             <a:pPr marL="0" indent="0">
@@ -4867,18 +10886,18 @@
               <a:buNone/>
             </a:pPr>
             <a:r>
-              <a:rPr lang="ja-JP" altLang="en-US" sz="2000" dirty="0" smtClean="0"/>
+              <a:rPr lang="ja-JP" altLang="en-US" sz="2000" dirty="0"/>
               <a:t>詳しくは第</a:t>
             </a:r>
             <a:r>
-              <a:rPr lang="en-US" altLang="ja-JP" sz="2000" dirty="0" smtClean="0"/>
+              <a:rPr lang="en-US" altLang="ja-JP" sz="2000" dirty="0"/>
               <a:t>3</a:t>
             </a:r>
             <a:r>
-              <a:rPr lang="ja-JP" altLang="en-US" sz="2000" dirty="0" smtClean="0"/>
+              <a:rPr lang="ja-JP" altLang="en-US" sz="2000" dirty="0"/>
               <a:t>章で扱う。</a:t>
             </a:r>
-            <a:endParaRPr lang="en-US" altLang="ja-JP" sz="2000" dirty="0" smtClean="0"/>
+            <a:endParaRPr lang="en-US" altLang="ja-JP" sz="2000" dirty="0"/>
           </a:p>
         </p:txBody>
       </p:sp>
@@ -4936,36 +10955,16 @@
           <a:p>
             <a:pPr algn="ctr"/>
             <a:r>
-              <a:rPr kumimoji="1" lang="ja-JP" altLang="en-US" sz="3200" dirty="0" smtClean="0"/>
+              <a:rPr kumimoji="1" lang="ja-JP" altLang="en-US" sz="3200" dirty="0"/>
               <a:t>第</a:t>
             </a:r>
             <a:r>
-              <a:rPr kumimoji="1" lang="en-US" altLang="ja-JP" sz="3200" dirty="0" smtClean="0"/>
+              <a:rPr kumimoji="1" lang="en-US" altLang="ja-JP" sz="3200" dirty="0"/>
               <a:t>2</a:t>
             </a:r>
             <a:r>
-              <a:rPr lang="ja-JP" altLang="en-US" sz="3200" dirty="0" smtClean="0"/>
-              <a:t>節</a:t>
-            </a:r>
-            <a:r>
-              <a:rPr lang="ja-JP" altLang="en-US" sz="3200" dirty="0" smtClean="0"/>
-              <a:t>　</a:t>
-            </a:r>
-            <a:r>
-              <a:rPr lang="ja-JP" altLang="en-US" sz="3200" dirty="0" smtClean="0"/>
-              <a:t>長期</a:t>
-            </a:r>
-            <a:r>
               <a:rPr lang="ja-JP" altLang="en-US" sz="3200" dirty="0"/>
-              <a:t>投資</a:t>
-            </a:r>
-            <a:r>
-              <a:rPr lang="ja-JP" altLang="en-US" sz="3200" dirty="0" smtClean="0"/>
-              <a:t>の基本的</a:t>
-            </a:r>
-            <a:r>
-              <a:rPr lang="ja-JP" altLang="en-US" sz="3200" dirty="0"/>
-              <a:t>考え方</a:t>
+              <a:t>節　長期投資の基本的考え方</a:t>
             </a:r>
             <a:endParaRPr kumimoji="1" lang="ja-JP" altLang="en-US" sz="3200" dirty="0"/>
           </a:p>
@@ -5024,24 +11023,12 @@
           <a:lstStyle/>
           <a:p>
             <a:r>
-              <a:rPr lang="en-US" altLang="ja-JP" sz="2800" dirty="0" smtClean="0"/>
+              <a:rPr lang="en-US" altLang="ja-JP" sz="2800" dirty="0"/>
               <a:t>§2.1</a:t>
             </a:r>
             <a:r>
-              <a:rPr lang="ja-JP" altLang="en-US" sz="2800" dirty="0" smtClean="0"/>
-              <a:t>　</a:t>
-            </a:r>
-            <a:r>
-              <a:rPr lang="ja-JP" altLang="en-US" sz="2800" dirty="0" smtClean="0"/>
-              <a:t>多</a:t>
-            </a:r>
-            <a:r>
               <a:rPr lang="ja-JP" altLang="en-US" sz="2800" dirty="0"/>
-              <a:t>期間</a:t>
-            </a:r>
-            <a:r>
-              <a:rPr lang="ja-JP" altLang="en-US" sz="2800" dirty="0" smtClean="0"/>
-              <a:t>における投資対象と投資主体</a:t>
+              <a:t>　多期間における投資対象と投資主体</a:t>
             </a:r>
             <a:endParaRPr kumimoji="1" lang="ja-JP" altLang="en-US" sz="2800" dirty="0"/>
           </a:p>
@@ -5073,15 +11060,15 @@
               <a:buNone/>
             </a:pPr>
             <a:r>
-              <a:rPr lang="en-US" altLang="ja-JP" sz="2000" dirty="0" smtClean="0"/>
+              <a:rPr lang="en-US" altLang="ja-JP" sz="2000" dirty="0"/>
               <a:t>【</a:t>
             </a:r>
             <a:r>
-              <a:rPr lang="ja-JP" altLang="en-US" sz="2000" dirty="0" smtClean="0"/>
+              <a:rPr lang="ja-JP" altLang="en-US" sz="2000" dirty="0"/>
               <a:t>無リスク資産</a:t>
             </a:r>
             <a:r>
-              <a:rPr lang="en-US" altLang="ja-JP" sz="2000" dirty="0" smtClean="0"/>
+              <a:rPr lang="en-US" altLang="ja-JP" sz="2000" dirty="0"/>
               <a:t>】</a:t>
             </a:r>
           </a:p>
@@ -5090,18 +11077,18 @@
               <a:buNone/>
             </a:pPr>
             <a:r>
-              <a:rPr lang="ja-JP" altLang="en-US" sz="2000" dirty="0" smtClean="0"/>
+              <a:rPr lang="ja-JP" altLang="en-US" sz="2000" dirty="0"/>
               <a:t>多期間における無リスク資産としては、任意の</a:t>
             </a:r>
             <a:r>
-              <a:rPr lang="en-US" altLang="ja-JP" sz="2000" dirty="0" smtClean="0"/>
+              <a:rPr lang="en-US" altLang="ja-JP" sz="2000" dirty="0"/>
               <a:t>1</a:t>
             </a:r>
             <a:r>
-              <a:rPr lang="ja-JP" altLang="en-US" sz="2000" dirty="0" smtClean="0"/>
+              <a:rPr lang="ja-JP" altLang="en-US" sz="2000" dirty="0"/>
               <a:t>期間の期初において、その期末の収益が確定している短期金融資産を考える。</a:t>
             </a:r>
-            <a:endParaRPr lang="en-US" altLang="ja-JP" sz="2000" dirty="0" smtClean="0"/>
+            <a:endParaRPr lang="en-US" altLang="ja-JP" sz="2000" dirty="0"/>
           </a:p>
           <a:p>
             <a:pPr marL="0" indent="0">
@@ -5109,51 +11096,47 @@
             </a:pPr>
             <a:r>
               <a:rPr lang="ja-JP" altLang="en-US" sz="2000" dirty="0"/>
-              <a:t>厳密</a:t>
-            </a:r>
-            <a:r>
-              <a:rPr lang="ja-JP" altLang="en-US" sz="2000" dirty="0" smtClean="0"/>
-              <a:t>には、効用関数の対象となる消費財単位としてとらえるべきであり、その意味では</a:t>
-            </a:r>
-            <a:r>
-              <a:rPr lang="ja-JP" altLang="en-US" sz="2000" b="1" u="sng" dirty="0" smtClean="0"/>
+              <a:t>厳密には、効用関数の対象となる消費財単位としてとらえるべきであり、その意味では</a:t>
+            </a:r>
+            <a:r>
+              <a:rPr lang="ja-JP" altLang="en-US" sz="2000" b="1" u="sng" dirty="0"/>
               <a:t>短期インフレ連動債</a:t>
             </a:r>
             <a:r>
-              <a:rPr lang="ja-JP" altLang="en-US" sz="2000" u="sng" dirty="0" smtClean="0"/>
+              <a:rPr lang="ja-JP" altLang="en-US" sz="2000" u="sng" dirty="0"/>
               <a:t>が真の短期無リスク資産</a:t>
             </a:r>
             <a:r>
-              <a:rPr lang="ja-JP" altLang="en-US" sz="2000" dirty="0" smtClean="0"/>
+              <a:rPr lang="ja-JP" altLang="en-US" sz="2000" dirty="0"/>
               <a:t>である。</a:t>
             </a:r>
-            <a:endParaRPr lang="en-US" altLang="ja-JP" sz="2000" dirty="0" smtClean="0"/>
+            <a:endParaRPr lang="en-US" altLang="ja-JP" sz="2000" dirty="0"/>
           </a:p>
           <a:p>
             <a:pPr marL="0" indent="0">
               <a:buNone/>
             </a:pPr>
             <a:r>
-              <a:rPr lang="ja-JP" altLang="en-US" sz="2000" dirty="0" smtClean="0"/>
+              <a:rPr lang="ja-JP" altLang="en-US" sz="2000" dirty="0"/>
               <a:t>ただ、物価連動債が個人投資家の投資対象として認識されるに至っていない現状と、</a:t>
             </a:r>
             <a:r>
-              <a:rPr lang="en-US" altLang="ja-JP" sz="2000" dirty="0" smtClean="0"/>
+              <a:rPr lang="en-US" altLang="ja-JP" sz="2000" dirty="0"/>
               <a:t>1</a:t>
             </a:r>
             <a:r>
-              <a:rPr lang="ja-JP" altLang="en-US" sz="2000" dirty="0" smtClean="0"/>
+              <a:rPr lang="ja-JP" altLang="en-US" sz="2000" dirty="0"/>
               <a:t>期間におけるインフレ率が小さければ無視できることから、</a:t>
             </a:r>
             <a:r>
-              <a:rPr lang="ja-JP" altLang="en-US" sz="2000" u="sng" dirty="0" smtClean="0"/>
+              <a:rPr lang="ja-JP" altLang="en-US" sz="2000" u="sng" dirty="0"/>
               <a:t>短期国債で代替するのが現実的</a:t>
             </a:r>
             <a:r>
-              <a:rPr lang="ja-JP" altLang="en-US" sz="2000" dirty="0" smtClean="0"/>
+              <a:rPr lang="ja-JP" altLang="en-US" sz="2000" dirty="0"/>
               <a:t>である。</a:t>
             </a:r>
-            <a:endParaRPr lang="en-US" altLang="ja-JP" sz="2000" dirty="0" smtClean="0"/>
+            <a:endParaRPr lang="en-US" altLang="ja-JP" sz="2000" dirty="0"/>
           </a:p>
           <a:p>
             <a:pPr marL="0" indent="0">
@@ -5166,10 +11149,10 @@
               <a:buNone/>
             </a:pPr>
             <a:r>
-              <a:rPr lang="ja-JP" altLang="en-US" sz="2000" dirty="0" smtClean="0"/>
+              <a:rPr lang="ja-JP" altLang="en-US" sz="2000" dirty="0"/>
               <a:t>注意：長期国債はリスク性資産としてとらえる。</a:t>
             </a:r>
-            <a:endParaRPr lang="en-US" altLang="ja-JP" sz="2000" dirty="0" smtClean="0"/>
+            <a:endParaRPr lang="en-US" altLang="ja-JP" sz="2000" dirty="0"/>
           </a:p>
           <a:p>
             <a:pPr marL="0" indent="0">
@@ -5182,15 +11165,15 @@
               <a:buNone/>
             </a:pPr>
             <a:r>
-              <a:rPr lang="en-US" altLang="ja-JP" sz="2000" dirty="0" smtClean="0"/>
+              <a:rPr lang="en-US" altLang="ja-JP" sz="2000" dirty="0"/>
               <a:t>【</a:t>
             </a:r>
             <a:r>
-              <a:rPr lang="ja-JP" altLang="en-US" sz="2000" dirty="0" smtClean="0"/>
+              <a:rPr lang="ja-JP" altLang="en-US" sz="2000" dirty="0"/>
               <a:t>遺産</a:t>
             </a:r>
             <a:r>
-              <a:rPr lang="en-US" altLang="ja-JP" sz="2000" dirty="0" smtClean="0"/>
+              <a:rPr lang="en-US" altLang="ja-JP" sz="2000" dirty="0"/>
               <a:t>】</a:t>
             </a:r>
           </a:p>
@@ -5199,15 +11182,15 @@
               <a:buNone/>
             </a:pPr>
             <a:r>
-              <a:rPr lang="ja-JP" altLang="en-US" sz="2000" dirty="0" smtClean="0"/>
+              <a:rPr lang="ja-JP" altLang="en-US" sz="2000" dirty="0"/>
               <a:t>遺産を残すことに効用があると考えることもできる。この場合、遺産額から得られる効用を表現するために</a:t>
             </a:r>
             <a:r>
-              <a:rPr lang="ja-JP" altLang="en-US" sz="2000" b="1" dirty="0" smtClean="0"/>
+              <a:rPr lang="ja-JP" altLang="en-US" sz="2000" b="1" dirty="0"/>
               <a:t>遺産関数</a:t>
             </a:r>
             <a:r>
-              <a:rPr lang="ja-JP" altLang="en-US" sz="2000" dirty="0" smtClean="0"/>
+              <a:rPr lang="ja-JP" altLang="en-US" sz="2000" dirty="0"/>
               <a:t>を導入することになる。</a:t>
             </a:r>
             <a:endParaRPr lang="en-US" altLang="ja-JP" sz="2000" dirty="0"/>
@@ -5486,4 +11469,319 @@
     </a:ext>
   </a:extLst>
 </a:theme>
+</file>
+
+<file path=ppt/theme/theme2.xml><?xml version="1.0" encoding="utf-8"?>
+<a:theme xmlns:a="http://schemas.openxmlformats.org/drawingml/2006/main" name="Office テーマ">
+  <a:themeElements>
+    <a:clrScheme name="Office">
+      <a:dk1>
+        <a:sysClr val="windowText" lastClr="000000"/>
+      </a:dk1>
+      <a:lt1>
+        <a:sysClr val="window" lastClr="FFFFFF"/>
+      </a:lt1>
+      <a:dk2>
+        <a:srgbClr val="0E2841"/>
+      </a:dk2>
+      <a:lt2>
+        <a:srgbClr val="E8E8E8"/>
+      </a:lt2>
+      <a:accent1>
+        <a:srgbClr val="156082"/>
+      </a:accent1>
+      <a:accent2>
+        <a:srgbClr val="E97132"/>
+      </a:accent2>
+      <a:accent3>
+        <a:srgbClr val="196B24"/>
+      </a:accent3>
+      <a:accent4>
+        <a:srgbClr val="0F9ED5"/>
+      </a:accent4>
+      <a:accent5>
+        <a:srgbClr val="A02B93"/>
+      </a:accent5>
+      <a:accent6>
+        <a:srgbClr val="4EA72E"/>
+      </a:accent6>
+      <a:hlink>
+        <a:srgbClr val="467886"/>
+      </a:hlink>
+      <a:folHlink>
+        <a:srgbClr val="96607D"/>
+      </a:folHlink>
+    </a:clrScheme>
+    <a:fontScheme name="Office">
+      <a:majorFont>
+        <a:latin typeface="游ゴシック Light" panose="02110004020202020204"/>
+        <a:ea typeface=""/>
+        <a:cs typeface=""/>
+        <a:font script="Jpan" typeface="游ゴシック Light"/>
+        <a:font script="Hang" typeface="맑은 고딕"/>
+        <a:font script="Hans" typeface="等线 Light"/>
+        <a:font script="Hant" typeface="新細明體"/>
+        <a:font script="Arab" typeface="Times New Roman"/>
+        <a:font script="Hebr" typeface="Times New Roman"/>
+        <a:font script="Thai" typeface="Angsana New"/>
+        <a:font script="Ethi" typeface="Nyala"/>
+        <a:font script="Beng" typeface="Vrinda"/>
+        <a:font script="Gujr" typeface="Shruti"/>
+        <a:font script="Khmr" typeface="MoolBoran"/>
+        <a:font script="Knda" typeface="Tunga"/>
+        <a:font script="Guru" typeface="Raavi"/>
+        <a:font script="Cans" typeface="Euphemia"/>
+        <a:font script="Cher" typeface="Plantagenet Cherokee"/>
+        <a:font script="Yiii" typeface="Microsoft Yi Baiti"/>
+        <a:font script="Tibt" typeface="Microsoft Himalaya"/>
+        <a:font script="Thaa" typeface="MV Boli"/>
+        <a:font script="Deva" typeface="Mangal"/>
+        <a:font script="Telu" typeface="Gautami"/>
+        <a:font script="Taml" typeface="Latha"/>
+        <a:font script="Syrc" typeface="Estrangelo Edessa"/>
+        <a:font script="Orya" typeface="Kalinga"/>
+        <a:font script="Mlym" typeface="Kartika"/>
+        <a:font script="Laoo" typeface="DokChampa"/>
+        <a:font script="Sinh" typeface="Iskoola Pota"/>
+        <a:font script="Mong" typeface="Mongolian Baiti"/>
+        <a:font script="Viet" typeface="Times New Roman"/>
+        <a:font script="Uigh" typeface="Microsoft Uighur"/>
+        <a:font script="Geor" typeface="Sylfaen"/>
+        <a:font script="Armn" typeface="Arial"/>
+        <a:font script="Bugi" typeface="Leelawadee UI"/>
+        <a:font script="Bopo" typeface="Microsoft JhengHei"/>
+        <a:font script="Java" typeface="Javanese Text"/>
+        <a:font script="Lisu" typeface="Segoe UI"/>
+        <a:font script="Mymr" typeface="Myanmar Text"/>
+        <a:font script="Nkoo" typeface="Ebrima"/>
+        <a:font script="Olck" typeface="Nirmala UI"/>
+        <a:font script="Osma" typeface="Ebrima"/>
+        <a:font script="Phag" typeface="Phagspa"/>
+        <a:font script="Syrn" typeface="Estrangelo Edessa"/>
+        <a:font script="Syrj" typeface="Estrangelo Edessa"/>
+        <a:font script="Syre" typeface="Estrangelo Edessa"/>
+        <a:font script="Sora" typeface="Nirmala UI"/>
+        <a:font script="Tale" typeface="Microsoft Tai Le"/>
+        <a:font script="Talu" typeface="Microsoft New Tai Lue"/>
+        <a:font script="Tfng" typeface="Ebrima"/>
+      </a:majorFont>
+      <a:minorFont>
+        <a:latin typeface="游ゴシック" panose="02110004020202020204"/>
+        <a:ea typeface=""/>
+        <a:cs typeface=""/>
+        <a:font script="Jpan" typeface="游ゴシック"/>
+        <a:font script="Hang" typeface="맑은 고딕"/>
+        <a:font script="Hans" typeface="等线"/>
+        <a:font script="Hant" typeface="新細明體"/>
+        <a:font script="Arab" typeface="Arial"/>
+        <a:font script="Hebr" typeface="Arial"/>
+        <a:font script="Thai" typeface="Cordia New"/>
+        <a:font script="Ethi" typeface="Nyala"/>
+        <a:font script="Beng" typeface="Vrinda"/>
+        <a:font script="Gujr" typeface="Shruti"/>
+        <a:font script="Khmr" typeface="DaunPenh"/>
+        <a:font script="Knda" typeface="Tunga"/>
+        <a:font script="Guru" typeface="Raavi"/>
+        <a:font script="Cans" typeface="Euphemia"/>
+        <a:font script="Cher" typeface="Plantagenet Cherokee"/>
+        <a:font script="Yiii" typeface="Microsoft Yi Baiti"/>
+        <a:font script="Tibt" typeface="Microsoft Himalaya"/>
+        <a:font script="Thaa" typeface="MV Boli"/>
+        <a:font script="Deva" typeface="Mangal"/>
+        <a:font script="Telu" typeface="Gautami"/>
+        <a:font script="Taml" typeface="Latha"/>
+        <a:font script="Syrc" typeface="Estrangelo Edessa"/>
+        <a:font script="Orya" typeface="Kalinga"/>
+        <a:font script="Mlym" typeface="Kartika"/>
+        <a:font script="Laoo" typeface="DokChampa"/>
+        <a:font script="Sinh" typeface="Iskoola Pota"/>
+        <a:font script="Mong" typeface="Mongolian Baiti"/>
+        <a:font script="Viet" typeface="Arial"/>
+        <a:font script="Uigh" typeface="Microsoft Uighur"/>
+        <a:font script="Geor" typeface="Sylfaen"/>
+        <a:font script="Armn" typeface="Arial"/>
+        <a:font script="Bugi" typeface="Leelawadee UI"/>
+        <a:font script="Bopo" typeface="Microsoft JhengHei"/>
+        <a:font script="Java" typeface="Javanese Text"/>
+        <a:font script="Lisu" typeface="Segoe UI"/>
+        <a:font script="Mymr" typeface="Myanmar Text"/>
+        <a:font script="Nkoo" typeface="Ebrima"/>
+        <a:font script="Olck" typeface="Nirmala UI"/>
+        <a:font script="Osma" typeface="Ebrima"/>
+        <a:font script="Phag" typeface="Phagspa"/>
+        <a:font script="Syrn" typeface="Estrangelo Edessa"/>
+        <a:font script="Syrj" typeface="Estrangelo Edessa"/>
+        <a:font script="Syre" typeface="Estrangelo Edessa"/>
+        <a:font script="Sora" typeface="Nirmala UI"/>
+        <a:font script="Tale" typeface="Microsoft Tai Le"/>
+        <a:font script="Talu" typeface="Microsoft New Tai Lue"/>
+        <a:font script="Tfng" typeface="Ebrima"/>
+      </a:minorFont>
+    </a:fontScheme>
+    <a:fmtScheme name="Office">
+      <a:fillStyleLst>
+        <a:solidFill>
+          <a:schemeClr val="phClr"/>
+        </a:solidFill>
+        <a:gradFill rotWithShape="1">
+          <a:gsLst>
+            <a:gs pos="0">
+              <a:schemeClr val="phClr">
+                <a:lumMod val="110000"/>
+                <a:satMod val="105000"/>
+                <a:tint val="67000"/>
+              </a:schemeClr>
+            </a:gs>
+            <a:gs pos="50000">
+              <a:schemeClr val="phClr">
+                <a:lumMod val="105000"/>
+                <a:satMod val="103000"/>
+                <a:tint val="73000"/>
+              </a:schemeClr>
+            </a:gs>
+            <a:gs pos="100000">
+              <a:schemeClr val="phClr">
+                <a:lumMod val="105000"/>
+                <a:satMod val="109000"/>
+                <a:tint val="81000"/>
+              </a:schemeClr>
+            </a:gs>
+          </a:gsLst>
+          <a:lin ang="5400000" scaled="0"/>
+        </a:gradFill>
+        <a:gradFill rotWithShape="1">
+          <a:gsLst>
+            <a:gs pos="0">
+              <a:schemeClr val="phClr">
+                <a:satMod val="103000"/>
+                <a:lumMod val="102000"/>
+                <a:tint val="94000"/>
+              </a:schemeClr>
+            </a:gs>
+            <a:gs pos="50000">
+              <a:schemeClr val="phClr">
+                <a:satMod val="110000"/>
+                <a:lumMod val="100000"/>
+                <a:shade val="100000"/>
+              </a:schemeClr>
+            </a:gs>
+            <a:gs pos="100000">
+              <a:schemeClr val="phClr">
+                <a:lumMod val="99000"/>
+                <a:satMod val="120000"/>
+                <a:shade val="78000"/>
+              </a:schemeClr>
+            </a:gs>
+          </a:gsLst>
+          <a:lin ang="5400000" scaled="0"/>
+        </a:gradFill>
+      </a:fillStyleLst>
+      <a:lnStyleLst>
+        <a:ln w="12700" cap="flat" cmpd="sng" algn="ctr">
+          <a:solidFill>
+            <a:schemeClr val="phClr"/>
+          </a:solidFill>
+          <a:prstDash val="solid"/>
+          <a:miter lim="800000"/>
+        </a:ln>
+        <a:ln w="19050" cap="flat" cmpd="sng" algn="ctr">
+          <a:solidFill>
+            <a:schemeClr val="phClr"/>
+          </a:solidFill>
+          <a:prstDash val="solid"/>
+          <a:miter lim="800000"/>
+        </a:ln>
+        <a:ln w="25400" cap="flat" cmpd="sng" algn="ctr">
+          <a:solidFill>
+            <a:schemeClr val="phClr"/>
+          </a:solidFill>
+          <a:prstDash val="solid"/>
+          <a:miter lim="800000"/>
+        </a:ln>
+      </a:lnStyleLst>
+      <a:effectStyleLst>
+        <a:effectStyle>
+          <a:effectLst/>
+        </a:effectStyle>
+        <a:effectStyle>
+          <a:effectLst/>
+        </a:effectStyle>
+        <a:effectStyle>
+          <a:effectLst>
+            <a:outerShdw blurRad="57150" dist="19050" dir="5400000" algn="ctr" rotWithShape="0">
+              <a:srgbClr val="000000">
+                <a:alpha val="63000"/>
+              </a:srgbClr>
+            </a:outerShdw>
+          </a:effectLst>
+        </a:effectStyle>
+      </a:effectStyleLst>
+      <a:bgFillStyleLst>
+        <a:solidFill>
+          <a:schemeClr val="phClr"/>
+        </a:solidFill>
+        <a:solidFill>
+          <a:schemeClr val="phClr">
+            <a:tint val="95000"/>
+            <a:satMod val="170000"/>
+          </a:schemeClr>
+        </a:solidFill>
+        <a:gradFill rotWithShape="1">
+          <a:gsLst>
+            <a:gs pos="0">
+              <a:schemeClr val="phClr">
+                <a:tint val="93000"/>
+                <a:satMod val="150000"/>
+                <a:shade val="98000"/>
+                <a:lumMod val="102000"/>
+              </a:schemeClr>
+            </a:gs>
+            <a:gs pos="50000">
+              <a:schemeClr val="phClr">
+                <a:tint val="98000"/>
+                <a:satMod val="130000"/>
+                <a:shade val="90000"/>
+                <a:lumMod val="103000"/>
+              </a:schemeClr>
+            </a:gs>
+            <a:gs pos="100000">
+              <a:schemeClr val="phClr">
+                <a:shade val="63000"/>
+                <a:satMod val="120000"/>
+              </a:schemeClr>
+            </a:gs>
+          </a:gsLst>
+          <a:lin ang="5400000" scaled="0"/>
+        </a:gradFill>
+      </a:bgFillStyleLst>
+    </a:fmtScheme>
+  </a:themeElements>
+  <a:objectDefaults>
+    <a:lnDef>
+      <a:spPr/>
+      <a:bodyPr/>
+      <a:lstStyle/>
+      <a:style>
+        <a:lnRef idx="2">
+          <a:schemeClr val="accent1"/>
+        </a:lnRef>
+        <a:fillRef idx="0">
+          <a:schemeClr val="accent1"/>
+        </a:fillRef>
+        <a:effectRef idx="1">
+          <a:schemeClr val="accent1"/>
+        </a:effectRef>
+        <a:fontRef idx="minor">
+          <a:schemeClr val="tx1"/>
+        </a:fontRef>
+      </a:style>
+    </a:lnDef>
+  </a:objectDefaults>
+  <a:extraClrSchemeLst/>
+  <a:extLst>
+    <a:ext uri="{05A4C25C-085E-4340-85A3-A5531E510DB2}">
+      <thm15:themeFamily xmlns:thm15="http://schemas.microsoft.com/office/thememl/2012/main" name="Office Theme" id="{2E142A2C-CD16-42D6-873A-C26D2A0506FA}" vid="{1BDDFF52-6CD6-40A5-AB3C-68EB2F1E4D0A}"/>
+    </a:ext>
+  </a:extLst>
+</a:theme>
 </file>